--- a/proj5/proj5_report.pptx
+++ b/proj5/proj5_report.pptx
@@ -1,29 +1,29 @@
 
 <file path=ppt/presentation.xml><?xml version="1.0" encoding="utf-8"?>
-<p:presentation xmlns:a="http://schemas.openxmlformats.org/drawingml/2006/main" xmlns:r="http://schemas.openxmlformats.org/officeDocument/2006/relationships" xmlns:mc="http://schemas.openxmlformats.org/markup-compatibility/2006" xmlns:mv="urn:schemas-microsoft-com:mac:vml" xmlns:p="http://schemas.openxmlformats.org/presentationml/2006/main" xmlns:c="http://schemas.openxmlformats.org/drawingml/2006/chart" xmlns:dgm="http://schemas.openxmlformats.org/drawingml/2006/diagram" xmlns:o="urn:schemas-microsoft-com:office:office" xmlns:v="urn:schemas-microsoft-com:vml" xmlns:pvml="urn:schemas-microsoft-com:office:powerpoint" xmlns:com="http://schemas.openxmlformats.org/drawingml/2006/compatibility" xmlns:p14="http://schemas.microsoft.com/office/powerpoint/2010/main" xmlns:p15="http://schemas.microsoft.com/office/powerpoint/2012/main" xmlns:ahyp="http://schemas.microsoft.com/office/drawing/2018/hyperlinkcolor" autoCompressPictures="0" strictFirstAndLastChars="0" saveSubsetFonts="1">
+<p:presentation xmlns:a="http://schemas.openxmlformats.org/drawingml/2006/main" xmlns:r="http://schemas.openxmlformats.org/officeDocument/2006/relationships" xmlns:p="http://schemas.openxmlformats.org/presentationml/2006/main" strictFirstAndLastChars="0" saveSubsetFonts="1" autoCompressPictures="0">
   <p:sldMasterIdLst>
-    <p:sldMasterId id="2147483659" r:id="rId5"/>
+    <p:sldMasterId id="2147483659" r:id="rId1"/>
   </p:sldMasterIdLst>
   <p:notesMasterIdLst>
-    <p:notesMasterId r:id="rId6"/>
+    <p:notesMasterId r:id="rId13"/>
   </p:notesMasterIdLst>
   <p:sldIdLst>
-    <p:sldId id="256" r:id="rId7"/>
-    <p:sldId id="257" r:id="rId8"/>
-    <p:sldId id="258" r:id="rId9"/>
-    <p:sldId id="259" r:id="rId10"/>
-    <p:sldId id="260" r:id="rId11"/>
-    <p:sldId id="261" r:id="rId12"/>
-    <p:sldId id="262" r:id="rId13"/>
-    <p:sldId id="263" r:id="rId14"/>
-    <p:sldId id="264" r:id="rId15"/>
-    <p:sldId id="265" r:id="rId16"/>
-    <p:sldId id="266" r:id="rId17"/>
+    <p:sldId id="256" r:id="rId2"/>
+    <p:sldId id="257" r:id="rId3"/>
+    <p:sldId id="258" r:id="rId4"/>
+    <p:sldId id="259" r:id="rId5"/>
+    <p:sldId id="260" r:id="rId6"/>
+    <p:sldId id="261" r:id="rId7"/>
+    <p:sldId id="262" r:id="rId8"/>
+    <p:sldId id="263" r:id="rId9"/>
+    <p:sldId id="264" r:id="rId10"/>
+    <p:sldId id="265" r:id="rId11"/>
+    <p:sldId id="266" r:id="rId12"/>
   </p:sldIdLst>
-  <p:sldSz cy="5143500" cx="9144000"/>
+  <p:sldSz cx="9144000" cy="5143500" type="screen16x9"/>
   <p:notesSz cx="6858000" cy="9144000"/>
   <p:defaultTextStyle>
-    <a:defPPr lvl="0" marR="0" rtl="0" algn="l">
+    <a:defPPr marR="0" lvl="0" algn="l" rtl="0">
       <a:lnSpc>
         <a:spcPct val="100000"/>
       </a:lnSpc>
@@ -34,7 +34,7 @@
         <a:spcPts val="0"/>
       </a:spcAft>
     </a:defPPr>
-    <a:lvl1pPr lvl="0" marR="0" rtl="0" algn="l">
+    <a:lvl1pPr marR="0" lvl="0" algn="l" rtl="0">
       <a:lnSpc>
         <a:spcPct val="100000"/>
       </a:lnSpc>
@@ -48,7 +48,7 @@
         <a:srgbClr val="000000"/>
       </a:buClr>
       <a:buFont typeface="Arial"/>
-      <a:defRPr b="0" i="0" sz="1400" u="none" cap="none" strike="noStrike">
+      <a:defRPr sz="1400" b="0" i="0" u="none" strike="noStrike" cap="none">
         <a:solidFill>
           <a:srgbClr val="000000"/>
         </a:solidFill>
@@ -58,7 +58,7 @@
         <a:sym typeface="Arial"/>
       </a:defRPr>
     </a:lvl1pPr>
-    <a:lvl2pPr lvl="1" marR="0" rtl="0" algn="l">
+    <a:lvl2pPr marR="0" lvl="1" algn="l" rtl="0">
       <a:lnSpc>
         <a:spcPct val="100000"/>
       </a:lnSpc>
@@ -72,7 +72,7 @@
         <a:srgbClr val="000000"/>
       </a:buClr>
       <a:buFont typeface="Arial"/>
-      <a:defRPr b="0" i="0" sz="1400" u="none" cap="none" strike="noStrike">
+      <a:defRPr sz="1400" b="0" i="0" u="none" strike="noStrike" cap="none">
         <a:solidFill>
           <a:srgbClr val="000000"/>
         </a:solidFill>
@@ -82,7 +82,7 @@
         <a:sym typeface="Arial"/>
       </a:defRPr>
     </a:lvl2pPr>
-    <a:lvl3pPr lvl="2" marR="0" rtl="0" algn="l">
+    <a:lvl3pPr marR="0" lvl="2" algn="l" rtl="0">
       <a:lnSpc>
         <a:spcPct val="100000"/>
       </a:lnSpc>
@@ -96,7 +96,7 @@
         <a:srgbClr val="000000"/>
       </a:buClr>
       <a:buFont typeface="Arial"/>
-      <a:defRPr b="0" i="0" sz="1400" u="none" cap="none" strike="noStrike">
+      <a:defRPr sz="1400" b="0" i="0" u="none" strike="noStrike" cap="none">
         <a:solidFill>
           <a:srgbClr val="000000"/>
         </a:solidFill>
@@ -106,7 +106,7 @@
         <a:sym typeface="Arial"/>
       </a:defRPr>
     </a:lvl3pPr>
-    <a:lvl4pPr lvl="3" marR="0" rtl="0" algn="l">
+    <a:lvl4pPr marR="0" lvl="3" algn="l" rtl="0">
       <a:lnSpc>
         <a:spcPct val="100000"/>
       </a:lnSpc>
@@ -120,7 +120,7 @@
         <a:srgbClr val="000000"/>
       </a:buClr>
       <a:buFont typeface="Arial"/>
-      <a:defRPr b="0" i="0" sz="1400" u="none" cap="none" strike="noStrike">
+      <a:defRPr sz="1400" b="0" i="0" u="none" strike="noStrike" cap="none">
         <a:solidFill>
           <a:srgbClr val="000000"/>
         </a:solidFill>
@@ -130,7 +130,7 @@
         <a:sym typeface="Arial"/>
       </a:defRPr>
     </a:lvl4pPr>
-    <a:lvl5pPr lvl="4" marR="0" rtl="0" algn="l">
+    <a:lvl5pPr marR="0" lvl="4" algn="l" rtl="0">
       <a:lnSpc>
         <a:spcPct val="100000"/>
       </a:lnSpc>
@@ -144,7 +144,7 @@
         <a:srgbClr val="000000"/>
       </a:buClr>
       <a:buFont typeface="Arial"/>
-      <a:defRPr b="0" i="0" sz="1400" u="none" cap="none" strike="noStrike">
+      <a:defRPr sz="1400" b="0" i="0" u="none" strike="noStrike" cap="none">
         <a:solidFill>
           <a:srgbClr val="000000"/>
         </a:solidFill>
@@ -154,7 +154,7 @@
         <a:sym typeface="Arial"/>
       </a:defRPr>
     </a:lvl5pPr>
-    <a:lvl6pPr lvl="5" marR="0" rtl="0" algn="l">
+    <a:lvl6pPr marR="0" lvl="5" algn="l" rtl="0">
       <a:lnSpc>
         <a:spcPct val="100000"/>
       </a:lnSpc>
@@ -168,7 +168,7 @@
         <a:srgbClr val="000000"/>
       </a:buClr>
       <a:buFont typeface="Arial"/>
-      <a:defRPr b="0" i="0" sz="1400" u="none" cap="none" strike="noStrike">
+      <a:defRPr sz="1400" b="0" i="0" u="none" strike="noStrike" cap="none">
         <a:solidFill>
           <a:srgbClr val="000000"/>
         </a:solidFill>
@@ -178,7 +178,7 @@
         <a:sym typeface="Arial"/>
       </a:defRPr>
     </a:lvl6pPr>
-    <a:lvl7pPr lvl="6" marR="0" rtl="0" algn="l">
+    <a:lvl7pPr marR="0" lvl="6" algn="l" rtl="0">
       <a:lnSpc>
         <a:spcPct val="100000"/>
       </a:lnSpc>
@@ -192,7 +192,7 @@
         <a:srgbClr val="000000"/>
       </a:buClr>
       <a:buFont typeface="Arial"/>
-      <a:defRPr b="0" i="0" sz="1400" u="none" cap="none" strike="noStrike">
+      <a:defRPr sz="1400" b="0" i="0" u="none" strike="noStrike" cap="none">
         <a:solidFill>
           <a:srgbClr val="000000"/>
         </a:solidFill>
@@ -202,7 +202,7 @@
         <a:sym typeface="Arial"/>
       </a:defRPr>
     </a:lvl7pPr>
-    <a:lvl8pPr lvl="7" marR="0" rtl="0" algn="l">
+    <a:lvl8pPr marR="0" lvl="7" algn="l" rtl="0">
       <a:lnSpc>
         <a:spcPct val="100000"/>
       </a:lnSpc>
@@ -216,7 +216,7 @@
         <a:srgbClr val="000000"/>
       </a:buClr>
       <a:buFont typeface="Arial"/>
-      <a:defRPr b="0" i="0" sz="1400" u="none" cap="none" strike="noStrike">
+      <a:defRPr sz="1400" b="0" i="0" u="none" strike="noStrike" cap="none">
         <a:solidFill>
           <a:srgbClr val="000000"/>
         </a:solidFill>
@@ -226,7 +226,7 @@
         <a:sym typeface="Arial"/>
       </a:defRPr>
     </a:lvl8pPr>
-    <a:lvl9pPr lvl="8" marR="0" rtl="0" algn="l">
+    <a:lvl9pPr marR="0" lvl="8" algn="l" rtl="0">
       <a:lnSpc>
         <a:spcPct val="100000"/>
       </a:lnSpc>
@@ -240,7 +240,7 @@
         <a:srgbClr val="000000"/>
       </a:buClr>
       <a:buFont typeface="Arial"/>
-      <a:defRPr b="0" i="0" sz="1400" u="none" cap="none" strike="noStrike">
+      <a:defRPr sz="1400" b="0" i="0" u="none" strike="noStrike" cap="none">
         <a:solidFill>
           <a:srgbClr val="000000"/>
         </a:solidFill>
@@ -253,7 +253,7 @@
   </p:defaultTextStyle>
   <p:extLst>
     <p:ext uri="{EFAFB233-063F-42B5-8137-9DF3F51BA10A}">
-      <p15:sldGuideLst>
+      <p15:sldGuideLst xmlns:p15="http://schemas.microsoft.com/office/powerpoint/2012/main">
         <p15:guide id="1" orient="horz" pos="1620">
           <p15:clr>
             <a:srgbClr val="A4A3A4"/>
@@ -271,11 +271,16 @@
 </file>
 
 <file path=ppt/notesMasters/notesMaster1.xml><?xml version="1.0" encoding="utf-8"?>
-<p:notesMaster xmlns:a="http://schemas.openxmlformats.org/drawingml/2006/main" xmlns:r="http://schemas.openxmlformats.org/officeDocument/2006/relationships" xmlns:mc="http://schemas.openxmlformats.org/markup-compatibility/2006" xmlns:mv="urn:schemas-microsoft-com:mac:vml" xmlns:p="http://schemas.openxmlformats.org/presentationml/2006/main" xmlns:c="http://schemas.openxmlformats.org/drawingml/2006/chart" xmlns:dgm="http://schemas.openxmlformats.org/drawingml/2006/diagram" xmlns:o="urn:schemas-microsoft-com:office:office" xmlns:v="urn:schemas-microsoft-com:vml" xmlns:pvml="urn:schemas-microsoft-com:office:powerpoint" xmlns:com="http://schemas.openxmlformats.org/drawingml/2006/compatibility" xmlns:p14="http://schemas.microsoft.com/office/powerpoint/2010/main" xmlns:p15="http://schemas.microsoft.com/office/powerpoint/2012/main" xmlns:ahyp="http://schemas.microsoft.com/office/drawing/2018/hyperlinkcolor">
+<p:notesMaster xmlns:a="http://schemas.openxmlformats.org/drawingml/2006/main" xmlns:r="http://schemas.openxmlformats.org/officeDocument/2006/relationships" xmlns:p="http://schemas.openxmlformats.org/presentationml/2006/main">
   <p:cSld>
+    <p:bg>
+      <p:bgRef idx="1001">
+        <a:schemeClr val="bg1"/>
+      </p:bgRef>
+    </p:bg>
     <p:spTree>
       <p:nvGrpSpPr>
-        <p:cNvPr id="2" name="Shape 2"/>
+        <p:cNvPr id="1" name="Shape 2"/>
         <p:cNvGrpSpPr/>
         <p:nvPr/>
       </p:nvGrpSpPr>
@@ -290,9 +295,11 @@
       <p:sp>
         <p:nvSpPr>
           <p:cNvPr id="3" name="Google Shape;3;n"/>
-          <p:cNvSpPr/>
+          <p:cNvSpPr>
+            <a:spLocks noGrp="1" noRot="1" noChangeAspect="1"/>
+          </p:cNvSpPr>
           <p:nvPr>
-            <p:ph idx="2" type="sldImg"/>
+            <p:ph type="sldImg" idx="2"/>
           </p:nvPr>
         </p:nvSpPr>
         <p:spPr>
@@ -301,9 +308,13 @@
             <a:ext cx="6096075" cy="3429000"/>
           </a:xfrm>
           <a:custGeom>
-            <a:rect b="b" l="l" r="r" t="t"/>
+            <a:avLst/>
+            <a:gdLst/>
+            <a:ahLst/>
+            <a:cxnLst/>
+            <a:rect l="l" t="t" r="r" b="b"/>
             <a:pathLst>
-              <a:path extrusionOk="0" h="120000" w="120000">
+              <a:path w="120000" h="120000" extrusionOk="0">
                 <a:moveTo>
                   <a:pt x="0" y="0"/>
                 </a:moveTo>
@@ -321,23 +332,25 @@
             </a:pathLst>
           </a:custGeom>
           <a:noFill/>
-          <a:ln cap="flat" cmpd="sng" w="9525">
+          <a:ln w="9525" cap="flat" cmpd="sng">
             <a:solidFill>
               <a:srgbClr val="000000"/>
             </a:solidFill>
             <a:prstDash val="solid"/>
             <a:round/>
-            <a:headEnd len="sm" w="sm" type="none"/>
-            <a:tailEnd len="sm" w="sm" type="none"/>
+            <a:headEnd type="none" w="sm" len="sm"/>
+            <a:tailEnd type="none" w="sm" len="sm"/>
           </a:ln>
         </p:spPr>
       </p:sp>
       <p:sp>
         <p:nvSpPr>
           <p:cNvPr id="4" name="Google Shape;4;n"/>
-          <p:cNvSpPr txBox="1"/>
+          <p:cNvSpPr txBox="1">
+            <a:spLocks noGrp="1"/>
+          </p:cNvSpPr>
           <p:nvPr>
-            <p:ph idx="1" type="body"/>
+            <p:ph type="body" idx="1"/>
           </p:nvPr>
         </p:nvSpPr>
         <p:spPr>
@@ -354,11 +367,11 @@
           </a:ln>
         </p:spPr>
         <p:txBody>
-          <a:bodyPr anchorCtr="0" anchor="t" bIns="91425" lIns="91425" spcFirstLastPara="1" rIns="91425" wrap="square" tIns="91425">
+          <a:bodyPr spcFirstLastPara="1" wrap="square" lIns="91425" tIns="91425" rIns="91425" bIns="91425" anchor="t" anchorCtr="0">
             <a:noAutofit/>
           </a:bodyPr>
           <a:lstStyle>
-            <a:lvl1pPr indent="-298450" lvl="0" marL="457200" marR="0" rtl="0" algn="l">
+            <a:lvl1pPr marL="457200" marR="0" lvl="0" indent="-298450" algn="l" rtl="0">
               <a:lnSpc>
                 <a:spcPct val="100000"/>
               </a:lnSpc>
@@ -374,7 +387,7 @@
               <a:buSzPts val="1100"/>
               <a:buFont typeface="Arial"/>
               <a:buChar char="●"/>
-              <a:defRPr b="0" i="0" sz="1100" u="none" cap="none" strike="noStrike">
+              <a:defRPr sz="1100" b="0" i="0" u="none" strike="noStrike" cap="none">
                 <a:solidFill>
                   <a:srgbClr val="000000"/>
                 </a:solidFill>
@@ -384,7 +397,7 @@
                 <a:sym typeface="Arial"/>
               </a:defRPr>
             </a:lvl1pPr>
-            <a:lvl2pPr indent="-298450" lvl="1" marL="914400" marR="0" rtl="0" algn="l">
+            <a:lvl2pPr marL="914400" marR="0" lvl="1" indent="-298450" algn="l" rtl="0">
               <a:lnSpc>
                 <a:spcPct val="100000"/>
               </a:lnSpc>
@@ -400,7 +413,7 @@
               <a:buSzPts val="1100"/>
               <a:buFont typeface="Arial"/>
               <a:buChar char="○"/>
-              <a:defRPr b="0" i="0" sz="1100" u="none" cap="none" strike="noStrike">
+              <a:defRPr sz="1100" b="0" i="0" u="none" strike="noStrike" cap="none">
                 <a:solidFill>
                   <a:srgbClr val="000000"/>
                 </a:solidFill>
@@ -410,7 +423,7 @@
                 <a:sym typeface="Arial"/>
               </a:defRPr>
             </a:lvl2pPr>
-            <a:lvl3pPr indent="-298450" lvl="2" marL="1371600" marR="0" rtl="0" algn="l">
+            <a:lvl3pPr marL="1371600" marR="0" lvl="2" indent="-298450" algn="l" rtl="0">
               <a:lnSpc>
                 <a:spcPct val="100000"/>
               </a:lnSpc>
@@ -426,7 +439,7 @@
               <a:buSzPts val="1100"/>
               <a:buFont typeface="Arial"/>
               <a:buChar char="■"/>
-              <a:defRPr b="0" i="0" sz="1100" u="none" cap="none" strike="noStrike">
+              <a:defRPr sz="1100" b="0" i="0" u="none" strike="noStrike" cap="none">
                 <a:solidFill>
                   <a:srgbClr val="000000"/>
                 </a:solidFill>
@@ -436,7 +449,7 @@
                 <a:sym typeface="Arial"/>
               </a:defRPr>
             </a:lvl3pPr>
-            <a:lvl4pPr indent="-298450" lvl="3" marL="1828800" marR="0" rtl="0" algn="l">
+            <a:lvl4pPr marL="1828800" marR="0" lvl="3" indent="-298450" algn="l" rtl="0">
               <a:lnSpc>
                 <a:spcPct val="100000"/>
               </a:lnSpc>
@@ -452,7 +465,7 @@
               <a:buSzPts val="1100"/>
               <a:buFont typeface="Arial"/>
               <a:buChar char="●"/>
-              <a:defRPr b="0" i="0" sz="1100" u="none" cap="none" strike="noStrike">
+              <a:defRPr sz="1100" b="0" i="0" u="none" strike="noStrike" cap="none">
                 <a:solidFill>
                   <a:srgbClr val="000000"/>
                 </a:solidFill>
@@ -462,7 +475,7 @@
                 <a:sym typeface="Arial"/>
               </a:defRPr>
             </a:lvl4pPr>
-            <a:lvl5pPr indent="-298450" lvl="4" marL="2286000" marR="0" rtl="0" algn="l">
+            <a:lvl5pPr marL="2286000" marR="0" lvl="4" indent="-298450" algn="l" rtl="0">
               <a:lnSpc>
                 <a:spcPct val="100000"/>
               </a:lnSpc>
@@ -478,7 +491,7 @@
               <a:buSzPts val="1100"/>
               <a:buFont typeface="Arial"/>
               <a:buChar char="○"/>
-              <a:defRPr b="0" i="0" sz="1100" u="none" cap="none" strike="noStrike">
+              <a:defRPr sz="1100" b="0" i="0" u="none" strike="noStrike" cap="none">
                 <a:solidFill>
                   <a:srgbClr val="000000"/>
                 </a:solidFill>
@@ -488,7 +501,7 @@
                 <a:sym typeface="Arial"/>
               </a:defRPr>
             </a:lvl5pPr>
-            <a:lvl6pPr indent="-298450" lvl="5" marL="2743200" marR="0" rtl="0" algn="l">
+            <a:lvl6pPr marL="2743200" marR="0" lvl="5" indent="-298450" algn="l" rtl="0">
               <a:lnSpc>
                 <a:spcPct val="100000"/>
               </a:lnSpc>
@@ -504,7 +517,7 @@
               <a:buSzPts val="1100"/>
               <a:buFont typeface="Arial"/>
               <a:buChar char="■"/>
-              <a:defRPr b="0" i="0" sz="1100" u="none" cap="none" strike="noStrike">
+              <a:defRPr sz="1100" b="0" i="0" u="none" strike="noStrike" cap="none">
                 <a:solidFill>
                   <a:srgbClr val="000000"/>
                 </a:solidFill>
@@ -514,7 +527,7 @@
                 <a:sym typeface="Arial"/>
               </a:defRPr>
             </a:lvl6pPr>
-            <a:lvl7pPr indent="-298450" lvl="6" marL="3200400" marR="0" rtl="0" algn="l">
+            <a:lvl7pPr marL="3200400" marR="0" lvl="6" indent="-298450" algn="l" rtl="0">
               <a:lnSpc>
                 <a:spcPct val="100000"/>
               </a:lnSpc>
@@ -530,7 +543,7 @@
               <a:buSzPts val="1100"/>
               <a:buFont typeface="Arial"/>
               <a:buChar char="●"/>
-              <a:defRPr b="0" i="0" sz="1100" u="none" cap="none" strike="noStrike">
+              <a:defRPr sz="1100" b="0" i="0" u="none" strike="noStrike" cap="none">
                 <a:solidFill>
                   <a:srgbClr val="000000"/>
                 </a:solidFill>
@@ -540,7 +553,7 @@
                 <a:sym typeface="Arial"/>
               </a:defRPr>
             </a:lvl7pPr>
-            <a:lvl8pPr indent="-298450" lvl="7" marL="3657600" marR="0" rtl="0" algn="l">
+            <a:lvl8pPr marL="3657600" marR="0" lvl="7" indent="-298450" algn="l" rtl="0">
               <a:lnSpc>
                 <a:spcPct val="100000"/>
               </a:lnSpc>
@@ -556,7 +569,7 @@
               <a:buSzPts val="1100"/>
               <a:buFont typeface="Arial"/>
               <a:buChar char="○"/>
-              <a:defRPr b="0" i="0" sz="1100" u="none" cap="none" strike="noStrike">
+              <a:defRPr sz="1100" b="0" i="0" u="none" strike="noStrike" cap="none">
                 <a:solidFill>
                   <a:srgbClr val="000000"/>
                 </a:solidFill>
@@ -566,7 +579,7 @@
                 <a:sym typeface="Arial"/>
               </a:defRPr>
             </a:lvl8pPr>
-            <a:lvl9pPr indent="-298450" lvl="8" marL="4114800" marR="0" rtl="0" algn="l">
+            <a:lvl9pPr marL="4114800" marR="0" lvl="8" indent="-298450" algn="l" rtl="0">
               <a:lnSpc>
                 <a:spcPct val="100000"/>
               </a:lnSpc>
@@ -582,7 +595,7 @@
               <a:buSzPts val="1100"/>
               <a:buFont typeface="Arial"/>
               <a:buChar char="■"/>
-              <a:defRPr b="0" i="0" sz="1100" u="none" cap="none" strike="noStrike">
+              <a:defRPr sz="1100" b="0" i="0" u="none" strike="noStrike" cap="none">
                 <a:solidFill>
                   <a:srgbClr val="000000"/>
                 </a:solidFill>
@@ -593,14 +606,16 @@
               </a:defRPr>
             </a:lvl9pPr>
           </a:lstStyle>
-          <a:p/>
+          <a:p>
+            <a:endParaRPr/>
+          </a:p>
         </p:txBody>
       </p:sp>
     </p:spTree>
   </p:cSld>
-  <p:clrMap accent1="accent1" accent2="accent2" accent3="accent3" accent4="accent4" accent5="accent5" accent6="accent6" bg1="lt1" bg2="dk2" tx1="dk1" tx2="lt2" folHlink="folHlink" hlink="hlink"/>
+  <p:clrMap bg1="lt1" tx1="dk1" bg2="dk2" tx2="lt2" accent1="accent1" accent2="accent2" accent3="accent3" accent4="accent4" accent5="accent5" accent6="accent6" hlink="hlink" folHlink="folHlink"/>
   <p:notesStyle>
-    <a:defPPr lvl="0" marR="0" rtl="0" algn="l">
+    <a:defPPr marR="0" lvl="0" algn="l" rtl="0">
       <a:lnSpc>
         <a:spcPct val="100000"/>
       </a:lnSpc>
@@ -611,7 +626,7 @@
         <a:spcPts val="0"/>
       </a:spcAft>
     </a:defPPr>
-    <a:lvl1pPr lvl="0" marR="0" rtl="0" algn="l">
+    <a:lvl1pPr marR="0" lvl="0" algn="l" rtl="0">
       <a:lnSpc>
         <a:spcPct val="100000"/>
       </a:lnSpc>
@@ -625,7 +640,7 @@
         <a:srgbClr val="000000"/>
       </a:buClr>
       <a:buFont typeface="Arial"/>
-      <a:defRPr b="0" i="0" sz="1400" u="none" cap="none" strike="noStrike">
+      <a:defRPr sz="1400" b="0" i="0" u="none" strike="noStrike" cap="none">
         <a:solidFill>
           <a:srgbClr val="000000"/>
         </a:solidFill>
@@ -635,7 +650,7 @@
         <a:sym typeface="Arial"/>
       </a:defRPr>
     </a:lvl1pPr>
-    <a:lvl2pPr lvl="1" marR="0" rtl="0" algn="l">
+    <a:lvl2pPr marR="0" lvl="1" algn="l" rtl="0">
       <a:lnSpc>
         <a:spcPct val="100000"/>
       </a:lnSpc>
@@ -649,7 +664,7 @@
         <a:srgbClr val="000000"/>
       </a:buClr>
       <a:buFont typeface="Arial"/>
-      <a:defRPr b="0" i="0" sz="1400" u="none" cap="none" strike="noStrike">
+      <a:defRPr sz="1400" b="0" i="0" u="none" strike="noStrike" cap="none">
         <a:solidFill>
           <a:srgbClr val="000000"/>
         </a:solidFill>
@@ -659,7 +674,7 @@
         <a:sym typeface="Arial"/>
       </a:defRPr>
     </a:lvl2pPr>
-    <a:lvl3pPr lvl="2" marR="0" rtl="0" algn="l">
+    <a:lvl3pPr marR="0" lvl="2" algn="l" rtl="0">
       <a:lnSpc>
         <a:spcPct val="100000"/>
       </a:lnSpc>
@@ -673,7 +688,7 @@
         <a:srgbClr val="000000"/>
       </a:buClr>
       <a:buFont typeface="Arial"/>
-      <a:defRPr b="0" i="0" sz="1400" u="none" cap="none" strike="noStrike">
+      <a:defRPr sz="1400" b="0" i="0" u="none" strike="noStrike" cap="none">
         <a:solidFill>
           <a:srgbClr val="000000"/>
         </a:solidFill>
@@ -683,7 +698,7 @@
         <a:sym typeface="Arial"/>
       </a:defRPr>
     </a:lvl3pPr>
-    <a:lvl4pPr lvl="3" marR="0" rtl="0" algn="l">
+    <a:lvl4pPr marR="0" lvl="3" algn="l" rtl="0">
       <a:lnSpc>
         <a:spcPct val="100000"/>
       </a:lnSpc>
@@ -697,7 +712,7 @@
         <a:srgbClr val="000000"/>
       </a:buClr>
       <a:buFont typeface="Arial"/>
-      <a:defRPr b="0" i="0" sz="1400" u="none" cap="none" strike="noStrike">
+      <a:defRPr sz="1400" b="0" i="0" u="none" strike="noStrike" cap="none">
         <a:solidFill>
           <a:srgbClr val="000000"/>
         </a:solidFill>
@@ -707,7 +722,7 @@
         <a:sym typeface="Arial"/>
       </a:defRPr>
     </a:lvl4pPr>
-    <a:lvl5pPr lvl="4" marR="0" rtl="0" algn="l">
+    <a:lvl5pPr marR="0" lvl="4" algn="l" rtl="0">
       <a:lnSpc>
         <a:spcPct val="100000"/>
       </a:lnSpc>
@@ -721,7 +736,7 @@
         <a:srgbClr val="000000"/>
       </a:buClr>
       <a:buFont typeface="Arial"/>
-      <a:defRPr b="0" i="0" sz="1400" u="none" cap="none" strike="noStrike">
+      <a:defRPr sz="1400" b="0" i="0" u="none" strike="noStrike" cap="none">
         <a:solidFill>
           <a:srgbClr val="000000"/>
         </a:solidFill>
@@ -731,7 +746,7 @@
         <a:sym typeface="Arial"/>
       </a:defRPr>
     </a:lvl5pPr>
-    <a:lvl6pPr lvl="5" marR="0" rtl="0" algn="l">
+    <a:lvl6pPr marR="0" lvl="5" algn="l" rtl="0">
       <a:lnSpc>
         <a:spcPct val="100000"/>
       </a:lnSpc>
@@ -745,7 +760,7 @@
         <a:srgbClr val="000000"/>
       </a:buClr>
       <a:buFont typeface="Arial"/>
-      <a:defRPr b="0" i="0" sz="1400" u="none" cap="none" strike="noStrike">
+      <a:defRPr sz="1400" b="0" i="0" u="none" strike="noStrike" cap="none">
         <a:solidFill>
           <a:srgbClr val="000000"/>
         </a:solidFill>
@@ -755,7 +770,7 @@
         <a:sym typeface="Arial"/>
       </a:defRPr>
     </a:lvl6pPr>
-    <a:lvl7pPr lvl="6" marR="0" rtl="0" algn="l">
+    <a:lvl7pPr marR="0" lvl="6" algn="l" rtl="0">
       <a:lnSpc>
         <a:spcPct val="100000"/>
       </a:lnSpc>
@@ -769,7 +784,7 @@
         <a:srgbClr val="000000"/>
       </a:buClr>
       <a:buFont typeface="Arial"/>
-      <a:defRPr b="0" i="0" sz="1400" u="none" cap="none" strike="noStrike">
+      <a:defRPr sz="1400" b="0" i="0" u="none" strike="noStrike" cap="none">
         <a:solidFill>
           <a:srgbClr val="000000"/>
         </a:solidFill>
@@ -779,7 +794,7 @@
         <a:sym typeface="Arial"/>
       </a:defRPr>
     </a:lvl7pPr>
-    <a:lvl8pPr lvl="7" marR="0" rtl="0" algn="l">
+    <a:lvl8pPr marR="0" lvl="7" algn="l" rtl="0">
       <a:lnSpc>
         <a:spcPct val="100000"/>
       </a:lnSpc>
@@ -793,7 +808,7 @@
         <a:srgbClr val="000000"/>
       </a:buClr>
       <a:buFont typeface="Arial"/>
-      <a:defRPr b="0" i="0" sz="1400" u="none" cap="none" strike="noStrike">
+      <a:defRPr sz="1400" b="0" i="0" u="none" strike="noStrike" cap="none">
         <a:solidFill>
           <a:srgbClr val="000000"/>
         </a:solidFill>
@@ -803,7 +818,7 @@
         <a:sym typeface="Arial"/>
       </a:defRPr>
     </a:lvl8pPr>
-    <a:lvl9pPr lvl="8" marR="0" rtl="0" algn="l">
+    <a:lvl9pPr marR="0" lvl="8" algn="l" rtl="0">
       <a:lnSpc>
         <a:spcPct val="100000"/>
       </a:lnSpc>
@@ -817,7 +832,7 @@
         <a:srgbClr val="000000"/>
       </a:buClr>
       <a:buFont typeface="Arial"/>
-      <a:defRPr b="0" i="0" sz="1400" u="none" cap="none" strike="noStrike">
+      <a:defRPr sz="1400" b="0" i="0" u="none" strike="noStrike" cap="none">
         <a:solidFill>
           <a:srgbClr val="000000"/>
         </a:solidFill>
@@ -832,11 +847,11 @@
 </file>
 
 <file path=ppt/notesSlides/notesSlide1.xml><?xml version="1.0" encoding="utf-8"?>
-<p:notes xmlns:a="http://schemas.openxmlformats.org/drawingml/2006/main" xmlns:r="http://schemas.openxmlformats.org/officeDocument/2006/relationships" xmlns:mc="http://schemas.openxmlformats.org/markup-compatibility/2006" xmlns:mv="urn:schemas-microsoft-com:mac:vml" xmlns:p="http://schemas.openxmlformats.org/presentationml/2006/main" xmlns:c="http://schemas.openxmlformats.org/drawingml/2006/chart" xmlns:dgm="http://schemas.openxmlformats.org/drawingml/2006/diagram" xmlns:o="urn:schemas-microsoft-com:office:office" xmlns:v="urn:schemas-microsoft-com:vml" xmlns:pvml="urn:schemas-microsoft-com:office:powerpoint" xmlns:com="http://schemas.openxmlformats.org/drawingml/2006/compatibility" xmlns:p14="http://schemas.microsoft.com/office/powerpoint/2010/main" xmlns:p15="http://schemas.microsoft.com/office/powerpoint/2012/main" xmlns:ahyp="http://schemas.microsoft.com/office/drawing/2018/hyperlinkcolor" showMasterPhAnim="0" showMasterSp="0">
+<p:notes xmlns:a="http://schemas.openxmlformats.org/drawingml/2006/main" xmlns:r="http://schemas.openxmlformats.org/officeDocument/2006/relationships" xmlns:p="http://schemas.openxmlformats.org/presentationml/2006/main" showMasterSp="0" showMasterPhAnim="0">
   <p:cSld>
     <p:spTree>
       <p:nvGrpSpPr>
-        <p:cNvPr id="50" name="Shape 50"/>
+        <p:cNvPr id="1" name="Shape 50"/>
         <p:cNvGrpSpPr/>
         <p:nvPr/>
       </p:nvGrpSpPr>
@@ -851,20 +866,26 @@
       <p:sp>
         <p:nvSpPr>
           <p:cNvPr id="51" name="Google Shape;51;p1:notes"/>
-          <p:cNvSpPr/>
+          <p:cNvSpPr>
+            <a:spLocks noGrp="1" noRot="1" noChangeAspect="1"/>
+          </p:cNvSpPr>
           <p:nvPr>
-            <p:ph idx="2" type="sldImg"/>
+            <p:ph type="sldImg" idx="2"/>
           </p:nvPr>
         </p:nvSpPr>
         <p:spPr>
           <a:xfrm>
-            <a:off x="381300" y="685800"/>
-            <a:ext cx="6096075" cy="3429000"/>
+            <a:off x="381000" y="685800"/>
+            <a:ext cx="6096000" cy="3429000"/>
           </a:xfrm>
           <a:custGeom>
-            <a:rect b="b" l="l" r="r" t="t"/>
+            <a:avLst/>
+            <a:gdLst/>
+            <a:ahLst/>
+            <a:cxnLst/>
+            <a:rect l="l" t="t" r="r" b="b"/>
             <a:pathLst>
-              <a:path extrusionOk="0" h="120000" w="120000">
+              <a:path w="120000" h="120000" extrusionOk="0">
                 <a:moveTo>
                   <a:pt x="0" y="0"/>
                 </a:moveTo>
@@ -882,23 +903,25 @@
             </a:pathLst>
           </a:custGeom>
           <a:noFill/>
-          <a:ln cap="flat" cmpd="sng" w="9525">
+          <a:ln w="9525" cap="flat" cmpd="sng">
             <a:solidFill>
               <a:srgbClr val="000000"/>
             </a:solidFill>
             <a:prstDash val="solid"/>
             <a:round/>
-            <a:headEnd len="sm" w="sm" type="none"/>
-            <a:tailEnd len="sm" w="sm" type="none"/>
+            <a:headEnd type="none" w="sm" len="sm"/>
+            <a:tailEnd type="none" w="sm" len="sm"/>
           </a:ln>
         </p:spPr>
       </p:sp>
       <p:sp>
         <p:nvSpPr>
           <p:cNvPr id="52" name="Google Shape;52;p1:notes"/>
-          <p:cNvSpPr txBox="1"/>
+          <p:cNvSpPr txBox="1">
+            <a:spLocks noGrp="1"/>
+          </p:cNvSpPr>
           <p:nvPr>
-            <p:ph idx="1" type="body"/>
+            <p:ph type="body" idx="1"/>
           </p:nvPr>
         </p:nvSpPr>
         <p:spPr>
@@ -915,12 +938,12 @@
           </a:ln>
         </p:spPr>
         <p:txBody>
-          <a:bodyPr anchorCtr="0" anchor="t" bIns="91425" lIns="91425" spcFirstLastPara="1" rIns="91425" wrap="square" tIns="91425">
+          <a:bodyPr spcFirstLastPara="1" wrap="square" lIns="91425" tIns="91425" rIns="91425" bIns="91425" anchor="t" anchorCtr="0">
             <a:noAutofit/>
           </a:bodyPr>
           <a:lstStyle/>
           <a:p>
-            <a:pPr indent="0" lvl="0" marL="0" rtl="0" algn="l">
+            <a:pPr marL="0" lvl="0" indent="0" algn="l" rtl="0">
               <a:lnSpc>
                 <a:spcPct val="100000"/>
               </a:lnSpc>
@@ -933,9 +956,6 @@
               <a:buSzPts val="1100"/>
               <a:buNone/>
             </a:pPr>
-            <a:r>
-              <a:t/>
-            </a:r>
             <a:endParaRPr/>
           </a:p>
         </p:txBody>
@@ -949,11 +969,11 @@
 </file>
 
 <file path=ppt/notesSlides/notesSlide10.xml><?xml version="1.0" encoding="utf-8"?>
-<p:notes xmlns:a="http://schemas.openxmlformats.org/drawingml/2006/main" xmlns:r="http://schemas.openxmlformats.org/officeDocument/2006/relationships" xmlns:mc="http://schemas.openxmlformats.org/markup-compatibility/2006" xmlns:mv="urn:schemas-microsoft-com:mac:vml" xmlns:p="http://schemas.openxmlformats.org/presentationml/2006/main" xmlns:c="http://schemas.openxmlformats.org/drawingml/2006/chart" xmlns:dgm="http://schemas.openxmlformats.org/drawingml/2006/diagram" xmlns:o="urn:schemas-microsoft-com:office:office" xmlns:v="urn:schemas-microsoft-com:vml" xmlns:pvml="urn:schemas-microsoft-com:office:powerpoint" xmlns:com="http://schemas.openxmlformats.org/drawingml/2006/compatibility" xmlns:p14="http://schemas.microsoft.com/office/powerpoint/2010/main" xmlns:p15="http://schemas.microsoft.com/office/powerpoint/2012/main" xmlns:ahyp="http://schemas.microsoft.com/office/drawing/2018/hyperlinkcolor" showMasterPhAnim="0" showMasterSp="0">
+<p:notes xmlns:a="http://schemas.openxmlformats.org/drawingml/2006/main" xmlns:r="http://schemas.openxmlformats.org/officeDocument/2006/relationships" xmlns:p="http://schemas.openxmlformats.org/presentationml/2006/main" showMasterSp="0" showMasterPhAnim="0">
   <p:cSld>
     <p:spTree>
       <p:nvGrpSpPr>
-        <p:cNvPr id="110" name="Shape 110"/>
+        <p:cNvPr id="1" name="Shape 110"/>
         <p:cNvGrpSpPr/>
         <p:nvPr/>
       </p:nvGrpSpPr>
@@ -968,20 +988,26 @@
       <p:sp>
         <p:nvSpPr>
           <p:cNvPr id="111" name="Google Shape;111;gcee6c9df4b_0_41:notes"/>
-          <p:cNvSpPr/>
+          <p:cNvSpPr>
+            <a:spLocks noGrp="1" noRot="1" noChangeAspect="1"/>
+          </p:cNvSpPr>
           <p:nvPr>
-            <p:ph idx="2" type="sldImg"/>
+            <p:ph type="sldImg" idx="2"/>
           </p:nvPr>
         </p:nvSpPr>
         <p:spPr>
           <a:xfrm>
-            <a:off x="381300" y="685800"/>
+            <a:off x="381000" y="685800"/>
             <a:ext cx="6096000" cy="3429000"/>
           </a:xfrm>
           <a:custGeom>
-            <a:rect b="b" l="l" r="r" t="t"/>
+            <a:avLst/>
+            <a:gdLst/>
+            <a:ahLst/>
+            <a:cxnLst/>
+            <a:rect l="l" t="t" r="r" b="b"/>
             <a:pathLst>
-              <a:path extrusionOk="0" h="120000" w="120000">
+              <a:path w="120000" h="120000" extrusionOk="0">
                 <a:moveTo>
                   <a:pt x="0" y="0"/>
                 </a:moveTo>
@@ -1003,9 +1029,11 @@
       <p:sp>
         <p:nvSpPr>
           <p:cNvPr id="112" name="Google Shape;112;gcee6c9df4b_0_41:notes"/>
-          <p:cNvSpPr txBox="1"/>
+          <p:cNvSpPr txBox="1">
+            <a:spLocks noGrp="1"/>
+          </p:cNvSpPr>
           <p:nvPr>
-            <p:ph idx="1" type="body"/>
+            <p:ph type="body" idx="1"/>
           </p:nvPr>
         </p:nvSpPr>
         <p:spPr>
@@ -1018,12 +1046,12 @@
           </a:prstGeom>
         </p:spPr>
         <p:txBody>
-          <a:bodyPr anchorCtr="0" anchor="t" bIns="91425" lIns="91425" spcFirstLastPara="1" rIns="91425" wrap="square" tIns="91425">
+          <a:bodyPr spcFirstLastPara="1" wrap="square" lIns="91425" tIns="91425" rIns="91425" bIns="91425" anchor="t" anchorCtr="0">
             <a:noAutofit/>
           </a:bodyPr>
           <a:lstStyle/>
           <a:p>
-            <a:pPr indent="0" lvl="0" marL="0" rtl="0" algn="l">
+            <a:pPr marL="0" lvl="0" indent="0" algn="l" rtl="0">
               <a:spcBef>
                 <a:spcPts val="0"/>
               </a:spcBef>
@@ -1032,9 +1060,6 @@
               </a:spcAft>
               <a:buNone/>
             </a:pPr>
-            <a:r>
-              <a:t/>
-            </a:r>
             <a:endParaRPr/>
           </a:p>
         </p:txBody>
@@ -1048,11 +1073,11 @@
 </file>
 
 <file path=ppt/notesSlides/notesSlide11.xml><?xml version="1.0" encoding="utf-8"?>
-<p:notes xmlns:a="http://schemas.openxmlformats.org/drawingml/2006/main" xmlns:r="http://schemas.openxmlformats.org/officeDocument/2006/relationships" xmlns:mc="http://schemas.openxmlformats.org/markup-compatibility/2006" xmlns:mv="urn:schemas-microsoft-com:mac:vml" xmlns:p="http://schemas.openxmlformats.org/presentationml/2006/main" xmlns:c="http://schemas.openxmlformats.org/drawingml/2006/chart" xmlns:dgm="http://schemas.openxmlformats.org/drawingml/2006/diagram" xmlns:o="urn:schemas-microsoft-com:office:office" xmlns:v="urn:schemas-microsoft-com:vml" xmlns:pvml="urn:schemas-microsoft-com:office:powerpoint" xmlns:com="http://schemas.openxmlformats.org/drawingml/2006/compatibility" xmlns:p14="http://schemas.microsoft.com/office/powerpoint/2010/main" xmlns:p15="http://schemas.microsoft.com/office/powerpoint/2012/main" xmlns:ahyp="http://schemas.microsoft.com/office/drawing/2018/hyperlinkcolor" showMasterPhAnim="0" showMasterSp="0">
+<p:notes xmlns:a="http://schemas.openxmlformats.org/drawingml/2006/main" xmlns:r="http://schemas.openxmlformats.org/officeDocument/2006/relationships" xmlns:p="http://schemas.openxmlformats.org/presentationml/2006/main" showMasterSp="0" showMasterPhAnim="0">
   <p:cSld>
     <p:spTree>
       <p:nvGrpSpPr>
-        <p:cNvPr id="117" name="Shape 117"/>
+        <p:cNvPr id="1" name="Shape 117"/>
         <p:cNvGrpSpPr/>
         <p:nvPr/>
       </p:nvGrpSpPr>
@@ -1067,9 +1092,11 @@
       <p:sp>
         <p:nvSpPr>
           <p:cNvPr id="118" name="Google Shape;118;gcee6c9df4b_0_47:notes"/>
-          <p:cNvSpPr/>
+          <p:cNvSpPr>
+            <a:spLocks noGrp="1" noRot="1" noChangeAspect="1"/>
+          </p:cNvSpPr>
           <p:nvPr>
-            <p:ph idx="2" type="sldImg"/>
+            <p:ph type="sldImg" idx="2"/>
           </p:nvPr>
         </p:nvSpPr>
         <p:spPr>
@@ -1078,9 +1105,13 @@
             <a:ext cx="6096000" cy="3429000"/>
           </a:xfrm>
           <a:custGeom>
-            <a:rect b="b" l="l" r="r" t="t"/>
+            <a:avLst/>
+            <a:gdLst/>
+            <a:ahLst/>
+            <a:cxnLst/>
+            <a:rect l="l" t="t" r="r" b="b"/>
             <a:pathLst>
-              <a:path extrusionOk="0" h="120000" w="120000">
+              <a:path w="120000" h="120000" extrusionOk="0">
                 <a:moveTo>
                   <a:pt x="0" y="0"/>
                 </a:moveTo>
@@ -1102,9 +1133,11 @@
       <p:sp>
         <p:nvSpPr>
           <p:cNvPr id="119" name="Google Shape;119;gcee6c9df4b_0_47:notes"/>
-          <p:cNvSpPr txBox="1"/>
+          <p:cNvSpPr txBox="1">
+            <a:spLocks noGrp="1"/>
+          </p:cNvSpPr>
           <p:nvPr>
-            <p:ph idx="1" type="body"/>
+            <p:ph type="body" idx="1"/>
           </p:nvPr>
         </p:nvSpPr>
         <p:spPr>
@@ -1117,12 +1150,12 @@
           </a:prstGeom>
         </p:spPr>
         <p:txBody>
-          <a:bodyPr anchorCtr="0" anchor="t" bIns="91425" lIns="91425" spcFirstLastPara="1" rIns="91425" wrap="square" tIns="91425">
+          <a:bodyPr spcFirstLastPara="1" wrap="square" lIns="91425" tIns="91425" rIns="91425" bIns="91425" anchor="t" anchorCtr="0">
             <a:noAutofit/>
           </a:bodyPr>
           <a:lstStyle/>
           <a:p>
-            <a:pPr indent="0" lvl="0" marL="0" rtl="0" algn="l">
+            <a:pPr marL="0" lvl="0" indent="0" algn="l" rtl="0">
               <a:spcBef>
                 <a:spcPts val="0"/>
               </a:spcBef>
@@ -1131,9 +1164,6 @@
               </a:spcAft>
               <a:buNone/>
             </a:pPr>
-            <a:r>
-              <a:t/>
-            </a:r>
             <a:endParaRPr/>
           </a:p>
         </p:txBody>
@@ -1147,11 +1177,11 @@
 </file>
 
 <file path=ppt/notesSlides/notesSlide2.xml><?xml version="1.0" encoding="utf-8"?>
-<p:notes xmlns:a="http://schemas.openxmlformats.org/drawingml/2006/main" xmlns:r="http://schemas.openxmlformats.org/officeDocument/2006/relationships" xmlns:mc="http://schemas.openxmlformats.org/markup-compatibility/2006" xmlns:mv="urn:schemas-microsoft-com:mac:vml" xmlns:p="http://schemas.openxmlformats.org/presentationml/2006/main" xmlns:c="http://schemas.openxmlformats.org/drawingml/2006/chart" xmlns:dgm="http://schemas.openxmlformats.org/drawingml/2006/diagram" xmlns:o="urn:schemas-microsoft-com:office:office" xmlns:v="urn:schemas-microsoft-com:vml" xmlns:pvml="urn:schemas-microsoft-com:office:powerpoint" xmlns:com="http://schemas.openxmlformats.org/drawingml/2006/compatibility" xmlns:p14="http://schemas.microsoft.com/office/powerpoint/2010/main" xmlns:p15="http://schemas.microsoft.com/office/powerpoint/2012/main" xmlns:ahyp="http://schemas.microsoft.com/office/drawing/2018/hyperlinkcolor" showMasterPhAnim="0" showMasterSp="0">
+<p:notes xmlns:a="http://schemas.openxmlformats.org/drawingml/2006/main" xmlns:r="http://schemas.openxmlformats.org/officeDocument/2006/relationships" xmlns:p="http://schemas.openxmlformats.org/presentationml/2006/main" showMasterSp="0" showMasterPhAnim="0">
   <p:cSld>
     <p:spTree>
       <p:nvGrpSpPr>
-        <p:cNvPr id="56" name="Shape 56"/>
+        <p:cNvPr id="1" name="Shape 56"/>
         <p:cNvGrpSpPr/>
         <p:nvPr/>
       </p:nvGrpSpPr>
@@ -1166,20 +1196,26 @@
       <p:sp>
         <p:nvSpPr>
           <p:cNvPr id="57" name="Google Shape;57;gcee6c9df4b_0_0:notes"/>
-          <p:cNvSpPr/>
+          <p:cNvSpPr>
+            <a:spLocks noGrp="1" noRot="1" noChangeAspect="1"/>
+          </p:cNvSpPr>
           <p:nvPr>
-            <p:ph idx="2" type="sldImg"/>
+            <p:ph type="sldImg" idx="2"/>
           </p:nvPr>
         </p:nvSpPr>
         <p:spPr>
           <a:xfrm>
-            <a:off x="381300" y="685800"/>
+            <a:off x="381000" y="685800"/>
             <a:ext cx="6096000" cy="3429000"/>
           </a:xfrm>
           <a:custGeom>
-            <a:rect b="b" l="l" r="r" t="t"/>
+            <a:avLst/>
+            <a:gdLst/>
+            <a:ahLst/>
+            <a:cxnLst/>
+            <a:rect l="l" t="t" r="r" b="b"/>
             <a:pathLst>
-              <a:path extrusionOk="0" h="120000" w="120000">
+              <a:path w="120000" h="120000" extrusionOk="0">
                 <a:moveTo>
                   <a:pt x="0" y="0"/>
                 </a:moveTo>
@@ -1201,9 +1237,11 @@
       <p:sp>
         <p:nvSpPr>
           <p:cNvPr id="58" name="Google Shape;58;gcee6c9df4b_0_0:notes"/>
-          <p:cNvSpPr txBox="1"/>
+          <p:cNvSpPr txBox="1">
+            <a:spLocks noGrp="1"/>
+          </p:cNvSpPr>
           <p:nvPr>
-            <p:ph idx="1" type="body"/>
+            <p:ph type="body" idx="1"/>
           </p:nvPr>
         </p:nvSpPr>
         <p:spPr>
@@ -1216,12 +1254,12 @@
           </a:prstGeom>
         </p:spPr>
         <p:txBody>
-          <a:bodyPr anchorCtr="0" anchor="t" bIns="91425" lIns="91425" spcFirstLastPara="1" rIns="91425" wrap="square" tIns="91425">
+          <a:bodyPr spcFirstLastPara="1" wrap="square" lIns="91425" tIns="91425" rIns="91425" bIns="91425" anchor="t" anchorCtr="0">
             <a:noAutofit/>
           </a:bodyPr>
           <a:lstStyle/>
           <a:p>
-            <a:pPr indent="0" lvl="0" marL="0" rtl="0" algn="l">
+            <a:pPr marL="0" lvl="0" indent="0" algn="l" rtl="0">
               <a:spcBef>
                 <a:spcPts val="0"/>
               </a:spcBef>
@@ -1230,9 +1268,6 @@
               </a:spcAft>
               <a:buNone/>
             </a:pPr>
-            <a:r>
-              <a:t/>
-            </a:r>
             <a:endParaRPr/>
           </a:p>
         </p:txBody>
@@ -1246,11 +1281,11 @@
 </file>
 
 <file path=ppt/notesSlides/notesSlide3.xml><?xml version="1.0" encoding="utf-8"?>
-<p:notes xmlns:a="http://schemas.openxmlformats.org/drawingml/2006/main" xmlns:r="http://schemas.openxmlformats.org/officeDocument/2006/relationships" xmlns:mc="http://schemas.openxmlformats.org/markup-compatibility/2006" xmlns:mv="urn:schemas-microsoft-com:mac:vml" xmlns:p="http://schemas.openxmlformats.org/presentationml/2006/main" xmlns:c="http://schemas.openxmlformats.org/drawingml/2006/chart" xmlns:dgm="http://schemas.openxmlformats.org/drawingml/2006/diagram" xmlns:o="urn:schemas-microsoft-com:office:office" xmlns:v="urn:schemas-microsoft-com:vml" xmlns:pvml="urn:schemas-microsoft-com:office:powerpoint" xmlns:com="http://schemas.openxmlformats.org/drawingml/2006/compatibility" xmlns:p14="http://schemas.microsoft.com/office/powerpoint/2010/main" xmlns:p15="http://schemas.microsoft.com/office/powerpoint/2012/main" xmlns:ahyp="http://schemas.microsoft.com/office/drawing/2018/hyperlinkcolor" showMasterPhAnim="0" showMasterSp="0">
+<p:notes xmlns:a="http://schemas.openxmlformats.org/drawingml/2006/main" xmlns:r="http://schemas.openxmlformats.org/officeDocument/2006/relationships" xmlns:p="http://schemas.openxmlformats.org/presentationml/2006/main" showMasterSp="0" showMasterPhAnim="0">
   <p:cSld>
     <p:spTree>
       <p:nvGrpSpPr>
-        <p:cNvPr id="63" name="Shape 63"/>
+        <p:cNvPr id="1" name="Shape 63"/>
         <p:cNvGrpSpPr/>
         <p:nvPr/>
       </p:nvGrpSpPr>
@@ -1265,20 +1300,26 @@
       <p:sp>
         <p:nvSpPr>
           <p:cNvPr id="64" name="Google Shape;64;gcee6c9df4b_2_0:notes"/>
-          <p:cNvSpPr/>
+          <p:cNvSpPr>
+            <a:spLocks noGrp="1" noRot="1" noChangeAspect="1"/>
+          </p:cNvSpPr>
           <p:nvPr>
-            <p:ph idx="2" type="sldImg"/>
+            <p:ph type="sldImg" idx="2"/>
           </p:nvPr>
         </p:nvSpPr>
         <p:spPr>
           <a:xfrm>
-            <a:off x="381300" y="685800"/>
+            <a:off x="381000" y="685800"/>
             <a:ext cx="6096000" cy="3429000"/>
           </a:xfrm>
           <a:custGeom>
-            <a:rect b="b" l="l" r="r" t="t"/>
+            <a:avLst/>
+            <a:gdLst/>
+            <a:ahLst/>
+            <a:cxnLst/>
+            <a:rect l="l" t="t" r="r" b="b"/>
             <a:pathLst>
-              <a:path extrusionOk="0" h="120000" w="120000">
+              <a:path w="120000" h="120000" extrusionOk="0">
                 <a:moveTo>
                   <a:pt x="0" y="0"/>
                 </a:moveTo>
@@ -1300,9 +1341,11 @@
       <p:sp>
         <p:nvSpPr>
           <p:cNvPr id="65" name="Google Shape;65;gcee6c9df4b_2_0:notes"/>
-          <p:cNvSpPr txBox="1"/>
+          <p:cNvSpPr txBox="1">
+            <a:spLocks noGrp="1"/>
+          </p:cNvSpPr>
           <p:nvPr>
-            <p:ph idx="1" type="body"/>
+            <p:ph type="body" idx="1"/>
           </p:nvPr>
         </p:nvSpPr>
         <p:spPr>
@@ -1315,12 +1358,12 @@
           </a:prstGeom>
         </p:spPr>
         <p:txBody>
-          <a:bodyPr anchorCtr="0" anchor="t" bIns="91425" lIns="91425" spcFirstLastPara="1" rIns="91425" wrap="square" tIns="91425">
+          <a:bodyPr spcFirstLastPara="1" wrap="square" lIns="91425" tIns="91425" rIns="91425" bIns="91425" anchor="t" anchorCtr="0">
             <a:noAutofit/>
           </a:bodyPr>
           <a:lstStyle/>
           <a:p>
-            <a:pPr indent="0" lvl="0" marL="0" rtl="0" algn="l">
+            <a:pPr marL="0" lvl="0" indent="0" algn="l" rtl="0">
               <a:spcBef>
                 <a:spcPts val="0"/>
               </a:spcBef>
@@ -1329,9 +1372,6 @@
               </a:spcAft>
               <a:buNone/>
             </a:pPr>
-            <a:r>
-              <a:t/>
-            </a:r>
             <a:endParaRPr/>
           </a:p>
         </p:txBody>
@@ -1345,11 +1385,11 @@
 </file>
 
 <file path=ppt/notesSlides/notesSlide4.xml><?xml version="1.0" encoding="utf-8"?>
-<p:notes xmlns:a="http://schemas.openxmlformats.org/drawingml/2006/main" xmlns:r="http://schemas.openxmlformats.org/officeDocument/2006/relationships" xmlns:mc="http://schemas.openxmlformats.org/markup-compatibility/2006" xmlns:mv="urn:schemas-microsoft-com:mac:vml" xmlns:p="http://schemas.openxmlformats.org/presentationml/2006/main" xmlns:c="http://schemas.openxmlformats.org/drawingml/2006/chart" xmlns:dgm="http://schemas.openxmlformats.org/drawingml/2006/diagram" xmlns:o="urn:schemas-microsoft-com:office:office" xmlns:v="urn:schemas-microsoft-com:vml" xmlns:pvml="urn:schemas-microsoft-com:office:powerpoint" xmlns:com="http://schemas.openxmlformats.org/drawingml/2006/compatibility" xmlns:p14="http://schemas.microsoft.com/office/powerpoint/2010/main" xmlns:p15="http://schemas.microsoft.com/office/powerpoint/2012/main" xmlns:ahyp="http://schemas.microsoft.com/office/drawing/2018/hyperlinkcolor" showMasterPhAnim="0" showMasterSp="0">
+<p:notes xmlns:a="http://schemas.openxmlformats.org/drawingml/2006/main" xmlns:r="http://schemas.openxmlformats.org/officeDocument/2006/relationships" xmlns:p="http://schemas.openxmlformats.org/presentationml/2006/main" showMasterSp="0" showMasterPhAnim="0">
   <p:cSld>
     <p:spTree>
       <p:nvGrpSpPr>
-        <p:cNvPr id="70" name="Shape 70"/>
+        <p:cNvPr id="1" name="Shape 70"/>
         <p:cNvGrpSpPr/>
         <p:nvPr/>
       </p:nvGrpSpPr>
@@ -1364,20 +1404,26 @@
       <p:sp>
         <p:nvSpPr>
           <p:cNvPr id="71" name="Google Shape;71;gcee6c9df4b_0_12:notes"/>
-          <p:cNvSpPr/>
+          <p:cNvSpPr>
+            <a:spLocks noGrp="1" noRot="1" noChangeAspect="1"/>
+          </p:cNvSpPr>
           <p:nvPr>
-            <p:ph idx="2" type="sldImg"/>
+            <p:ph type="sldImg" idx="2"/>
           </p:nvPr>
         </p:nvSpPr>
         <p:spPr>
           <a:xfrm>
-            <a:off x="381300" y="685800"/>
+            <a:off x="381000" y="685800"/>
             <a:ext cx="6096000" cy="3429000"/>
           </a:xfrm>
           <a:custGeom>
-            <a:rect b="b" l="l" r="r" t="t"/>
+            <a:avLst/>
+            <a:gdLst/>
+            <a:ahLst/>
+            <a:cxnLst/>
+            <a:rect l="l" t="t" r="r" b="b"/>
             <a:pathLst>
-              <a:path extrusionOk="0" h="120000" w="120000">
+              <a:path w="120000" h="120000" extrusionOk="0">
                 <a:moveTo>
                   <a:pt x="0" y="0"/>
                 </a:moveTo>
@@ -1399,9 +1445,11 @@
       <p:sp>
         <p:nvSpPr>
           <p:cNvPr id="72" name="Google Shape;72;gcee6c9df4b_0_12:notes"/>
-          <p:cNvSpPr txBox="1"/>
+          <p:cNvSpPr txBox="1">
+            <a:spLocks noGrp="1"/>
+          </p:cNvSpPr>
           <p:nvPr>
-            <p:ph idx="1" type="body"/>
+            <p:ph type="body" idx="1"/>
           </p:nvPr>
         </p:nvSpPr>
         <p:spPr>
@@ -1414,12 +1462,12 @@
           </a:prstGeom>
         </p:spPr>
         <p:txBody>
-          <a:bodyPr anchorCtr="0" anchor="t" bIns="91425" lIns="91425" spcFirstLastPara="1" rIns="91425" wrap="square" tIns="91425">
+          <a:bodyPr spcFirstLastPara="1" wrap="square" lIns="91425" tIns="91425" rIns="91425" bIns="91425" anchor="t" anchorCtr="0">
             <a:noAutofit/>
           </a:bodyPr>
           <a:lstStyle/>
           <a:p>
-            <a:pPr indent="0" lvl="0" marL="0" rtl="0" algn="l">
+            <a:pPr marL="0" lvl="0" indent="0" algn="l" rtl="0">
               <a:spcBef>
                 <a:spcPts val="0"/>
               </a:spcBef>
@@ -1428,9 +1476,6 @@
               </a:spcAft>
               <a:buNone/>
             </a:pPr>
-            <a:r>
-              <a:t/>
-            </a:r>
             <a:endParaRPr/>
           </a:p>
         </p:txBody>
@@ -1444,11 +1489,11 @@
 </file>
 
 <file path=ppt/notesSlides/notesSlide5.xml><?xml version="1.0" encoding="utf-8"?>
-<p:notes xmlns:a="http://schemas.openxmlformats.org/drawingml/2006/main" xmlns:r="http://schemas.openxmlformats.org/officeDocument/2006/relationships" xmlns:mc="http://schemas.openxmlformats.org/markup-compatibility/2006" xmlns:mv="urn:schemas-microsoft-com:mac:vml" xmlns:p="http://schemas.openxmlformats.org/presentationml/2006/main" xmlns:c="http://schemas.openxmlformats.org/drawingml/2006/chart" xmlns:dgm="http://schemas.openxmlformats.org/drawingml/2006/diagram" xmlns:o="urn:schemas-microsoft-com:office:office" xmlns:v="urn:schemas-microsoft-com:vml" xmlns:pvml="urn:schemas-microsoft-com:office:powerpoint" xmlns:com="http://schemas.openxmlformats.org/drawingml/2006/compatibility" xmlns:p14="http://schemas.microsoft.com/office/powerpoint/2010/main" xmlns:p15="http://schemas.microsoft.com/office/powerpoint/2012/main" xmlns:ahyp="http://schemas.microsoft.com/office/drawing/2018/hyperlinkcolor" showMasterPhAnim="0" showMasterSp="0">
+<p:notes xmlns:a="http://schemas.openxmlformats.org/drawingml/2006/main" xmlns:r="http://schemas.openxmlformats.org/officeDocument/2006/relationships" xmlns:p="http://schemas.openxmlformats.org/presentationml/2006/main" showMasterSp="0" showMasterPhAnim="0">
   <p:cSld>
     <p:spTree>
       <p:nvGrpSpPr>
-        <p:cNvPr id="77" name="Shape 77"/>
+        <p:cNvPr id="1" name="Shape 77"/>
         <p:cNvGrpSpPr/>
         <p:nvPr/>
       </p:nvGrpSpPr>
@@ -1463,20 +1508,26 @@
       <p:sp>
         <p:nvSpPr>
           <p:cNvPr id="78" name="Google Shape;78;gcee6c9df4b_2_6:notes"/>
-          <p:cNvSpPr/>
+          <p:cNvSpPr>
+            <a:spLocks noGrp="1" noRot="1" noChangeAspect="1"/>
+          </p:cNvSpPr>
           <p:nvPr>
-            <p:ph idx="2" type="sldImg"/>
+            <p:ph type="sldImg" idx="2"/>
           </p:nvPr>
         </p:nvSpPr>
         <p:spPr>
           <a:xfrm>
-            <a:off x="381300" y="685800"/>
+            <a:off x="381000" y="685800"/>
             <a:ext cx="6096000" cy="3429000"/>
           </a:xfrm>
           <a:custGeom>
-            <a:rect b="b" l="l" r="r" t="t"/>
+            <a:avLst/>
+            <a:gdLst/>
+            <a:ahLst/>
+            <a:cxnLst/>
+            <a:rect l="l" t="t" r="r" b="b"/>
             <a:pathLst>
-              <a:path extrusionOk="0" h="120000" w="120000">
+              <a:path w="120000" h="120000" extrusionOk="0">
                 <a:moveTo>
                   <a:pt x="0" y="0"/>
                 </a:moveTo>
@@ -1498,9 +1549,11 @@
       <p:sp>
         <p:nvSpPr>
           <p:cNvPr id="79" name="Google Shape;79;gcee6c9df4b_2_6:notes"/>
-          <p:cNvSpPr txBox="1"/>
+          <p:cNvSpPr txBox="1">
+            <a:spLocks noGrp="1"/>
+          </p:cNvSpPr>
           <p:nvPr>
-            <p:ph idx="1" type="body"/>
+            <p:ph type="body" idx="1"/>
           </p:nvPr>
         </p:nvSpPr>
         <p:spPr>
@@ -1513,12 +1566,12 @@
           </a:prstGeom>
         </p:spPr>
         <p:txBody>
-          <a:bodyPr anchorCtr="0" anchor="t" bIns="91425" lIns="91425" spcFirstLastPara="1" rIns="91425" wrap="square" tIns="91425">
+          <a:bodyPr spcFirstLastPara="1" wrap="square" lIns="91425" tIns="91425" rIns="91425" bIns="91425" anchor="t" anchorCtr="0">
             <a:noAutofit/>
           </a:bodyPr>
           <a:lstStyle/>
           <a:p>
-            <a:pPr indent="0" lvl="0" marL="0" rtl="0" algn="l">
+            <a:pPr marL="0" lvl="0" indent="0" algn="l" rtl="0">
               <a:spcBef>
                 <a:spcPts val="0"/>
               </a:spcBef>
@@ -1527,9 +1580,6 @@
               </a:spcAft>
               <a:buNone/>
             </a:pPr>
-            <a:r>
-              <a:t/>
-            </a:r>
             <a:endParaRPr/>
           </a:p>
         </p:txBody>
@@ -1543,11 +1593,11 @@
 </file>
 
 <file path=ppt/notesSlides/notesSlide6.xml><?xml version="1.0" encoding="utf-8"?>
-<p:notes xmlns:a="http://schemas.openxmlformats.org/drawingml/2006/main" xmlns:r="http://schemas.openxmlformats.org/officeDocument/2006/relationships" xmlns:mc="http://schemas.openxmlformats.org/markup-compatibility/2006" xmlns:mv="urn:schemas-microsoft-com:mac:vml" xmlns:p="http://schemas.openxmlformats.org/presentationml/2006/main" xmlns:c="http://schemas.openxmlformats.org/drawingml/2006/chart" xmlns:dgm="http://schemas.openxmlformats.org/drawingml/2006/diagram" xmlns:o="urn:schemas-microsoft-com:office:office" xmlns:v="urn:schemas-microsoft-com:vml" xmlns:pvml="urn:schemas-microsoft-com:office:powerpoint" xmlns:com="http://schemas.openxmlformats.org/drawingml/2006/compatibility" xmlns:p14="http://schemas.microsoft.com/office/powerpoint/2010/main" xmlns:p15="http://schemas.microsoft.com/office/powerpoint/2012/main" xmlns:ahyp="http://schemas.microsoft.com/office/drawing/2018/hyperlinkcolor" showMasterPhAnim="0" showMasterSp="0">
+<p:notes xmlns:a="http://schemas.openxmlformats.org/drawingml/2006/main" xmlns:r="http://schemas.openxmlformats.org/officeDocument/2006/relationships" xmlns:p="http://schemas.openxmlformats.org/presentationml/2006/main" showMasterSp="0" showMasterPhAnim="0">
   <p:cSld>
     <p:spTree>
       <p:nvGrpSpPr>
-        <p:cNvPr id="84" name="Shape 84"/>
+        <p:cNvPr id="1" name="Shape 84"/>
         <p:cNvGrpSpPr/>
         <p:nvPr/>
       </p:nvGrpSpPr>
@@ -1562,20 +1612,26 @@
       <p:sp>
         <p:nvSpPr>
           <p:cNvPr id="85" name="Google Shape;85;gcee6c9df4b_2_12:notes"/>
-          <p:cNvSpPr/>
+          <p:cNvSpPr>
+            <a:spLocks noGrp="1" noRot="1" noChangeAspect="1"/>
+          </p:cNvSpPr>
           <p:nvPr>
-            <p:ph idx="2" type="sldImg"/>
+            <p:ph type="sldImg" idx="2"/>
           </p:nvPr>
         </p:nvSpPr>
         <p:spPr>
           <a:xfrm>
-            <a:off x="381300" y="685800"/>
+            <a:off x="381000" y="685800"/>
             <a:ext cx="6096000" cy="3429000"/>
           </a:xfrm>
           <a:custGeom>
-            <a:rect b="b" l="l" r="r" t="t"/>
+            <a:avLst/>
+            <a:gdLst/>
+            <a:ahLst/>
+            <a:cxnLst/>
+            <a:rect l="l" t="t" r="r" b="b"/>
             <a:pathLst>
-              <a:path extrusionOk="0" h="120000" w="120000">
+              <a:path w="120000" h="120000" extrusionOk="0">
                 <a:moveTo>
                   <a:pt x="0" y="0"/>
                 </a:moveTo>
@@ -1597,9 +1653,11 @@
       <p:sp>
         <p:nvSpPr>
           <p:cNvPr id="86" name="Google Shape;86;gcee6c9df4b_2_12:notes"/>
-          <p:cNvSpPr txBox="1"/>
+          <p:cNvSpPr txBox="1">
+            <a:spLocks noGrp="1"/>
+          </p:cNvSpPr>
           <p:nvPr>
-            <p:ph idx="1" type="body"/>
+            <p:ph type="body" idx="1"/>
           </p:nvPr>
         </p:nvSpPr>
         <p:spPr>
@@ -1612,12 +1670,12 @@
           </a:prstGeom>
         </p:spPr>
         <p:txBody>
-          <a:bodyPr anchorCtr="0" anchor="t" bIns="91425" lIns="91425" spcFirstLastPara="1" rIns="91425" wrap="square" tIns="91425">
+          <a:bodyPr spcFirstLastPara="1" wrap="square" lIns="91425" tIns="91425" rIns="91425" bIns="91425" anchor="t" anchorCtr="0">
             <a:noAutofit/>
           </a:bodyPr>
           <a:lstStyle/>
           <a:p>
-            <a:pPr indent="0" lvl="0" marL="0" rtl="0" algn="l">
+            <a:pPr marL="0" lvl="0" indent="0" algn="l" rtl="0">
               <a:spcBef>
                 <a:spcPts val="0"/>
               </a:spcBef>
@@ -1626,9 +1684,6 @@
               </a:spcAft>
               <a:buNone/>
             </a:pPr>
-            <a:r>
-              <a:t/>
-            </a:r>
             <a:endParaRPr/>
           </a:p>
         </p:txBody>
@@ -1642,11 +1697,11 @@
 </file>
 
 <file path=ppt/notesSlides/notesSlide7.xml><?xml version="1.0" encoding="utf-8"?>
-<p:notes xmlns:a="http://schemas.openxmlformats.org/drawingml/2006/main" xmlns:r="http://schemas.openxmlformats.org/officeDocument/2006/relationships" xmlns:mc="http://schemas.openxmlformats.org/markup-compatibility/2006" xmlns:mv="urn:schemas-microsoft-com:mac:vml" xmlns:p="http://schemas.openxmlformats.org/presentationml/2006/main" xmlns:c="http://schemas.openxmlformats.org/drawingml/2006/chart" xmlns:dgm="http://schemas.openxmlformats.org/drawingml/2006/diagram" xmlns:o="urn:schemas-microsoft-com:office:office" xmlns:v="urn:schemas-microsoft-com:vml" xmlns:pvml="urn:schemas-microsoft-com:office:powerpoint" xmlns:com="http://schemas.openxmlformats.org/drawingml/2006/compatibility" xmlns:p14="http://schemas.microsoft.com/office/powerpoint/2010/main" xmlns:p15="http://schemas.microsoft.com/office/powerpoint/2012/main" xmlns:ahyp="http://schemas.microsoft.com/office/drawing/2018/hyperlinkcolor" showMasterPhAnim="0" showMasterSp="0">
+<p:notes xmlns:a="http://schemas.openxmlformats.org/drawingml/2006/main" xmlns:r="http://schemas.openxmlformats.org/officeDocument/2006/relationships" xmlns:p="http://schemas.openxmlformats.org/presentationml/2006/main" showMasterSp="0" showMasterPhAnim="0">
   <p:cSld>
     <p:spTree>
       <p:nvGrpSpPr>
-        <p:cNvPr id="91" name="Shape 91"/>
+        <p:cNvPr id="1" name="Shape 91"/>
         <p:cNvGrpSpPr/>
         <p:nvPr/>
       </p:nvGrpSpPr>
@@ -1661,20 +1716,26 @@
       <p:sp>
         <p:nvSpPr>
           <p:cNvPr id="92" name="Google Shape;92;gcee6c9df4b_0_24:notes"/>
-          <p:cNvSpPr/>
+          <p:cNvSpPr>
+            <a:spLocks noGrp="1" noRot="1" noChangeAspect="1"/>
+          </p:cNvSpPr>
           <p:nvPr>
-            <p:ph idx="2" type="sldImg"/>
+            <p:ph type="sldImg" idx="2"/>
           </p:nvPr>
         </p:nvSpPr>
         <p:spPr>
           <a:xfrm>
-            <a:off x="381300" y="685800"/>
+            <a:off x="381000" y="685800"/>
             <a:ext cx="6096000" cy="3429000"/>
           </a:xfrm>
           <a:custGeom>
-            <a:rect b="b" l="l" r="r" t="t"/>
+            <a:avLst/>
+            <a:gdLst/>
+            <a:ahLst/>
+            <a:cxnLst/>
+            <a:rect l="l" t="t" r="r" b="b"/>
             <a:pathLst>
-              <a:path extrusionOk="0" h="120000" w="120000">
+              <a:path w="120000" h="120000" extrusionOk="0">
                 <a:moveTo>
                   <a:pt x="0" y="0"/>
                 </a:moveTo>
@@ -1696,9 +1757,11 @@
       <p:sp>
         <p:nvSpPr>
           <p:cNvPr id="93" name="Google Shape;93;gcee6c9df4b_0_24:notes"/>
-          <p:cNvSpPr txBox="1"/>
+          <p:cNvSpPr txBox="1">
+            <a:spLocks noGrp="1"/>
+          </p:cNvSpPr>
           <p:nvPr>
-            <p:ph idx="1" type="body"/>
+            <p:ph type="body" idx="1"/>
           </p:nvPr>
         </p:nvSpPr>
         <p:spPr>
@@ -1711,12 +1774,12 @@
           </a:prstGeom>
         </p:spPr>
         <p:txBody>
-          <a:bodyPr anchorCtr="0" anchor="t" bIns="91425" lIns="91425" spcFirstLastPara="1" rIns="91425" wrap="square" tIns="91425">
+          <a:bodyPr spcFirstLastPara="1" wrap="square" lIns="91425" tIns="91425" rIns="91425" bIns="91425" anchor="t" anchorCtr="0">
             <a:noAutofit/>
           </a:bodyPr>
           <a:lstStyle/>
           <a:p>
-            <a:pPr indent="0" lvl="0" marL="0" rtl="0" algn="l">
+            <a:pPr marL="0" lvl="0" indent="0" algn="l" rtl="0">
               <a:spcBef>
                 <a:spcPts val="0"/>
               </a:spcBef>
@@ -1725,9 +1788,6 @@
               </a:spcAft>
               <a:buNone/>
             </a:pPr>
-            <a:r>
-              <a:t/>
-            </a:r>
             <a:endParaRPr/>
           </a:p>
         </p:txBody>
@@ -1741,11 +1801,11 @@
 </file>
 
 <file path=ppt/notesSlides/notesSlide8.xml><?xml version="1.0" encoding="utf-8"?>
-<p:notes xmlns:a="http://schemas.openxmlformats.org/drawingml/2006/main" xmlns:r="http://schemas.openxmlformats.org/officeDocument/2006/relationships" xmlns:mc="http://schemas.openxmlformats.org/markup-compatibility/2006" xmlns:mv="urn:schemas-microsoft-com:mac:vml" xmlns:p="http://schemas.openxmlformats.org/presentationml/2006/main" xmlns:c="http://schemas.openxmlformats.org/drawingml/2006/chart" xmlns:dgm="http://schemas.openxmlformats.org/drawingml/2006/diagram" xmlns:o="urn:schemas-microsoft-com:office:office" xmlns:v="urn:schemas-microsoft-com:vml" xmlns:pvml="urn:schemas-microsoft-com:office:powerpoint" xmlns:com="http://schemas.openxmlformats.org/drawingml/2006/compatibility" xmlns:p14="http://schemas.microsoft.com/office/powerpoint/2010/main" xmlns:p15="http://schemas.microsoft.com/office/powerpoint/2012/main" xmlns:ahyp="http://schemas.microsoft.com/office/drawing/2018/hyperlinkcolor" showMasterPhAnim="0" showMasterSp="0">
+<p:notes xmlns:a="http://schemas.openxmlformats.org/drawingml/2006/main" xmlns:r="http://schemas.openxmlformats.org/officeDocument/2006/relationships" xmlns:p="http://schemas.openxmlformats.org/presentationml/2006/main" showMasterSp="0" showMasterPhAnim="0">
   <p:cSld>
     <p:spTree>
       <p:nvGrpSpPr>
-        <p:cNvPr id="98" name="Shape 98"/>
+        <p:cNvPr id="1" name="Shape 98"/>
         <p:cNvGrpSpPr/>
         <p:nvPr/>
       </p:nvGrpSpPr>
@@ -1760,9 +1820,11 @@
       <p:sp>
         <p:nvSpPr>
           <p:cNvPr id="99" name="Google Shape;99;gcee6c9df4b_0_30:notes"/>
-          <p:cNvSpPr/>
+          <p:cNvSpPr>
+            <a:spLocks noGrp="1" noRot="1" noChangeAspect="1"/>
+          </p:cNvSpPr>
           <p:nvPr>
-            <p:ph idx="2" type="sldImg"/>
+            <p:ph type="sldImg" idx="2"/>
           </p:nvPr>
         </p:nvSpPr>
         <p:spPr>
@@ -1771,9 +1833,13 @@
             <a:ext cx="6096000" cy="3429000"/>
           </a:xfrm>
           <a:custGeom>
-            <a:rect b="b" l="l" r="r" t="t"/>
+            <a:avLst/>
+            <a:gdLst/>
+            <a:ahLst/>
+            <a:cxnLst/>
+            <a:rect l="l" t="t" r="r" b="b"/>
             <a:pathLst>
-              <a:path extrusionOk="0" h="120000" w="120000">
+              <a:path w="120000" h="120000" extrusionOk="0">
                 <a:moveTo>
                   <a:pt x="0" y="0"/>
                 </a:moveTo>
@@ -1795,9 +1861,11 @@
       <p:sp>
         <p:nvSpPr>
           <p:cNvPr id="100" name="Google Shape;100;gcee6c9df4b_0_30:notes"/>
-          <p:cNvSpPr txBox="1"/>
+          <p:cNvSpPr txBox="1">
+            <a:spLocks noGrp="1"/>
+          </p:cNvSpPr>
           <p:nvPr>
-            <p:ph idx="1" type="body"/>
+            <p:ph type="body" idx="1"/>
           </p:nvPr>
         </p:nvSpPr>
         <p:spPr>
@@ -1810,12 +1878,12 @@
           </a:prstGeom>
         </p:spPr>
         <p:txBody>
-          <a:bodyPr anchorCtr="0" anchor="t" bIns="91425" lIns="91425" spcFirstLastPara="1" rIns="91425" wrap="square" tIns="91425">
+          <a:bodyPr spcFirstLastPara="1" wrap="square" lIns="91425" tIns="91425" rIns="91425" bIns="91425" anchor="t" anchorCtr="0">
             <a:noAutofit/>
           </a:bodyPr>
           <a:lstStyle/>
           <a:p>
-            <a:pPr indent="0" lvl="0" marL="0" rtl="0" algn="l">
+            <a:pPr marL="0" lvl="0" indent="0" algn="l" rtl="0">
               <a:spcBef>
                 <a:spcPts val="0"/>
               </a:spcBef>
@@ -1824,9 +1892,6 @@
               </a:spcAft>
               <a:buNone/>
             </a:pPr>
-            <a:r>
-              <a:t/>
-            </a:r>
             <a:endParaRPr/>
           </a:p>
         </p:txBody>
@@ -1840,11 +1905,11 @@
 </file>
 
 <file path=ppt/notesSlides/notesSlide9.xml><?xml version="1.0" encoding="utf-8"?>
-<p:notes xmlns:a="http://schemas.openxmlformats.org/drawingml/2006/main" xmlns:r="http://schemas.openxmlformats.org/officeDocument/2006/relationships" xmlns:mc="http://schemas.openxmlformats.org/markup-compatibility/2006" xmlns:mv="urn:schemas-microsoft-com:mac:vml" xmlns:p="http://schemas.openxmlformats.org/presentationml/2006/main" xmlns:c="http://schemas.openxmlformats.org/drawingml/2006/chart" xmlns:dgm="http://schemas.openxmlformats.org/drawingml/2006/diagram" xmlns:o="urn:schemas-microsoft-com:office:office" xmlns:v="urn:schemas-microsoft-com:vml" xmlns:pvml="urn:schemas-microsoft-com:office:powerpoint" xmlns:com="http://schemas.openxmlformats.org/drawingml/2006/compatibility" xmlns:p14="http://schemas.microsoft.com/office/powerpoint/2010/main" xmlns:p15="http://schemas.microsoft.com/office/powerpoint/2012/main" xmlns:ahyp="http://schemas.microsoft.com/office/drawing/2018/hyperlinkcolor" showMasterPhAnim="0" showMasterSp="0">
+<p:notes xmlns:a="http://schemas.openxmlformats.org/drawingml/2006/main" xmlns:r="http://schemas.openxmlformats.org/officeDocument/2006/relationships" xmlns:p="http://schemas.openxmlformats.org/presentationml/2006/main" showMasterSp="0" showMasterPhAnim="0">
   <p:cSld>
     <p:spTree>
       <p:nvGrpSpPr>
-        <p:cNvPr id="104" name="Shape 104"/>
+        <p:cNvPr id="1" name="Shape 104"/>
         <p:cNvGrpSpPr/>
         <p:nvPr/>
       </p:nvGrpSpPr>
@@ -1859,9 +1924,11 @@
       <p:sp>
         <p:nvSpPr>
           <p:cNvPr id="105" name="Google Shape;105;gcee6c9df4b_0_36:notes"/>
-          <p:cNvSpPr/>
+          <p:cNvSpPr>
+            <a:spLocks noGrp="1" noRot="1" noChangeAspect="1"/>
+          </p:cNvSpPr>
           <p:nvPr>
-            <p:ph idx="2" type="sldImg"/>
+            <p:ph type="sldImg" idx="2"/>
           </p:nvPr>
         </p:nvSpPr>
         <p:spPr>
@@ -1870,9 +1937,13 @@
             <a:ext cx="6096000" cy="3429000"/>
           </a:xfrm>
           <a:custGeom>
-            <a:rect b="b" l="l" r="r" t="t"/>
+            <a:avLst/>
+            <a:gdLst/>
+            <a:ahLst/>
+            <a:cxnLst/>
+            <a:rect l="l" t="t" r="r" b="b"/>
             <a:pathLst>
-              <a:path extrusionOk="0" h="120000" w="120000">
+              <a:path w="120000" h="120000" extrusionOk="0">
                 <a:moveTo>
                   <a:pt x="0" y="0"/>
                 </a:moveTo>
@@ -1894,9 +1965,11 @@
       <p:sp>
         <p:nvSpPr>
           <p:cNvPr id="106" name="Google Shape;106;gcee6c9df4b_0_36:notes"/>
-          <p:cNvSpPr txBox="1"/>
+          <p:cNvSpPr txBox="1">
+            <a:spLocks noGrp="1"/>
+          </p:cNvSpPr>
           <p:nvPr>
-            <p:ph idx="1" type="body"/>
+            <p:ph type="body" idx="1"/>
           </p:nvPr>
         </p:nvSpPr>
         <p:spPr>
@@ -1909,12 +1982,12 @@
           </a:prstGeom>
         </p:spPr>
         <p:txBody>
-          <a:bodyPr anchorCtr="0" anchor="t" bIns="91425" lIns="91425" spcFirstLastPara="1" rIns="91425" wrap="square" tIns="91425">
+          <a:bodyPr spcFirstLastPara="1" wrap="square" lIns="91425" tIns="91425" rIns="91425" bIns="91425" anchor="t" anchorCtr="0">
             <a:noAutofit/>
           </a:bodyPr>
           <a:lstStyle/>
           <a:p>
-            <a:pPr indent="0" lvl="0" marL="0" rtl="0" algn="l">
+            <a:pPr marL="0" lvl="0" indent="0" algn="l" rtl="0">
               <a:spcBef>
                 <a:spcPts val="0"/>
               </a:spcBef>
@@ -1923,9 +1996,6 @@
               </a:spcAft>
               <a:buNone/>
             </a:pPr>
-            <a:r>
-              <a:t/>
-            </a:r>
             <a:endParaRPr/>
           </a:p>
         </p:txBody>
@@ -1939,11 +2009,11 @@
 </file>
 
 <file path=ppt/slideLayouts/slideLayout1.xml><?xml version="1.0" encoding="utf-8"?>
-<p:sldLayout xmlns:a="http://schemas.openxmlformats.org/drawingml/2006/main" xmlns:r="http://schemas.openxmlformats.org/officeDocument/2006/relationships" xmlns:mc="http://schemas.openxmlformats.org/markup-compatibility/2006" xmlns:mv="urn:schemas-microsoft-com:mac:vml" xmlns:p="http://schemas.openxmlformats.org/presentationml/2006/main" xmlns:c="http://schemas.openxmlformats.org/drawingml/2006/chart" xmlns:dgm="http://schemas.openxmlformats.org/drawingml/2006/diagram" xmlns:o="urn:schemas-microsoft-com:office:office" xmlns:v="urn:schemas-microsoft-com:vml" xmlns:pvml="urn:schemas-microsoft-com:office:powerpoint" xmlns:com="http://schemas.openxmlformats.org/drawingml/2006/compatibility" xmlns:p14="http://schemas.microsoft.com/office/powerpoint/2010/main" xmlns:p15="http://schemas.microsoft.com/office/powerpoint/2012/main" xmlns:ahyp="http://schemas.microsoft.com/office/drawing/2018/hyperlinkcolor" matchingName="Title slide" type="title">
+<p:sldLayout xmlns:a="http://schemas.openxmlformats.org/drawingml/2006/main" xmlns:r="http://schemas.openxmlformats.org/officeDocument/2006/relationships" xmlns:p="http://schemas.openxmlformats.org/presentationml/2006/main" matchingName="Title slide" type="title">
   <p:cSld name="TITLE">
     <p:spTree>
       <p:nvGrpSpPr>
-        <p:cNvPr id="9" name="Shape 9"/>
+        <p:cNvPr id="1" name="Shape 9"/>
         <p:cNvGrpSpPr/>
         <p:nvPr/>
       </p:nvGrpSpPr>
@@ -1958,7 +2028,9 @@
       <p:sp>
         <p:nvSpPr>
           <p:cNvPr id="10" name="Google Shape;10;p2"/>
-          <p:cNvSpPr txBox="1"/>
+          <p:cNvSpPr txBox="1">
+            <a:spLocks noGrp="1"/>
+          </p:cNvSpPr>
           <p:nvPr>
             <p:ph type="ctrTitle"/>
           </p:nvPr>
@@ -1977,7 +2049,7 @@
           </a:ln>
         </p:spPr>
         <p:txBody>
-          <a:bodyPr anchorCtr="0" anchor="b" bIns="91425" lIns="91425" spcFirstLastPara="1" rIns="91425" wrap="square" tIns="91425">
+          <a:bodyPr spcFirstLastPara="1" wrap="square" lIns="91425" tIns="91425" rIns="91425" bIns="91425" anchor="b" anchorCtr="0">
             <a:noAutofit/>
           </a:bodyPr>
           <a:lstStyle>
@@ -2108,15 +2180,19 @@
               <a:defRPr sz="5200"/>
             </a:lvl9pPr>
           </a:lstStyle>
-          <a:p/>
+          <a:p>
+            <a:endParaRPr/>
+          </a:p>
         </p:txBody>
       </p:sp>
       <p:sp>
         <p:nvSpPr>
           <p:cNvPr id="11" name="Google Shape;11;p2"/>
-          <p:cNvSpPr txBox="1"/>
+          <p:cNvSpPr txBox="1">
+            <a:spLocks noGrp="1"/>
+          </p:cNvSpPr>
           <p:nvPr>
-            <p:ph idx="1" type="subTitle"/>
+            <p:ph type="subTitle" idx="1"/>
           </p:nvPr>
         </p:nvSpPr>
         <p:spPr>
@@ -2133,7 +2209,7 @@
           </a:ln>
         </p:spPr>
         <p:txBody>
-          <a:bodyPr anchorCtr="0" anchor="t" bIns="91425" lIns="91425" spcFirstLastPara="1" rIns="91425" wrap="square" tIns="91425">
+          <a:bodyPr spcFirstLastPara="1" wrap="square" lIns="91425" tIns="91425" rIns="91425" bIns="91425" anchor="t" anchorCtr="0">
             <a:noAutofit/>
           </a:bodyPr>
           <a:lstStyle>
@@ -2264,15 +2340,19 @@
               <a:defRPr sz="2800"/>
             </a:lvl9pPr>
           </a:lstStyle>
-          <a:p/>
+          <a:p>
+            <a:endParaRPr/>
+          </a:p>
         </p:txBody>
       </p:sp>
       <p:sp>
         <p:nvSpPr>
           <p:cNvPr id="12" name="Google Shape;12;p2"/>
-          <p:cNvSpPr txBox="1"/>
+          <p:cNvSpPr txBox="1">
+            <a:spLocks noGrp="1"/>
+          </p:cNvSpPr>
           <p:nvPr>
-            <p:ph idx="12" type="sldNum"/>
+            <p:ph type="sldNum" idx="12"/>
           </p:nvPr>
         </p:nvSpPr>
         <p:spPr>
@@ -2289,11 +2369,11 @@
           </a:ln>
         </p:spPr>
         <p:txBody>
-          <a:bodyPr anchorCtr="0" anchor="ctr" bIns="91425" lIns="91425" spcFirstLastPara="1" rIns="91425" wrap="square" tIns="91425">
+          <a:bodyPr spcFirstLastPara="1" wrap="square" lIns="91425" tIns="91425" rIns="91425" bIns="91425" anchor="ctr" anchorCtr="0">
             <a:noAutofit/>
           </a:bodyPr>
           <a:lstStyle>
-            <a:lvl1pPr indent="0" lvl="0" marL="0" marR="0" algn="r">
+            <a:lvl1pPr marL="0" marR="0" lvl="0" indent="0" algn="r">
               <a:lnSpc>
                 <a:spcPct val="100000"/>
               </a:lnSpc>
@@ -2309,7 +2389,7 @@
               <a:buSzPts val="1000"/>
               <a:buFont typeface="Arial"/>
               <a:buNone/>
-              <a:defRPr b="0" i="0" sz="1000" u="none" cap="none" strike="noStrike">
+              <a:defRPr sz="1000" b="0" i="0" u="none" strike="noStrike" cap="none">
                 <a:solidFill>
                   <a:schemeClr val="dk2"/>
                 </a:solidFill>
@@ -2319,7 +2399,7 @@
                 <a:sym typeface="Arial"/>
               </a:defRPr>
             </a:lvl1pPr>
-            <a:lvl2pPr indent="0" lvl="1" marL="0" marR="0" algn="r">
+            <a:lvl2pPr marL="0" marR="0" lvl="1" indent="0" algn="r">
               <a:lnSpc>
                 <a:spcPct val="100000"/>
               </a:lnSpc>
@@ -2335,7 +2415,7 @@
               <a:buSzPts val="1000"/>
               <a:buFont typeface="Arial"/>
               <a:buNone/>
-              <a:defRPr b="0" i="0" sz="1000" u="none" cap="none" strike="noStrike">
+              <a:defRPr sz="1000" b="0" i="0" u="none" strike="noStrike" cap="none">
                 <a:solidFill>
                   <a:schemeClr val="dk2"/>
                 </a:solidFill>
@@ -2345,7 +2425,7 @@
                 <a:sym typeface="Arial"/>
               </a:defRPr>
             </a:lvl2pPr>
-            <a:lvl3pPr indent="0" lvl="2" marL="0" marR="0" algn="r">
+            <a:lvl3pPr marL="0" marR="0" lvl="2" indent="0" algn="r">
               <a:lnSpc>
                 <a:spcPct val="100000"/>
               </a:lnSpc>
@@ -2361,7 +2441,7 @@
               <a:buSzPts val="1000"/>
               <a:buFont typeface="Arial"/>
               <a:buNone/>
-              <a:defRPr b="0" i="0" sz="1000" u="none" cap="none" strike="noStrike">
+              <a:defRPr sz="1000" b="0" i="0" u="none" strike="noStrike" cap="none">
                 <a:solidFill>
                   <a:schemeClr val="dk2"/>
                 </a:solidFill>
@@ -2371,7 +2451,7 @@
                 <a:sym typeface="Arial"/>
               </a:defRPr>
             </a:lvl3pPr>
-            <a:lvl4pPr indent="0" lvl="3" marL="0" marR="0" algn="r">
+            <a:lvl4pPr marL="0" marR="0" lvl="3" indent="0" algn="r">
               <a:lnSpc>
                 <a:spcPct val="100000"/>
               </a:lnSpc>
@@ -2387,7 +2467,7 @@
               <a:buSzPts val="1000"/>
               <a:buFont typeface="Arial"/>
               <a:buNone/>
-              <a:defRPr b="0" i="0" sz="1000" u="none" cap="none" strike="noStrike">
+              <a:defRPr sz="1000" b="0" i="0" u="none" strike="noStrike" cap="none">
                 <a:solidFill>
                   <a:schemeClr val="dk2"/>
                 </a:solidFill>
@@ -2397,7 +2477,7 @@
                 <a:sym typeface="Arial"/>
               </a:defRPr>
             </a:lvl4pPr>
-            <a:lvl5pPr indent="0" lvl="4" marL="0" marR="0" algn="r">
+            <a:lvl5pPr marL="0" marR="0" lvl="4" indent="0" algn="r">
               <a:lnSpc>
                 <a:spcPct val="100000"/>
               </a:lnSpc>
@@ -2413,7 +2493,7 @@
               <a:buSzPts val="1000"/>
               <a:buFont typeface="Arial"/>
               <a:buNone/>
-              <a:defRPr b="0" i="0" sz="1000" u="none" cap="none" strike="noStrike">
+              <a:defRPr sz="1000" b="0" i="0" u="none" strike="noStrike" cap="none">
                 <a:solidFill>
                   <a:schemeClr val="dk2"/>
                 </a:solidFill>
@@ -2423,7 +2503,7 @@
                 <a:sym typeface="Arial"/>
               </a:defRPr>
             </a:lvl5pPr>
-            <a:lvl6pPr indent="0" lvl="5" marL="0" marR="0" algn="r">
+            <a:lvl6pPr marL="0" marR="0" lvl="5" indent="0" algn="r">
               <a:lnSpc>
                 <a:spcPct val="100000"/>
               </a:lnSpc>
@@ -2439,7 +2519,7 @@
               <a:buSzPts val="1000"/>
               <a:buFont typeface="Arial"/>
               <a:buNone/>
-              <a:defRPr b="0" i="0" sz="1000" u="none" cap="none" strike="noStrike">
+              <a:defRPr sz="1000" b="0" i="0" u="none" strike="noStrike" cap="none">
                 <a:solidFill>
                   <a:schemeClr val="dk2"/>
                 </a:solidFill>
@@ -2449,7 +2529,7 @@
                 <a:sym typeface="Arial"/>
               </a:defRPr>
             </a:lvl6pPr>
-            <a:lvl7pPr indent="0" lvl="6" marL="0" marR="0" algn="r">
+            <a:lvl7pPr marL="0" marR="0" lvl="6" indent="0" algn="r">
               <a:lnSpc>
                 <a:spcPct val="100000"/>
               </a:lnSpc>
@@ -2465,7 +2545,7 @@
               <a:buSzPts val="1000"/>
               <a:buFont typeface="Arial"/>
               <a:buNone/>
-              <a:defRPr b="0" i="0" sz="1000" u="none" cap="none" strike="noStrike">
+              <a:defRPr sz="1000" b="0" i="0" u="none" strike="noStrike" cap="none">
                 <a:solidFill>
                   <a:schemeClr val="dk2"/>
                 </a:solidFill>
@@ -2475,7 +2555,7 @@
                 <a:sym typeface="Arial"/>
               </a:defRPr>
             </a:lvl7pPr>
-            <a:lvl8pPr indent="0" lvl="7" marL="0" marR="0" algn="r">
+            <a:lvl8pPr marL="0" marR="0" lvl="7" indent="0" algn="r">
               <a:lnSpc>
                 <a:spcPct val="100000"/>
               </a:lnSpc>
@@ -2491,7 +2571,7 @@
               <a:buSzPts val="1000"/>
               <a:buFont typeface="Arial"/>
               <a:buNone/>
-              <a:defRPr b="0" i="0" sz="1000" u="none" cap="none" strike="noStrike">
+              <a:defRPr sz="1000" b="0" i="0" u="none" strike="noStrike" cap="none">
                 <a:solidFill>
                   <a:schemeClr val="dk2"/>
                 </a:solidFill>
@@ -2501,7 +2581,7 @@
                 <a:sym typeface="Arial"/>
               </a:defRPr>
             </a:lvl8pPr>
-            <a:lvl9pPr indent="0" lvl="8" marL="0" marR="0" algn="r">
+            <a:lvl9pPr marL="0" marR="0" lvl="8" indent="0" algn="r">
               <a:lnSpc>
                 <a:spcPct val="100000"/>
               </a:lnSpc>
@@ -2517,7 +2597,7 @@
               <a:buSzPts val="1000"/>
               <a:buFont typeface="Arial"/>
               <a:buNone/>
-              <a:defRPr b="0" i="0" sz="1000" u="none" cap="none" strike="noStrike">
+              <a:defRPr sz="1000" b="0" i="0" u="none" strike="noStrike" cap="none">
                 <a:solidFill>
                   <a:schemeClr val="dk2"/>
                 </a:solidFill>
@@ -2529,7 +2609,7 @@
             </a:lvl9pPr>
           </a:lstStyle>
           <a:p>
-            <a:pPr indent="0" lvl="0" marL="0" rtl="0" algn="r">
+            <a:pPr marL="0" lvl="0" indent="0" algn="r" rtl="0">
               <a:spcBef>
                 <a:spcPts val="0"/>
               </a:spcBef>
@@ -2555,11 +2635,11 @@
 </file>
 
 <file path=ppt/slideLayouts/slideLayout10.xml><?xml version="1.0" encoding="utf-8"?>
-<p:sldLayout xmlns:a="http://schemas.openxmlformats.org/drawingml/2006/main" xmlns:r="http://schemas.openxmlformats.org/officeDocument/2006/relationships" xmlns:mc="http://schemas.openxmlformats.org/markup-compatibility/2006" xmlns:mv="urn:schemas-microsoft-com:mac:vml" xmlns:p="http://schemas.openxmlformats.org/presentationml/2006/main" xmlns:c="http://schemas.openxmlformats.org/drawingml/2006/chart" xmlns:dgm="http://schemas.openxmlformats.org/drawingml/2006/diagram" xmlns:o="urn:schemas-microsoft-com:office:office" xmlns:v="urn:schemas-microsoft-com:vml" xmlns:pvml="urn:schemas-microsoft-com:office:powerpoint" xmlns:com="http://schemas.openxmlformats.org/drawingml/2006/compatibility" xmlns:p14="http://schemas.microsoft.com/office/powerpoint/2010/main" xmlns:p15="http://schemas.microsoft.com/office/powerpoint/2012/main" xmlns:ahyp="http://schemas.microsoft.com/office/drawing/2018/hyperlinkcolor" matchingName="Big number">
+<p:sldLayout xmlns:a="http://schemas.openxmlformats.org/drawingml/2006/main" xmlns:r="http://schemas.openxmlformats.org/officeDocument/2006/relationships" xmlns:p="http://schemas.openxmlformats.org/presentationml/2006/main" matchingName="Big number">
   <p:cSld name="BIG_NUMBER">
     <p:spTree>
       <p:nvGrpSpPr>
-        <p:cNvPr id="44" name="Shape 44"/>
+        <p:cNvPr id="1" name="Shape 44"/>
         <p:cNvGrpSpPr/>
         <p:nvPr/>
       </p:nvGrpSpPr>
@@ -2574,9 +2654,11 @@
       <p:sp>
         <p:nvSpPr>
           <p:cNvPr id="45" name="Google Shape;45;p11"/>
-          <p:cNvSpPr txBox="1"/>
+          <p:cNvSpPr txBox="1">
+            <a:spLocks noGrp="1"/>
+          </p:cNvSpPr>
           <p:nvPr>
-            <p:ph hasCustomPrompt="1" type="title"/>
+            <p:ph type="title" hasCustomPrompt="1"/>
           </p:nvPr>
         </p:nvSpPr>
         <p:spPr>
@@ -2593,7 +2675,7 @@
           </a:ln>
         </p:spPr>
         <p:txBody>
-          <a:bodyPr anchorCtr="0" anchor="b" bIns="91425" lIns="91425" spcFirstLastPara="1" rIns="91425" wrap="square" tIns="91425">
+          <a:bodyPr spcFirstLastPara="1" wrap="square" lIns="91425" tIns="91425" rIns="91425" bIns="91425" anchor="b" anchorCtr="0">
             <a:noAutofit/>
           </a:bodyPr>
           <a:lstStyle>
@@ -2734,9 +2816,11 @@
       <p:sp>
         <p:nvSpPr>
           <p:cNvPr id="46" name="Google Shape;46;p11"/>
-          <p:cNvSpPr txBox="1"/>
+          <p:cNvSpPr txBox="1">
+            <a:spLocks noGrp="1"/>
+          </p:cNvSpPr>
           <p:nvPr>
-            <p:ph idx="1" type="body"/>
+            <p:ph type="body" idx="1"/>
           </p:nvPr>
         </p:nvSpPr>
         <p:spPr>
@@ -2753,11 +2837,11 @@
           </a:ln>
         </p:spPr>
         <p:txBody>
-          <a:bodyPr anchorCtr="0" anchor="t" bIns="91425" lIns="91425" spcFirstLastPara="1" rIns="91425" wrap="square" tIns="91425">
+          <a:bodyPr spcFirstLastPara="1" wrap="square" lIns="91425" tIns="91425" rIns="91425" bIns="91425" anchor="t" anchorCtr="0">
             <a:noAutofit/>
           </a:bodyPr>
           <a:lstStyle>
-            <a:lvl1pPr indent="-342900" lvl="0" marL="457200" algn="ctr">
+            <a:lvl1pPr marL="457200" lvl="0" indent="-342900" algn="ctr">
               <a:lnSpc>
                 <a:spcPct val="115000"/>
               </a:lnSpc>
@@ -2771,7 +2855,7 @@
               <a:buChar char="●"/>
               <a:defRPr/>
             </a:lvl1pPr>
-            <a:lvl2pPr indent="-317500" lvl="1" marL="914400" algn="ctr">
+            <a:lvl2pPr marL="914400" lvl="1" indent="-317500" algn="ctr">
               <a:lnSpc>
                 <a:spcPct val="115000"/>
               </a:lnSpc>
@@ -2785,7 +2869,7 @@
               <a:buChar char="○"/>
               <a:defRPr/>
             </a:lvl2pPr>
-            <a:lvl3pPr indent="-317500" lvl="2" marL="1371600" algn="ctr">
+            <a:lvl3pPr marL="1371600" lvl="2" indent="-317500" algn="ctr">
               <a:lnSpc>
                 <a:spcPct val="115000"/>
               </a:lnSpc>
@@ -2799,7 +2883,7 @@
               <a:buChar char="■"/>
               <a:defRPr/>
             </a:lvl3pPr>
-            <a:lvl4pPr indent="-317500" lvl="3" marL="1828800" algn="ctr">
+            <a:lvl4pPr marL="1828800" lvl="3" indent="-317500" algn="ctr">
               <a:lnSpc>
                 <a:spcPct val="115000"/>
               </a:lnSpc>
@@ -2813,7 +2897,7 @@
               <a:buChar char="●"/>
               <a:defRPr/>
             </a:lvl4pPr>
-            <a:lvl5pPr indent="-317500" lvl="4" marL="2286000" algn="ctr">
+            <a:lvl5pPr marL="2286000" lvl="4" indent="-317500" algn="ctr">
               <a:lnSpc>
                 <a:spcPct val="115000"/>
               </a:lnSpc>
@@ -2827,7 +2911,7 @@
               <a:buChar char="○"/>
               <a:defRPr/>
             </a:lvl5pPr>
-            <a:lvl6pPr indent="-317500" lvl="5" marL="2743200" algn="ctr">
+            <a:lvl6pPr marL="2743200" lvl="5" indent="-317500" algn="ctr">
               <a:lnSpc>
                 <a:spcPct val="115000"/>
               </a:lnSpc>
@@ -2841,7 +2925,7 @@
               <a:buChar char="■"/>
               <a:defRPr/>
             </a:lvl6pPr>
-            <a:lvl7pPr indent="-317500" lvl="6" marL="3200400" algn="ctr">
+            <a:lvl7pPr marL="3200400" lvl="6" indent="-317500" algn="ctr">
               <a:lnSpc>
                 <a:spcPct val="115000"/>
               </a:lnSpc>
@@ -2855,7 +2939,7 @@
               <a:buChar char="●"/>
               <a:defRPr/>
             </a:lvl7pPr>
-            <a:lvl8pPr indent="-317500" lvl="7" marL="3657600" algn="ctr">
+            <a:lvl8pPr marL="3657600" lvl="7" indent="-317500" algn="ctr">
               <a:lnSpc>
                 <a:spcPct val="115000"/>
               </a:lnSpc>
@@ -2869,7 +2953,7 @@
               <a:buChar char="○"/>
               <a:defRPr/>
             </a:lvl8pPr>
-            <a:lvl9pPr indent="-317500" lvl="8" marL="4114800" algn="ctr">
+            <a:lvl9pPr marL="4114800" lvl="8" indent="-317500" algn="ctr">
               <a:lnSpc>
                 <a:spcPct val="115000"/>
               </a:lnSpc>
@@ -2884,15 +2968,19 @@
               <a:defRPr/>
             </a:lvl9pPr>
           </a:lstStyle>
-          <a:p/>
+          <a:p>
+            <a:endParaRPr/>
+          </a:p>
         </p:txBody>
       </p:sp>
       <p:sp>
         <p:nvSpPr>
           <p:cNvPr id="47" name="Google Shape;47;p11"/>
-          <p:cNvSpPr txBox="1"/>
+          <p:cNvSpPr txBox="1">
+            <a:spLocks noGrp="1"/>
+          </p:cNvSpPr>
           <p:nvPr>
-            <p:ph idx="12" type="sldNum"/>
+            <p:ph type="sldNum" idx="12"/>
           </p:nvPr>
         </p:nvSpPr>
         <p:spPr>
@@ -2909,11 +2997,11 @@
           </a:ln>
         </p:spPr>
         <p:txBody>
-          <a:bodyPr anchorCtr="0" anchor="ctr" bIns="91425" lIns="91425" spcFirstLastPara="1" rIns="91425" wrap="square" tIns="91425">
+          <a:bodyPr spcFirstLastPara="1" wrap="square" lIns="91425" tIns="91425" rIns="91425" bIns="91425" anchor="ctr" anchorCtr="0">
             <a:noAutofit/>
           </a:bodyPr>
           <a:lstStyle>
-            <a:lvl1pPr indent="0" lvl="0" marL="0" marR="0" algn="r">
+            <a:lvl1pPr marL="0" marR="0" lvl="0" indent="0" algn="r">
               <a:lnSpc>
                 <a:spcPct val="100000"/>
               </a:lnSpc>
@@ -2929,7 +3017,7 @@
               <a:buSzPts val="1000"/>
               <a:buFont typeface="Arial"/>
               <a:buNone/>
-              <a:defRPr b="0" i="0" sz="1000" u="none" cap="none" strike="noStrike">
+              <a:defRPr sz="1000" b="0" i="0" u="none" strike="noStrike" cap="none">
                 <a:solidFill>
                   <a:schemeClr val="dk2"/>
                 </a:solidFill>
@@ -2939,7 +3027,7 @@
                 <a:sym typeface="Arial"/>
               </a:defRPr>
             </a:lvl1pPr>
-            <a:lvl2pPr indent="0" lvl="1" marL="0" marR="0" algn="r">
+            <a:lvl2pPr marL="0" marR="0" lvl="1" indent="0" algn="r">
               <a:lnSpc>
                 <a:spcPct val="100000"/>
               </a:lnSpc>
@@ -2955,7 +3043,7 @@
               <a:buSzPts val="1000"/>
               <a:buFont typeface="Arial"/>
               <a:buNone/>
-              <a:defRPr b="0" i="0" sz="1000" u="none" cap="none" strike="noStrike">
+              <a:defRPr sz="1000" b="0" i="0" u="none" strike="noStrike" cap="none">
                 <a:solidFill>
                   <a:schemeClr val="dk2"/>
                 </a:solidFill>
@@ -2965,7 +3053,7 @@
                 <a:sym typeface="Arial"/>
               </a:defRPr>
             </a:lvl2pPr>
-            <a:lvl3pPr indent="0" lvl="2" marL="0" marR="0" algn="r">
+            <a:lvl3pPr marL="0" marR="0" lvl="2" indent="0" algn="r">
               <a:lnSpc>
                 <a:spcPct val="100000"/>
               </a:lnSpc>
@@ -2981,7 +3069,7 @@
               <a:buSzPts val="1000"/>
               <a:buFont typeface="Arial"/>
               <a:buNone/>
-              <a:defRPr b="0" i="0" sz="1000" u="none" cap="none" strike="noStrike">
+              <a:defRPr sz="1000" b="0" i="0" u="none" strike="noStrike" cap="none">
                 <a:solidFill>
                   <a:schemeClr val="dk2"/>
                 </a:solidFill>
@@ -2991,7 +3079,7 @@
                 <a:sym typeface="Arial"/>
               </a:defRPr>
             </a:lvl3pPr>
-            <a:lvl4pPr indent="0" lvl="3" marL="0" marR="0" algn="r">
+            <a:lvl4pPr marL="0" marR="0" lvl="3" indent="0" algn="r">
               <a:lnSpc>
                 <a:spcPct val="100000"/>
               </a:lnSpc>
@@ -3007,7 +3095,7 @@
               <a:buSzPts val="1000"/>
               <a:buFont typeface="Arial"/>
               <a:buNone/>
-              <a:defRPr b="0" i="0" sz="1000" u="none" cap="none" strike="noStrike">
+              <a:defRPr sz="1000" b="0" i="0" u="none" strike="noStrike" cap="none">
                 <a:solidFill>
                   <a:schemeClr val="dk2"/>
                 </a:solidFill>
@@ -3017,7 +3105,7 @@
                 <a:sym typeface="Arial"/>
               </a:defRPr>
             </a:lvl4pPr>
-            <a:lvl5pPr indent="0" lvl="4" marL="0" marR="0" algn="r">
+            <a:lvl5pPr marL="0" marR="0" lvl="4" indent="0" algn="r">
               <a:lnSpc>
                 <a:spcPct val="100000"/>
               </a:lnSpc>
@@ -3033,7 +3121,7 @@
               <a:buSzPts val="1000"/>
               <a:buFont typeface="Arial"/>
               <a:buNone/>
-              <a:defRPr b="0" i="0" sz="1000" u="none" cap="none" strike="noStrike">
+              <a:defRPr sz="1000" b="0" i="0" u="none" strike="noStrike" cap="none">
                 <a:solidFill>
                   <a:schemeClr val="dk2"/>
                 </a:solidFill>
@@ -3043,7 +3131,7 @@
                 <a:sym typeface="Arial"/>
               </a:defRPr>
             </a:lvl5pPr>
-            <a:lvl6pPr indent="0" lvl="5" marL="0" marR="0" algn="r">
+            <a:lvl6pPr marL="0" marR="0" lvl="5" indent="0" algn="r">
               <a:lnSpc>
                 <a:spcPct val="100000"/>
               </a:lnSpc>
@@ -3059,7 +3147,7 @@
               <a:buSzPts val="1000"/>
               <a:buFont typeface="Arial"/>
               <a:buNone/>
-              <a:defRPr b="0" i="0" sz="1000" u="none" cap="none" strike="noStrike">
+              <a:defRPr sz="1000" b="0" i="0" u="none" strike="noStrike" cap="none">
                 <a:solidFill>
                   <a:schemeClr val="dk2"/>
                 </a:solidFill>
@@ -3069,7 +3157,7 @@
                 <a:sym typeface="Arial"/>
               </a:defRPr>
             </a:lvl6pPr>
-            <a:lvl7pPr indent="0" lvl="6" marL="0" marR="0" algn="r">
+            <a:lvl7pPr marL="0" marR="0" lvl="6" indent="0" algn="r">
               <a:lnSpc>
                 <a:spcPct val="100000"/>
               </a:lnSpc>
@@ -3085,7 +3173,7 @@
               <a:buSzPts val="1000"/>
               <a:buFont typeface="Arial"/>
               <a:buNone/>
-              <a:defRPr b="0" i="0" sz="1000" u="none" cap="none" strike="noStrike">
+              <a:defRPr sz="1000" b="0" i="0" u="none" strike="noStrike" cap="none">
                 <a:solidFill>
                   <a:schemeClr val="dk2"/>
                 </a:solidFill>
@@ -3095,7 +3183,7 @@
                 <a:sym typeface="Arial"/>
               </a:defRPr>
             </a:lvl7pPr>
-            <a:lvl8pPr indent="0" lvl="7" marL="0" marR="0" algn="r">
+            <a:lvl8pPr marL="0" marR="0" lvl="7" indent="0" algn="r">
               <a:lnSpc>
                 <a:spcPct val="100000"/>
               </a:lnSpc>
@@ -3111,7 +3199,7 @@
               <a:buSzPts val="1000"/>
               <a:buFont typeface="Arial"/>
               <a:buNone/>
-              <a:defRPr b="0" i="0" sz="1000" u="none" cap="none" strike="noStrike">
+              <a:defRPr sz="1000" b="0" i="0" u="none" strike="noStrike" cap="none">
                 <a:solidFill>
                   <a:schemeClr val="dk2"/>
                 </a:solidFill>
@@ -3121,7 +3209,7 @@
                 <a:sym typeface="Arial"/>
               </a:defRPr>
             </a:lvl8pPr>
-            <a:lvl9pPr indent="0" lvl="8" marL="0" marR="0" algn="r">
+            <a:lvl9pPr marL="0" marR="0" lvl="8" indent="0" algn="r">
               <a:lnSpc>
                 <a:spcPct val="100000"/>
               </a:lnSpc>
@@ -3137,7 +3225,7 @@
               <a:buSzPts val="1000"/>
               <a:buFont typeface="Arial"/>
               <a:buNone/>
-              <a:defRPr b="0" i="0" sz="1000" u="none" cap="none" strike="noStrike">
+              <a:defRPr sz="1000" b="0" i="0" u="none" strike="noStrike" cap="none">
                 <a:solidFill>
                   <a:schemeClr val="dk2"/>
                 </a:solidFill>
@@ -3149,7 +3237,7 @@
             </a:lvl9pPr>
           </a:lstStyle>
           <a:p>
-            <a:pPr indent="0" lvl="0" marL="0" rtl="0" algn="r">
+            <a:pPr marL="0" lvl="0" indent="0" algn="r" rtl="0">
               <a:spcBef>
                 <a:spcPts val="0"/>
               </a:spcBef>
@@ -3175,11 +3263,11 @@
 </file>
 
 <file path=ppt/slideLayouts/slideLayout11.xml><?xml version="1.0" encoding="utf-8"?>
-<p:sldLayout xmlns:a="http://schemas.openxmlformats.org/drawingml/2006/main" xmlns:r="http://schemas.openxmlformats.org/officeDocument/2006/relationships" xmlns:mc="http://schemas.openxmlformats.org/markup-compatibility/2006" xmlns:mv="urn:schemas-microsoft-com:mac:vml" xmlns:p="http://schemas.openxmlformats.org/presentationml/2006/main" xmlns:c="http://schemas.openxmlformats.org/drawingml/2006/chart" xmlns:dgm="http://schemas.openxmlformats.org/drawingml/2006/diagram" xmlns:o="urn:schemas-microsoft-com:office:office" xmlns:v="urn:schemas-microsoft-com:vml" xmlns:pvml="urn:schemas-microsoft-com:office:powerpoint" xmlns:com="http://schemas.openxmlformats.org/drawingml/2006/compatibility" xmlns:p14="http://schemas.microsoft.com/office/powerpoint/2010/main" xmlns:p15="http://schemas.microsoft.com/office/powerpoint/2012/main" xmlns:ahyp="http://schemas.microsoft.com/office/drawing/2018/hyperlinkcolor" matchingName="Blank" type="blank">
+<p:sldLayout xmlns:a="http://schemas.openxmlformats.org/drawingml/2006/main" xmlns:r="http://schemas.openxmlformats.org/officeDocument/2006/relationships" xmlns:p="http://schemas.openxmlformats.org/presentationml/2006/main" matchingName="Blank" type="blank">
   <p:cSld name="BLANK">
     <p:spTree>
       <p:nvGrpSpPr>
-        <p:cNvPr id="48" name="Shape 48"/>
+        <p:cNvPr id="1" name="Shape 48"/>
         <p:cNvGrpSpPr/>
         <p:nvPr/>
       </p:nvGrpSpPr>
@@ -3194,9 +3282,11 @@
       <p:sp>
         <p:nvSpPr>
           <p:cNvPr id="49" name="Google Shape;49;p12"/>
-          <p:cNvSpPr txBox="1"/>
+          <p:cNvSpPr txBox="1">
+            <a:spLocks noGrp="1"/>
+          </p:cNvSpPr>
           <p:nvPr>
-            <p:ph idx="12" type="sldNum"/>
+            <p:ph type="sldNum" idx="12"/>
           </p:nvPr>
         </p:nvSpPr>
         <p:spPr>
@@ -3213,11 +3303,11 @@
           </a:ln>
         </p:spPr>
         <p:txBody>
-          <a:bodyPr anchorCtr="0" anchor="ctr" bIns="91425" lIns="91425" spcFirstLastPara="1" rIns="91425" wrap="square" tIns="91425">
+          <a:bodyPr spcFirstLastPara="1" wrap="square" lIns="91425" tIns="91425" rIns="91425" bIns="91425" anchor="ctr" anchorCtr="0">
             <a:noAutofit/>
           </a:bodyPr>
           <a:lstStyle>
-            <a:lvl1pPr indent="0" lvl="0" marL="0" marR="0" algn="r">
+            <a:lvl1pPr marL="0" marR="0" lvl="0" indent="0" algn="r">
               <a:lnSpc>
                 <a:spcPct val="100000"/>
               </a:lnSpc>
@@ -3233,7 +3323,7 @@
               <a:buSzPts val="1000"/>
               <a:buFont typeface="Arial"/>
               <a:buNone/>
-              <a:defRPr b="0" i="0" sz="1000" u="none" cap="none" strike="noStrike">
+              <a:defRPr sz="1000" b="0" i="0" u="none" strike="noStrike" cap="none">
                 <a:solidFill>
                   <a:schemeClr val="dk2"/>
                 </a:solidFill>
@@ -3243,7 +3333,7 @@
                 <a:sym typeface="Arial"/>
               </a:defRPr>
             </a:lvl1pPr>
-            <a:lvl2pPr indent="0" lvl="1" marL="0" marR="0" algn="r">
+            <a:lvl2pPr marL="0" marR="0" lvl="1" indent="0" algn="r">
               <a:lnSpc>
                 <a:spcPct val="100000"/>
               </a:lnSpc>
@@ -3259,7 +3349,7 @@
               <a:buSzPts val="1000"/>
               <a:buFont typeface="Arial"/>
               <a:buNone/>
-              <a:defRPr b="0" i="0" sz="1000" u="none" cap="none" strike="noStrike">
+              <a:defRPr sz="1000" b="0" i="0" u="none" strike="noStrike" cap="none">
                 <a:solidFill>
                   <a:schemeClr val="dk2"/>
                 </a:solidFill>
@@ -3269,7 +3359,7 @@
                 <a:sym typeface="Arial"/>
               </a:defRPr>
             </a:lvl2pPr>
-            <a:lvl3pPr indent="0" lvl="2" marL="0" marR="0" algn="r">
+            <a:lvl3pPr marL="0" marR="0" lvl="2" indent="0" algn="r">
               <a:lnSpc>
                 <a:spcPct val="100000"/>
               </a:lnSpc>
@@ -3285,7 +3375,7 @@
               <a:buSzPts val="1000"/>
               <a:buFont typeface="Arial"/>
               <a:buNone/>
-              <a:defRPr b="0" i="0" sz="1000" u="none" cap="none" strike="noStrike">
+              <a:defRPr sz="1000" b="0" i="0" u="none" strike="noStrike" cap="none">
                 <a:solidFill>
                   <a:schemeClr val="dk2"/>
                 </a:solidFill>
@@ -3295,7 +3385,7 @@
                 <a:sym typeface="Arial"/>
               </a:defRPr>
             </a:lvl3pPr>
-            <a:lvl4pPr indent="0" lvl="3" marL="0" marR="0" algn="r">
+            <a:lvl4pPr marL="0" marR="0" lvl="3" indent="0" algn="r">
               <a:lnSpc>
                 <a:spcPct val="100000"/>
               </a:lnSpc>
@@ -3311,7 +3401,7 @@
               <a:buSzPts val="1000"/>
               <a:buFont typeface="Arial"/>
               <a:buNone/>
-              <a:defRPr b="0" i="0" sz="1000" u="none" cap="none" strike="noStrike">
+              <a:defRPr sz="1000" b="0" i="0" u="none" strike="noStrike" cap="none">
                 <a:solidFill>
                   <a:schemeClr val="dk2"/>
                 </a:solidFill>
@@ -3321,7 +3411,7 @@
                 <a:sym typeface="Arial"/>
               </a:defRPr>
             </a:lvl4pPr>
-            <a:lvl5pPr indent="0" lvl="4" marL="0" marR="0" algn="r">
+            <a:lvl5pPr marL="0" marR="0" lvl="4" indent="0" algn="r">
               <a:lnSpc>
                 <a:spcPct val="100000"/>
               </a:lnSpc>
@@ -3337,7 +3427,7 @@
               <a:buSzPts val="1000"/>
               <a:buFont typeface="Arial"/>
               <a:buNone/>
-              <a:defRPr b="0" i="0" sz="1000" u="none" cap="none" strike="noStrike">
+              <a:defRPr sz="1000" b="0" i="0" u="none" strike="noStrike" cap="none">
                 <a:solidFill>
                   <a:schemeClr val="dk2"/>
                 </a:solidFill>
@@ -3347,7 +3437,7 @@
                 <a:sym typeface="Arial"/>
               </a:defRPr>
             </a:lvl5pPr>
-            <a:lvl6pPr indent="0" lvl="5" marL="0" marR="0" algn="r">
+            <a:lvl6pPr marL="0" marR="0" lvl="5" indent="0" algn="r">
               <a:lnSpc>
                 <a:spcPct val="100000"/>
               </a:lnSpc>
@@ -3363,7 +3453,7 @@
               <a:buSzPts val="1000"/>
               <a:buFont typeface="Arial"/>
               <a:buNone/>
-              <a:defRPr b="0" i="0" sz="1000" u="none" cap="none" strike="noStrike">
+              <a:defRPr sz="1000" b="0" i="0" u="none" strike="noStrike" cap="none">
                 <a:solidFill>
                   <a:schemeClr val="dk2"/>
                 </a:solidFill>
@@ -3373,7 +3463,7 @@
                 <a:sym typeface="Arial"/>
               </a:defRPr>
             </a:lvl6pPr>
-            <a:lvl7pPr indent="0" lvl="6" marL="0" marR="0" algn="r">
+            <a:lvl7pPr marL="0" marR="0" lvl="6" indent="0" algn="r">
               <a:lnSpc>
                 <a:spcPct val="100000"/>
               </a:lnSpc>
@@ -3389,7 +3479,7 @@
               <a:buSzPts val="1000"/>
               <a:buFont typeface="Arial"/>
               <a:buNone/>
-              <a:defRPr b="0" i="0" sz="1000" u="none" cap="none" strike="noStrike">
+              <a:defRPr sz="1000" b="0" i="0" u="none" strike="noStrike" cap="none">
                 <a:solidFill>
                   <a:schemeClr val="dk2"/>
                 </a:solidFill>
@@ -3399,7 +3489,7 @@
                 <a:sym typeface="Arial"/>
               </a:defRPr>
             </a:lvl7pPr>
-            <a:lvl8pPr indent="0" lvl="7" marL="0" marR="0" algn="r">
+            <a:lvl8pPr marL="0" marR="0" lvl="7" indent="0" algn="r">
               <a:lnSpc>
                 <a:spcPct val="100000"/>
               </a:lnSpc>
@@ -3415,7 +3505,7 @@
               <a:buSzPts val="1000"/>
               <a:buFont typeface="Arial"/>
               <a:buNone/>
-              <a:defRPr b="0" i="0" sz="1000" u="none" cap="none" strike="noStrike">
+              <a:defRPr sz="1000" b="0" i="0" u="none" strike="noStrike" cap="none">
                 <a:solidFill>
                   <a:schemeClr val="dk2"/>
                 </a:solidFill>
@@ -3425,7 +3515,7 @@
                 <a:sym typeface="Arial"/>
               </a:defRPr>
             </a:lvl8pPr>
-            <a:lvl9pPr indent="0" lvl="8" marL="0" marR="0" algn="r">
+            <a:lvl9pPr marL="0" marR="0" lvl="8" indent="0" algn="r">
               <a:lnSpc>
                 <a:spcPct val="100000"/>
               </a:lnSpc>
@@ -3441,7 +3531,7 @@
               <a:buSzPts val="1000"/>
               <a:buFont typeface="Arial"/>
               <a:buNone/>
-              <a:defRPr b="0" i="0" sz="1000" u="none" cap="none" strike="noStrike">
+              <a:defRPr sz="1000" b="0" i="0" u="none" strike="noStrike" cap="none">
                 <a:solidFill>
                   <a:schemeClr val="dk2"/>
                 </a:solidFill>
@@ -3453,7 +3543,7 @@
             </a:lvl9pPr>
           </a:lstStyle>
           <a:p>
-            <a:pPr indent="0" lvl="0" marL="0" rtl="0" algn="r">
+            <a:pPr marL="0" lvl="0" indent="0" algn="r" rtl="0">
               <a:spcBef>
                 <a:spcPts val="0"/>
               </a:spcBef>
@@ -3479,11 +3569,11 @@
 </file>
 
 <file path=ppt/slideLayouts/slideLayout2.xml><?xml version="1.0" encoding="utf-8"?>
-<p:sldLayout xmlns:a="http://schemas.openxmlformats.org/drawingml/2006/main" xmlns:r="http://schemas.openxmlformats.org/officeDocument/2006/relationships" xmlns:mc="http://schemas.openxmlformats.org/markup-compatibility/2006" xmlns:mv="urn:schemas-microsoft-com:mac:vml" xmlns:p="http://schemas.openxmlformats.org/presentationml/2006/main" xmlns:c="http://schemas.openxmlformats.org/drawingml/2006/chart" xmlns:dgm="http://schemas.openxmlformats.org/drawingml/2006/diagram" xmlns:o="urn:schemas-microsoft-com:office:office" xmlns:v="urn:schemas-microsoft-com:vml" xmlns:pvml="urn:schemas-microsoft-com:office:powerpoint" xmlns:com="http://schemas.openxmlformats.org/drawingml/2006/compatibility" xmlns:p14="http://schemas.microsoft.com/office/powerpoint/2010/main" xmlns:p15="http://schemas.microsoft.com/office/powerpoint/2012/main" xmlns:ahyp="http://schemas.microsoft.com/office/drawing/2018/hyperlinkcolor" matchingName="Title and two columns" type="twoColTx">
+<p:sldLayout xmlns:a="http://schemas.openxmlformats.org/drawingml/2006/main" xmlns:r="http://schemas.openxmlformats.org/officeDocument/2006/relationships" xmlns:p="http://schemas.openxmlformats.org/presentationml/2006/main" matchingName="Title and two columns" type="twoColTx">
   <p:cSld name="TITLE_AND_TWO_COLUMNS">
     <p:spTree>
       <p:nvGrpSpPr>
-        <p:cNvPr id="13" name="Shape 13"/>
+        <p:cNvPr id="1" name="Shape 13"/>
         <p:cNvGrpSpPr/>
         <p:nvPr/>
       </p:nvGrpSpPr>
@@ -3498,7 +3588,9 @@
       <p:sp>
         <p:nvSpPr>
           <p:cNvPr id="14" name="Google Shape;14;p3"/>
-          <p:cNvSpPr txBox="1"/>
+          <p:cNvSpPr txBox="1">
+            <a:spLocks noGrp="1"/>
+          </p:cNvSpPr>
           <p:nvPr>
             <p:ph type="title"/>
           </p:nvPr>
@@ -3517,7 +3609,7 @@
           </a:ln>
         </p:spPr>
         <p:txBody>
-          <a:bodyPr anchorCtr="0" anchor="t" bIns="91425" lIns="91425" spcFirstLastPara="1" rIns="91425" wrap="square" tIns="91425">
+          <a:bodyPr spcFirstLastPara="1" wrap="square" lIns="91425" tIns="91425" rIns="91425" bIns="91425" anchor="t" anchorCtr="0">
             <a:noAutofit/>
           </a:bodyPr>
           <a:lstStyle>
@@ -3648,15 +3740,19 @@
               <a:defRPr/>
             </a:lvl9pPr>
           </a:lstStyle>
-          <a:p/>
+          <a:p>
+            <a:endParaRPr/>
+          </a:p>
         </p:txBody>
       </p:sp>
       <p:sp>
         <p:nvSpPr>
           <p:cNvPr id="15" name="Google Shape;15;p3"/>
-          <p:cNvSpPr txBox="1"/>
+          <p:cNvSpPr txBox="1">
+            <a:spLocks noGrp="1"/>
+          </p:cNvSpPr>
           <p:nvPr>
-            <p:ph idx="1" type="body"/>
+            <p:ph type="body" idx="1"/>
           </p:nvPr>
         </p:nvSpPr>
         <p:spPr>
@@ -3673,11 +3769,11 @@
           </a:ln>
         </p:spPr>
         <p:txBody>
-          <a:bodyPr anchorCtr="0" anchor="t" bIns="91425" lIns="91425" spcFirstLastPara="1" rIns="91425" wrap="square" tIns="91425">
+          <a:bodyPr spcFirstLastPara="1" wrap="square" lIns="91425" tIns="91425" rIns="91425" bIns="91425" anchor="t" anchorCtr="0">
             <a:noAutofit/>
           </a:bodyPr>
           <a:lstStyle>
-            <a:lvl1pPr indent="-317500" lvl="0" marL="457200" algn="l">
+            <a:lvl1pPr marL="457200" lvl="0" indent="-317500" algn="l">
               <a:lnSpc>
                 <a:spcPct val="115000"/>
               </a:lnSpc>
@@ -3691,7 +3787,7 @@
               <a:buChar char="●"/>
               <a:defRPr sz="1400"/>
             </a:lvl1pPr>
-            <a:lvl2pPr indent="-304800" lvl="1" marL="914400" algn="l">
+            <a:lvl2pPr marL="914400" lvl="1" indent="-304800" algn="l">
               <a:lnSpc>
                 <a:spcPct val="115000"/>
               </a:lnSpc>
@@ -3705,7 +3801,7 @@
               <a:buChar char="○"/>
               <a:defRPr sz="1200"/>
             </a:lvl2pPr>
-            <a:lvl3pPr indent="-304800" lvl="2" marL="1371600" algn="l">
+            <a:lvl3pPr marL="1371600" lvl="2" indent="-304800" algn="l">
               <a:lnSpc>
                 <a:spcPct val="115000"/>
               </a:lnSpc>
@@ -3719,7 +3815,7 @@
               <a:buChar char="■"/>
               <a:defRPr sz="1200"/>
             </a:lvl3pPr>
-            <a:lvl4pPr indent="-304800" lvl="3" marL="1828800" algn="l">
+            <a:lvl4pPr marL="1828800" lvl="3" indent="-304800" algn="l">
               <a:lnSpc>
                 <a:spcPct val="115000"/>
               </a:lnSpc>
@@ -3733,7 +3829,7 @@
               <a:buChar char="●"/>
               <a:defRPr sz="1200"/>
             </a:lvl4pPr>
-            <a:lvl5pPr indent="-304800" lvl="4" marL="2286000" algn="l">
+            <a:lvl5pPr marL="2286000" lvl="4" indent="-304800" algn="l">
               <a:lnSpc>
                 <a:spcPct val="115000"/>
               </a:lnSpc>
@@ -3747,7 +3843,7 @@
               <a:buChar char="○"/>
               <a:defRPr sz="1200"/>
             </a:lvl5pPr>
-            <a:lvl6pPr indent="-304800" lvl="5" marL="2743200" algn="l">
+            <a:lvl6pPr marL="2743200" lvl="5" indent="-304800" algn="l">
               <a:lnSpc>
                 <a:spcPct val="115000"/>
               </a:lnSpc>
@@ -3761,7 +3857,7 @@
               <a:buChar char="■"/>
               <a:defRPr sz="1200"/>
             </a:lvl6pPr>
-            <a:lvl7pPr indent="-304800" lvl="6" marL="3200400" algn="l">
+            <a:lvl7pPr marL="3200400" lvl="6" indent="-304800" algn="l">
               <a:lnSpc>
                 <a:spcPct val="115000"/>
               </a:lnSpc>
@@ -3775,7 +3871,7 @@
               <a:buChar char="●"/>
               <a:defRPr sz="1200"/>
             </a:lvl7pPr>
-            <a:lvl8pPr indent="-304800" lvl="7" marL="3657600" algn="l">
+            <a:lvl8pPr marL="3657600" lvl="7" indent="-304800" algn="l">
               <a:lnSpc>
                 <a:spcPct val="115000"/>
               </a:lnSpc>
@@ -3789,7 +3885,7 @@
               <a:buChar char="○"/>
               <a:defRPr sz="1200"/>
             </a:lvl8pPr>
-            <a:lvl9pPr indent="-304800" lvl="8" marL="4114800" algn="l">
+            <a:lvl9pPr marL="4114800" lvl="8" indent="-304800" algn="l">
               <a:lnSpc>
                 <a:spcPct val="115000"/>
               </a:lnSpc>
@@ -3804,15 +3900,19 @@
               <a:defRPr sz="1200"/>
             </a:lvl9pPr>
           </a:lstStyle>
-          <a:p/>
+          <a:p>
+            <a:endParaRPr/>
+          </a:p>
         </p:txBody>
       </p:sp>
       <p:sp>
         <p:nvSpPr>
           <p:cNvPr id="16" name="Google Shape;16;p3"/>
-          <p:cNvSpPr txBox="1"/>
+          <p:cNvSpPr txBox="1">
+            <a:spLocks noGrp="1"/>
+          </p:cNvSpPr>
           <p:nvPr>
-            <p:ph idx="2" type="body"/>
+            <p:ph type="body" idx="2"/>
           </p:nvPr>
         </p:nvSpPr>
         <p:spPr>
@@ -3829,11 +3929,11 @@
           </a:ln>
         </p:spPr>
         <p:txBody>
-          <a:bodyPr anchorCtr="0" anchor="t" bIns="91425" lIns="91425" spcFirstLastPara="1" rIns="91425" wrap="square" tIns="91425">
+          <a:bodyPr spcFirstLastPara="1" wrap="square" lIns="91425" tIns="91425" rIns="91425" bIns="91425" anchor="t" anchorCtr="0">
             <a:noAutofit/>
           </a:bodyPr>
           <a:lstStyle>
-            <a:lvl1pPr indent="-317500" lvl="0" marL="457200" algn="l">
+            <a:lvl1pPr marL="457200" lvl="0" indent="-317500" algn="l">
               <a:lnSpc>
                 <a:spcPct val="115000"/>
               </a:lnSpc>
@@ -3847,7 +3947,7 @@
               <a:buChar char="●"/>
               <a:defRPr sz="1400"/>
             </a:lvl1pPr>
-            <a:lvl2pPr indent="-304800" lvl="1" marL="914400" algn="l">
+            <a:lvl2pPr marL="914400" lvl="1" indent="-304800" algn="l">
               <a:lnSpc>
                 <a:spcPct val="115000"/>
               </a:lnSpc>
@@ -3861,7 +3961,7 @@
               <a:buChar char="○"/>
               <a:defRPr sz="1200"/>
             </a:lvl2pPr>
-            <a:lvl3pPr indent="-304800" lvl="2" marL="1371600" algn="l">
+            <a:lvl3pPr marL="1371600" lvl="2" indent="-304800" algn="l">
               <a:lnSpc>
                 <a:spcPct val="115000"/>
               </a:lnSpc>
@@ -3875,7 +3975,7 @@
               <a:buChar char="■"/>
               <a:defRPr sz="1200"/>
             </a:lvl3pPr>
-            <a:lvl4pPr indent="-304800" lvl="3" marL="1828800" algn="l">
+            <a:lvl4pPr marL="1828800" lvl="3" indent="-304800" algn="l">
               <a:lnSpc>
                 <a:spcPct val="115000"/>
               </a:lnSpc>
@@ -3889,7 +3989,7 @@
               <a:buChar char="●"/>
               <a:defRPr sz="1200"/>
             </a:lvl4pPr>
-            <a:lvl5pPr indent="-304800" lvl="4" marL="2286000" algn="l">
+            <a:lvl5pPr marL="2286000" lvl="4" indent="-304800" algn="l">
               <a:lnSpc>
                 <a:spcPct val="115000"/>
               </a:lnSpc>
@@ -3903,7 +4003,7 @@
               <a:buChar char="○"/>
               <a:defRPr sz="1200"/>
             </a:lvl5pPr>
-            <a:lvl6pPr indent="-304800" lvl="5" marL="2743200" algn="l">
+            <a:lvl6pPr marL="2743200" lvl="5" indent="-304800" algn="l">
               <a:lnSpc>
                 <a:spcPct val="115000"/>
               </a:lnSpc>
@@ -3917,7 +4017,7 @@
               <a:buChar char="■"/>
               <a:defRPr sz="1200"/>
             </a:lvl6pPr>
-            <a:lvl7pPr indent="-304800" lvl="6" marL="3200400" algn="l">
+            <a:lvl7pPr marL="3200400" lvl="6" indent="-304800" algn="l">
               <a:lnSpc>
                 <a:spcPct val="115000"/>
               </a:lnSpc>
@@ -3931,7 +4031,7 @@
               <a:buChar char="●"/>
               <a:defRPr sz="1200"/>
             </a:lvl7pPr>
-            <a:lvl8pPr indent="-304800" lvl="7" marL="3657600" algn="l">
+            <a:lvl8pPr marL="3657600" lvl="7" indent="-304800" algn="l">
               <a:lnSpc>
                 <a:spcPct val="115000"/>
               </a:lnSpc>
@@ -3945,7 +4045,7 @@
               <a:buChar char="○"/>
               <a:defRPr sz="1200"/>
             </a:lvl8pPr>
-            <a:lvl9pPr indent="-304800" lvl="8" marL="4114800" algn="l">
+            <a:lvl9pPr marL="4114800" lvl="8" indent="-304800" algn="l">
               <a:lnSpc>
                 <a:spcPct val="115000"/>
               </a:lnSpc>
@@ -3960,15 +4060,19 @@
               <a:defRPr sz="1200"/>
             </a:lvl9pPr>
           </a:lstStyle>
-          <a:p/>
+          <a:p>
+            <a:endParaRPr/>
+          </a:p>
         </p:txBody>
       </p:sp>
       <p:sp>
         <p:nvSpPr>
           <p:cNvPr id="17" name="Google Shape;17;p3"/>
-          <p:cNvSpPr txBox="1"/>
+          <p:cNvSpPr txBox="1">
+            <a:spLocks noGrp="1"/>
+          </p:cNvSpPr>
           <p:nvPr>
-            <p:ph idx="12" type="sldNum"/>
+            <p:ph type="sldNum" idx="12"/>
           </p:nvPr>
         </p:nvSpPr>
         <p:spPr>
@@ -3985,11 +4089,11 @@
           </a:ln>
         </p:spPr>
         <p:txBody>
-          <a:bodyPr anchorCtr="0" anchor="ctr" bIns="91425" lIns="91425" spcFirstLastPara="1" rIns="91425" wrap="square" tIns="91425">
+          <a:bodyPr spcFirstLastPara="1" wrap="square" lIns="91425" tIns="91425" rIns="91425" bIns="91425" anchor="ctr" anchorCtr="0">
             <a:noAutofit/>
           </a:bodyPr>
           <a:lstStyle>
-            <a:lvl1pPr indent="0" lvl="0" marL="0" marR="0" algn="r">
+            <a:lvl1pPr marL="0" marR="0" lvl="0" indent="0" algn="r">
               <a:lnSpc>
                 <a:spcPct val="100000"/>
               </a:lnSpc>
@@ -4005,7 +4109,7 @@
               <a:buSzPts val="1000"/>
               <a:buFont typeface="Arial"/>
               <a:buNone/>
-              <a:defRPr b="0" i="0" sz="1000" u="none" cap="none" strike="noStrike">
+              <a:defRPr sz="1000" b="0" i="0" u="none" strike="noStrike" cap="none">
                 <a:solidFill>
                   <a:schemeClr val="dk2"/>
                 </a:solidFill>
@@ -4015,7 +4119,7 @@
                 <a:sym typeface="Arial"/>
               </a:defRPr>
             </a:lvl1pPr>
-            <a:lvl2pPr indent="0" lvl="1" marL="0" marR="0" algn="r">
+            <a:lvl2pPr marL="0" marR="0" lvl="1" indent="0" algn="r">
               <a:lnSpc>
                 <a:spcPct val="100000"/>
               </a:lnSpc>
@@ -4031,7 +4135,7 @@
               <a:buSzPts val="1000"/>
               <a:buFont typeface="Arial"/>
               <a:buNone/>
-              <a:defRPr b="0" i="0" sz="1000" u="none" cap="none" strike="noStrike">
+              <a:defRPr sz="1000" b="0" i="0" u="none" strike="noStrike" cap="none">
                 <a:solidFill>
                   <a:schemeClr val="dk2"/>
                 </a:solidFill>
@@ -4041,7 +4145,7 @@
                 <a:sym typeface="Arial"/>
               </a:defRPr>
             </a:lvl2pPr>
-            <a:lvl3pPr indent="0" lvl="2" marL="0" marR="0" algn="r">
+            <a:lvl3pPr marL="0" marR="0" lvl="2" indent="0" algn="r">
               <a:lnSpc>
                 <a:spcPct val="100000"/>
               </a:lnSpc>
@@ -4057,7 +4161,7 @@
               <a:buSzPts val="1000"/>
               <a:buFont typeface="Arial"/>
               <a:buNone/>
-              <a:defRPr b="0" i="0" sz="1000" u="none" cap="none" strike="noStrike">
+              <a:defRPr sz="1000" b="0" i="0" u="none" strike="noStrike" cap="none">
                 <a:solidFill>
                   <a:schemeClr val="dk2"/>
                 </a:solidFill>
@@ -4067,7 +4171,7 @@
                 <a:sym typeface="Arial"/>
               </a:defRPr>
             </a:lvl3pPr>
-            <a:lvl4pPr indent="0" lvl="3" marL="0" marR="0" algn="r">
+            <a:lvl4pPr marL="0" marR="0" lvl="3" indent="0" algn="r">
               <a:lnSpc>
                 <a:spcPct val="100000"/>
               </a:lnSpc>
@@ -4083,7 +4187,7 @@
               <a:buSzPts val="1000"/>
               <a:buFont typeface="Arial"/>
               <a:buNone/>
-              <a:defRPr b="0" i="0" sz="1000" u="none" cap="none" strike="noStrike">
+              <a:defRPr sz="1000" b="0" i="0" u="none" strike="noStrike" cap="none">
                 <a:solidFill>
                   <a:schemeClr val="dk2"/>
                 </a:solidFill>
@@ -4093,7 +4197,7 @@
                 <a:sym typeface="Arial"/>
               </a:defRPr>
             </a:lvl4pPr>
-            <a:lvl5pPr indent="0" lvl="4" marL="0" marR="0" algn="r">
+            <a:lvl5pPr marL="0" marR="0" lvl="4" indent="0" algn="r">
               <a:lnSpc>
                 <a:spcPct val="100000"/>
               </a:lnSpc>
@@ -4109,7 +4213,7 @@
               <a:buSzPts val="1000"/>
               <a:buFont typeface="Arial"/>
               <a:buNone/>
-              <a:defRPr b="0" i="0" sz="1000" u="none" cap="none" strike="noStrike">
+              <a:defRPr sz="1000" b="0" i="0" u="none" strike="noStrike" cap="none">
                 <a:solidFill>
                   <a:schemeClr val="dk2"/>
                 </a:solidFill>
@@ -4119,7 +4223,7 @@
                 <a:sym typeface="Arial"/>
               </a:defRPr>
             </a:lvl5pPr>
-            <a:lvl6pPr indent="0" lvl="5" marL="0" marR="0" algn="r">
+            <a:lvl6pPr marL="0" marR="0" lvl="5" indent="0" algn="r">
               <a:lnSpc>
                 <a:spcPct val="100000"/>
               </a:lnSpc>
@@ -4135,7 +4239,7 @@
               <a:buSzPts val="1000"/>
               <a:buFont typeface="Arial"/>
               <a:buNone/>
-              <a:defRPr b="0" i="0" sz="1000" u="none" cap="none" strike="noStrike">
+              <a:defRPr sz="1000" b="0" i="0" u="none" strike="noStrike" cap="none">
                 <a:solidFill>
                   <a:schemeClr val="dk2"/>
                 </a:solidFill>
@@ -4145,7 +4249,7 @@
                 <a:sym typeface="Arial"/>
               </a:defRPr>
             </a:lvl6pPr>
-            <a:lvl7pPr indent="0" lvl="6" marL="0" marR="0" algn="r">
+            <a:lvl7pPr marL="0" marR="0" lvl="6" indent="0" algn="r">
               <a:lnSpc>
                 <a:spcPct val="100000"/>
               </a:lnSpc>
@@ -4161,7 +4265,7 @@
               <a:buSzPts val="1000"/>
               <a:buFont typeface="Arial"/>
               <a:buNone/>
-              <a:defRPr b="0" i="0" sz="1000" u="none" cap="none" strike="noStrike">
+              <a:defRPr sz="1000" b="0" i="0" u="none" strike="noStrike" cap="none">
                 <a:solidFill>
                   <a:schemeClr val="dk2"/>
                 </a:solidFill>
@@ -4171,7 +4275,7 @@
                 <a:sym typeface="Arial"/>
               </a:defRPr>
             </a:lvl7pPr>
-            <a:lvl8pPr indent="0" lvl="7" marL="0" marR="0" algn="r">
+            <a:lvl8pPr marL="0" marR="0" lvl="7" indent="0" algn="r">
               <a:lnSpc>
                 <a:spcPct val="100000"/>
               </a:lnSpc>
@@ -4187,7 +4291,7 @@
               <a:buSzPts val="1000"/>
               <a:buFont typeface="Arial"/>
               <a:buNone/>
-              <a:defRPr b="0" i="0" sz="1000" u="none" cap="none" strike="noStrike">
+              <a:defRPr sz="1000" b="0" i="0" u="none" strike="noStrike" cap="none">
                 <a:solidFill>
                   <a:schemeClr val="dk2"/>
                 </a:solidFill>
@@ -4197,7 +4301,7 @@
                 <a:sym typeface="Arial"/>
               </a:defRPr>
             </a:lvl8pPr>
-            <a:lvl9pPr indent="0" lvl="8" marL="0" marR="0" algn="r">
+            <a:lvl9pPr marL="0" marR="0" lvl="8" indent="0" algn="r">
               <a:lnSpc>
                 <a:spcPct val="100000"/>
               </a:lnSpc>
@@ -4213,7 +4317,7 @@
               <a:buSzPts val="1000"/>
               <a:buFont typeface="Arial"/>
               <a:buNone/>
-              <a:defRPr b="0" i="0" sz="1000" u="none" cap="none" strike="noStrike">
+              <a:defRPr sz="1000" b="0" i="0" u="none" strike="noStrike" cap="none">
                 <a:solidFill>
                   <a:schemeClr val="dk2"/>
                 </a:solidFill>
@@ -4225,7 +4329,7 @@
             </a:lvl9pPr>
           </a:lstStyle>
           <a:p>
-            <a:pPr indent="0" lvl="0" marL="0" rtl="0" algn="r">
+            <a:pPr marL="0" lvl="0" indent="0" algn="r" rtl="0">
               <a:spcBef>
                 <a:spcPts val="0"/>
               </a:spcBef>
@@ -4251,11 +4355,11 @@
 </file>
 
 <file path=ppt/slideLayouts/slideLayout3.xml><?xml version="1.0" encoding="utf-8"?>
-<p:sldLayout xmlns:a="http://schemas.openxmlformats.org/drawingml/2006/main" xmlns:r="http://schemas.openxmlformats.org/officeDocument/2006/relationships" xmlns:mc="http://schemas.openxmlformats.org/markup-compatibility/2006" xmlns:mv="urn:schemas-microsoft-com:mac:vml" xmlns:p="http://schemas.openxmlformats.org/presentationml/2006/main" xmlns:c="http://schemas.openxmlformats.org/drawingml/2006/chart" xmlns:dgm="http://schemas.openxmlformats.org/drawingml/2006/diagram" xmlns:o="urn:schemas-microsoft-com:office:office" xmlns:v="urn:schemas-microsoft-com:vml" xmlns:pvml="urn:schemas-microsoft-com:office:powerpoint" xmlns:com="http://schemas.openxmlformats.org/drawingml/2006/compatibility" xmlns:p14="http://schemas.microsoft.com/office/powerpoint/2010/main" xmlns:p15="http://schemas.microsoft.com/office/powerpoint/2012/main" xmlns:ahyp="http://schemas.microsoft.com/office/drawing/2018/hyperlinkcolor" matchingName="Section header" type="secHead">
+<p:sldLayout xmlns:a="http://schemas.openxmlformats.org/drawingml/2006/main" xmlns:r="http://schemas.openxmlformats.org/officeDocument/2006/relationships" xmlns:p="http://schemas.openxmlformats.org/presentationml/2006/main" matchingName="Section header" type="secHead">
   <p:cSld name="SECTION_HEADER">
     <p:spTree>
       <p:nvGrpSpPr>
-        <p:cNvPr id="18" name="Shape 18"/>
+        <p:cNvPr id="1" name="Shape 18"/>
         <p:cNvGrpSpPr/>
         <p:nvPr/>
       </p:nvGrpSpPr>
@@ -4270,7 +4374,9 @@
       <p:sp>
         <p:nvSpPr>
           <p:cNvPr id="19" name="Google Shape;19;p4"/>
-          <p:cNvSpPr txBox="1"/>
+          <p:cNvSpPr txBox="1">
+            <a:spLocks noGrp="1"/>
+          </p:cNvSpPr>
           <p:nvPr>
             <p:ph type="title"/>
           </p:nvPr>
@@ -4289,7 +4395,7 @@
           </a:ln>
         </p:spPr>
         <p:txBody>
-          <a:bodyPr anchorCtr="0" anchor="ctr" bIns="91425" lIns="91425" spcFirstLastPara="1" rIns="91425" wrap="square" tIns="91425">
+          <a:bodyPr spcFirstLastPara="1" wrap="square" lIns="91425" tIns="91425" rIns="91425" bIns="91425" anchor="ctr" anchorCtr="0">
             <a:noAutofit/>
           </a:bodyPr>
           <a:lstStyle>
@@ -4420,15 +4526,19 @@
               <a:defRPr sz="3600"/>
             </a:lvl9pPr>
           </a:lstStyle>
-          <a:p/>
+          <a:p>
+            <a:endParaRPr/>
+          </a:p>
         </p:txBody>
       </p:sp>
       <p:sp>
         <p:nvSpPr>
           <p:cNvPr id="20" name="Google Shape;20;p4"/>
-          <p:cNvSpPr txBox="1"/>
+          <p:cNvSpPr txBox="1">
+            <a:spLocks noGrp="1"/>
+          </p:cNvSpPr>
           <p:nvPr>
-            <p:ph idx="12" type="sldNum"/>
+            <p:ph type="sldNum" idx="12"/>
           </p:nvPr>
         </p:nvSpPr>
         <p:spPr>
@@ -4445,11 +4555,11 @@
           </a:ln>
         </p:spPr>
         <p:txBody>
-          <a:bodyPr anchorCtr="0" anchor="ctr" bIns="91425" lIns="91425" spcFirstLastPara="1" rIns="91425" wrap="square" tIns="91425">
+          <a:bodyPr spcFirstLastPara="1" wrap="square" lIns="91425" tIns="91425" rIns="91425" bIns="91425" anchor="ctr" anchorCtr="0">
             <a:noAutofit/>
           </a:bodyPr>
           <a:lstStyle>
-            <a:lvl1pPr indent="0" lvl="0" marL="0" marR="0" algn="r">
+            <a:lvl1pPr marL="0" marR="0" lvl="0" indent="0" algn="r">
               <a:lnSpc>
                 <a:spcPct val="100000"/>
               </a:lnSpc>
@@ -4465,7 +4575,7 @@
               <a:buSzPts val="1000"/>
               <a:buFont typeface="Arial"/>
               <a:buNone/>
-              <a:defRPr b="0" i="0" sz="1000" u="none" cap="none" strike="noStrike">
+              <a:defRPr sz="1000" b="0" i="0" u="none" strike="noStrike" cap="none">
                 <a:solidFill>
                   <a:schemeClr val="dk2"/>
                 </a:solidFill>
@@ -4475,7 +4585,7 @@
                 <a:sym typeface="Arial"/>
               </a:defRPr>
             </a:lvl1pPr>
-            <a:lvl2pPr indent="0" lvl="1" marL="0" marR="0" algn="r">
+            <a:lvl2pPr marL="0" marR="0" lvl="1" indent="0" algn="r">
               <a:lnSpc>
                 <a:spcPct val="100000"/>
               </a:lnSpc>
@@ -4491,7 +4601,7 @@
               <a:buSzPts val="1000"/>
               <a:buFont typeface="Arial"/>
               <a:buNone/>
-              <a:defRPr b="0" i="0" sz="1000" u="none" cap="none" strike="noStrike">
+              <a:defRPr sz="1000" b="0" i="0" u="none" strike="noStrike" cap="none">
                 <a:solidFill>
                   <a:schemeClr val="dk2"/>
                 </a:solidFill>
@@ -4501,7 +4611,7 @@
                 <a:sym typeface="Arial"/>
               </a:defRPr>
             </a:lvl2pPr>
-            <a:lvl3pPr indent="0" lvl="2" marL="0" marR="0" algn="r">
+            <a:lvl3pPr marL="0" marR="0" lvl="2" indent="0" algn="r">
               <a:lnSpc>
                 <a:spcPct val="100000"/>
               </a:lnSpc>
@@ -4517,7 +4627,7 @@
               <a:buSzPts val="1000"/>
               <a:buFont typeface="Arial"/>
               <a:buNone/>
-              <a:defRPr b="0" i="0" sz="1000" u="none" cap="none" strike="noStrike">
+              <a:defRPr sz="1000" b="0" i="0" u="none" strike="noStrike" cap="none">
                 <a:solidFill>
                   <a:schemeClr val="dk2"/>
                 </a:solidFill>
@@ -4527,7 +4637,7 @@
                 <a:sym typeface="Arial"/>
               </a:defRPr>
             </a:lvl3pPr>
-            <a:lvl4pPr indent="0" lvl="3" marL="0" marR="0" algn="r">
+            <a:lvl4pPr marL="0" marR="0" lvl="3" indent="0" algn="r">
               <a:lnSpc>
                 <a:spcPct val="100000"/>
               </a:lnSpc>
@@ -4543,7 +4653,7 @@
               <a:buSzPts val="1000"/>
               <a:buFont typeface="Arial"/>
               <a:buNone/>
-              <a:defRPr b="0" i="0" sz="1000" u="none" cap="none" strike="noStrike">
+              <a:defRPr sz="1000" b="0" i="0" u="none" strike="noStrike" cap="none">
                 <a:solidFill>
                   <a:schemeClr val="dk2"/>
                 </a:solidFill>
@@ -4553,7 +4663,7 @@
                 <a:sym typeface="Arial"/>
               </a:defRPr>
             </a:lvl4pPr>
-            <a:lvl5pPr indent="0" lvl="4" marL="0" marR="0" algn="r">
+            <a:lvl5pPr marL="0" marR="0" lvl="4" indent="0" algn="r">
               <a:lnSpc>
                 <a:spcPct val="100000"/>
               </a:lnSpc>
@@ -4569,7 +4679,7 @@
               <a:buSzPts val="1000"/>
               <a:buFont typeface="Arial"/>
               <a:buNone/>
-              <a:defRPr b="0" i="0" sz="1000" u="none" cap="none" strike="noStrike">
+              <a:defRPr sz="1000" b="0" i="0" u="none" strike="noStrike" cap="none">
                 <a:solidFill>
                   <a:schemeClr val="dk2"/>
                 </a:solidFill>
@@ -4579,7 +4689,7 @@
                 <a:sym typeface="Arial"/>
               </a:defRPr>
             </a:lvl5pPr>
-            <a:lvl6pPr indent="0" lvl="5" marL="0" marR="0" algn="r">
+            <a:lvl6pPr marL="0" marR="0" lvl="5" indent="0" algn="r">
               <a:lnSpc>
                 <a:spcPct val="100000"/>
               </a:lnSpc>
@@ -4595,7 +4705,7 @@
               <a:buSzPts val="1000"/>
               <a:buFont typeface="Arial"/>
               <a:buNone/>
-              <a:defRPr b="0" i="0" sz="1000" u="none" cap="none" strike="noStrike">
+              <a:defRPr sz="1000" b="0" i="0" u="none" strike="noStrike" cap="none">
                 <a:solidFill>
                   <a:schemeClr val="dk2"/>
                 </a:solidFill>
@@ -4605,7 +4715,7 @@
                 <a:sym typeface="Arial"/>
               </a:defRPr>
             </a:lvl6pPr>
-            <a:lvl7pPr indent="0" lvl="6" marL="0" marR="0" algn="r">
+            <a:lvl7pPr marL="0" marR="0" lvl="6" indent="0" algn="r">
               <a:lnSpc>
                 <a:spcPct val="100000"/>
               </a:lnSpc>
@@ -4621,7 +4731,7 @@
               <a:buSzPts val="1000"/>
               <a:buFont typeface="Arial"/>
               <a:buNone/>
-              <a:defRPr b="0" i="0" sz="1000" u="none" cap="none" strike="noStrike">
+              <a:defRPr sz="1000" b="0" i="0" u="none" strike="noStrike" cap="none">
                 <a:solidFill>
                   <a:schemeClr val="dk2"/>
                 </a:solidFill>
@@ -4631,7 +4741,7 @@
                 <a:sym typeface="Arial"/>
               </a:defRPr>
             </a:lvl7pPr>
-            <a:lvl8pPr indent="0" lvl="7" marL="0" marR="0" algn="r">
+            <a:lvl8pPr marL="0" marR="0" lvl="7" indent="0" algn="r">
               <a:lnSpc>
                 <a:spcPct val="100000"/>
               </a:lnSpc>
@@ -4647,7 +4757,7 @@
               <a:buSzPts val="1000"/>
               <a:buFont typeface="Arial"/>
               <a:buNone/>
-              <a:defRPr b="0" i="0" sz="1000" u="none" cap="none" strike="noStrike">
+              <a:defRPr sz="1000" b="0" i="0" u="none" strike="noStrike" cap="none">
                 <a:solidFill>
                   <a:schemeClr val="dk2"/>
                 </a:solidFill>
@@ -4657,7 +4767,7 @@
                 <a:sym typeface="Arial"/>
               </a:defRPr>
             </a:lvl8pPr>
-            <a:lvl9pPr indent="0" lvl="8" marL="0" marR="0" algn="r">
+            <a:lvl9pPr marL="0" marR="0" lvl="8" indent="0" algn="r">
               <a:lnSpc>
                 <a:spcPct val="100000"/>
               </a:lnSpc>
@@ -4673,7 +4783,7 @@
               <a:buSzPts val="1000"/>
               <a:buFont typeface="Arial"/>
               <a:buNone/>
-              <a:defRPr b="0" i="0" sz="1000" u="none" cap="none" strike="noStrike">
+              <a:defRPr sz="1000" b="0" i="0" u="none" strike="noStrike" cap="none">
                 <a:solidFill>
                   <a:schemeClr val="dk2"/>
                 </a:solidFill>
@@ -4685,7 +4795,7 @@
             </a:lvl9pPr>
           </a:lstStyle>
           <a:p>
-            <a:pPr indent="0" lvl="0" marL="0" rtl="0" algn="r">
+            <a:pPr marL="0" lvl="0" indent="0" algn="r" rtl="0">
               <a:spcBef>
                 <a:spcPts val="0"/>
               </a:spcBef>
@@ -4711,11 +4821,11 @@
 </file>
 
 <file path=ppt/slideLayouts/slideLayout4.xml><?xml version="1.0" encoding="utf-8"?>
-<p:sldLayout xmlns:a="http://schemas.openxmlformats.org/drawingml/2006/main" xmlns:r="http://schemas.openxmlformats.org/officeDocument/2006/relationships" xmlns:mc="http://schemas.openxmlformats.org/markup-compatibility/2006" xmlns:mv="urn:schemas-microsoft-com:mac:vml" xmlns:p="http://schemas.openxmlformats.org/presentationml/2006/main" xmlns:c="http://schemas.openxmlformats.org/drawingml/2006/chart" xmlns:dgm="http://schemas.openxmlformats.org/drawingml/2006/diagram" xmlns:o="urn:schemas-microsoft-com:office:office" xmlns:v="urn:schemas-microsoft-com:vml" xmlns:pvml="urn:schemas-microsoft-com:office:powerpoint" xmlns:com="http://schemas.openxmlformats.org/drawingml/2006/compatibility" xmlns:p14="http://schemas.microsoft.com/office/powerpoint/2010/main" xmlns:p15="http://schemas.microsoft.com/office/powerpoint/2012/main" xmlns:ahyp="http://schemas.microsoft.com/office/drawing/2018/hyperlinkcolor" matchingName="Title and body" type="tx">
+<p:sldLayout xmlns:a="http://schemas.openxmlformats.org/drawingml/2006/main" xmlns:r="http://schemas.openxmlformats.org/officeDocument/2006/relationships" xmlns:p="http://schemas.openxmlformats.org/presentationml/2006/main" matchingName="Title and body" type="tx">
   <p:cSld name="TITLE_AND_BODY">
     <p:spTree>
       <p:nvGrpSpPr>
-        <p:cNvPr id="21" name="Shape 21"/>
+        <p:cNvPr id="1" name="Shape 21"/>
         <p:cNvGrpSpPr/>
         <p:nvPr/>
       </p:nvGrpSpPr>
@@ -4730,7 +4840,9 @@
       <p:sp>
         <p:nvSpPr>
           <p:cNvPr id="22" name="Google Shape;22;p5"/>
-          <p:cNvSpPr txBox="1"/>
+          <p:cNvSpPr txBox="1">
+            <a:spLocks noGrp="1"/>
+          </p:cNvSpPr>
           <p:nvPr>
             <p:ph type="title"/>
           </p:nvPr>
@@ -4749,7 +4861,7 @@
           </a:ln>
         </p:spPr>
         <p:txBody>
-          <a:bodyPr anchorCtr="0" anchor="t" bIns="91425" lIns="91425" spcFirstLastPara="1" rIns="91425" wrap="square" tIns="91425">
+          <a:bodyPr spcFirstLastPara="1" wrap="square" lIns="91425" tIns="91425" rIns="91425" bIns="91425" anchor="t" anchorCtr="0">
             <a:noAutofit/>
           </a:bodyPr>
           <a:lstStyle>
@@ -4880,15 +4992,19 @@
               <a:defRPr/>
             </a:lvl9pPr>
           </a:lstStyle>
-          <a:p/>
+          <a:p>
+            <a:endParaRPr/>
+          </a:p>
         </p:txBody>
       </p:sp>
       <p:sp>
         <p:nvSpPr>
           <p:cNvPr id="23" name="Google Shape;23;p5"/>
-          <p:cNvSpPr txBox="1"/>
+          <p:cNvSpPr txBox="1">
+            <a:spLocks noGrp="1"/>
+          </p:cNvSpPr>
           <p:nvPr>
-            <p:ph idx="1" type="body"/>
+            <p:ph type="body" idx="1"/>
           </p:nvPr>
         </p:nvSpPr>
         <p:spPr>
@@ -4905,11 +5021,11 @@
           </a:ln>
         </p:spPr>
         <p:txBody>
-          <a:bodyPr anchorCtr="0" anchor="t" bIns="91425" lIns="91425" spcFirstLastPara="1" rIns="91425" wrap="square" tIns="91425">
+          <a:bodyPr spcFirstLastPara="1" wrap="square" lIns="91425" tIns="91425" rIns="91425" bIns="91425" anchor="t" anchorCtr="0">
             <a:noAutofit/>
           </a:bodyPr>
           <a:lstStyle>
-            <a:lvl1pPr indent="-342900" lvl="0" marL="457200" algn="l">
+            <a:lvl1pPr marL="457200" lvl="0" indent="-342900" algn="l">
               <a:lnSpc>
                 <a:spcPct val="115000"/>
               </a:lnSpc>
@@ -4923,7 +5039,7 @@
               <a:buChar char="●"/>
               <a:defRPr/>
             </a:lvl1pPr>
-            <a:lvl2pPr indent="-317500" lvl="1" marL="914400" algn="l">
+            <a:lvl2pPr marL="914400" lvl="1" indent="-317500" algn="l">
               <a:lnSpc>
                 <a:spcPct val="115000"/>
               </a:lnSpc>
@@ -4937,7 +5053,7 @@
               <a:buChar char="○"/>
               <a:defRPr/>
             </a:lvl2pPr>
-            <a:lvl3pPr indent="-317500" lvl="2" marL="1371600" algn="l">
+            <a:lvl3pPr marL="1371600" lvl="2" indent="-317500" algn="l">
               <a:lnSpc>
                 <a:spcPct val="115000"/>
               </a:lnSpc>
@@ -4951,7 +5067,7 @@
               <a:buChar char="■"/>
               <a:defRPr/>
             </a:lvl3pPr>
-            <a:lvl4pPr indent="-317500" lvl="3" marL="1828800" algn="l">
+            <a:lvl4pPr marL="1828800" lvl="3" indent="-317500" algn="l">
               <a:lnSpc>
                 <a:spcPct val="115000"/>
               </a:lnSpc>
@@ -4965,7 +5081,7 @@
               <a:buChar char="●"/>
               <a:defRPr/>
             </a:lvl4pPr>
-            <a:lvl5pPr indent="-317500" lvl="4" marL="2286000" algn="l">
+            <a:lvl5pPr marL="2286000" lvl="4" indent="-317500" algn="l">
               <a:lnSpc>
                 <a:spcPct val="115000"/>
               </a:lnSpc>
@@ -4979,7 +5095,7 @@
               <a:buChar char="○"/>
               <a:defRPr/>
             </a:lvl5pPr>
-            <a:lvl6pPr indent="-317500" lvl="5" marL="2743200" algn="l">
+            <a:lvl6pPr marL="2743200" lvl="5" indent="-317500" algn="l">
               <a:lnSpc>
                 <a:spcPct val="115000"/>
               </a:lnSpc>
@@ -4993,7 +5109,7 @@
               <a:buChar char="■"/>
               <a:defRPr/>
             </a:lvl6pPr>
-            <a:lvl7pPr indent="-317500" lvl="6" marL="3200400" algn="l">
+            <a:lvl7pPr marL="3200400" lvl="6" indent="-317500" algn="l">
               <a:lnSpc>
                 <a:spcPct val="115000"/>
               </a:lnSpc>
@@ -5007,7 +5123,7 @@
               <a:buChar char="●"/>
               <a:defRPr/>
             </a:lvl7pPr>
-            <a:lvl8pPr indent="-317500" lvl="7" marL="3657600" algn="l">
+            <a:lvl8pPr marL="3657600" lvl="7" indent="-317500" algn="l">
               <a:lnSpc>
                 <a:spcPct val="115000"/>
               </a:lnSpc>
@@ -5021,7 +5137,7 @@
               <a:buChar char="○"/>
               <a:defRPr/>
             </a:lvl8pPr>
-            <a:lvl9pPr indent="-317500" lvl="8" marL="4114800" algn="l">
+            <a:lvl9pPr marL="4114800" lvl="8" indent="-317500" algn="l">
               <a:lnSpc>
                 <a:spcPct val="115000"/>
               </a:lnSpc>
@@ -5036,15 +5152,19 @@
               <a:defRPr/>
             </a:lvl9pPr>
           </a:lstStyle>
-          <a:p/>
+          <a:p>
+            <a:endParaRPr/>
+          </a:p>
         </p:txBody>
       </p:sp>
       <p:sp>
         <p:nvSpPr>
           <p:cNvPr id="24" name="Google Shape;24;p5"/>
-          <p:cNvSpPr txBox="1"/>
+          <p:cNvSpPr txBox="1">
+            <a:spLocks noGrp="1"/>
+          </p:cNvSpPr>
           <p:nvPr>
-            <p:ph idx="12" type="sldNum"/>
+            <p:ph type="sldNum" idx="12"/>
           </p:nvPr>
         </p:nvSpPr>
         <p:spPr>
@@ -5061,11 +5181,11 @@
           </a:ln>
         </p:spPr>
         <p:txBody>
-          <a:bodyPr anchorCtr="0" anchor="ctr" bIns="91425" lIns="91425" spcFirstLastPara="1" rIns="91425" wrap="square" tIns="91425">
+          <a:bodyPr spcFirstLastPara="1" wrap="square" lIns="91425" tIns="91425" rIns="91425" bIns="91425" anchor="ctr" anchorCtr="0">
             <a:noAutofit/>
           </a:bodyPr>
           <a:lstStyle>
-            <a:lvl1pPr indent="0" lvl="0" marL="0" marR="0" algn="r">
+            <a:lvl1pPr marL="0" marR="0" lvl="0" indent="0" algn="r">
               <a:lnSpc>
                 <a:spcPct val="100000"/>
               </a:lnSpc>
@@ -5081,7 +5201,7 @@
               <a:buSzPts val="1000"/>
               <a:buFont typeface="Arial"/>
               <a:buNone/>
-              <a:defRPr b="0" i="0" sz="1000" u="none" cap="none" strike="noStrike">
+              <a:defRPr sz="1000" b="0" i="0" u="none" strike="noStrike" cap="none">
                 <a:solidFill>
                   <a:schemeClr val="dk2"/>
                 </a:solidFill>
@@ -5091,7 +5211,7 @@
                 <a:sym typeface="Arial"/>
               </a:defRPr>
             </a:lvl1pPr>
-            <a:lvl2pPr indent="0" lvl="1" marL="0" marR="0" algn="r">
+            <a:lvl2pPr marL="0" marR="0" lvl="1" indent="0" algn="r">
               <a:lnSpc>
                 <a:spcPct val="100000"/>
               </a:lnSpc>
@@ -5107,7 +5227,7 @@
               <a:buSzPts val="1000"/>
               <a:buFont typeface="Arial"/>
               <a:buNone/>
-              <a:defRPr b="0" i="0" sz="1000" u="none" cap="none" strike="noStrike">
+              <a:defRPr sz="1000" b="0" i="0" u="none" strike="noStrike" cap="none">
                 <a:solidFill>
                   <a:schemeClr val="dk2"/>
                 </a:solidFill>
@@ -5117,7 +5237,7 @@
                 <a:sym typeface="Arial"/>
               </a:defRPr>
             </a:lvl2pPr>
-            <a:lvl3pPr indent="0" lvl="2" marL="0" marR="0" algn="r">
+            <a:lvl3pPr marL="0" marR="0" lvl="2" indent="0" algn="r">
               <a:lnSpc>
                 <a:spcPct val="100000"/>
               </a:lnSpc>
@@ -5133,7 +5253,7 @@
               <a:buSzPts val="1000"/>
               <a:buFont typeface="Arial"/>
               <a:buNone/>
-              <a:defRPr b="0" i="0" sz="1000" u="none" cap="none" strike="noStrike">
+              <a:defRPr sz="1000" b="0" i="0" u="none" strike="noStrike" cap="none">
                 <a:solidFill>
                   <a:schemeClr val="dk2"/>
                 </a:solidFill>
@@ -5143,7 +5263,7 @@
                 <a:sym typeface="Arial"/>
               </a:defRPr>
             </a:lvl3pPr>
-            <a:lvl4pPr indent="0" lvl="3" marL="0" marR="0" algn="r">
+            <a:lvl4pPr marL="0" marR="0" lvl="3" indent="0" algn="r">
               <a:lnSpc>
                 <a:spcPct val="100000"/>
               </a:lnSpc>
@@ -5159,7 +5279,7 @@
               <a:buSzPts val="1000"/>
               <a:buFont typeface="Arial"/>
               <a:buNone/>
-              <a:defRPr b="0" i="0" sz="1000" u="none" cap="none" strike="noStrike">
+              <a:defRPr sz="1000" b="0" i="0" u="none" strike="noStrike" cap="none">
                 <a:solidFill>
                   <a:schemeClr val="dk2"/>
                 </a:solidFill>
@@ -5169,7 +5289,7 @@
                 <a:sym typeface="Arial"/>
               </a:defRPr>
             </a:lvl4pPr>
-            <a:lvl5pPr indent="0" lvl="4" marL="0" marR="0" algn="r">
+            <a:lvl5pPr marL="0" marR="0" lvl="4" indent="0" algn="r">
               <a:lnSpc>
                 <a:spcPct val="100000"/>
               </a:lnSpc>
@@ -5185,7 +5305,7 @@
               <a:buSzPts val="1000"/>
               <a:buFont typeface="Arial"/>
               <a:buNone/>
-              <a:defRPr b="0" i="0" sz="1000" u="none" cap="none" strike="noStrike">
+              <a:defRPr sz="1000" b="0" i="0" u="none" strike="noStrike" cap="none">
                 <a:solidFill>
                   <a:schemeClr val="dk2"/>
                 </a:solidFill>
@@ -5195,7 +5315,7 @@
                 <a:sym typeface="Arial"/>
               </a:defRPr>
             </a:lvl5pPr>
-            <a:lvl6pPr indent="0" lvl="5" marL="0" marR="0" algn="r">
+            <a:lvl6pPr marL="0" marR="0" lvl="5" indent="0" algn="r">
               <a:lnSpc>
                 <a:spcPct val="100000"/>
               </a:lnSpc>
@@ -5211,7 +5331,7 @@
               <a:buSzPts val="1000"/>
               <a:buFont typeface="Arial"/>
               <a:buNone/>
-              <a:defRPr b="0" i="0" sz="1000" u="none" cap="none" strike="noStrike">
+              <a:defRPr sz="1000" b="0" i="0" u="none" strike="noStrike" cap="none">
                 <a:solidFill>
                   <a:schemeClr val="dk2"/>
                 </a:solidFill>
@@ -5221,7 +5341,7 @@
                 <a:sym typeface="Arial"/>
               </a:defRPr>
             </a:lvl6pPr>
-            <a:lvl7pPr indent="0" lvl="6" marL="0" marR="0" algn="r">
+            <a:lvl7pPr marL="0" marR="0" lvl="6" indent="0" algn="r">
               <a:lnSpc>
                 <a:spcPct val="100000"/>
               </a:lnSpc>
@@ -5237,7 +5357,7 @@
               <a:buSzPts val="1000"/>
               <a:buFont typeface="Arial"/>
               <a:buNone/>
-              <a:defRPr b="0" i="0" sz="1000" u="none" cap="none" strike="noStrike">
+              <a:defRPr sz="1000" b="0" i="0" u="none" strike="noStrike" cap="none">
                 <a:solidFill>
                   <a:schemeClr val="dk2"/>
                 </a:solidFill>
@@ -5247,7 +5367,7 @@
                 <a:sym typeface="Arial"/>
               </a:defRPr>
             </a:lvl7pPr>
-            <a:lvl8pPr indent="0" lvl="7" marL="0" marR="0" algn="r">
+            <a:lvl8pPr marL="0" marR="0" lvl="7" indent="0" algn="r">
               <a:lnSpc>
                 <a:spcPct val="100000"/>
               </a:lnSpc>
@@ -5263,7 +5383,7 @@
               <a:buSzPts val="1000"/>
               <a:buFont typeface="Arial"/>
               <a:buNone/>
-              <a:defRPr b="0" i="0" sz="1000" u="none" cap="none" strike="noStrike">
+              <a:defRPr sz="1000" b="0" i="0" u="none" strike="noStrike" cap="none">
                 <a:solidFill>
                   <a:schemeClr val="dk2"/>
                 </a:solidFill>
@@ -5273,7 +5393,7 @@
                 <a:sym typeface="Arial"/>
               </a:defRPr>
             </a:lvl8pPr>
-            <a:lvl9pPr indent="0" lvl="8" marL="0" marR="0" algn="r">
+            <a:lvl9pPr marL="0" marR="0" lvl="8" indent="0" algn="r">
               <a:lnSpc>
                 <a:spcPct val="100000"/>
               </a:lnSpc>
@@ -5289,7 +5409,7 @@
               <a:buSzPts val="1000"/>
               <a:buFont typeface="Arial"/>
               <a:buNone/>
-              <a:defRPr b="0" i="0" sz="1000" u="none" cap="none" strike="noStrike">
+              <a:defRPr sz="1000" b="0" i="0" u="none" strike="noStrike" cap="none">
                 <a:solidFill>
                   <a:schemeClr val="dk2"/>
                 </a:solidFill>
@@ -5301,7 +5421,7 @@
             </a:lvl9pPr>
           </a:lstStyle>
           <a:p>
-            <a:pPr indent="0" lvl="0" marL="0" rtl="0" algn="r">
+            <a:pPr marL="0" lvl="0" indent="0" algn="r" rtl="0">
               <a:spcBef>
                 <a:spcPts val="0"/>
               </a:spcBef>
@@ -5327,11 +5447,11 @@
 </file>
 
 <file path=ppt/slideLayouts/slideLayout5.xml><?xml version="1.0" encoding="utf-8"?>
-<p:sldLayout xmlns:a="http://schemas.openxmlformats.org/drawingml/2006/main" xmlns:r="http://schemas.openxmlformats.org/officeDocument/2006/relationships" xmlns:mc="http://schemas.openxmlformats.org/markup-compatibility/2006" xmlns:mv="urn:schemas-microsoft-com:mac:vml" xmlns:p="http://schemas.openxmlformats.org/presentationml/2006/main" xmlns:c="http://schemas.openxmlformats.org/drawingml/2006/chart" xmlns:dgm="http://schemas.openxmlformats.org/drawingml/2006/diagram" xmlns:o="urn:schemas-microsoft-com:office:office" xmlns:v="urn:schemas-microsoft-com:vml" xmlns:pvml="urn:schemas-microsoft-com:office:powerpoint" xmlns:com="http://schemas.openxmlformats.org/drawingml/2006/compatibility" xmlns:p14="http://schemas.microsoft.com/office/powerpoint/2010/main" xmlns:p15="http://schemas.microsoft.com/office/powerpoint/2012/main" xmlns:ahyp="http://schemas.microsoft.com/office/drawing/2018/hyperlinkcolor" matchingName="Title only" type="titleOnly">
+<p:sldLayout xmlns:a="http://schemas.openxmlformats.org/drawingml/2006/main" xmlns:r="http://schemas.openxmlformats.org/officeDocument/2006/relationships" xmlns:p="http://schemas.openxmlformats.org/presentationml/2006/main" matchingName="Title only" type="titleOnly">
   <p:cSld name="TITLE_ONLY">
     <p:spTree>
       <p:nvGrpSpPr>
-        <p:cNvPr id="25" name="Shape 25"/>
+        <p:cNvPr id="1" name="Shape 25"/>
         <p:cNvGrpSpPr/>
         <p:nvPr/>
       </p:nvGrpSpPr>
@@ -5346,7 +5466,9 @@
       <p:sp>
         <p:nvSpPr>
           <p:cNvPr id="26" name="Google Shape;26;p6"/>
-          <p:cNvSpPr txBox="1"/>
+          <p:cNvSpPr txBox="1">
+            <a:spLocks noGrp="1"/>
+          </p:cNvSpPr>
           <p:nvPr>
             <p:ph type="title"/>
           </p:nvPr>
@@ -5365,7 +5487,7 @@
           </a:ln>
         </p:spPr>
         <p:txBody>
-          <a:bodyPr anchorCtr="0" anchor="t" bIns="91425" lIns="91425" spcFirstLastPara="1" rIns="91425" wrap="square" tIns="91425">
+          <a:bodyPr spcFirstLastPara="1" wrap="square" lIns="91425" tIns="91425" rIns="91425" bIns="91425" anchor="t" anchorCtr="0">
             <a:noAutofit/>
           </a:bodyPr>
           <a:lstStyle>
@@ -5496,15 +5618,19 @@
               <a:defRPr/>
             </a:lvl9pPr>
           </a:lstStyle>
-          <a:p/>
+          <a:p>
+            <a:endParaRPr/>
+          </a:p>
         </p:txBody>
       </p:sp>
       <p:sp>
         <p:nvSpPr>
           <p:cNvPr id="27" name="Google Shape;27;p6"/>
-          <p:cNvSpPr txBox="1"/>
+          <p:cNvSpPr txBox="1">
+            <a:spLocks noGrp="1"/>
+          </p:cNvSpPr>
           <p:nvPr>
-            <p:ph idx="12" type="sldNum"/>
+            <p:ph type="sldNum" idx="12"/>
           </p:nvPr>
         </p:nvSpPr>
         <p:spPr>
@@ -5521,11 +5647,11 @@
           </a:ln>
         </p:spPr>
         <p:txBody>
-          <a:bodyPr anchorCtr="0" anchor="ctr" bIns="91425" lIns="91425" spcFirstLastPara="1" rIns="91425" wrap="square" tIns="91425">
+          <a:bodyPr spcFirstLastPara="1" wrap="square" lIns="91425" tIns="91425" rIns="91425" bIns="91425" anchor="ctr" anchorCtr="0">
             <a:noAutofit/>
           </a:bodyPr>
           <a:lstStyle>
-            <a:lvl1pPr indent="0" lvl="0" marL="0" marR="0" algn="r">
+            <a:lvl1pPr marL="0" marR="0" lvl="0" indent="0" algn="r">
               <a:lnSpc>
                 <a:spcPct val="100000"/>
               </a:lnSpc>
@@ -5541,7 +5667,7 @@
               <a:buSzPts val="1000"/>
               <a:buFont typeface="Arial"/>
               <a:buNone/>
-              <a:defRPr b="0" i="0" sz="1000" u="none" cap="none" strike="noStrike">
+              <a:defRPr sz="1000" b="0" i="0" u="none" strike="noStrike" cap="none">
                 <a:solidFill>
                   <a:schemeClr val="dk2"/>
                 </a:solidFill>
@@ -5551,7 +5677,7 @@
                 <a:sym typeface="Arial"/>
               </a:defRPr>
             </a:lvl1pPr>
-            <a:lvl2pPr indent="0" lvl="1" marL="0" marR="0" algn="r">
+            <a:lvl2pPr marL="0" marR="0" lvl="1" indent="0" algn="r">
               <a:lnSpc>
                 <a:spcPct val="100000"/>
               </a:lnSpc>
@@ -5567,7 +5693,7 @@
               <a:buSzPts val="1000"/>
               <a:buFont typeface="Arial"/>
               <a:buNone/>
-              <a:defRPr b="0" i="0" sz="1000" u="none" cap="none" strike="noStrike">
+              <a:defRPr sz="1000" b="0" i="0" u="none" strike="noStrike" cap="none">
                 <a:solidFill>
                   <a:schemeClr val="dk2"/>
                 </a:solidFill>
@@ -5577,7 +5703,7 @@
                 <a:sym typeface="Arial"/>
               </a:defRPr>
             </a:lvl2pPr>
-            <a:lvl3pPr indent="0" lvl="2" marL="0" marR="0" algn="r">
+            <a:lvl3pPr marL="0" marR="0" lvl="2" indent="0" algn="r">
               <a:lnSpc>
                 <a:spcPct val="100000"/>
               </a:lnSpc>
@@ -5593,7 +5719,7 @@
               <a:buSzPts val="1000"/>
               <a:buFont typeface="Arial"/>
               <a:buNone/>
-              <a:defRPr b="0" i="0" sz="1000" u="none" cap="none" strike="noStrike">
+              <a:defRPr sz="1000" b="0" i="0" u="none" strike="noStrike" cap="none">
                 <a:solidFill>
                   <a:schemeClr val="dk2"/>
                 </a:solidFill>
@@ -5603,7 +5729,7 @@
                 <a:sym typeface="Arial"/>
               </a:defRPr>
             </a:lvl3pPr>
-            <a:lvl4pPr indent="0" lvl="3" marL="0" marR="0" algn="r">
+            <a:lvl4pPr marL="0" marR="0" lvl="3" indent="0" algn="r">
               <a:lnSpc>
                 <a:spcPct val="100000"/>
               </a:lnSpc>
@@ -5619,7 +5745,7 @@
               <a:buSzPts val="1000"/>
               <a:buFont typeface="Arial"/>
               <a:buNone/>
-              <a:defRPr b="0" i="0" sz="1000" u="none" cap="none" strike="noStrike">
+              <a:defRPr sz="1000" b="0" i="0" u="none" strike="noStrike" cap="none">
                 <a:solidFill>
                   <a:schemeClr val="dk2"/>
                 </a:solidFill>
@@ -5629,7 +5755,7 @@
                 <a:sym typeface="Arial"/>
               </a:defRPr>
             </a:lvl4pPr>
-            <a:lvl5pPr indent="0" lvl="4" marL="0" marR="0" algn="r">
+            <a:lvl5pPr marL="0" marR="0" lvl="4" indent="0" algn="r">
               <a:lnSpc>
                 <a:spcPct val="100000"/>
               </a:lnSpc>
@@ -5645,7 +5771,7 @@
               <a:buSzPts val="1000"/>
               <a:buFont typeface="Arial"/>
               <a:buNone/>
-              <a:defRPr b="0" i="0" sz="1000" u="none" cap="none" strike="noStrike">
+              <a:defRPr sz="1000" b="0" i="0" u="none" strike="noStrike" cap="none">
                 <a:solidFill>
                   <a:schemeClr val="dk2"/>
                 </a:solidFill>
@@ -5655,7 +5781,7 @@
                 <a:sym typeface="Arial"/>
               </a:defRPr>
             </a:lvl5pPr>
-            <a:lvl6pPr indent="0" lvl="5" marL="0" marR="0" algn="r">
+            <a:lvl6pPr marL="0" marR="0" lvl="5" indent="0" algn="r">
               <a:lnSpc>
                 <a:spcPct val="100000"/>
               </a:lnSpc>
@@ -5671,7 +5797,7 @@
               <a:buSzPts val="1000"/>
               <a:buFont typeface="Arial"/>
               <a:buNone/>
-              <a:defRPr b="0" i="0" sz="1000" u="none" cap="none" strike="noStrike">
+              <a:defRPr sz="1000" b="0" i="0" u="none" strike="noStrike" cap="none">
                 <a:solidFill>
                   <a:schemeClr val="dk2"/>
                 </a:solidFill>
@@ -5681,7 +5807,7 @@
                 <a:sym typeface="Arial"/>
               </a:defRPr>
             </a:lvl6pPr>
-            <a:lvl7pPr indent="0" lvl="6" marL="0" marR="0" algn="r">
+            <a:lvl7pPr marL="0" marR="0" lvl="6" indent="0" algn="r">
               <a:lnSpc>
                 <a:spcPct val="100000"/>
               </a:lnSpc>
@@ -5697,7 +5823,7 @@
               <a:buSzPts val="1000"/>
               <a:buFont typeface="Arial"/>
               <a:buNone/>
-              <a:defRPr b="0" i="0" sz="1000" u="none" cap="none" strike="noStrike">
+              <a:defRPr sz="1000" b="0" i="0" u="none" strike="noStrike" cap="none">
                 <a:solidFill>
                   <a:schemeClr val="dk2"/>
                 </a:solidFill>
@@ -5707,7 +5833,7 @@
                 <a:sym typeface="Arial"/>
               </a:defRPr>
             </a:lvl7pPr>
-            <a:lvl8pPr indent="0" lvl="7" marL="0" marR="0" algn="r">
+            <a:lvl8pPr marL="0" marR="0" lvl="7" indent="0" algn="r">
               <a:lnSpc>
                 <a:spcPct val="100000"/>
               </a:lnSpc>
@@ -5723,7 +5849,7 @@
               <a:buSzPts val="1000"/>
               <a:buFont typeface="Arial"/>
               <a:buNone/>
-              <a:defRPr b="0" i="0" sz="1000" u="none" cap="none" strike="noStrike">
+              <a:defRPr sz="1000" b="0" i="0" u="none" strike="noStrike" cap="none">
                 <a:solidFill>
                   <a:schemeClr val="dk2"/>
                 </a:solidFill>
@@ -5733,7 +5859,7 @@
                 <a:sym typeface="Arial"/>
               </a:defRPr>
             </a:lvl8pPr>
-            <a:lvl9pPr indent="0" lvl="8" marL="0" marR="0" algn="r">
+            <a:lvl9pPr marL="0" marR="0" lvl="8" indent="0" algn="r">
               <a:lnSpc>
                 <a:spcPct val="100000"/>
               </a:lnSpc>
@@ -5749,7 +5875,7 @@
               <a:buSzPts val="1000"/>
               <a:buFont typeface="Arial"/>
               <a:buNone/>
-              <a:defRPr b="0" i="0" sz="1000" u="none" cap="none" strike="noStrike">
+              <a:defRPr sz="1000" b="0" i="0" u="none" strike="noStrike" cap="none">
                 <a:solidFill>
                   <a:schemeClr val="dk2"/>
                 </a:solidFill>
@@ -5761,7 +5887,7 @@
             </a:lvl9pPr>
           </a:lstStyle>
           <a:p>
-            <a:pPr indent="0" lvl="0" marL="0" rtl="0" algn="r">
+            <a:pPr marL="0" lvl="0" indent="0" algn="r" rtl="0">
               <a:spcBef>
                 <a:spcPts val="0"/>
               </a:spcBef>
@@ -5787,11 +5913,11 @@
 </file>
 
 <file path=ppt/slideLayouts/slideLayout6.xml><?xml version="1.0" encoding="utf-8"?>
-<p:sldLayout xmlns:a="http://schemas.openxmlformats.org/drawingml/2006/main" xmlns:r="http://schemas.openxmlformats.org/officeDocument/2006/relationships" xmlns:mc="http://schemas.openxmlformats.org/markup-compatibility/2006" xmlns:mv="urn:schemas-microsoft-com:mac:vml" xmlns:p="http://schemas.openxmlformats.org/presentationml/2006/main" xmlns:c="http://schemas.openxmlformats.org/drawingml/2006/chart" xmlns:dgm="http://schemas.openxmlformats.org/drawingml/2006/diagram" xmlns:o="urn:schemas-microsoft-com:office:office" xmlns:v="urn:schemas-microsoft-com:vml" xmlns:pvml="urn:schemas-microsoft-com:office:powerpoint" xmlns:com="http://schemas.openxmlformats.org/drawingml/2006/compatibility" xmlns:p14="http://schemas.microsoft.com/office/powerpoint/2010/main" xmlns:p15="http://schemas.microsoft.com/office/powerpoint/2012/main" xmlns:ahyp="http://schemas.microsoft.com/office/drawing/2018/hyperlinkcolor" matchingName="One column text">
+<p:sldLayout xmlns:a="http://schemas.openxmlformats.org/drawingml/2006/main" xmlns:r="http://schemas.openxmlformats.org/officeDocument/2006/relationships" xmlns:p="http://schemas.openxmlformats.org/presentationml/2006/main" matchingName="One column text">
   <p:cSld name="ONE_COLUMN_TEXT">
     <p:spTree>
       <p:nvGrpSpPr>
-        <p:cNvPr id="28" name="Shape 28"/>
+        <p:cNvPr id="1" name="Shape 28"/>
         <p:cNvGrpSpPr/>
         <p:nvPr/>
       </p:nvGrpSpPr>
@@ -5806,7 +5932,9 @@
       <p:sp>
         <p:nvSpPr>
           <p:cNvPr id="29" name="Google Shape;29;p7"/>
-          <p:cNvSpPr txBox="1"/>
+          <p:cNvSpPr txBox="1">
+            <a:spLocks noGrp="1"/>
+          </p:cNvSpPr>
           <p:nvPr>
             <p:ph type="title"/>
           </p:nvPr>
@@ -5825,7 +5953,7 @@
           </a:ln>
         </p:spPr>
         <p:txBody>
-          <a:bodyPr anchorCtr="0" anchor="b" bIns="91425" lIns="91425" spcFirstLastPara="1" rIns="91425" wrap="square" tIns="91425">
+          <a:bodyPr spcFirstLastPara="1" wrap="square" lIns="91425" tIns="91425" rIns="91425" bIns="91425" anchor="b" anchorCtr="0">
             <a:noAutofit/>
           </a:bodyPr>
           <a:lstStyle>
@@ -5956,15 +6084,19 @@
               <a:defRPr sz="2400"/>
             </a:lvl9pPr>
           </a:lstStyle>
-          <a:p/>
+          <a:p>
+            <a:endParaRPr/>
+          </a:p>
         </p:txBody>
       </p:sp>
       <p:sp>
         <p:nvSpPr>
           <p:cNvPr id="30" name="Google Shape;30;p7"/>
-          <p:cNvSpPr txBox="1"/>
+          <p:cNvSpPr txBox="1">
+            <a:spLocks noGrp="1"/>
+          </p:cNvSpPr>
           <p:nvPr>
-            <p:ph idx="1" type="body"/>
+            <p:ph type="body" idx="1"/>
           </p:nvPr>
         </p:nvSpPr>
         <p:spPr>
@@ -5981,11 +6113,11 @@
           </a:ln>
         </p:spPr>
         <p:txBody>
-          <a:bodyPr anchorCtr="0" anchor="t" bIns="91425" lIns="91425" spcFirstLastPara="1" rIns="91425" wrap="square" tIns="91425">
+          <a:bodyPr spcFirstLastPara="1" wrap="square" lIns="91425" tIns="91425" rIns="91425" bIns="91425" anchor="t" anchorCtr="0">
             <a:noAutofit/>
           </a:bodyPr>
           <a:lstStyle>
-            <a:lvl1pPr indent="-304800" lvl="0" marL="457200" algn="l">
+            <a:lvl1pPr marL="457200" lvl="0" indent="-304800" algn="l">
               <a:lnSpc>
                 <a:spcPct val="115000"/>
               </a:lnSpc>
@@ -5999,7 +6131,7 @@
               <a:buChar char="●"/>
               <a:defRPr sz="1200"/>
             </a:lvl1pPr>
-            <a:lvl2pPr indent="-304800" lvl="1" marL="914400" algn="l">
+            <a:lvl2pPr marL="914400" lvl="1" indent="-304800" algn="l">
               <a:lnSpc>
                 <a:spcPct val="115000"/>
               </a:lnSpc>
@@ -6013,7 +6145,7 @@
               <a:buChar char="○"/>
               <a:defRPr sz="1200"/>
             </a:lvl2pPr>
-            <a:lvl3pPr indent="-304800" lvl="2" marL="1371600" algn="l">
+            <a:lvl3pPr marL="1371600" lvl="2" indent="-304800" algn="l">
               <a:lnSpc>
                 <a:spcPct val="115000"/>
               </a:lnSpc>
@@ -6027,7 +6159,7 @@
               <a:buChar char="■"/>
               <a:defRPr sz="1200"/>
             </a:lvl3pPr>
-            <a:lvl4pPr indent="-304800" lvl="3" marL="1828800" algn="l">
+            <a:lvl4pPr marL="1828800" lvl="3" indent="-304800" algn="l">
               <a:lnSpc>
                 <a:spcPct val="115000"/>
               </a:lnSpc>
@@ -6041,7 +6173,7 @@
               <a:buChar char="●"/>
               <a:defRPr sz="1200"/>
             </a:lvl4pPr>
-            <a:lvl5pPr indent="-304800" lvl="4" marL="2286000" algn="l">
+            <a:lvl5pPr marL="2286000" lvl="4" indent="-304800" algn="l">
               <a:lnSpc>
                 <a:spcPct val="115000"/>
               </a:lnSpc>
@@ -6055,7 +6187,7 @@
               <a:buChar char="○"/>
               <a:defRPr sz="1200"/>
             </a:lvl5pPr>
-            <a:lvl6pPr indent="-304800" lvl="5" marL="2743200" algn="l">
+            <a:lvl6pPr marL="2743200" lvl="5" indent="-304800" algn="l">
               <a:lnSpc>
                 <a:spcPct val="115000"/>
               </a:lnSpc>
@@ -6069,7 +6201,7 @@
               <a:buChar char="■"/>
               <a:defRPr sz="1200"/>
             </a:lvl6pPr>
-            <a:lvl7pPr indent="-304800" lvl="6" marL="3200400" algn="l">
+            <a:lvl7pPr marL="3200400" lvl="6" indent="-304800" algn="l">
               <a:lnSpc>
                 <a:spcPct val="115000"/>
               </a:lnSpc>
@@ -6083,7 +6215,7 @@
               <a:buChar char="●"/>
               <a:defRPr sz="1200"/>
             </a:lvl7pPr>
-            <a:lvl8pPr indent="-304800" lvl="7" marL="3657600" algn="l">
+            <a:lvl8pPr marL="3657600" lvl="7" indent="-304800" algn="l">
               <a:lnSpc>
                 <a:spcPct val="115000"/>
               </a:lnSpc>
@@ -6097,7 +6229,7 @@
               <a:buChar char="○"/>
               <a:defRPr sz="1200"/>
             </a:lvl8pPr>
-            <a:lvl9pPr indent="-304800" lvl="8" marL="4114800" algn="l">
+            <a:lvl9pPr marL="4114800" lvl="8" indent="-304800" algn="l">
               <a:lnSpc>
                 <a:spcPct val="115000"/>
               </a:lnSpc>
@@ -6112,15 +6244,19 @@
               <a:defRPr sz="1200"/>
             </a:lvl9pPr>
           </a:lstStyle>
-          <a:p/>
+          <a:p>
+            <a:endParaRPr/>
+          </a:p>
         </p:txBody>
       </p:sp>
       <p:sp>
         <p:nvSpPr>
           <p:cNvPr id="31" name="Google Shape;31;p7"/>
-          <p:cNvSpPr txBox="1"/>
+          <p:cNvSpPr txBox="1">
+            <a:spLocks noGrp="1"/>
+          </p:cNvSpPr>
           <p:nvPr>
-            <p:ph idx="12" type="sldNum"/>
+            <p:ph type="sldNum" idx="12"/>
           </p:nvPr>
         </p:nvSpPr>
         <p:spPr>
@@ -6137,11 +6273,11 @@
           </a:ln>
         </p:spPr>
         <p:txBody>
-          <a:bodyPr anchorCtr="0" anchor="ctr" bIns="91425" lIns="91425" spcFirstLastPara="1" rIns="91425" wrap="square" tIns="91425">
+          <a:bodyPr spcFirstLastPara="1" wrap="square" lIns="91425" tIns="91425" rIns="91425" bIns="91425" anchor="ctr" anchorCtr="0">
             <a:noAutofit/>
           </a:bodyPr>
           <a:lstStyle>
-            <a:lvl1pPr indent="0" lvl="0" marL="0" marR="0" algn="r">
+            <a:lvl1pPr marL="0" marR="0" lvl="0" indent="0" algn="r">
               <a:lnSpc>
                 <a:spcPct val="100000"/>
               </a:lnSpc>
@@ -6157,7 +6293,7 @@
               <a:buSzPts val="1000"/>
               <a:buFont typeface="Arial"/>
               <a:buNone/>
-              <a:defRPr b="0" i="0" sz="1000" u="none" cap="none" strike="noStrike">
+              <a:defRPr sz="1000" b="0" i="0" u="none" strike="noStrike" cap="none">
                 <a:solidFill>
                   <a:schemeClr val="dk2"/>
                 </a:solidFill>
@@ -6167,7 +6303,7 @@
                 <a:sym typeface="Arial"/>
               </a:defRPr>
             </a:lvl1pPr>
-            <a:lvl2pPr indent="0" lvl="1" marL="0" marR="0" algn="r">
+            <a:lvl2pPr marL="0" marR="0" lvl="1" indent="0" algn="r">
               <a:lnSpc>
                 <a:spcPct val="100000"/>
               </a:lnSpc>
@@ -6183,7 +6319,7 @@
               <a:buSzPts val="1000"/>
               <a:buFont typeface="Arial"/>
               <a:buNone/>
-              <a:defRPr b="0" i="0" sz="1000" u="none" cap="none" strike="noStrike">
+              <a:defRPr sz="1000" b="0" i="0" u="none" strike="noStrike" cap="none">
                 <a:solidFill>
                   <a:schemeClr val="dk2"/>
                 </a:solidFill>
@@ -6193,7 +6329,7 @@
                 <a:sym typeface="Arial"/>
               </a:defRPr>
             </a:lvl2pPr>
-            <a:lvl3pPr indent="0" lvl="2" marL="0" marR="0" algn="r">
+            <a:lvl3pPr marL="0" marR="0" lvl="2" indent="0" algn="r">
               <a:lnSpc>
                 <a:spcPct val="100000"/>
               </a:lnSpc>
@@ -6209,7 +6345,7 @@
               <a:buSzPts val="1000"/>
               <a:buFont typeface="Arial"/>
               <a:buNone/>
-              <a:defRPr b="0" i="0" sz="1000" u="none" cap="none" strike="noStrike">
+              <a:defRPr sz="1000" b="0" i="0" u="none" strike="noStrike" cap="none">
                 <a:solidFill>
                   <a:schemeClr val="dk2"/>
                 </a:solidFill>
@@ -6219,7 +6355,7 @@
                 <a:sym typeface="Arial"/>
               </a:defRPr>
             </a:lvl3pPr>
-            <a:lvl4pPr indent="0" lvl="3" marL="0" marR="0" algn="r">
+            <a:lvl4pPr marL="0" marR="0" lvl="3" indent="0" algn="r">
               <a:lnSpc>
                 <a:spcPct val="100000"/>
               </a:lnSpc>
@@ -6235,7 +6371,7 @@
               <a:buSzPts val="1000"/>
               <a:buFont typeface="Arial"/>
               <a:buNone/>
-              <a:defRPr b="0" i="0" sz="1000" u="none" cap="none" strike="noStrike">
+              <a:defRPr sz="1000" b="0" i="0" u="none" strike="noStrike" cap="none">
                 <a:solidFill>
                   <a:schemeClr val="dk2"/>
                 </a:solidFill>
@@ -6245,7 +6381,7 @@
                 <a:sym typeface="Arial"/>
               </a:defRPr>
             </a:lvl4pPr>
-            <a:lvl5pPr indent="0" lvl="4" marL="0" marR="0" algn="r">
+            <a:lvl5pPr marL="0" marR="0" lvl="4" indent="0" algn="r">
               <a:lnSpc>
                 <a:spcPct val="100000"/>
               </a:lnSpc>
@@ -6261,7 +6397,7 @@
               <a:buSzPts val="1000"/>
               <a:buFont typeface="Arial"/>
               <a:buNone/>
-              <a:defRPr b="0" i="0" sz="1000" u="none" cap="none" strike="noStrike">
+              <a:defRPr sz="1000" b="0" i="0" u="none" strike="noStrike" cap="none">
                 <a:solidFill>
                   <a:schemeClr val="dk2"/>
                 </a:solidFill>
@@ -6271,7 +6407,7 @@
                 <a:sym typeface="Arial"/>
               </a:defRPr>
             </a:lvl5pPr>
-            <a:lvl6pPr indent="0" lvl="5" marL="0" marR="0" algn="r">
+            <a:lvl6pPr marL="0" marR="0" lvl="5" indent="0" algn="r">
               <a:lnSpc>
                 <a:spcPct val="100000"/>
               </a:lnSpc>
@@ -6287,7 +6423,7 @@
               <a:buSzPts val="1000"/>
               <a:buFont typeface="Arial"/>
               <a:buNone/>
-              <a:defRPr b="0" i="0" sz="1000" u="none" cap="none" strike="noStrike">
+              <a:defRPr sz="1000" b="0" i="0" u="none" strike="noStrike" cap="none">
                 <a:solidFill>
                   <a:schemeClr val="dk2"/>
                 </a:solidFill>
@@ -6297,7 +6433,7 @@
                 <a:sym typeface="Arial"/>
               </a:defRPr>
             </a:lvl6pPr>
-            <a:lvl7pPr indent="0" lvl="6" marL="0" marR="0" algn="r">
+            <a:lvl7pPr marL="0" marR="0" lvl="6" indent="0" algn="r">
               <a:lnSpc>
                 <a:spcPct val="100000"/>
               </a:lnSpc>
@@ -6313,7 +6449,7 @@
               <a:buSzPts val="1000"/>
               <a:buFont typeface="Arial"/>
               <a:buNone/>
-              <a:defRPr b="0" i="0" sz="1000" u="none" cap="none" strike="noStrike">
+              <a:defRPr sz="1000" b="0" i="0" u="none" strike="noStrike" cap="none">
                 <a:solidFill>
                   <a:schemeClr val="dk2"/>
                 </a:solidFill>
@@ -6323,7 +6459,7 @@
                 <a:sym typeface="Arial"/>
               </a:defRPr>
             </a:lvl7pPr>
-            <a:lvl8pPr indent="0" lvl="7" marL="0" marR="0" algn="r">
+            <a:lvl8pPr marL="0" marR="0" lvl="7" indent="0" algn="r">
               <a:lnSpc>
                 <a:spcPct val="100000"/>
               </a:lnSpc>
@@ -6339,7 +6475,7 @@
               <a:buSzPts val="1000"/>
               <a:buFont typeface="Arial"/>
               <a:buNone/>
-              <a:defRPr b="0" i="0" sz="1000" u="none" cap="none" strike="noStrike">
+              <a:defRPr sz="1000" b="0" i="0" u="none" strike="noStrike" cap="none">
                 <a:solidFill>
                   <a:schemeClr val="dk2"/>
                 </a:solidFill>
@@ -6349,7 +6485,7 @@
                 <a:sym typeface="Arial"/>
               </a:defRPr>
             </a:lvl8pPr>
-            <a:lvl9pPr indent="0" lvl="8" marL="0" marR="0" algn="r">
+            <a:lvl9pPr marL="0" marR="0" lvl="8" indent="0" algn="r">
               <a:lnSpc>
                 <a:spcPct val="100000"/>
               </a:lnSpc>
@@ -6365,7 +6501,7 @@
               <a:buSzPts val="1000"/>
               <a:buFont typeface="Arial"/>
               <a:buNone/>
-              <a:defRPr b="0" i="0" sz="1000" u="none" cap="none" strike="noStrike">
+              <a:defRPr sz="1000" b="0" i="0" u="none" strike="noStrike" cap="none">
                 <a:solidFill>
                   <a:schemeClr val="dk2"/>
                 </a:solidFill>
@@ -6377,7 +6513,7 @@
             </a:lvl9pPr>
           </a:lstStyle>
           <a:p>
-            <a:pPr indent="0" lvl="0" marL="0" rtl="0" algn="r">
+            <a:pPr marL="0" lvl="0" indent="0" algn="r" rtl="0">
               <a:spcBef>
                 <a:spcPts val="0"/>
               </a:spcBef>
@@ -6403,11 +6539,11 @@
 </file>
 
 <file path=ppt/slideLayouts/slideLayout7.xml><?xml version="1.0" encoding="utf-8"?>
-<p:sldLayout xmlns:a="http://schemas.openxmlformats.org/drawingml/2006/main" xmlns:r="http://schemas.openxmlformats.org/officeDocument/2006/relationships" xmlns:mc="http://schemas.openxmlformats.org/markup-compatibility/2006" xmlns:mv="urn:schemas-microsoft-com:mac:vml" xmlns:p="http://schemas.openxmlformats.org/presentationml/2006/main" xmlns:c="http://schemas.openxmlformats.org/drawingml/2006/chart" xmlns:dgm="http://schemas.openxmlformats.org/drawingml/2006/diagram" xmlns:o="urn:schemas-microsoft-com:office:office" xmlns:v="urn:schemas-microsoft-com:vml" xmlns:pvml="urn:schemas-microsoft-com:office:powerpoint" xmlns:com="http://schemas.openxmlformats.org/drawingml/2006/compatibility" xmlns:p14="http://schemas.microsoft.com/office/powerpoint/2010/main" xmlns:p15="http://schemas.microsoft.com/office/powerpoint/2012/main" xmlns:ahyp="http://schemas.microsoft.com/office/drawing/2018/hyperlinkcolor" matchingName="Main point">
+<p:sldLayout xmlns:a="http://schemas.openxmlformats.org/drawingml/2006/main" xmlns:r="http://schemas.openxmlformats.org/officeDocument/2006/relationships" xmlns:p="http://schemas.openxmlformats.org/presentationml/2006/main" matchingName="Main point">
   <p:cSld name="MAIN_POINT">
     <p:spTree>
       <p:nvGrpSpPr>
-        <p:cNvPr id="32" name="Shape 32"/>
+        <p:cNvPr id="1" name="Shape 32"/>
         <p:cNvGrpSpPr/>
         <p:nvPr/>
       </p:nvGrpSpPr>
@@ -6422,7 +6558,9 @@
       <p:sp>
         <p:nvSpPr>
           <p:cNvPr id="33" name="Google Shape;33;p8"/>
-          <p:cNvSpPr txBox="1"/>
+          <p:cNvSpPr txBox="1">
+            <a:spLocks noGrp="1"/>
+          </p:cNvSpPr>
           <p:nvPr>
             <p:ph type="title"/>
           </p:nvPr>
@@ -6441,7 +6579,7 @@
           </a:ln>
         </p:spPr>
         <p:txBody>
-          <a:bodyPr anchorCtr="0" anchor="ctr" bIns="91425" lIns="91425" spcFirstLastPara="1" rIns="91425" wrap="square" tIns="91425">
+          <a:bodyPr spcFirstLastPara="1" wrap="square" lIns="91425" tIns="91425" rIns="91425" bIns="91425" anchor="ctr" anchorCtr="0">
             <a:noAutofit/>
           </a:bodyPr>
           <a:lstStyle>
@@ -6572,15 +6710,19 @@
               <a:defRPr sz="4800"/>
             </a:lvl9pPr>
           </a:lstStyle>
-          <a:p/>
+          <a:p>
+            <a:endParaRPr/>
+          </a:p>
         </p:txBody>
       </p:sp>
       <p:sp>
         <p:nvSpPr>
           <p:cNvPr id="34" name="Google Shape;34;p8"/>
-          <p:cNvSpPr txBox="1"/>
+          <p:cNvSpPr txBox="1">
+            <a:spLocks noGrp="1"/>
+          </p:cNvSpPr>
           <p:nvPr>
-            <p:ph idx="12" type="sldNum"/>
+            <p:ph type="sldNum" idx="12"/>
           </p:nvPr>
         </p:nvSpPr>
         <p:spPr>
@@ -6597,11 +6739,11 @@
           </a:ln>
         </p:spPr>
         <p:txBody>
-          <a:bodyPr anchorCtr="0" anchor="ctr" bIns="91425" lIns="91425" spcFirstLastPara="1" rIns="91425" wrap="square" tIns="91425">
+          <a:bodyPr spcFirstLastPara="1" wrap="square" lIns="91425" tIns="91425" rIns="91425" bIns="91425" anchor="ctr" anchorCtr="0">
             <a:noAutofit/>
           </a:bodyPr>
           <a:lstStyle>
-            <a:lvl1pPr indent="0" lvl="0" marL="0" marR="0" algn="r">
+            <a:lvl1pPr marL="0" marR="0" lvl="0" indent="0" algn="r">
               <a:lnSpc>
                 <a:spcPct val="100000"/>
               </a:lnSpc>
@@ -6617,7 +6759,7 @@
               <a:buSzPts val="1000"/>
               <a:buFont typeface="Arial"/>
               <a:buNone/>
-              <a:defRPr b="0" i="0" sz="1000" u="none" cap="none" strike="noStrike">
+              <a:defRPr sz="1000" b="0" i="0" u="none" strike="noStrike" cap="none">
                 <a:solidFill>
                   <a:schemeClr val="dk2"/>
                 </a:solidFill>
@@ -6627,7 +6769,7 @@
                 <a:sym typeface="Arial"/>
               </a:defRPr>
             </a:lvl1pPr>
-            <a:lvl2pPr indent="0" lvl="1" marL="0" marR="0" algn="r">
+            <a:lvl2pPr marL="0" marR="0" lvl="1" indent="0" algn="r">
               <a:lnSpc>
                 <a:spcPct val="100000"/>
               </a:lnSpc>
@@ -6643,7 +6785,7 @@
               <a:buSzPts val="1000"/>
               <a:buFont typeface="Arial"/>
               <a:buNone/>
-              <a:defRPr b="0" i="0" sz="1000" u="none" cap="none" strike="noStrike">
+              <a:defRPr sz="1000" b="0" i="0" u="none" strike="noStrike" cap="none">
                 <a:solidFill>
                   <a:schemeClr val="dk2"/>
                 </a:solidFill>
@@ -6653,7 +6795,7 @@
                 <a:sym typeface="Arial"/>
               </a:defRPr>
             </a:lvl2pPr>
-            <a:lvl3pPr indent="0" lvl="2" marL="0" marR="0" algn="r">
+            <a:lvl3pPr marL="0" marR="0" lvl="2" indent="0" algn="r">
               <a:lnSpc>
                 <a:spcPct val="100000"/>
               </a:lnSpc>
@@ -6669,7 +6811,7 @@
               <a:buSzPts val="1000"/>
               <a:buFont typeface="Arial"/>
               <a:buNone/>
-              <a:defRPr b="0" i="0" sz="1000" u="none" cap="none" strike="noStrike">
+              <a:defRPr sz="1000" b="0" i="0" u="none" strike="noStrike" cap="none">
                 <a:solidFill>
                   <a:schemeClr val="dk2"/>
                 </a:solidFill>
@@ -6679,7 +6821,7 @@
                 <a:sym typeface="Arial"/>
               </a:defRPr>
             </a:lvl3pPr>
-            <a:lvl4pPr indent="0" lvl="3" marL="0" marR="0" algn="r">
+            <a:lvl4pPr marL="0" marR="0" lvl="3" indent="0" algn="r">
               <a:lnSpc>
                 <a:spcPct val="100000"/>
               </a:lnSpc>
@@ -6695,7 +6837,7 @@
               <a:buSzPts val="1000"/>
               <a:buFont typeface="Arial"/>
               <a:buNone/>
-              <a:defRPr b="0" i="0" sz="1000" u="none" cap="none" strike="noStrike">
+              <a:defRPr sz="1000" b="0" i="0" u="none" strike="noStrike" cap="none">
                 <a:solidFill>
                   <a:schemeClr val="dk2"/>
                 </a:solidFill>
@@ -6705,7 +6847,7 @@
                 <a:sym typeface="Arial"/>
               </a:defRPr>
             </a:lvl4pPr>
-            <a:lvl5pPr indent="0" lvl="4" marL="0" marR="0" algn="r">
+            <a:lvl5pPr marL="0" marR="0" lvl="4" indent="0" algn="r">
               <a:lnSpc>
                 <a:spcPct val="100000"/>
               </a:lnSpc>
@@ -6721,7 +6863,7 @@
               <a:buSzPts val="1000"/>
               <a:buFont typeface="Arial"/>
               <a:buNone/>
-              <a:defRPr b="0" i="0" sz="1000" u="none" cap="none" strike="noStrike">
+              <a:defRPr sz="1000" b="0" i="0" u="none" strike="noStrike" cap="none">
                 <a:solidFill>
                   <a:schemeClr val="dk2"/>
                 </a:solidFill>
@@ -6731,7 +6873,7 @@
                 <a:sym typeface="Arial"/>
               </a:defRPr>
             </a:lvl5pPr>
-            <a:lvl6pPr indent="0" lvl="5" marL="0" marR="0" algn="r">
+            <a:lvl6pPr marL="0" marR="0" lvl="5" indent="0" algn="r">
               <a:lnSpc>
                 <a:spcPct val="100000"/>
               </a:lnSpc>
@@ -6747,7 +6889,7 @@
               <a:buSzPts val="1000"/>
               <a:buFont typeface="Arial"/>
               <a:buNone/>
-              <a:defRPr b="0" i="0" sz="1000" u="none" cap="none" strike="noStrike">
+              <a:defRPr sz="1000" b="0" i="0" u="none" strike="noStrike" cap="none">
                 <a:solidFill>
                   <a:schemeClr val="dk2"/>
                 </a:solidFill>
@@ -6757,7 +6899,7 @@
                 <a:sym typeface="Arial"/>
               </a:defRPr>
             </a:lvl6pPr>
-            <a:lvl7pPr indent="0" lvl="6" marL="0" marR="0" algn="r">
+            <a:lvl7pPr marL="0" marR="0" lvl="6" indent="0" algn="r">
               <a:lnSpc>
                 <a:spcPct val="100000"/>
               </a:lnSpc>
@@ -6773,7 +6915,7 @@
               <a:buSzPts val="1000"/>
               <a:buFont typeface="Arial"/>
               <a:buNone/>
-              <a:defRPr b="0" i="0" sz="1000" u="none" cap="none" strike="noStrike">
+              <a:defRPr sz="1000" b="0" i="0" u="none" strike="noStrike" cap="none">
                 <a:solidFill>
                   <a:schemeClr val="dk2"/>
                 </a:solidFill>
@@ -6783,7 +6925,7 @@
                 <a:sym typeface="Arial"/>
               </a:defRPr>
             </a:lvl7pPr>
-            <a:lvl8pPr indent="0" lvl="7" marL="0" marR="0" algn="r">
+            <a:lvl8pPr marL="0" marR="0" lvl="7" indent="0" algn="r">
               <a:lnSpc>
                 <a:spcPct val="100000"/>
               </a:lnSpc>
@@ -6799,7 +6941,7 @@
               <a:buSzPts val="1000"/>
               <a:buFont typeface="Arial"/>
               <a:buNone/>
-              <a:defRPr b="0" i="0" sz="1000" u="none" cap="none" strike="noStrike">
+              <a:defRPr sz="1000" b="0" i="0" u="none" strike="noStrike" cap="none">
                 <a:solidFill>
                   <a:schemeClr val="dk2"/>
                 </a:solidFill>
@@ -6809,7 +6951,7 @@
                 <a:sym typeface="Arial"/>
               </a:defRPr>
             </a:lvl8pPr>
-            <a:lvl9pPr indent="0" lvl="8" marL="0" marR="0" algn="r">
+            <a:lvl9pPr marL="0" marR="0" lvl="8" indent="0" algn="r">
               <a:lnSpc>
                 <a:spcPct val="100000"/>
               </a:lnSpc>
@@ -6825,7 +6967,7 @@
               <a:buSzPts val="1000"/>
               <a:buFont typeface="Arial"/>
               <a:buNone/>
-              <a:defRPr b="0" i="0" sz="1000" u="none" cap="none" strike="noStrike">
+              <a:defRPr sz="1000" b="0" i="0" u="none" strike="noStrike" cap="none">
                 <a:solidFill>
                   <a:schemeClr val="dk2"/>
                 </a:solidFill>
@@ -6837,7 +6979,7 @@
             </a:lvl9pPr>
           </a:lstStyle>
           <a:p>
-            <a:pPr indent="0" lvl="0" marL="0" rtl="0" algn="r">
+            <a:pPr marL="0" lvl="0" indent="0" algn="r" rtl="0">
               <a:spcBef>
                 <a:spcPts val="0"/>
               </a:spcBef>
@@ -6863,11 +7005,11 @@
 </file>
 
 <file path=ppt/slideLayouts/slideLayout8.xml><?xml version="1.0" encoding="utf-8"?>
-<p:sldLayout xmlns:a="http://schemas.openxmlformats.org/drawingml/2006/main" xmlns:r="http://schemas.openxmlformats.org/officeDocument/2006/relationships" xmlns:mc="http://schemas.openxmlformats.org/markup-compatibility/2006" xmlns:mv="urn:schemas-microsoft-com:mac:vml" xmlns:p="http://schemas.openxmlformats.org/presentationml/2006/main" xmlns:c="http://schemas.openxmlformats.org/drawingml/2006/chart" xmlns:dgm="http://schemas.openxmlformats.org/drawingml/2006/diagram" xmlns:o="urn:schemas-microsoft-com:office:office" xmlns:v="urn:schemas-microsoft-com:vml" xmlns:pvml="urn:schemas-microsoft-com:office:powerpoint" xmlns:com="http://schemas.openxmlformats.org/drawingml/2006/compatibility" xmlns:p14="http://schemas.microsoft.com/office/powerpoint/2010/main" xmlns:p15="http://schemas.microsoft.com/office/powerpoint/2012/main" xmlns:ahyp="http://schemas.microsoft.com/office/drawing/2018/hyperlinkcolor" matchingName="Section title and description">
+<p:sldLayout xmlns:a="http://schemas.openxmlformats.org/drawingml/2006/main" xmlns:r="http://schemas.openxmlformats.org/officeDocument/2006/relationships" xmlns:p="http://schemas.openxmlformats.org/presentationml/2006/main" matchingName="Section title and description">
   <p:cSld name="SECTION_TITLE_AND_DESCRIPTION">
     <p:spTree>
       <p:nvGrpSpPr>
-        <p:cNvPr id="35" name="Shape 35"/>
+        <p:cNvPr id="1" name="Shape 35"/>
         <p:cNvGrpSpPr/>
         <p:nvPr/>
       </p:nvGrpSpPr>
@@ -6901,12 +7043,12 @@
           </a:ln>
         </p:spPr>
         <p:txBody>
-          <a:bodyPr anchorCtr="0" anchor="ctr" bIns="91425" lIns="91425" spcFirstLastPara="1" rIns="91425" wrap="square" tIns="91425">
+          <a:bodyPr spcFirstLastPara="1" wrap="square" lIns="91425" tIns="91425" rIns="91425" bIns="91425" anchor="ctr" anchorCtr="0">
             <a:noAutofit/>
           </a:bodyPr>
           <a:lstStyle/>
           <a:p>
-            <a:pPr indent="0" lvl="0" marL="0" marR="0" rtl="0" algn="l">
+            <a:pPr marL="0" marR="0" lvl="0" indent="0" algn="l" rtl="0">
               <a:lnSpc>
                 <a:spcPct val="100000"/>
               </a:lnSpc>
@@ -6923,10 +7065,7 @@
               <a:buFont typeface="Arial"/>
               <a:buNone/>
             </a:pPr>
-            <a:r>
-              <a:t/>
-            </a:r>
-            <a:endParaRPr b="0" i="0" sz="1400" u="none" cap="none" strike="noStrike">
+            <a:endParaRPr sz="1400" b="0" i="0" u="none" strike="noStrike" cap="none">
               <a:solidFill>
                 <a:srgbClr val="000000"/>
               </a:solidFill>
@@ -6941,7 +7080,9 @@
       <p:sp>
         <p:nvSpPr>
           <p:cNvPr id="37" name="Google Shape;37;p9"/>
-          <p:cNvSpPr txBox="1"/>
+          <p:cNvSpPr txBox="1">
+            <a:spLocks noGrp="1"/>
+          </p:cNvSpPr>
           <p:nvPr>
             <p:ph type="title"/>
           </p:nvPr>
@@ -6960,7 +7101,7 @@
           </a:ln>
         </p:spPr>
         <p:txBody>
-          <a:bodyPr anchorCtr="0" anchor="b" bIns="91425" lIns="91425" spcFirstLastPara="1" rIns="91425" wrap="square" tIns="91425">
+          <a:bodyPr spcFirstLastPara="1" wrap="square" lIns="91425" tIns="91425" rIns="91425" bIns="91425" anchor="b" anchorCtr="0">
             <a:noAutofit/>
           </a:bodyPr>
           <a:lstStyle>
@@ -7091,15 +7232,19 @@
               <a:defRPr sz="4200"/>
             </a:lvl9pPr>
           </a:lstStyle>
-          <a:p/>
+          <a:p>
+            <a:endParaRPr/>
+          </a:p>
         </p:txBody>
       </p:sp>
       <p:sp>
         <p:nvSpPr>
           <p:cNvPr id="38" name="Google Shape;38;p9"/>
-          <p:cNvSpPr txBox="1"/>
+          <p:cNvSpPr txBox="1">
+            <a:spLocks noGrp="1"/>
+          </p:cNvSpPr>
           <p:nvPr>
-            <p:ph idx="1" type="subTitle"/>
+            <p:ph type="subTitle" idx="1"/>
           </p:nvPr>
         </p:nvSpPr>
         <p:spPr>
@@ -7116,7 +7261,7 @@
           </a:ln>
         </p:spPr>
         <p:txBody>
-          <a:bodyPr anchorCtr="0" anchor="t" bIns="91425" lIns="91425" spcFirstLastPara="1" rIns="91425" wrap="square" tIns="91425">
+          <a:bodyPr spcFirstLastPara="1" wrap="square" lIns="91425" tIns="91425" rIns="91425" bIns="91425" anchor="t" anchorCtr="0">
             <a:noAutofit/>
           </a:bodyPr>
           <a:lstStyle>
@@ -7247,15 +7392,19 @@
               <a:defRPr sz="2100"/>
             </a:lvl9pPr>
           </a:lstStyle>
-          <a:p/>
+          <a:p>
+            <a:endParaRPr/>
+          </a:p>
         </p:txBody>
       </p:sp>
       <p:sp>
         <p:nvSpPr>
           <p:cNvPr id="39" name="Google Shape;39;p9"/>
-          <p:cNvSpPr txBox="1"/>
+          <p:cNvSpPr txBox="1">
+            <a:spLocks noGrp="1"/>
+          </p:cNvSpPr>
           <p:nvPr>
-            <p:ph idx="2" type="body"/>
+            <p:ph type="body" idx="2"/>
           </p:nvPr>
         </p:nvSpPr>
         <p:spPr>
@@ -7272,11 +7421,11 @@
           </a:ln>
         </p:spPr>
         <p:txBody>
-          <a:bodyPr anchorCtr="0" anchor="ctr" bIns="91425" lIns="91425" spcFirstLastPara="1" rIns="91425" wrap="square" tIns="91425">
+          <a:bodyPr spcFirstLastPara="1" wrap="square" lIns="91425" tIns="91425" rIns="91425" bIns="91425" anchor="ctr" anchorCtr="0">
             <a:noAutofit/>
           </a:bodyPr>
           <a:lstStyle>
-            <a:lvl1pPr indent="-342900" lvl="0" marL="457200" algn="l">
+            <a:lvl1pPr marL="457200" lvl="0" indent="-342900" algn="l">
               <a:lnSpc>
                 <a:spcPct val="115000"/>
               </a:lnSpc>
@@ -7290,7 +7439,7 @@
               <a:buChar char="●"/>
               <a:defRPr/>
             </a:lvl1pPr>
-            <a:lvl2pPr indent="-317500" lvl="1" marL="914400" algn="l">
+            <a:lvl2pPr marL="914400" lvl="1" indent="-317500" algn="l">
               <a:lnSpc>
                 <a:spcPct val="115000"/>
               </a:lnSpc>
@@ -7304,7 +7453,7 @@
               <a:buChar char="○"/>
               <a:defRPr/>
             </a:lvl2pPr>
-            <a:lvl3pPr indent="-317500" lvl="2" marL="1371600" algn="l">
+            <a:lvl3pPr marL="1371600" lvl="2" indent="-317500" algn="l">
               <a:lnSpc>
                 <a:spcPct val="115000"/>
               </a:lnSpc>
@@ -7318,7 +7467,7 @@
               <a:buChar char="■"/>
               <a:defRPr/>
             </a:lvl3pPr>
-            <a:lvl4pPr indent="-317500" lvl="3" marL="1828800" algn="l">
+            <a:lvl4pPr marL="1828800" lvl="3" indent="-317500" algn="l">
               <a:lnSpc>
                 <a:spcPct val="115000"/>
               </a:lnSpc>
@@ -7332,7 +7481,7 @@
               <a:buChar char="●"/>
               <a:defRPr/>
             </a:lvl4pPr>
-            <a:lvl5pPr indent="-317500" lvl="4" marL="2286000" algn="l">
+            <a:lvl5pPr marL="2286000" lvl="4" indent="-317500" algn="l">
               <a:lnSpc>
                 <a:spcPct val="115000"/>
               </a:lnSpc>
@@ -7346,7 +7495,7 @@
               <a:buChar char="○"/>
               <a:defRPr/>
             </a:lvl5pPr>
-            <a:lvl6pPr indent="-317500" lvl="5" marL="2743200" algn="l">
+            <a:lvl6pPr marL="2743200" lvl="5" indent="-317500" algn="l">
               <a:lnSpc>
                 <a:spcPct val="115000"/>
               </a:lnSpc>
@@ -7360,7 +7509,7 @@
               <a:buChar char="■"/>
               <a:defRPr/>
             </a:lvl6pPr>
-            <a:lvl7pPr indent="-317500" lvl="6" marL="3200400" algn="l">
+            <a:lvl7pPr marL="3200400" lvl="6" indent="-317500" algn="l">
               <a:lnSpc>
                 <a:spcPct val="115000"/>
               </a:lnSpc>
@@ -7374,7 +7523,7 @@
               <a:buChar char="●"/>
               <a:defRPr/>
             </a:lvl7pPr>
-            <a:lvl8pPr indent="-317500" lvl="7" marL="3657600" algn="l">
+            <a:lvl8pPr marL="3657600" lvl="7" indent="-317500" algn="l">
               <a:lnSpc>
                 <a:spcPct val="115000"/>
               </a:lnSpc>
@@ -7388,7 +7537,7 @@
               <a:buChar char="○"/>
               <a:defRPr/>
             </a:lvl8pPr>
-            <a:lvl9pPr indent="-317500" lvl="8" marL="4114800" algn="l">
+            <a:lvl9pPr marL="4114800" lvl="8" indent="-317500" algn="l">
               <a:lnSpc>
                 <a:spcPct val="115000"/>
               </a:lnSpc>
@@ -7403,15 +7552,19 @@
               <a:defRPr/>
             </a:lvl9pPr>
           </a:lstStyle>
-          <a:p/>
+          <a:p>
+            <a:endParaRPr/>
+          </a:p>
         </p:txBody>
       </p:sp>
       <p:sp>
         <p:nvSpPr>
           <p:cNvPr id="40" name="Google Shape;40;p9"/>
-          <p:cNvSpPr txBox="1"/>
+          <p:cNvSpPr txBox="1">
+            <a:spLocks noGrp="1"/>
+          </p:cNvSpPr>
           <p:nvPr>
-            <p:ph idx="12" type="sldNum"/>
+            <p:ph type="sldNum" idx="12"/>
           </p:nvPr>
         </p:nvSpPr>
         <p:spPr>
@@ -7428,11 +7581,11 @@
           </a:ln>
         </p:spPr>
         <p:txBody>
-          <a:bodyPr anchorCtr="0" anchor="ctr" bIns="91425" lIns="91425" spcFirstLastPara="1" rIns="91425" wrap="square" tIns="91425">
+          <a:bodyPr spcFirstLastPara="1" wrap="square" lIns="91425" tIns="91425" rIns="91425" bIns="91425" anchor="ctr" anchorCtr="0">
             <a:noAutofit/>
           </a:bodyPr>
           <a:lstStyle>
-            <a:lvl1pPr indent="0" lvl="0" marL="0" marR="0" algn="r">
+            <a:lvl1pPr marL="0" marR="0" lvl="0" indent="0" algn="r">
               <a:lnSpc>
                 <a:spcPct val="100000"/>
               </a:lnSpc>
@@ -7448,7 +7601,7 @@
               <a:buSzPts val="1000"/>
               <a:buFont typeface="Arial"/>
               <a:buNone/>
-              <a:defRPr b="0" i="0" sz="1000" u="none" cap="none" strike="noStrike">
+              <a:defRPr sz="1000" b="0" i="0" u="none" strike="noStrike" cap="none">
                 <a:solidFill>
                   <a:schemeClr val="dk2"/>
                 </a:solidFill>
@@ -7458,7 +7611,7 @@
                 <a:sym typeface="Arial"/>
               </a:defRPr>
             </a:lvl1pPr>
-            <a:lvl2pPr indent="0" lvl="1" marL="0" marR="0" algn="r">
+            <a:lvl2pPr marL="0" marR="0" lvl="1" indent="0" algn="r">
               <a:lnSpc>
                 <a:spcPct val="100000"/>
               </a:lnSpc>
@@ -7474,7 +7627,7 @@
               <a:buSzPts val="1000"/>
               <a:buFont typeface="Arial"/>
               <a:buNone/>
-              <a:defRPr b="0" i="0" sz="1000" u="none" cap="none" strike="noStrike">
+              <a:defRPr sz="1000" b="0" i="0" u="none" strike="noStrike" cap="none">
                 <a:solidFill>
                   <a:schemeClr val="dk2"/>
                 </a:solidFill>
@@ -7484,7 +7637,7 @@
                 <a:sym typeface="Arial"/>
               </a:defRPr>
             </a:lvl2pPr>
-            <a:lvl3pPr indent="0" lvl="2" marL="0" marR="0" algn="r">
+            <a:lvl3pPr marL="0" marR="0" lvl="2" indent="0" algn="r">
               <a:lnSpc>
                 <a:spcPct val="100000"/>
               </a:lnSpc>
@@ -7500,7 +7653,7 @@
               <a:buSzPts val="1000"/>
               <a:buFont typeface="Arial"/>
               <a:buNone/>
-              <a:defRPr b="0" i="0" sz="1000" u="none" cap="none" strike="noStrike">
+              <a:defRPr sz="1000" b="0" i="0" u="none" strike="noStrike" cap="none">
                 <a:solidFill>
                   <a:schemeClr val="dk2"/>
                 </a:solidFill>
@@ -7510,7 +7663,7 @@
                 <a:sym typeface="Arial"/>
               </a:defRPr>
             </a:lvl3pPr>
-            <a:lvl4pPr indent="0" lvl="3" marL="0" marR="0" algn="r">
+            <a:lvl4pPr marL="0" marR="0" lvl="3" indent="0" algn="r">
               <a:lnSpc>
                 <a:spcPct val="100000"/>
               </a:lnSpc>
@@ -7526,7 +7679,7 @@
               <a:buSzPts val="1000"/>
               <a:buFont typeface="Arial"/>
               <a:buNone/>
-              <a:defRPr b="0" i="0" sz="1000" u="none" cap="none" strike="noStrike">
+              <a:defRPr sz="1000" b="0" i="0" u="none" strike="noStrike" cap="none">
                 <a:solidFill>
                   <a:schemeClr val="dk2"/>
                 </a:solidFill>
@@ -7536,7 +7689,7 @@
                 <a:sym typeface="Arial"/>
               </a:defRPr>
             </a:lvl4pPr>
-            <a:lvl5pPr indent="0" lvl="4" marL="0" marR="0" algn="r">
+            <a:lvl5pPr marL="0" marR="0" lvl="4" indent="0" algn="r">
               <a:lnSpc>
                 <a:spcPct val="100000"/>
               </a:lnSpc>
@@ -7552,7 +7705,7 @@
               <a:buSzPts val="1000"/>
               <a:buFont typeface="Arial"/>
               <a:buNone/>
-              <a:defRPr b="0" i="0" sz="1000" u="none" cap="none" strike="noStrike">
+              <a:defRPr sz="1000" b="0" i="0" u="none" strike="noStrike" cap="none">
                 <a:solidFill>
                   <a:schemeClr val="dk2"/>
                 </a:solidFill>
@@ -7562,7 +7715,7 @@
                 <a:sym typeface="Arial"/>
               </a:defRPr>
             </a:lvl5pPr>
-            <a:lvl6pPr indent="0" lvl="5" marL="0" marR="0" algn="r">
+            <a:lvl6pPr marL="0" marR="0" lvl="5" indent="0" algn="r">
               <a:lnSpc>
                 <a:spcPct val="100000"/>
               </a:lnSpc>
@@ -7578,7 +7731,7 @@
               <a:buSzPts val="1000"/>
               <a:buFont typeface="Arial"/>
               <a:buNone/>
-              <a:defRPr b="0" i="0" sz="1000" u="none" cap="none" strike="noStrike">
+              <a:defRPr sz="1000" b="0" i="0" u="none" strike="noStrike" cap="none">
                 <a:solidFill>
                   <a:schemeClr val="dk2"/>
                 </a:solidFill>
@@ -7588,7 +7741,7 @@
                 <a:sym typeface="Arial"/>
               </a:defRPr>
             </a:lvl6pPr>
-            <a:lvl7pPr indent="0" lvl="6" marL="0" marR="0" algn="r">
+            <a:lvl7pPr marL="0" marR="0" lvl="6" indent="0" algn="r">
               <a:lnSpc>
                 <a:spcPct val="100000"/>
               </a:lnSpc>
@@ -7604,7 +7757,7 @@
               <a:buSzPts val="1000"/>
               <a:buFont typeface="Arial"/>
               <a:buNone/>
-              <a:defRPr b="0" i="0" sz="1000" u="none" cap="none" strike="noStrike">
+              <a:defRPr sz="1000" b="0" i="0" u="none" strike="noStrike" cap="none">
                 <a:solidFill>
                   <a:schemeClr val="dk2"/>
                 </a:solidFill>
@@ -7614,7 +7767,7 @@
                 <a:sym typeface="Arial"/>
               </a:defRPr>
             </a:lvl7pPr>
-            <a:lvl8pPr indent="0" lvl="7" marL="0" marR="0" algn="r">
+            <a:lvl8pPr marL="0" marR="0" lvl="7" indent="0" algn="r">
               <a:lnSpc>
                 <a:spcPct val="100000"/>
               </a:lnSpc>
@@ -7630,7 +7783,7 @@
               <a:buSzPts val="1000"/>
               <a:buFont typeface="Arial"/>
               <a:buNone/>
-              <a:defRPr b="0" i="0" sz="1000" u="none" cap="none" strike="noStrike">
+              <a:defRPr sz="1000" b="0" i="0" u="none" strike="noStrike" cap="none">
                 <a:solidFill>
                   <a:schemeClr val="dk2"/>
                 </a:solidFill>
@@ -7640,7 +7793,7 @@
                 <a:sym typeface="Arial"/>
               </a:defRPr>
             </a:lvl8pPr>
-            <a:lvl9pPr indent="0" lvl="8" marL="0" marR="0" algn="r">
+            <a:lvl9pPr marL="0" marR="0" lvl="8" indent="0" algn="r">
               <a:lnSpc>
                 <a:spcPct val="100000"/>
               </a:lnSpc>
@@ -7656,7 +7809,7 @@
               <a:buSzPts val="1000"/>
               <a:buFont typeface="Arial"/>
               <a:buNone/>
-              <a:defRPr b="0" i="0" sz="1000" u="none" cap="none" strike="noStrike">
+              <a:defRPr sz="1000" b="0" i="0" u="none" strike="noStrike" cap="none">
                 <a:solidFill>
                   <a:schemeClr val="dk2"/>
                 </a:solidFill>
@@ -7668,7 +7821,7 @@
             </a:lvl9pPr>
           </a:lstStyle>
           <a:p>
-            <a:pPr indent="0" lvl="0" marL="0" rtl="0" algn="r">
+            <a:pPr marL="0" lvl="0" indent="0" algn="r" rtl="0">
               <a:spcBef>
                 <a:spcPts val="0"/>
               </a:spcBef>
@@ -7694,11 +7847,11 @@
 </file>
 
 <file path=ppt/slideLayouts/slideLayout9.xml><?xml version="1.0" encoding="utf-8"?>
-<p:sldLayout xmlns:a="http://schemas.openxmlformats.org/drawingml/2006/main" xmlns:r="http://schemas.openxmlformats.org/officeDocument/2006/relationships" xmlns:mc="http://schemas.openxmlformats.org/markup-compatibility/2006" xmlns:mv="urn:schemas-microsoft-com:mac:vml" xmlns:p="http://schemas.openxmlformats.org/presentationml/2006/main" xmlns:c="http://schemas.openxmlformats.org/drawingml/2006/chart" xmlns:dgm="http://schemas.openxmlformats.org/drawingml/2006/diagram" xmlns:o="urn:schemas-microsoft-com:office:office" xmlns:v="urn:schemas-microsoft-com:vml" xmlns:pvml="urn:schemas-microsoft-com:office:powerpoint" xmlns:com="http://schemas.openxmlformats.org/drawingml/2006/compatibility" xmlns:p14="http://schemas.microsoft.com/office/powerpoint/2010/main" xmlns:p15="http://schemas.microsoft.com/office/powerpoint/2012/main" xmlns:ahyp="http://schemas.microsoft.com/office/drawing/2018/hyperlinkcolor" matchingName="Caption">
+<p:sldLayout xmlns:a="http://schemas.openxmlformats.org/drawingml/2006/main" xmlns:r="http://schemas.openxmlformats.org/officeDocument/2006/relationships" xmlns:p="http://schemas.openxmlformats.org/presentationml/2006/main" matchingName="Caption">
   <p:cSld name="CAPTION_ONLY">
     <p:spTree>
       <p:nvGrpSpPr>
-        <p:cNvPr id="41" name="Shape 41"/>
+        <p:cNvPr id="1" name="Shape 41"/>
         <p:cNvGrpSpPr/>
         <p:nvPr/>
       </p:nvGrpSpPr>
@@ -7713,9 +7866,11 @@
       <p:sp>
         <p:nvSpPr>
           <p:cNvPr id="42" name="Google Shape;42;p10"/>
-          <p:cNvSpPr txBox="1"/>
+          <p:cNvSpPr txBox="1">
+            <a:spLocks noGrp="1"/>
+          </p:cNvSpPr>
           <p:nvPr>
-            <p:ph idx="1" type="body"/>
+            <p:ph type="body" idx="1"/>
           </p:nvPr>
         </p:nvSpPr>
         <p:spPr>
@@ -7732,11 +7887,11 @@
           </a:ln>
         </p:spPr>
         <p:txBody>
-          <a:bodyPr anchorCtr="0" anchor="ctr" bIns="91425" lIns="91425" spcFirstLastPara="1" rIns="91425" wrap="square" tIns="91425">
+          <a:bodyPr spcFirstLastPara="1" wrap="square" lIns="91425" tIns="91425" rIns="91425" bIns="91425" anchor="ctr" anchorCtr="0">
             <a:noAutofit/>
           </a:bodyPr>
           <a:lstStyle>
-            <a:lvl1pPr indent="-228600" lvl="0" marL="457200" algn="l">
+            <a:lvl1pPr marL="457200" lvl="0" indent="-228600" algn="l">
               <a:lnSpc>
                 <a:spcPct val="100000"/>
               </a:lnSpc>
@@ -7751,15 +7906,19 @@
               <a:defRPr/>
             </a:lvl1pPr>
           </a:lstStyle>
-          <a:p/>
+          <a:p>
+            <a:endParaRPr/>
+          </a:p>
         </p:txBody>
       </p:sp>
       <p:sp>
         <p:nvSpPr>
           <p:cNvPr id="43" name="Google Shape;43;p10"/>
-          <p:cNvSpPr txBox="1"/>
+          <p:cNvSpPr txBox="1">
+            <a:spLocks noGrp="1"/>
+          </p:cNvSpPr>
           <p:nvPr>
-            <p:ph idx="12" type="sldNum"/>
+            <p:ph type="sldNum" idx="12"/>
           </p:nvPr>
         </p:nvSpPr>
         <p:spPr>
@@ -7776,11 +7935,11 @@
           </a:ln>
         </p:spPr>
         <p:txBody>
-          <a:bodyPr anchorCtr="0" anchor="ctr" bIns="91425" lIns="91425" spcFirstLastPara="1" rIns="91425" wrap="square" tIns="91425">
+          <a:bodyPr spcFirstLastPara="1" wrap="square" lIns="91425" tIns="91425" rIns="91425" bIns="91425" anchor="ctr" anchorCtr="0">
             <a:noAutofit/>
           </a:bodyPr>
           <a:lstStyle>
-            <a:lvl1pPr indent="0" lvl="0" marL="0" marR="0" algn="r">
+            <a:lvl1pPr marL="0" marR="0" lvl="0" indent="0" algn="r">
               <a:lnSpc>
                 <a:spcPct val="100000"/>
               </a:lnSpc>
@@ -7796,7 +7955,7 @@
               <a:buSzPts val="1000"/>
               <a:buFont typeface="Arial"/>
               <a:buNone/>
-              <a:defRPr b="0" i="0" sz="1000" u="none" cap="none" strike="noStrike">
+              <a:defRPr sz="1000" b="0" i="0" u="none" strike="noStrike" cap="none">
                 <a:solidFill>
                   <a:schemeClr val="dk2"/>
                 </a:solidFill>
@@ -7806,7 +7965,7 @@
                 <a:sym typeface="Arial"/>
               </a:defRPr>
             </a:lvl1pPr>
-            <a:lvl2pPr indent="0" lvl="1" marL="0" marR="0" algn="r">
+            <a:lvl2pPr marL="0" marR="0" lvl="1" indent="0" algn="r">
               <a:lnSpc>
                 <a:spcPct val="100000"/>
               </a:lnSpc>
@@ -7822,7 +7981,7 @@
               <a:buSzPts val="1000"/>
               <a:buFont typeface="Arial"/>
               <a:buNone/>
-              <a:defRPr b="0" i="0" sz="1000" u="none" cap="none" strike="noStrike">
+              <a:defRPr sz="1000" b="0" i="0" u="none" strike="noStrike" cap="none">
                 <a:solidFill>
                   <a:schemeClr val="dk2"/>
                 </a:solidFill>
@@ -7832,7 +7991,7 @@
                 <a:sym typeface="Arial"/>
               </a:defRPr>
             </a:lvl2pPr>
-            <a:lvl3pPr indent="0" lvl="2" marL="0" marR="0" algn="r">
+            <a:lvl3pPr marL="0" marR="0" lvl="2" indent="0" algn="r">
               <a:lnSpc>
                 <a:spcPct val="100000"/>
               </a:lnSpc>
@@ -7848,7 +8007,7 @@
               <a:buSzPts val="1000"/>
               <a:buFont typeface="Arial"/>
               <a:buNone/>
-              <a:defRPr b="0" i="0" sz="1000" u="none" cap="none" strike="noStrike">
+              <a:defRPr sz="1000" b="0" i="0" u="none" strike="noStrike" cap="none">
                 <a:solidFill>
                   <a:schemeClr val="dk2"/>
                 </a:solidFill>
@@ -7858,7 +8017,7 @@
                 <a:sym typeface="Arial"/>
               </a:defRPr>
             </a:lvl3pPr>
-            <a:lvl4pPr indent="0" lvl="3" marL="0" marR="0" algn="r">
+            <a:lvl4pPr marL="0" marR="0" lvl="3" indent="0" algn="r">
               <a:lnSpc>
                 <a:spcPct val="100000"/>
               </a:lnSpc>
@@ -7874,7 +8033,7 @@
               <a:buSzPts val="1000"/>
               <a:buFont typeface="Arial"/>
               <a:buNone/>
-              <a:defRPr b="0" i="0" sz="1000" u="none" cap="none" strike="noStrike">
+              <a:defRPr sz="1000" b="0" i="0" u="none" strike="noStrike" cap="none">
                 <a:solidFill>
                   <a:schemeClr val="dk2"/>
                 </a:solidFill>
@@ -7884,7 +8043,7 @@
                 <a:sym typeface="Arial"/>
               </a:defRPr>
             </a:lvl4pPr>
-            <a:lvl5pPr indent="0" lvl="4" marL="0" marR="0" algn="r">
+            <a:lvl5pPr marL="0" marR="0" lvl="4" indent="0" algn="r">
               <a:lnSpc>
                 <a:spcPct val="100000"/>
               </a:lnSpc>
@@ -7900,7 +8059,7 @@
               <a:buSzPts val="1000"/>
               <a:buFont typeface="Arial"/>
               <a:buNone/>
-              <a:defRPr b="0" i="0" sz="1000" u="none" cap="none" strike="noStrike">
+              <a:defRPr sz="1000" b="0" i="0" u="none" strike="noStrike" cap="none">
                 <a:solidFill>
                   <a:schemeClr val="dk2"/>
                 </a:solidFill>
@@ -7910,7 +8069,7 @@
                 <a:sym typeface="Arial"/>
               </a:defRPr>
             </a:lvl5pPr>
-            <a:lvl6pPr indent="0" lvl="5" marL="0" marR="0" algn="r">
+            <a:lvl6pPr marL="0" marR="0" lvl="5" indent="0" algn="r">
               <a:lnSpc>
                 <a:spcPct val="100000"/>
               </a:lnSpc>
@@ -7926,7 +8085,7 @@
               <a:buSzPts val="1000"/>
               <a:buFont typeface="Arial"/>
               <a:buNone/>
-              <a:defRPr b="0" i="0" sz="1000" u="none" cap="none" strike="noStrike">
+              <a:defRPr sz="1000" b="0" i="0" u="none" strike="noStrike" cap="none">
                 <a:solidFill>
                   <a:schemeClr val="dk2"/>
                 </a:solidFill>
@@ -7936,7 +8095,7 @@
                 <a:sym typeface="Arial"/>
               </a:defRPr>
             </a:lvl6pPr>
-            <a:lvl7pPr indent="0" lvl="6" marL="0" marR="0" algn="r">
+            <a:lvl7pPr marL="0" marR="0" lvl="6" indent="0" algn="r">
               <a:lnSpc>
                 <a:spcPct val="100000"/>
               </a:lnSpc>
@@ -7952,7 +8111,7 @@
               <a:buSzPts val="1000"/>
               <a:buFont typeface="Arial"/>
               <a:buNone/>
-              <a:defRPr b="0" i="0" sz="1000" u="none" cap="none" strike="noStrike">
+              <a:defRPr sz="1000" b="0" i="0" u="none" strike="noStrike" cap="none">
                 <a:solidFill>
                   <a:schemeClr val="dk2"/>
                 </a:solidFill>
@@ -7962,7 +8121,7 @@
                 <a:sym typeface="Arial"/>
               </a:defRPr>
             </a:lvl7pPr>
-            <a:lvl8pPr indent="0" lvl="7" marL="0" marR="0" algn="r">
+            <a:lvl8pPr marL="0" marR="0" lvl="7" indent="0" algn="r">
               <a:lnSpc>
                 <a:spcPct val="100000"/>
               </a:lnSpc>
@@ -7978,7 +8137,7 @@
               <a:buSzPts val="1000"/>
               <a:buFont typeface="Arial"/>
               <a:buNone/>
-              <a:defRPr b="0" i="0" sz="1000" u="none" cap="none" strike="noStrike">
+              <a:defRPr sz="1000" b="0" i="0" u="none" strike="noStrike" cap="none">
                 <a:solidFill>
                   <a:schemeClr val="dk2"/>
                 </a:solidFill>
@@ -7988,7 +8147,7 @@
                 <a:sym typeface="Arial"/>
               </a:defRPr>
             </a:lvl8pPr>
-            <a:lvl9pPr indent="0" lvl="8" marL="0" marR="0" algn="r">
+            <a:lvl9pPr marL="0" marR="0" lvl="8" indent="0" algn="r">
               <a:lnSpc>
                 <a:spcPct val="100000"/>
               </a:lnSpc>
@@ -8004,7 +8163,7 @@
               <a:buSzPts val="1000"/>
               <a:buFont typeface="Arial"/>
               <a:buNone/>
-              <a:defRPr b="0" i="0" sz="1000" u="none" cap="none" strike="noStrike">
+              <a:defRPr sz="1000" b="0" i="0" u="none" strike="noStrike" cap="none">
                 <a:solidFill>
                   <a:schemeClr val="dk2"/>
                 </a:solidFill>
@@ -8016,7 +8175,7 @@
             </a:lvl9pPr>
           </a:lstStyle>
           <a:p>
-            <a:pPr indent="0" lvl="0" marL="0" rtl="0" algn="r">
+            <a:pPr marL="0" lvl="0" indent="0" algn="r" rtl="0">
               <a:spcBef>
                 <a:spcPts val="0"/>
               </a:spcBef>
@@ -8042,18 +8201,19 @@
 </file>
 
 <file path=ppt/slideMasters/slideMaster1.xml><?xml version="1.0" encoding="utf-8"?>
-<p:sldMaster xmlns:a="http://schemas.openxmlformats.org/drawingml/2006/main" xmlns:r="http://schemas.openxmlformats.org/officeDocument/2006/relationships" xmlns:mc="http://schemas.openxmlformats.org/markup-compatibility/2006" xmlns:mv="urn:schemas-microsoft-com:mac:vml" xmlns:p="http://schemas.openxmlformats.org/presentationml/2006/main" xmlns:c="http://schemas.openxmlformats.org/drawingml/2006/chart" xmlns:dgm="http://schemas.openxmlformats.org/drawingml/2006/diagram" xmlns:o="urn:schemas-microsoft-com:office:office" xmlns:v="urn:schemas-microsoft-com:vml" xmlns:pvml="urn:schemas-microsoft-com:office:powerpoint" xmlns:com="http://schemas.openxmlformats.org/drawingml/2006/compatibility" xmlns:p14="http://schemas.microsoft.com/office/powerpoint/2010/main" xmlns:p15="http://schemas.microsoft.com/office/powerpoint/2012/main" xmlns:ahyp="http://schemas.microsoft.com/office/drawing/2018/hyperlinkcolor">
+<p:sldMaster xmlns:a="http://schemas.openxmlformats.org/drawingml/2006/main" xmlns:r="http://schemas.openxmlformats.org/officeDocument/2006/relationships" xmlns:p="http://schemas.openxmlformats.org/presentationml/2006/main">
   <p:cSld name="simple-light-2">
     <p:bg>
       <p:bgPr>
         <a:solidFill>
           <a:schemeClr val="lt1"/>
         </a:solidFill>
+        <a:effectLst/>
       </p:bgPr>
     </p:bg>
     <p:spTree>
       <p:nvGrpSpPr>
-        <p:cNvPr id="5" name="Shape 5"/>
+        <p:cNvPr id="1" name="Shape 5"/>
         <p:cNvGrpSpPr/>
         <p:nvPr/>
       </p:nvGrpSpPr>
@@ -8068,7 +8228,9 @@
       <p:sp>
         <p:nvSpPr>
           <p:cNvPr id="6" name="Google Shape;6;p1"/>
-          <p:cNvSpPr txBox="1"/>
+          <p:cNvSpPr txBox="1">
+            <a:spLocks noGrp="1"/>
+          </p:cNvSpPr>
           <p:nvPr>
             <p:ph type="title"/>
           </p:nvPr>
@@ -8087,11 +8249,11 @@
           </a:ln>
         </p:spPr>
         <p:txBody>
-          <a:bodyPr anchorCtr="0" anchor="t" bIns="91425" lIns="91425" spcFirstLastPara="1" rIns="91425" wrap="square" tIns="91425">
+          <a:bodyPr spcFirstLastPara="1" wrap="square" lIns="91425" tIns="91425" rIns="91425" bIns="91425" anchor="t" anchorCtr="0">
             <a:noAutofit/>
           </a:bodyPr>
           <a:lstStyle>
-            <a:lvl1pPr lvl="0" marR="0" rtl="0" algn="l">
+            <a:lvl1pPr marR="0" lvl="0" algn="l" rtl="0">
               <a:lnSpc>
                 <a:spcPct val="100000"/>
               </a:lnSpc>
@@ -8107,7 +8269,7 @@
               <a:buSzPts val="2800"/>
               <a:buFont typeface="Arial"/>
               <a:buNone/>
-              <a:defRPr b="0" i="0" sz="2800" u="none" cap="none" strike="noStrike">
+              <a:defRPr sz="2800" b="0" i="0" u="none" strike="noStrike" cap="none">
                 <a:solidFill>
                   <a:schemeClr val="dk1"/>
                 </a:solidFill>
@@ -8117,7 +8279,7 @@
                 <a:sym typeface="Arial"/>
               </a:defRPr>
             </a:lvl1pPr>
-            <a:lvl2pPr lvl="1" marR="0" rtl="0" algn="l">
+            <a:lvl2pPr marR="0" lvl="1" algn="l" rtl="0">
               <a:lnSpc>
                 <a:spcPct val="100000"/>
               </a:lnSpc>
@@ -8133,7 +8295,7 @@
               <a:buSzPts val="2800"/>
               <a:buFont typeface="Arial"/>
               <a:buNone/>
-              <a:defRPr b="0" i="0" sz="2800" u="none" cap="none" strike="noStrike">
+              <a:defRPr sz="2800" b="0" i="0" u="none" strike="noStrike" cap="none">
                 <a:solidFill>
                   <a:schemeClr val="dk1"/>
                 </a:solidFill>
@@ -8143,7 +8305,7 @@
                 <a:sym typeface="Arial"/>
               </a:defRPr>
             </a:lvl2pPr>
-            <a:lvl3pPr lvl="2" marR="0" rtl="0" algn="l">
+            <a:lvl3pPr marR="0" lvl="2" algn="l" rtl="0">
               <a:lnSpc>
                 <a:spcPct val="100000"/>
               </a:lnSpc>
@@ -8159,7 +8321,7 @@
               <a:buSzPts val="2800"/>
               <a:buFont typeface="Arial"/>
               <a:buNone/>
-              <a:defRPr b="0" i="0" sz="2800" u="none" cap="none" strike="noStrike">
+              <a:defRPr sz="2800" b="0" i="0" u="none" strike="noStrike" cap="none">
                 <a:solidFill>
                   <a:schemeClr val="dk1"/>
                 </a:solidFill>
@@ -8169,7 +8331,7 @@
                 <a:sym typeface="Arial"/>
               </a:defRPr>
             </a:lvl3pPr>
-            <a:lvl4pPr lvl="3" marR="0" rtl="0" algn="l">
+            <a:lvl4pPr marR="0" lvl="3" algn="l" rtl="0">
               <a:lnSpc>
                 <a:spcPct val="100000"/>
               </a:lnSpc>
@@ -8185,7 +8347,7 @@
               <a:buSzPts val="2800"/>
               <a:buFont typeface="Arial"/>
               <a:buNone/>
-              <a:defRPr b="0" i="0" sz="2800" u="none" cap="none" strike="noStrike">
+              <a:defRPr sz="2800" b="0" i="0" u="none" strike="noStrike" cap="none">
                 <a:solidFill>
                   <a:schemeClr val="dk1"/>
                 </a:solidFill>
@@ -8195,7 +8357,7 @@
                 <a:sym typeface="Arial"/>
               </a:defRPr>
             </a:lvl4pPr>
-            <a:lvl5pPr lvl="4" marR="0" rtl="0" algn="l">
+            <a:lvl5pPr marR="0" lvl="4" algn="l" rtl="0">
               <a:lnSpc>
                 <a:spcPct val="100000"/>
               </a:lnSpc>
@@ -8211,7 +8373,7 @@
               <a:buSzPts val="2800"/>
               <a:buFont typeface="Arial"/>
               <a:buNone/>
-              <a:defRPr b="0" i="0" sz="2800" u="none" cap="none" strike="noStrike">
+              <a:defRPr sz="2800" b="0" i="0" u="none" strike="noStrike" cap="none">
                 <a:solidFill>
                   <a:schemeClr val="dk1"/>
                 </a:solidFill>
@@ -8221,7 +8383,7 @@
                 <a:sym typeface="Arial"/>
               </a:defRPr>
             </a:lvl5pPr>
-            <a:lvl6pPr lvl="5" marR="0" rtl="0" algn="l">
+            <a:lvl6pPr marR="0" lvl="5" algn="l" rtl="0">
               <a:lnSpc>
                 <a:spcPct val="100000"/>
               </a:lnSpc>
@@ -8237,7 +8399,7 @@
               <a:buSzPts val="2800"/>
               <a:buFont typeface="Arial"/>
               <a:buNone/>
-              <a:defRPr b="0" i="0" sz="2800" u="none" cap="none" strike="noStrike">
+              <a:defRPr sz="2800" b="0" i="0" u="none" strike="noStrike" cap="none">
                 <a:solidFill>
                   <a:schemeClr val="dk1"/>
                 </a:solidFill>
@@ -8247,7 +8409,7 @@
                 <a:sym typeface="Arial"/>
               </a:defRPr>
             </a:lvl6pPr>
-            <a:lvl7pPr lvl="6" marR="0" rtl="0" algn="l">
+            <a:lvl7pPr marR="0" lvl="6" algn="l" rtl="0">
               <a:lnSpc>
                 <a:spcPct val="100000"/>
               </a:lnSpc>
@@ -8263,7 +8425,7 @@
               <a:buSzPts val="2800"/>
               <a:buFont typeface="Arial"/>
               <a:buNone/>
-              <a:defRPr b="0" i="0" sz="2800" u="none" cap="none" strike="noStrike">
+              <a:defRPr sz="2800" b="0" i="0" u="none" strike="noStrike" cap="none">
                 <a:solidFill>
                   <a:schemeClr val="dk1"/>
                 </a:solidFill>
@@ -8273,7 +8435,7 @@
                 <a:sym typeface="Arial"/>
               </a:defRPr>
             </a:lvl7pPr>
-            <a:lvl8pPr lvl="7" marR="0" rtl="0" algn="l">
+            <a:lvl8pPr marR="0" lvl="7" algn="l" rtl="0">
               <a:lnSpc>
                 <a:spcPct val="100000"/>
               </a:lnSpc>
@@ -8289,7 +8451,7 @@
               <a:buSzPts val="2800"/>
               <a:buFont typeface="Arial"/>
               <a:buNone/>
-              <a:defRPr b="0" i="0" sz="2800" u="none" cap="none" strike="noStrike">
+              <a:defRPr sz="2800" b="0" i="0" u="none" strike="noStrike" cap="none">
                 <a:solidFill>
                   <a:schemeClr val="dk1"/>
                 </a:solidFill>
@@ -8299,7 +8461,7 @@
                 <a:sym typeface="Arial"/>
               </a:defRPr>
             </a:lvl8pPr>
-            <a:lvl9pPr lvl="8" marR="0" rtl="0" algn="l">
+            <a:lvl9pPr marR="0" lvl="8" algn="l" rtl="0">
               <a:lnSpc>
                 <a:spcPct val="100000"/>
               </a:lnSpc>
@@ -8315,7 +8477,7 @@
               <a:buSzPts val="2800"/>
               <a:buFont typeface="Arial"/>
               <a:buNone/>
-              <a:defRPr b="0" i="0" sz="2800" u="none" cap="none" strike="noStrike">
+              <a:defRPr sz="2800" b="0" i="0" u="none" strike="noStrike" cap="none">
                 <a:solidFill>
                   <a:schemeClr val="dk1"/>
                 </a:solidFill>
@@ -8326,15 +8488,19 @@
               </a:defRPr>
             </a:lvl9pPr>
           </a:lstStyle>
-          <a:p/>
+          <a:p>
+            <a:endParaRPr/>
+          </a:p>
         </p:txBody>
       </p:sp>
       <p:sp>
         <p:nvSpPr>
           <p:cNvPr id="7" name="Google Shape;7;p1"/>
-          <p:cNvSpPr txBox="1"/>
+          <p:cNvSpPr txBox="1">
+            <a:spLocks noGrp="1"/>
+          </p:cNvSpPr>
           <p:nvPr>
-            <p:ph idx="1" type="body"/>
+            <p:ph type="body" idx="1"/>
           </p:nvPr>
         </p:nvSpPr>
         <p:spPr>
@@ -8351,11 +8517,11 @@
           </a:ln>
         </p:spPr>
         <p:txBody>
-          <a:bodyPr anchorCtr="0" anchor="t" bIns="91425" lIns="91425" spcFirstLastPara="1" rIns="91425" wrap="square" tIns="91425">
+          <a:bodyPr spcFirstLastPara="1" wrap="square" lIns="91425" tIns="91425" rIns="91425" bIns="91425" anchor="t" anchorCtr="0">
             <a:noAutofit/>
           </a:bodyPr>
           <a:lstStyle>
-            <a:lvl1pPr indent="-342900" lvl="0" marL="457200" marR="0" rtl="0" algn="l">
+            <a:lvl1pPr marL="457200" marR="0" lvl="0" indent="-342900" algn="l" rtl="0">
               <a:lnSpc>
                 <a:spcPct val="115000"/>
               </a:lnSpc>
@@ -8371,7 +8537,7 @@
               <a:buSzPts val="1800"/>
               <a:buFont typeface="Arial"/>
               <a:buChar char="●"/>
-              <a:defRPr b="0" i="0" sz="1800" u="none" cap="none" strike="noStrike">
+              <a:defRPr sz="1800" b="0" i="0" u="none" strike="noStrike" cap="none">
                 <a:solidFill>
                   <a:schemeClr val="dk2"/>
                 </a:solidFill>
@@ -8381,7 +8547,7 @@
                 <a:sym typeface="Arial"/>
               </a:defRPr>
             </a:lvl1pPr>
-            <a:lvl2pPr indent="-317500" lvl="1" marL="914400" marR="0" rtl="0" algn="l">
+            <a:lvl2pPr marL="914400" marR="0" lvl="1" indent="-317500" algn="l" rtl="0">
               <a:lnSpc>
                 <a:spcPct val="115000"/>
               </a:lnSpc>
@@ -8397,7 +8563,7 @@
               <a:buSzPts val="1400"/>
               <a:buFont typeface="Arial"/>
               <a:buChar char="○"/>
-              <a:defRPr b="0" i="0" sz="1400" u="none" cap="none" strike="noStrike">
+              <a:defRPr sz="1400" b="0" i="0" u="none" strike="noStrike" cap="none">
                 <a:solidFill>
                   <a:schemeClr val="dk2"/>
                 </a:solidFill>
@@ -8407,7 +8573,7 @@
                 <a:sym typeface="Arial"/>
               </a:defRPr>
             </a:lvl2pPr>
-            <a:lvl3pPr indent="-317500" lvl="2" marL="1371600" marR="0" rtl="0" algn="l">
+            <a:lvl3pPr marL="1371600" marR="0" lvl="2" indent="-317500" algn="l" rtl="0">
               <a:lnSpc>
                 <a:spcPct val="115000"/>
               </a:lnSpc>
@@ -8423,7 +8589,7 @@
               <a:buSzPts val="1400"/>
               <a:buFont typeface="Arial"/>
               <a:buChar char="■"/>
-              <a:defRPr b="0" i="0" sz="1400" u="none" cap="none" strike="noStrike">
+              <a:defRPr sz="1400" b="0" i="0" u="none" strike="noStrike" cap="none">
                 <a:solidFill>
                   <a:schemeClr val="dk2"/>
                 </a:solidFill>
@@ -8433,7 +8599,7 @@
                 <a:sym typeface="Arial"/>
               </a:defRPr>
             </a:lvl3pPr>
-            <a:lvl4pPr indent="-317500" lvl="3" marL="1828800" marR="0" rtl="0" algn="l">
+            <a:lvl4pPr marL="1828800" marR="0" lvl="3" indent="-317500" algn="l" rtl="0">
               <a:lnSpc>
                 <a:spcPct val="115000"/>
               </a:lnSpc>
@@ -8449,7 +8615,7 @@
               <a:buSzPts val="1400"/>
               <a:buFont typeface="Arial"/>
               <a:buChar char="●"/>
-              <a:defRPr b="0" i="0" sz="1400" u="none" cap="none" strike="noStrike">
+              <a:defRPr sz="1400" b="0" i="0" u="none" strike="noStrike" cap="none">
                 <a:solidFill>
                   <a:schemeClr val="dk2"/>
                 </a:solidFill>
@@ -8459,7 +8625,7 @@
                 <a:sym typeface="Arial"/>
               </a:defRPr>
             </a:lvl4pPr>
-            <a:lvl5pPr indent="-317500" lvl="4" marL="2286000" marR="0" rtl="0" algn="l">
+            <a:lvl5pPr marL="2286000" marR="0" lvl="4" indent="-317500" algn="l" rtl="0">
               <a:lnSpc>
                 <a:spcPct val="115000"/>
               </a:lnSpc>
@@ -8475,7 +8641,7 @@
               <a:buSzPts val="1400"/>
               <a:buFont typeface="Arial"/>
               <a:buChar char="○"/>
-              <a:defRPr b="0" i="0" sz="1400" u="none" cap="none" strike="noStrike">
+              <a:defRPr sz="1400" b="0" i="0" u="none" strike="noStrike" cap="none">
                 <a:solidFill>
                   <a:schemeClr val="dk2"/>
                 </a:solidFill>
@@ -8485,7 +8651,7 @@
                 <a:sym typeface="Arial"/>
               </a:defRPr>
             </a:lvl5pPr>
-            <a:lvl6pPr indent="-317500" lvl="5" marL="2743200" marR="0" rtl="0" algn="l">
+            <a:lvl6pPr marL="2743200" marR="0" lvl="5" indent="-317500" algn="l" rtl="0">
               <a:lnSpc>
                 <a:spcPct val="115000"/>
               </a:lnSpc>
@@ -8501,7 +8667,7 @@
               <a:buSzPts val="1400"/>
               <a:buFont typeface="Arial"/>
               <a:buChar char="■"/>
-              <a:defRPr b="0" i="0" sz="1400" u="none" cap="none" strike="noStrike">
+              <a:defRPr sz="1400" b="0" i="0" u="none" strike="noStrike" cap="none">
                 <a:solidFill>
                   <a:schemeClr val="dk2"/>
                 </a:solidFill>
@@ -8511,7 +8677,7 @@
                 <a:sym typeface="Arial"/>
               </a:defRPr>
             </a:lvl6pPr>
-            <a:lvl7pPr indent="-317500" lvl="6" marL="3200400" marR="0" rtl="0" algn="l">
+            <a:lvl7pPr marL="3200400" marR="0" lvl="6" indent="-317500" algn="l" rtl="0">
               <a:lnSpc>
                 <a:spcPct val="115000"/>
               </a:lnSpc>
@@ -8527,7 +8693,7 @@
               <a:buSzPts val="1400"/>
               <a:buFont typeface="Arial"/>
               <a:buChar char="●"/>
-              <a:defRPr b="0" i="0" sz="1400" u="none" cap="none" strike="noStrike">
+              <a:defRPr sz="1400" b="0" i="0" u="none" strike="noStrike" cap="none">
                 <a:solidFill>
                   <a:schemeClr val="dk2"/>
                 </a:solidFill>
@@ -8537,7 +8703,7 @@
                 <a:sym typeface="Arial"/>
               </a:defRPr>
             </a:lvl7pPr>
-            <a:lvl8pPr indent="-317500" lvl="7" marL="3657600" marR="0" rtl="0" algn="l">
+            <a:lvl8pPr marL="3657600" marR="0" lvl="7" indent="-317500" algn="l" rtl="0">
               <a:lnSpc>
                 <a:spcPct val="115000"/>
               </a:lnSpc>
@@ -8553,7 +8719,7 @@
               <a:buSzPts val="1400"/>
               <a:buFont typeface="Arial"/>
               <a:buChar char="○"/>
-              <a:defRPr b="0" i="0" sz="1400" u="none" cap="none" strike="noStrike">
+              <a:defRPr sz="1400" b="0" i="0" u="none" strike="noStrike" cap="none">
                 <a:solidFill>
                   <a:schemeClr val="dk2"/>
                 </a:solidFill>
@@ -8563,7 +8729,7 @@
                 <a:sym typeface="Arial"/>
               </a:defRPr>
             </a:lvl8pPr>
-            <a:lvl9pPr indent="-317500" lvl="8" marL="4114800" marR="0" rtl="0" algn="l">
+            <a:lvl9pPr marL="4114800" marR="0" lvl="8" indent="-317500" algn="l" rtl="0">
               <a:lnSpc>
                 <a:spcPct val="115000"/>
               </a:lnSpc>
@@ -8579,7 +8745,7 @@
               <a:buSzPts val="1400"/>
               <a:buFont typeface="Arial"/>
               <a:buChar char="■"/>
-              <a:defRPr b="0" i="0" sz="1400" u="none" cap="none" strike="noStrike">
+              <a:defRPr sz="1400" b="0" i="0" u="none" strike="noStrike" cap="none">
                 <a:solidFill>
                   <a:schemeClr val="dk2"/>
                 </a:solidFill>
@@ -8590,15 +8756,19 @@
               </a:defRPr>
             </a:lvl9pPr>
           </a:lstStyle>
-          <a:p/>
+          <a:p>
+            <a:endParaRPr/>
+          </a:p>
         </p:txBody>
       </p:sp>
       <p:sp>
         <p:nvSpPr>
           <p:cNvPr id="8" name="Google Shape;8;p1"/>
-          <p:cNvSpPr txBox="1"/>
+          <p:cNvSpPr txBox="1">
+            <a:spLocks noGrp="1"/>
+          </p:cNvSpPr>
           <p:nvPr>
-            <p:ph idx="12" type="sldNum"/>
+            <p:ph type="sldNum" idx="12"/>
           </p:nvPr>
         </p:nvSpPr>
         <p:spPr>
@@ -8615,11 +8785,11 @@
           </a:ln>
         </p:spPr>
         <p:txBody>
-          <a:bodyPr anchorCtr="0" anchor="ctr" bIns="91425" lIns="91425" spcFirstLastPara="1" rIns="91425" wrap="square" tIns="91425">
+          <a:bodyPr spcFirstLastPara="1" wrap="square" lIns="91425" tIns="91425" rIns="91425" bIns="91425" anchor="ctr" anchorCtr="0">
             <a:noAutofit/>
           </a:bodyPr>
           <a:lstStyle>
-            <a:lvl1pPr indent="0" lvl="0" marL="0" marR="0" rtl="0" algn="r">
+            <a:lvl1pPr marL="0" marR="0" lvl="0" indent="0" algn="r" rtl="0">
               <a:lnSpc>
                 <a:spcPct val="100000"/>
               </a:lnSpc>
@@ -8635,7 +8805,7 @@
               <a:buSzPts val="1000"/>
               <a:buFont typeface="Arial"/>
               <a:buNone/>
-              <a:defRPr b="0" i="0" sz="1000" u="none" cap="none" strike="noStrike">
+              <a:defRPr sz="1000" b="0" i="0" u="none" strike="noStrike" cap="none">
                 <a:solidFill>
                   <a:schemeClr val="dk2"/>
                 </a:solidFill>
@@ -8645,7 +8815,7 @@
                 <a:sym typeface="Arial"/>
               </a:defRPr>
             </a:lvl1pPr>
-            <a:lvl2pPr indent="0" lvl="1" marL="0" marR="0" rtl="0" algn="r">
+            <a:lvl2pPr marL="0" marR="0" lvl="1" indent="0" algn="r" rtl="0">
               <a:lnSpc>
                 <a:spcPct val="100000"/>
               </a:lnSpc>
@@ -8661,7 +8831,7 @@
               <a:buSzPts val="1000"/>
               <a:buFont typeface="Arial"/>
               <a:buNone/>
-              <a:defRPr b="0" i="0" sz="1000" u="none" cap="none" strike="noStrike">
+              <a:defRPr sz="1000" b="0" i="0" u="none" strike="noStrike" cap="none">
                 <a:solidFill>
                   <a:schemeClr val="dk2"/>
                 </a:solidFill>
@@ -8671,7 +8841,7 @@
                 <a:sym typeface="Arial"/>
               </a:defRPr>
             </a:lvl2pPr>
-            <a:lvl3pPr indent="0" lvl="2" marL="0" marR="0" rtl="0" algn="r">
+            <a:lvl3pPr marL="0" marR="0" lvl="2" indent="0" algn="r" rtl="0">
               <a:lnSpc>
                 <a:spcPct val="100000"/>
               </a:lnSpc>
@@ -8687,7 +8857,7 @@
               <a:buSzPts val="1000"/>
               <a:buFont typeface="Arial"/>
               <a:buNone/>
-              <a:defRPr b="0" i="0" sz="1000" u="none" cap="none" strike="noStrike">
+              <a:defRPr sz="1000" b="0" i="0" u="none" strike="noStrike" cap="none">
                 <a:solidFill>
                   <a:schemeClr val="dk2"/>
                 </a:solidFill>
@@ -8697,7 +8867,7 @@
                 <a:sym typeface="Arial"/>
               </a:defRPr>
             </a:lvl3pPr>
-            <a:lvl4pPr indent="0" lvl="3" marL="0" marR="0" rtl="0" algn="r">
+            <a:lvl4pPr marL="0" marR="0" lvl="3" indent="0" algn="r" rtl="0">
               <a:lnSpc>
                 <a:spcPct val="100000"/>
               </a:lnSpc>
@@ -8713,7 +8883,7 @@
               <a:buSzPts val="1000"/>
               <a:buFont typeface="Arial"/>
               <a:buNone/>
-              <a:defRPr b="0" i="0" sz="1000" u="none" cap="none" strike="noStrike">
+              <a:defRPr sz="1000" b="0" i="0" u="none" strike="noStrike" cap="none">
                 <a:solidFill>
                   <a:schemeClr val="dk2"/>
                 </a:solidFill>
@@ -8723,7 +8893,7 @@
                 <a:sym typeface="Arial"/>
               </a:defRPr>
             </a:lvl4pPr>
-            <a:lvl5pPr indent="0" lvl="4" marL="0" marR="0" rtl="0" algn="r">
+            <a:lvl5pPr marL="0" marR="0" lvl="4" indent="0" algn="r" rtl="0">
               <a:lnSpc>
                 <a:spcPct val="100000"/>
               </a:lnSpc>
@@ -8739,7 +8909,7 @@
               <a:buSzPts val="1000"/>
               <a:buFont typeface="Arial"/>
               <a:buNone/>
-              <a:defRPr b="0" i="0" sz="1000" u="none" cap="none" strike="noStrike">
+              <a:defRPr sz="1000" b="0" i="0" u="none" strike="noStrike" cap="none">
                 <a:solidFill>
                   <a:schemeClr val="dk2"/>
                 </a:solidFill>
@@ -8749,7 +8919,7 @@
                 <a:sym typeface="Arial"/>
               </a:defRPr>
             </a:lvl5pPr>
-            <a:lvl6pPr indent="0" lvl="5" marL="0" marR="0" rtl="0" algn="r">
+            <a:lvl6pPr marL="0" marR="0" lvl="5" indent="0" algn="r" rtl="0">
               <a:lnSpc>
                 <a:spcPct val="100000"/>
               </a:lnSpc>
@@ -8765,7 +8935,7 @@
               <a:buSzPts val="1000"/>
               <a:buFont typeface="Arial"/>
               <a:buNone/>
-              <a:defRPr b="0" i="0" sz="1000" u="none" cap="none" strike="noStrike">
+              <a:defRPr sz="1000" b="0" i="0" u="none" strike="noStrike" cap="none">
                 <a:solidFill>
                   <a:schemeClr val="dk2"/>
                 </a:solidFill>
@@ -8775,7 +8945,7 @@
                 <a:sym typeface="Arial"/>
               </a:defRPr>
             </a:lvl6pPr>
-            <a:lvl7pPr indent="0" lvl="6" marL="0" marR="0" rtl="0" algn="r">
+            <a:lvl7pPr marL="0" marR="0" lvl="6" indent="0" algn="r" rtl="0">
               <a:lnSpc>
                 <a:spcPct val="100000"/>
               </a:lnSpc>
@@ -8791,7 +8961,7 @@
               <a:buSzPts val="1000"/>
               <a:buFont typeface="Arial"/>
               <a:buNone/>
-              <a:defRPr b="0" i="0" sz="1000" u="none" cap="none" strike="noStrike">
+              <a:defRPr sz="1000" b="0" i="0" u="none" strike="noStrike" cap="none">
                 <a:solidFill>
                   <a:schemeClr val="dk2"/>
                 </a:solidFill>
@@ -8801,7 +8971,7 @@
                 <a:sym typeface="Arial"/>
               </a:defRPr>
             </a:lvl7pPr>
-            <a:lvl8pPr indent="0" lvl="7" marL="0" marR="0" rtl="0" algn="r">
+            <a:lvl8pPr marL="0" marR="0" lvl="7" indent="0" algn="r" rtl="0">
               <a:lnSpc>
                 <a:spcPct val="100000"/>
               </a:lnSpc>
@@ -8817,7 +8987,7 @@
               <a:buSzPts val="1000"/>
               <a:buFont typeface="Arial"/>
               <a:buNone/>
-              <a:defRPr b="0" i="0" sz="1000" u="none" cap="none" strike="noStrike">
+              <a:defRPr sz="1000" b="0" i="0" u="none" strike="noStrike" cap="none">
                 <a:solidFill>
                   <a:schemeClr val="dk2"/>
                 </a:solidFill>
@@ -8827,7 +8997,7 @@
                 <a:sym typeface="Arial"/>
               </a:defRPr>
             </a:lvl8pPr>
-            <a:lvl9pPr indent="0" lvl="8" marL="0" marR="0" rtl="0" algn="r">
+            <a:lvl9pPr marL="0" marR="0" lvl="8" indent="0" algn="r" rtl="0">
               <a:lnSpc>
                 <a:spcPct val="100000"/>
               </a:lnSpc>
@@ -8843,7 +9013,7 @@
               <a:buSzPts val="1000"/>
               <a:buFont typeface="Arial"/>
               <a:buNone/>
-              <a:defRPr b="0" i="0" sz="1000" u="none" cap="none" strike="noStrike">
+              <a:defRPr sz="1000" b="0" i="0" u="none" strike="noStrike" cap="none">
                 <a:solidFill>
                   <a:schemeClr val="dk2"/>
                 </a:solidFill>
@@ -8855,7 +9025,7 @@
             </a:lvl9pPr>
           </a:lstStyle>
           <a:p>
-            <a:pPr indent="0" lvl="0" marL="0" rtl="0" algn="r">
+            <a:pPr marL="0" lvl="0" indent="0" algn="r" rtl="0">
               <a:spcBef>
                 <a:spcPts val="0"/>
               </a:spcBef>
@@ -8874,7 +9044,7 @@
       </p:sp>
     </p:spTree>
   </p:cSld>
-  <p:clrMap accent1="accent1" accent2="accent2" accent3="accent3" accent4="accent4" accent5="accent5" accent6="accent6" bg1="lt1" bg2="dk2" tx1="dk1" tx2="lt2" folHlink="folHlink" hlink="hlink"/>
+  <p:clrMap bg1="lt1" tx1="dk1" bg2="dk2" tx2="lt2" accent1="accent1" accent2="accent2" accent3="accent3" accent4="accent4" accent5="accent5" accent6="accent6" hlink="hlink" folHlink="folHlink"/>
   <p:sldLayoutIdLst>
     <p:sldLayoutId id="2147483648" r:id="rId1"/>
     <p:sldLayoutId id="2147483649" r:id="rId2"/>
@@ -8888,10 +9058,10 @@
     <p:sldLayoutId id="2147483657" r:id="rId10"/>
     <p:sldLayoutId id="2147483658" r:id="rId11"/>
   </p:sldLayoutIdLst>
-  <p:hf dt="0" ftr="0" hdr="0" sldNum="0"/>
+  <p:hf sldNum="0" hdr="0" ftr="0" dt="0"/>
   <p:txStyles>
     <p:titleStyle>
-      <a:defPPr lvl="0" marR="0" rtl="0" algn="l">
+      <a:defPPr marR="0" lvl="0" algn="l" rtl="0">
         <a:lnSpc>
           <a:spcPct val="100000"/>
         </a:lnSpc>
@@ -8902,7 +9072,7 @@
           <a:spcPts val="0"/>
         </a:spcAft>
       </a:defPPr>
-      <a:lvl1pPr lvl="0" marR="0" rtl="0" algn="l">
+      <a:lvl1pPr marR="0" lvl="0" algn="l" rtl="0">
         <a:lnSpc>
           <a:spcPct val="100000"/>
         </a:lnSpc>
@@ -8916,7 +9086,7 @@
           <a:srgbClr val="000000"/>
         </a:buClr>
         <a:buFont typeface="Arial"/>
-        <a:defRPr b="0" i="0" sz="1400" u="none" cap="none" strike="noStrike">
+        <a:defRPr sz="1400" b="0" i="0" u="none" strike="noStrike" cap="none">
           <a:solidFill>
             <a:srgbClr val="000000"/>
           </a:solidFill>
@@ -8926,7 +9096,7 @@
           <a:sym typeface="Arial"/>
         </a:defRPr>
       </a:lvl1pPr>
-      <a:lvl2pPr lvl="1" marR="0" rtl="0" algn="l">
+      <a:lvl2pPr marR="0" lvl="1" algn="l" rtl="0">
         <a:lnSpc>
           <a:spcPct val="100000"/>
         </a:lnSpc>
@@ -8940,7 +9110,7 @@
           <a:srgbClr val="000000"/>
         </a:buClr>
         <a:buFont typeface="Arial"/>
-        <a:defRPr b="0" i="0" sz="1400" u="none" cap="none" strike="noStrike">
+        <a:defRPr sz="1400" b="0" i="0" u="none" strike="noStrike" cap="none">
           <a:solidFill>
             <a:srgbClr val="000000"/>
           </a:solidFill>
@@ -8950,7 +9120,7 @@
           <a:sym typeface="Arial"/>
         </a:defRPr>
       </a:lvl2pPr>
-      <a:lvl3pPr lvl="2" marR="0" rtl="0" algn="l">
+      <a:lvl3pPr marR="0" lvl="2" algn="l" rtl="0">
         <a:lnSpc>
           <a:spcPct val="100000"/>
         </a:lnSpc>
@@ -8964,7 +9134,7 @@
           <a:srgbClr val="000000"/>
         </a:buClr>
         <a:buFont typeface="Arial"/>
-        <a:defRPr b="0" i="0" sz="1400" u="none" cap="none" strike="noStrike">
+        <a:defRPr sz="1400" b="0" i="0" u="none" strike="noStrike" cap="none">
           <a:solidFill>
             <a:srgbClr val="000000"/>
           </a:solidFill>
@@ -8974,7 +9144,7 @@
           <a:sym typeface="Arial"/>
         </a:defRPr>
       </a:lvl3pPr>
-      <a:lvl4pPr lvl="3" marR="0" rtl="0" algn="l">
+      <a:lvl4pPr marR="0" lvl="3" algn="l" rtl="0">
         <a:lnSpc>
           <a:spcPct val="100000"/>
         </a:lnSpc>
@@ -8988,7 +9158,7 @@
           <a:srgbClr val="000000"/>
         </a:buClr>
         <a:buFont typeface="Arial"/>
-        <a:defRPr b="0" i="0" sz="1400" u="none" cap="none" strike="noStrike">
+        <a:defRPr sz="1400" b="0" i="0" u="none" strike="noStrike" cap="none">
           <a:solidFill>
             <a:srgbClr val="000000"/>
           </a:solidFill>
@@ -8998,7 +9168,7 @@
           <a:sym typeface="Arial"/>
         </a:defRPr>
       </a:lvl4pPr>
-      <a:lvl5pPr lvl="4" marR="0" rtl="0" algn="l">
+      <a:lvl5pPr marR="0" lvl="4" algn="l" rtl="0">
         <a:lnSpc>
           <a:spcPct val="100000"/>
         </a:lnSpc>
@@ -9012,7 +9182,7 @@
           <a:srgbClr val="000000"/>
         </a:buClr>
         <a:buFont typeface="Arial"/>
-        <a:defRPr b="0" i="0" sz="1400" u="none" cap="none" strike="noStrike">
+        <a:defRPr sz="1400" b="0" i="0" u="none" strike="noStrike" cap="none">
           <a:solidFill>
             <a:srgbClr val="000000"/>
           </a:solidFill>
@@ -9022,7 +9192,7 @@
           <a:sym typeface="Arial"/>
         </a:defRPr>
       </a:lvl5pPr>
-      <a:lvl6pPr lvl="5" marR="0" rtl="0" algn="l">
+      <a:lvl6pPr marR="0" lvl="5" algn="l" rtl="0">
         <a:lnSpc>
           <a:spcPct val="100000"/>
         </a:lnSpc>
@@ -9036,7 +9206,7 @@
           <a:srgbClr val="000000"/>
         </a:buClr>
         <a:buFont typeface="Arial"/>
-        <a:defRPr b="0" i="0" sz="1400" u="none" cap="none" strike="noStrike">
+        <a:defRPr sz="1400" b="0" i="0" u="none" strike="noStrike" cap="none">
           <a:solidFill>
             <a:srgbClr val="000000"/>
           </a:solidFill>
@@ -9046,7 +9216,7 @@
           <a:sym typeface="Arial"/>
         </a:defRPr>
       </a:lvl6pPr>
-      <a:lvl7pPr lvl="6" marR="0" rtl="0" algn="l">
+      <a:lvl7pPr marR="0" lvl="6" algn="l" rtl="0">
         <a:lnSpc>
           <a:spcPct val="100000"/>
         </a:lnSpc>
@@ -9060,7 +9230,7 @@
           <a:srgbClr val="000000"/>
         </a:buClr>
         <a:buFont typeface="Arial"/>
-        <a:defRPr b="0" i="0" sz="1400" u="none" cap="none" strike="noStrike">
+        <a:defRPr sz="1400" b="0" i="0" u="none" strike="noStrike" cap="none">
           <a:solidFill>
             <a:srgbClr val="000000"/>
           </a:solidFill>
@@ -9070,7 +9240,7 @@
           <a:sym typeface="Arial"/>
         </a:defRPr>
       </a:lvl7pPr>
-      <a:lvl8pPr lvl="7" marR="0" rtl="0" algn="l">
+      <a:lvl8pPr marR="0" lvl="7" algn="l" rtl="0">
         <a:lnSpc>
           <a:spcPct val="100000"/>
         </a:lnSpc>
@@ -9084,7 +9254,7 @@
           <a:srgbClr val="000000"/>
         </a:buClr>
         <a:buFont typeface="Arial"/>
-        <a:defRPr b="0" i="0" sz="1400" u="none" cap="none" strike="noStrike">
+        <a:defRPr sz="1400" b="0" i="0" u="none" strike="noStrike" cap="none">
           <a:solidFill>
             <a:srgbClr val="000000"/>
           </a:solidFill>
@@ -9094,7 +9264,7 @@
           <a:sym typeface="Arial"/>
         </a:defRPr>
       </a:lvl8pPr>
-      <a:lvl9pPr lvl="8" marR="0" rtl="0" algn="l">
+      <a:lvl9pPr marR="0" lvl="8" algn="l" rtl="0">
         <a:lnSpc>
           <a:spcPct val="100000"/>
         </a:lnSpc>
@@ -9108,7 +9278,7 @@
           <a:srgbClr val="000000"/>
         </a:buClr>
         <a:buFont typeface="Arial"/>
-        <a:defRPr b="0" i="0" sz="1400" u="none" cap="none" strike="noStrike">
+        <a:defRPr sz="1400" b="0" i="0" u="none" strike="noStrike" cap="none">
           <a:solidFill>
             <a:srgbClr val="000000"/>
           </a:solidFill>
@@ -9120,7 +9290,7 @@
       </a:lvl9pPr>
     </p:titleStyle>
     <p:bodyStyle>
-      <a:defPPr lvl="0" marR="0" rtl="0" algn="l">
+      <a:defPPr marR="0" lvl="0" algn="l" rtl="0">
         <a:lnSpc>
           <a:spcPct val="100000"/>
         </a:lnSpc>
@@ -9131,7 +9301,7 @@
           <a:spcPts val="0"/>
         </a:spcAft>
       </a:defPPr>
-      <a:lvl1pPr lvl="0" marR="0" rtl="0" algn="l">
+      <a:lvl1pPr marR="0" lvl="0" algn="l" rtl="0">
         <a:lnSpc>
           <a:spcPct val="100000"/>
         </a:lnSpc>
@@ -9145,7 +9315,7 @@
           <a:srgbClr val="000000"/>
         </a:buClr>
         <a:buFont typeface="Arial"/>
-        <a:defRPr b="0" i="0" sz="1400" u="none" cap="none" strike="noStrike">
+        <a:defRPr sz="1400" b="0" i="0" u="none" strike="noStrike" cap="none">
           <a:solidFill>
             <a:srgbClr val="000000"/>
           </a:solidFill>
@@ -9155,7 +9325,7 @@
           <a:sym typeface="Arial"/>
         </a:defRPr>
       </a:lvl1pPr>
-      <a:lvl2pPr lvl="1" marR="0" rtl="0" algn="l">
+      <a:lvl2pPr marR="0" lvl="1" algn="l" rtl="0">
         <a:lnSpc>
           <a:spcPct val="100000"/>
         </a:lnSpc>
@@ -9169,7 +9339,7 @@
           <a:srgbClr val="000000"/>
         </a:buClr>
         <a:buFont typeface="Arial"/>
-        <a:defRPr b="0" i="0" sz="1400" u="none" cap="none" strike="noStrike">
+        <a:defRPr sz="1400" b="0" i="0" u="none" strike="noStrike" cap="none">
           <a:solidFill>
             <a:srgbClr val="000000"/>
           </a:solidFill>
@@ -9179,7 +9349,7 @@
           <a:sym typeface="Arial"/>
         </a:defRPr>
       </a:lvl2pPr>
-      <a:lvl3pPr lvl="2" marR="0" rtl="0" algn="l">
+      <a:lvl3pPr marR="0" lvl="2" algn="l" rtl="0">
         <a:lnSpc>
           <a:spcPct val="100000"/>
         </a:lnSpc>
@@ -9193,7 +9363,7 @@
           <a:srgbClr val="000000"/>
         </a:buClr>
         <a:buFont typeface="Arial"/>
-        <a:defRPr b="0" i="0" sz="1400" u="none" cap="none" strike="noStrike">
+        <a:defRPr sz="1400" b="0" i="0" u="none" strike="noStrike" cap="none">
           <a:solidFill>
             <a:srgbClr val="000000"/>
           </a:solidFill>
@@ -9203,7 +9373,7 @@
           <a:sym typeface="Arial"/>
         </a:defRPr>
       </a:lvl3pPr>
-      <a:lvl4pPr lvl="3" marR="0" rtl="0" algn="l">
+      <a:lvl4pPr marR="0" lvl="3" algn="l" rtl="0">
         <a:lnSpc>
           <a:spcPct val="100000"/>
         </a:lnSpc>
@@ -9217,7 +9387,7 @@
           <a:srgbClr val="000000"/>
         </a:buClr>
         <a:buFont typeface="Arial"/>
-        <a:defRPr b="0" i="0" sz="1400" u="none" cap="none" strike="noStrike">
+        <a:defRPr sz="1400" b="0" i="0" u="none" strike="noStrike" cap="none">
           <a:solidFill>
             <a:srgbClr val="000000"/>
           </a:solidFill>
@@ -9227,7 +9397,7 @@
           <a:sym typeface="Arial"/>
         </a:defRPr>
       </a:lvl4pPr>
-      <a:lvl5pPr lvl="4" marR="0" rtl="0" algn="l">
+      <a:lvl5pPr marR="0" lvl="4" algn="l" rtl="0">
         <a:lnSpc>
           <a:spcPct val="100000"/>
         </a:lnSpc>
@@ -9241,7 +9411,7 @@
           <a:srgbClr val="000000"/>
         </a:buClr>
         <a:buFont typeface="Arial"/>
-        <a:defRPr b="0" i="0" sz="1400" u="none" cap="none" strike="noStrike">
+        <a:defRPr sz="1400" b="0" i="0" u="none" strike="noStrike" cap="none">
           <a:solidFill>
             <a:srgbClr val="000000"/>
           </a:solidFill>
@@ -9251,7 +9421,7 @@
           <a:sym typeface="Arial"/>
         </a:defRPr>
       </a:lvl5pPr>
-      <a:lvl6pPr lvl="5" marR="0" rtl="0" algn="l">
+      <a:lvl6pPr marR="0" lvl="5" algn="l" rtl="0">
         <a:lnSpc>
           <a:spcPct val="100000"/>
         </a:lnSpc>
@@ -9265,7 +9435,7 @@
           <a:srgbClr val="000000"/>
         </a:buClr>
         <a:buFont typeface="Arial"/>
-        <a:defRPr b="0" i="0" sz="1400" u="none" cap="none" strike="noStrike">
+        <a:defRPr sz="1400" b="0" i="0" u="none" strike="noStrike" cap="none">
           <a:solidFill>
             <a:srgbClr val="000000"/>
           </a:solidFill>
@@ -9275,7 +9445,7 @@
           <a:sym typeface="Arial"/>
         </a:defRPr>
       </a:lvl6pPr>
-      <a:lvl7pPr lvl="6" marR="0" rtl="0" algn="l">
+      <a:lvl7pPr marR="0" lvl="6" algn="l" rtl="0">
         <a:lnSpc>
           <a:spcPct val="100000"/>
         </a:lnSpc>
@@ -9289,7 +9459,7 @@
           <a:srgbClr val="000000"/>
         </a:buClr>
         <a:buFont typeface="Arial"/>
-        <a:defRPr b="0" i="0" sz="1400" u="none" cap="none" strike="noStrike">
+        <a:defRPr sz="1400" b="0" i="0" u="none" strike="noStrike" cap="none">
           <a:solidFill>
             <a:srgbClr val="000000"/>
           </a:solidFill>
@@ -9299,7 +9469,7 @@
           <a:sym typeface="Arial"/>
         </a:defRPr>
       </a:lvl7pPr>
-      <a:lvl8pPr lvl="7" marR="0" rtl="0" algn="l">
+      <a:lvl8pPr marR="0" lvl="7" algn="l" rtl="0">
         <a:lnSpc>
           <a:spcPct val="100000"/>
         </a:lnSpc>
@@ -9313,7 +9483,7 @@
           <a:srgbClr val="000000"/>
         </a:buClr>
         <a:buFont typeface="Arial"/>
-        <a:defRPr b="0" i="0" sz="1400" u="none" cap="none" strike="noStrike">
+        <a:defRPr sz="1400" b="0" i="0" u="none" strike="noStrike" cap="none">
           <a:solidFill>
             <a:srgbClr val="000000"/>
           </a:solidFill>
@@ -9323,7 +9493,7 @@
           <a:sym typeface="Arial"/>
         </a:defRPr>
       </a:lvl8pPr>
-      <a:lvl9pPr lvl="8" marR="0" rtl="0" algn="l">
+      <a:lvl9pPr marR="0" lvl="8" algn="l" rtl="0">
         <a:lnSpc>
           <a:spcPct val="100000"/>
         </a:lnSpc>
@@ -9337,7 +9507,7 @@
           <a:srgbClr val="000000"/>
         </a:buClr>
         <a:buFont typeface="Arial"/>
-        <a:defRPr b="0" i="0" sz="1400" u="none" cap="none" strike="noStrike">
+        <a:defRPr sz="1400" b="0" i="0" u="none" strike="noStrike" cap="none">
           <a:solidFill>
             <a:srgbClr val="000000"/>
           </a:solidFill>
@@ -9349,7 +9519,7 @@
       </a:lvl9pPr>
     </p:bodyStyle>
     <p:otherStyle>
-      <a:defPPr lvl="0" marR="0" rtl="0" algn="l">
+      <a:defPPr marR="0" lvl="0" algn="l" rtl="0">
         <a:lnSpc>
           <a:spcPct val="100000"/>
         </a:lnSpc>
@@ -9360,7 +9530,7 @@
           <a:spcPts val="0"/>
         </a:spcAft>
       </a:defPPr>
-      <a:lvl1pPr lvl="0" marR="0" rtl="0" algn="l">
+      <a:lvl1pPr marR="0" lvl="0" algn="l" rtl="0">
         <a:lnSpc>
           <a:spcPct val="100000"/>
         </a:lnSpc>
@@ -9374,7 +9544,7 @@
           <a:srgbClr val="000000"/>
         </a:buClr>
         <a:buFont typeface="Arial"/>
-        <a:defRPr b="0" i="0" sz="1400" u="none" cap="none" strike="noStrike">
+        <a:defRPr sz="1400" b="0" i="0" u="none" strike="noStrike" cap="none">
           <a:solidFill>
             <a:srgbClr val="000000"/>
           </a:solidFill>
@@ -9384,7 +9554,7 @@
           <a:sym typeface="Arial"/>
         </a:defRPr>
       </a:lvl1pPr>
-      <a:lvl2pPr lvl="1" marR="0" rtl="0" algn="l">
+      <a:lvl2pPr marR="0" lvl="1" algn="l" rtl="0">
         <a:lnSpc>
           <a:spcPct val="100000"/>
         </a:lnSpc>
@@ -9398,7 +9568,7 @@
           <a:srgbClr val="000000"/>
         </a:buClr>
         <a:buFont typeface="Arial"/>
-        <a:defRPr b="0" i="0" sz="1400" u="none" cap="none" strike="noStrike">
+        <a:defRPr sz="1400" b="0" i="0" u="none" strike="noStrike" cap="none">
           <a:solidFill>
             <a:srgbClr val="000000"/>
           </a:solidFill>
@@ -9408,7 +9578,7 @@
           <a:sym typeface="Arial"/>
         </a:defRPr>
       </a:lvl2pPr>
-      <a:lvl3pPr lvl="2" marR="0" rtl="0" algn="l">
+      <a:lvl3pPr marR="0" lvl="2" algn="l" rtl="0">
         <a:lnSpc>
           <a:spcPct val="100000"/>
         </a:lnSpc>
@@ -9422,7 +9592,7 @@
           <a:srgbClr val="000000"/>
         </a:buClr>
         <a:buFont typeface="Arial"/>
-        <a:defRPr b="0" i="0" sz="1400" u="none" cap="none" strike="noStrike">
+        <a:defRPr sz="1400" b="0" i="0" u="none" strike="noStrike" cap="none">
           <a:solidFill>
             <a:srgbClr val="000000"/>
           </a:solidFill>
@@ -9432,7 +9602,7 @@
           <a:sym typeface="Arial"/>
         </a:defRPr>
       </a:lvl3pPr>
-      <a:lvl4pPr lvl="3" marR="0" rtl="0" algn="l">
+      <a:lvl4pPr marR="0" lvl="3" algn="l" rtl="0">
         <a:lnSpc>
           <a:spcPct val="100000"/>
         </a:lnSpc>
@@ -9446,7 +9616,7 @@
           <a:srgbClr val="000000"/>
         </a:buClr>
         <a:buFont typeface="Arial"/>
-        <a:defRPr b="0" i="0" sz="1400" u="none" cap="none" strike="noStrike">
+        <a:defRPr sz="1400" b="0" i="0" u="none" strike="noStrike" cap="none">
           <a:solidFill>
             <a:srgbClr val="000000"/>
           </a:solidFill>
@@ -9456,7 +9626,7 @@
           <a:sym typeface="Arial"/>
         </a:defRPr>
       </a:lvl4pPr>
-      <a:lvl5pPr lvl="4" marR="0" rtl="0" algn="l">
+      <a:lvl5pPr marR="0" lvl="4" algn="l" rtl="0">
         <a:lnSpc>
           <a:spcPct val="100000"/>
         </a:lnSpc>
@@ -9470,7 +9640,7 @@
           <a:srgbClr val="000000"/>
         </a:buClr>
         <a:buFont typeface="Arial"/>
-        <a:defRPr b="0" i="0" sz="1400" u="none" cap="none" strike="noStrike">
+        <a:defRPr sz="1400" b="0" i="0" u="none" strike="noStrike" cap="none">
           <a:solidFill>
             <a:srgbClr val="000000"/>
           </a:solidFill>
@@ -9480,7 +9650,7 @@
           <a:sym typeface="Arial"/>
         </a:defRPr>
       </a:lvl5pPr>
-      <a:lvl6pPr lvl="5" marR="0" rtl="0" algn="l">
+      <a:lvl6pPr marR="0" lvl="5" algn="l" rtl="0">
         <a:lnSpc>
           <a:spcPct val="100000"/>
         </a:lnSpc>
@@ -9494,7 +9664,7 @@
           <a:srgbClr val="000000"/>
         </a:buClr>
         <a:buFont typeface="Arial"/>
-        <a:defRPr b="0" i="0" sz="1400" u="none" cap="none" strike="noStrike">
+        <a:defRPr sz="1400" b="0" i="0" u="none" strike="noStrike" cap="none">
           <a:solidFill>
             <a:srgbClr val="000000"/>
           </a:solidFill>
@@ -9504,7 +9674,7 @@
           <a:sym typeface="Arial"/>
         </a:defRPr>
       </a:lvl6pPr>
-      <a:lvl7pPr lvl="6" marR="0" rtl="0" algn="l">
+      <a:lvl7pPr marR="0" lvl="6" algn="l" rtl="0">
         <a:lnSpc>
           <a:spcPct val="100000"/>
         </a:lnSpc>
@@ -9518,7 +9688,7 @@
           <a:srgbClr val="000000"/>
         </a:buClr>
         <a:buFont typeface="Arial"/>
-        <a:defRPr b="0" i="0" sz="1400" u="none" cap="none" strike="noStrike">
+        <a:defRPr sz="1400" b="0" i="0" u="none" strike="noStrike" cap="none">
           <a:solidFill>
             <a:srgbClr val="000000"/>
           </a:solidFill>
@@ -9528,7 +9698,7 @@
           <a:sym typeface="Arial"/>
         </a:defRPr>
       </a:lvl7pPr>
-      <a:lvl8pPr lvl="7" marR="0" rtl="0" algn="l">
+      <a:lvl8pPr marR="0" lvl="7" algn="l" rtl="0">
         <a:lnSpc>
           <a:spcPct val="100000"/>
         </a:lnSpc>
@@ -9542,7 +9712,7 @@
           <a:srgbClr val="000000"/>
         </a:buClr>
         <a:buFont typeface="Arial"/>
-        <a:defRPr b="0" i="0" sz="1400" u="none" cap="none" strike="noStrike">
+        <a:defRPr sz="1400" b="0" i="0" u="none" strike="noStrike" cap="none">
           <a:solidFill>
             <a:srgbClr val="000000"/>
           </a:solidFill>
@@ -9552,7 +9722,7 @@
           <a:sym typeface="Arial"/>
         </a:defRPr>
       </a:lvl8pPr>
-      <a:lvl9pPr lvl="8" marR="0" rtl="0" algn="l">
+      <a:lvl9pPr marR="0" lvl="8" algn="l" rtl="0">
         <a:lnSpc>
           <a:spcPct val="100000"/>
         </a:lnSpc>
@@ -9566,7 +9736,7 @@
           <a:srgbClr val="000000"/>
         </a:buClr>
         <a:buFont typeface="Arial"/>
-        <a:defRPr b="0" i="0" sz="1400" u="none" cap="none" strike="noStrike">
+        <a:defRPr sz="1400" b="0" i="0" u="none" strike="noStrike" cap="none">
           <a:solidFill>
             <a:srgbClr val="000000"/>
           </a:solidFill>
@@ -9582,11 +9752,11 @@
 </file>
 
 <file path=ppt/slides/slide1.xml><?xml version="1.0" encoding="utf-8"?>
-<p:sld xmlns:a="http://schemas.openxmlformats.org/drawingml/2006/main" xmlns:r="http://schemas.openxmlformats.org/officeDocument/2006/relationships" xmlns:mc="http://schemas.openxmlformats.org/markup-compatibility/2006" xmlns:mv="urn:schemas-microsoft-com:mac:vml" xmlns:p="http://schemas.openxmlformats.org/presentationml/2006/main" xmlns:c="http://schemas.openxmlformats.org/drawingml/2006/chart" xmlns:dgm="http://schemas.openxmlformats.org/drawingml/2006/diagram" xmlns:o="urn:schemas-microsoft-com:office:office" xmlns:v="urn:schemas-microsoft-com:vml" xmlns:pvml="urn:schemas-microsoft-com:office:powerpoint" xmlns:com="http://schemas.openxmlformats.org/drawingml/2006/compatibility" xmlns:p14="http://schemas.microsoft.com/office/powerpoint/2010/main" xmlns:p15="http://schemas.microsoft.com/office/powerpoint/2012/main" xmlns:ahyp="http://schemas.microsoft.com/office/drawing/2018/hyperlinkcolor">
+<p:sld xmlns:a="http://schemas.openxmlformats.org/drawingml/2006/main" xmlns:r="http://schemas.openxmlformats.org/officeDocument/2006/relationships" xmlns:p="http://schemas.openxmlformats.org/presentationml/2006/main">
   <p:cSld>
     <p:spTree>
       <p:nvGrpSpPr>
-        <p:cNvPr id="53" name="Shape 53"/>
+        <p:cNvPr id="1" name="Shape 53"/>
         <p:cNvGrpSpPr/>
         <p:nvPr/>
       </p:nvGrpSpPr>
@@ -9601,7 +9771,9 @@
       <p:sp>
         <p:nvSpPr>
           <p:cNvPr id="54" name="Google Shape;54;p13"/>
-          <p:cNvSpPr txBox="1"/>
+          <p:cNvSpPr txBox="1">
+            <a:spLocks noGrp="1"/>
+          </p:cNvSpPr>
           <p:nvPr>
             <p:ph type="ctrTitle"/>
           </p:nvPr>
@@ -9620,12 +9792,12 @@
           </a:ln>
         </p:spPr>
         <p:txBody>
-          <a:bodyPr anchorCtr="0" anchor="b" bIns="91425" lIns="91425" spcFirstLastPara="1" rIns="91425" wrap="square" tIns="91425">
+          <a:bodyPr spcFirstLastPara="1" wrap="square" lIns="91425" tIns="91425" rIns="91425" bIns="91425" anchor="b" anchorCtr="0">
             <a:noAutofit/>
           </a:bodyPr>
           <a:lstStyle/>
           <a:p>
-            <a:pPr indent="0" lvl="0" marL="0" rtl="0" algn="ctr">
+            <a:pPr marL="0" lvl="0" indent="0" algn="ctr" rtl="0">
               <a:lnSpc>
                 <a:spcPct val="100000"/>
               </a:lnSpc>
@@ -9649,9 +9821,11 @@
       <p:sp>
         <p:nvSpPr>
           <p:cNvPr id="55" name="Google Shape;55;p13"/>
-          <p:cNvSpPr txBox="1"/>
+          <p:cNvSpPr txBox="1">
+            <a:spLocks noGrp="1"/>
+          </p:cNvSpPr>
           <p:nvPr>
-            <p:ph idx="1" type="subTitle"/>
+            <p:ph type="subTitle" idx="1"/>
           </p:nvPr>
         </p:nvSpPr>
         <p:spPr>
@@ -9668,12 +9842,12 @@
           </a:ln>
         </p:spPr>
         <p:txBody>
-          <a:bodyPr anchorCtr="0" anchor="t" bIns="91425" lIns="91425" spcFirstLastPara="1" rIns="91425" wrap="square" tIns="91425">
+          <a:bodyPr spcFirstLastPara="1" wrap="square" lIns="91425" tIns="91425" rIns="91425" bIns="91425" anchor="t" anchorCtr="0">
             <a:noAutofit/>
           </a:bodyPr>
           <a:lstStyle/>
           <a:p>
-            <a:pPr indent="0" lvl="0" marL="0" rtl="0" algn="ctr">
+            <a:pPr marL="0" lvl="0" indent="0" algn="ctr" rtl="0">
               <a:lnSpc>
                 <a:spcPct val="100000"/>
               </a:lnSpc>
@@ -9687,13 +9861,17 @@
               <a:buNone/>
             </a:pPr>
             <a:r>
-              <a:rPr lang="en"/>
-              <a:t>[name]</a:t>
+              <a:rPr lang="en" dirty="0" err="1"/>
+              <a:t>Bojun</a:t>
             </a:r>
-            <a:endParaRPr/>
+            <a:r>
+              <a:rPr lang="en" dirty="0"/>
+              <a:t> Yang</a:t>
+            </a:r>
+            <a:endParaRPr dirty="0"/>
           </a:p>
           <a:p>
-            <a:pPr indent="0" lvl="0" marL="0" rtl="0" algn="ctr">
+            <a:pPr marL="0" lvl="0" indent="0" algn="ctr" rtl="0">
               <a:lnSpc>
                 <a:spcPct val="100000"/>
               </a:lnSpc>
@@ -9707,13 +9885,13 @@
               <a:buNone/>
             </a:pPr>
             <a:r>
-              <a:rPr lang="en"/>
-              <a:t>[GT email]</a:t>
+              <a:rPr lang="en" dirty="0"/>
+              <a:t>byang301@gatech.edu</a:t>
             </a:r>
-            <a:endParaRPr/>
+            <a:endParaRPr dirty="0"/>
           </a:p>
           <a:p>
-            <a:pPr indent="0" lvl="0" marL="0" rtl="0" algn="ctr">
+            <a:pPr marL="0" lvl="0" indent="0" algn="ctr" rtl="0">
               <a:lnSpc>
                 <a:spcPct val="100000"/>
               </a:lnSpc>
@@ -9727,13 +9905,13 @@
               <a:buNone/>
             </a:pPr>
             <a:r>
-              <a:rPr lang="en"/>
-              <a:t>[GT username]</a:t>
+              <a:rPr lang="en" dirty="0"/>
+              <a:t>byang301</a:t>
             </a:r>
-            <a:endParaRPr/>
+            <a:endParaRPr dirty="0"/>
           </a:p>
           <a:p>
-            <a:pPr indent="0" lvl="0" marL="0" rtl="0" algn="ctr">
+            <a:pPr marL="0" lvl="0" indent="0" algn="ctr" rtl="0">
               <a:lnSpc>
                 <a:spcPct val="100000"/>
               </a:lnSpc>
@@ -9747,13 +9925,13 @@
               <a:buNone/>
             </a:pPr>
             <a:r>
-              <a:rPr lang="en"/>
-              <a:t>[GT ID]</a:t>
+              <a:rPr lang="en" dirty="0"/>
+              <a:t>903254309</a:t>
             </a:r>
-            <a:endParaRPr/>
+            <a:endParaRPr dirty="0"/>
           </a:p>
           <a:p>
-            <a:pPr indent="0" lvl="0" marL="0" rtl="0" algn="ctr">
+            <a:pPr marL="0" lvl="0" indent="0" algn="ctr" rtl="0">
               <a:lnSpc>
                 <a:spcPct val="100000"/>
               </a:lnSpc>
@@ -9766,10 +9944,7 @@
               <a:buSzPts val="2800"/>
               <a:buNone/>
             </a:pPr>
-            <a:r>
-              <a:t/>
-            </a:r>
-            <a:endParaRPr/>
+            <a:endParaRPr dirty="0"/>
           </a:p>
         </p:txBody>
       </p:sp>
@@ -9782,11 +9957,11 @@
 </file>
 
 <file path=ppt/slides/slide10.xml><?xml version="1.0" encoding="utf-8"?>
-<p:sld xmlns:a="http://schemas.openxmlformats.org/drawingml/2006/main" xmlns:r="http://schemas.openxmlformats.org/officeDocument/2006/relationships" xmlns:mc="http://schemas.openxmlformats.org/markup-compatibility/2006" xmlns:mv="urn:schemas-microsoft-com:mac:vml" xmlns:p="http://schemas.openxmlformats.org/presentationml/2006/main" xmlns:c="http://schemas.openxmlformats.org/drawingml/2006/chart" xmlns:dgm="http://schemas.openxmlformats.org/drawingml/2006/diagram" xmlns:o="urn:schemas-microsoft-com:office:office" xmlns:v="urn:schemas-microsoft-com:vml" xmlns:pvml="urn:schemas-microsoft-com:office:powerpoint" xmlns:com="http://schemas.openxmlformats.org/drawingml/2006/compatibility" xmlns:p14="http://schemas.microsoft.com/office/powerpoint/2010/main" xmlns:p15="http://schemas.microsoft.com/office/powerpoint/2012/main" xmlns:ahyp="http://schemas.microsoft.com/office/drawing/2018/hyperlinkcolor">
+<p:sld xmlns:a="http://schemas.openxmlformats.org/drawingml/2006/main" xmlns:r="http://schemas.openxmlformats.org/officeDocument/2006/relationships" xmlns:p="http://schemas.openxmlformats.org/presentationml/2006/main">
   <p:cSld>
     <p:spTree>
       <p:nvGrpSpPr>
-        <p:cNvPr id="113" name="Shape 113"/>
+        <p:cNvPr id="1" name="Shape 113"/>
         <p:cNvGrpSpPr/>
         <p:nvPr/>
       </p:nvGrpSpPr>
@@ -9801,7 +9976,9 @@
       <p:sp>
         <p:nvSpPr>
           <p:cNvPr id="114" name="Google Shape;114;p22"/>
-          <p:cNvSpPr txBox="1"/>
+          <p:cNvSpPr txBox="1">
+            <a:spLocks noGrp="1"/>
+          </p:cNvSpPr>
           <p:nvPr>
             <p:ph type="title"/>
           </p:nvPr>
@@ -9816,12 +9993,12 @@
           </a:prstGeom>
         </p:spPr>
         <p:txBody>
-          <a:bodyPr anchorCtr="0" anchor="t" bIns="91425" lIns="91425" spcFirstLastPara="1" rIns="91425" wrap="square" tIns="91425">
+          <a:bodyPr spcFirstLastPara="1" wrap="square" lIns="91425" tIns="91425" rIns="91425" bIns="91425" anchor="t" anchorCtr="0">
             <a:noAutofit/>
           </a:bodyPr>
           <a:lstStyle/>
           <a:p>
-            <a:pPr indent="0" lvl="0" marL="0" rtl="0" algn="l">
+            <a:pPr marL="0" lvl="0" indent="0" algn="l" rtl="0">
               <a:spcBef>
                 <a:spcPts val="0"/>
               </a:spcBef>
@@ -9841,9 +10018,11 @@
       <p:sp>
         <p:nvSpPr>
           <p:cNvPr id="115" name="Google Shape;115;p22"/>
-          <p:cNvSpPr txBox="1"/>
+          <p:cNvSpPr txBox="1">
+            <a:spLocks noGrp="1"/>
+          </p:cNvSpPr>
           <p:nvPr>
-            <p:ph idx="1" type="body"/>
+            <p:ph type="body" idx="1"/>
           </p:nvPr>
         </p:nvSpPr>
         <p:spPr>
@@ -9856,12 +10035,12 @@
           </a:prstGeom>
         </p:spPr>
         <p:txBody>
-          <a:bodyPr anchorCtr="0" anchor="t" bIns="91425" lIns="91425" spcFirstLastPara="1" rIns="91425" wrap="square" tIns="91425">
+          <a:bodyPr spcFirstLastPara="1" wrap="square" lIns="91425" tIns="91425" rIns="91425" bIns="91425" anchor="t" anchorCtr="0">
             <a:noAutofit/>
           </a:bodyPr>
           <a:lstStyle/>
           <a:p>
-            <a:pPr indent="0" lvl="0" marL="0" rtl="0" algn="l">
+            <a:pPr marL="0" lvl="0" indent="0" algn="l" rtl="0">
               <a:spcBef>
                 <a:spcPts val="0"/>
               </a:spcBef>
@@ -9871,19 +10050,44 @@
               <a:buNone/>
             </a:pPr>
             <a:r>
-              <a:rPr lang="en"/>
+              <a:rPr lang="en" dirty="0"/>
               <a:t>[What does fine-tuning a network mean?]</a:t>
             </a:r>
-            <a:endParaRPr/>
+          </a:p>
+          <a:p>
+            <a:pPr marL="0" lvl="0" indent="0" algn="l" rtl="0">
+              <a:spcBef>
+                <a:spcPts val="0"/>
+              </a:spcBef>
+              <a:spcAft>
+                <a:spcPts val="0"/>
+              </a:spcAft>
+              <a:buNone/>
+            </a:pPr>
+            <a:r>
+              <a:rPr lang="en-US" dirty="0"/>
+              <a:t>Fine tuning a network means to take a pre-trained model that has been trained for another task and tweak it to make it perform a second similar task. </a:t>
+            </a:r>
+            <a:r>
+              <a:rPr lang="en-US" dirty="0" err="1"/>
+              <a:t>ResNet</a:t>
+            </a:r>
+            <a:r>
+              <a:rPr lang="en-US" dirty="0"/>
+              <a:t> was trained to recognize 1000 classes so we took it and fine tuned it to recognize our 15 classes.</a:t>
+            </a:r>
+            <a:endParaRPr dirty="0"/>
           </a:p>
         </p:txBody>
       </p:sp>
       <p:sp>
         <p:nvSpPr>
           <p:cNvPr id="116" name="Google Shape;116;p22"/>
-          <p:cNvSpPr txBox="1"/>
+          <p:cNvSpPr txBox="1">
+            <a:spLocks noGrp="1"/>
+          </p:cNvSpPr>
           <p:nvPr>
-            <p:ph idx="2" type="body"/>
+            <p:ph type="body" idx="2"/>
           </p:nvPr>
         </p:nvSpPr>
         <p:spPr>
@@ -9896,12 +10100,12 @@
           </a:prstGeom>
         </p:spPr>
         <p:txBody>
-          <a:bodyPr anchorCtr="0" anchor="t" bIns="91425" lIns="91425" spcFirstLastPara="1" rIns="91425" wrap="square" tIns="91425">
+          <a:bodyPr spcFirstLastPara="1" wrap="square" lIns="91425" tIns="91425" rIns="91425" bIns="91425" anchor="t" anchorCtr="0">
             <a:noAutofit/>
           </a:bodyPr>
           <a:lstStyle/>
           <a:p>
-            <a:pPr indent="0" lvl="0" marL="0" rtl="0" algn="l">
+            <a:pPr marL="0" lvl="0" indent="0" algn="l" rtl="0">
               <a:spcBef>
                 <a:spcPts val="0"/>
               </a:spcBef>
@@ -9911,10 +10115,41 @@
               <a:buNone/>
             </a:pPr>
             <a:r>
-              <a:rPr lang="en"/>
-              <a:t>[Why do we want to "freeze" the conv layers and some of the linear layers from a pre-trained ResNet? Why can we do this?]</a:t>
+              <a:rPr lang="en" dirty="0"/>
+              <a:t>[Why do we want to "freeze" the conv layers and some of the linear layers from a pre-trained </a:t>
             </a:r>
-            <a:endParaRPr/>
+            <a:r>
+              <a:rPr lang="en" dirty="0" err="1"/>
+              <a:t>ResNet</a:t>
+            </a:r>
+            <a:r>
+              <a:rPr lang="en" dirty="0"/>
+              <a:t>? Why can we do this?]</a:t>
+            </a:r>
+          </a:p>
+          <a:p>
+            <a:pPr marL="0" lvl="0" indent="0" algn="l" rtl="0">
+              <a:spcBef>
+                <a:spcPts val="0"/>
+              </a:spcBef>
+              <a:spcAft>
+                <a:spcPts val="0"/>
+              </a:spcAft>
+              <a:buNone/>
+            </a:pPr>
+            <a:r>
+              <a:rPr lang="en" dirty="0"/>
+              <a:t>We want to freeze the layers for the pre-trained </a:t>
+            </a:r>
+            <a:r>
+              <a:rPr lang="en" dirty="0" err="1"/>
+              <a:t>ResNet</a:t>
+            </a:r>
+            <a:r>
+              <a:rPr lang="en" dirty="0"/>
+              <a:t> since updating the weights for these layers will take a lot of computation. We can do this by turning off gradient descent for those layers and only updating weights for the last fully connected layer.</a:t>
+            </a:r>
+            <a:endParaRPr dirty="0"/>
           </a:p>
         </p:txBody>
       </p:sp>
@@ -9927,11 +10162,11 @@
 </file>
 
 <file path=ppt/slides/slide11.xml><?xml version="1.0" encoding="utf-8"?>
-<p:sld xmlns:a="http://schemas.openxmlformats.org/drawingml/2006/main" xmlns:r="http://schemas.openxmlformats.org/officeDocument/2006/relationships" xmlns:mc="http://schemas.openxmlformats.org/markup-compatibility/2006" xmlns:mv="urn:schemas-microsoft-com:mac:vml" xmlns:p="http://schemas.openxmlformats.org/presentationml/2006/main" xmlns:c="http://schemas.openxmlformats.org/drawingml/2006/chart" xmlns:dgm="http://schemas.openxmlformats.org/drawingml/2006/diagram" xmlns:o="urn:schemas-microsoft-com:office:office" xmlns:v="urn:schemas-microsoft-com:vml" xmlns:pvml="urn:schemas-microsoft-com:office:powerpoint" xmlns:com="http://schemas.openxmlformats.org/drawingml/2006/compatibility" xmlns:p14="http://schemas.microsoft.com/office/powerpoint/2010/main" xmlns:p15="http://schemas.microsoft.com/office/powerpoint/2012/main" xmlns:ahyp="http://schemas.microsoft.com/office/drawing/2018/hyperlinkcolor">
+<p:sld xmlns:a="http://schemas.openxmlformats.org/drawingml/2006/main" xmlns:r="http://schemas.openxmlformats.org/officeDocument/2006/relationships" xmlns:p="http://schemas.openxmlformats.org/presentationml/2006/main">
   <p:cSld>
     <p:spTree>
       <p:nvGrpSpPr>
-        <p:cNvPr id="120" name="Shape 120"/>
+        <p:cNvPr id="1" name="Shape 120"/>
         <p:cNvGrpSpPr/>
         <p:nvPr/>
       </p:nvGrpSpPr>
@@ -9946,7 +10181,9 @@
       <p:sp>
         <p:nvSpPr>
           <p:cNvPr id="121" name="Google Shape;121;p23"/>
-          <p:cNvSpPr txBox="1"/>
+          <p:cNvSpPr txBox="1">
+            <a:spLocks noGrp="1"/>
+          </p:cNvSpPr>
           <p:nvPr>
             <p:ph type="title"/>
           </p:nvPr>
@@ -9961,12 +10198,12 @@
           </a:prstGeom>
         </p:spPr>
         <p:txBody>
-          <a:bodyPr anchorCtr="0" anchor="t" bIns="91425" lIns="91425" spcFirstLastPara="1" rIns="91425" wrap="square" tIns="91425">
+          <a:bodyPr spcFirstLastPara="1" wrap="square" lIns="91425" tIns="91425" rIns="91425" bIns="91425" anchor="t" anchorCtr="0">
             <a:noAutofit/>
           </a:bodyPr>
           <a:lstStyle/>
           <a:p>
-            <a:pPr indent="0" lvl="0" marL="0" rtl="0" algn="l">
+            <a:pPr marL="0" lvl="0" indent="0" algn="l" rtl="0">
               <a:spcBef>
                 <a:spcPts val="0"/>
               </a:spcBef>
@@ -9986,9 +10223,11 @@
       <p:sp>
         <p:nvSpPr>
           <p:cNvPr id="122" name="Google Shape;122;p23"/>
-          <p:cNvSpPr txBox="1"/>
+          <p:cNvSpPr txBox="1">
+            <a:spLocks noGrp="1"/>
+          </p:cNvSpPr>
           <p:nvPr>
-            <p:ph idx="1" type="body"/>
+            <p:ph type="body" idx="1"/>
           </p:nvPr>
         </p:nvSpPr>
         <p:spPr>
@@ -10001,12 +10240,12 @@
           </a:prstGeom>
         </p:spPr>
         <p:txBody>
-          <a:bodyPr anchorCtr="0" anchor="t" bIns="91425" lIns="91425" spcFirstLastPara="1" rIns="91425" wrap="square" tIns="91425">
+          <a:bodyPr spcFirstLastPara="1" wrap="square" lIns="91425" tIns="91425" rIns="91425" bIns="91425" anchor="t" anchorCtr="0">
             <a:noAutofit/>
           </a:bodyPr>
           <a:lstStyle/>
           <a:p>
-            <a:pPr indent="0" lvl="0" marL="0" rtl="0" algn="l">
+            <a:pPr marL="0" lvl="0" indent="0" algn="l" rtl="0">
               <a:spcBef>
                 <a:spcPts val="0"/>
               </a:spcBef>
@@ -10032,11 +10271,11 @@
 </file>
 
 <file path=ppt/slides/slide2.xml><?xml version="1.0" encoding="utf-8"?>
-<p:sld xmlns:a="http://schemas.openxmlformats.org/drawingml/2006/main" xmlns:r="http://schemas.openxmlformats.org/officeDocument/2006/relationships" xmlns:mc="http://schemas.openxmlformats.org/markup-compatibility/2006" xmlns:mv="urn:schemas-microsoft-com:mac:vml" xmlns:p="http://schemas.openxmlformats.org/presentationml/2006/main" xmlns:c="http://schemas.openxmlformats.org/drawingml/2006/chart" xmlns:dgm="http://schemas.openxmlformats.org/drawingml/2006/diagram" xmlns:o="urn:schemas-microsoft-com:office:office" xmlns:v="urn:schemas-microsoft-com:vml" xmlns:pvml="urn:schemas-microsoft-com:office:powerpoint" xmlns:com="http://schemas.openxmlformats.org/drawingml/2006/compatibility" xmlns:p14="http://schemas.microsoft.com/office/powerpoint/2010/main" xmlns:p15="http://schemas.microsoft.com/office/powerpoint/2012/main" xmlns:ahyp="http://schemas.microsoft.com/office/drawing/2018/hyperlinkcolor">
+<p:sld xmlns:a="http://schemas.openxmlformats.org/drawingml/2006/main" xmlns:r="http://schemas.openxmlformats.org/officeDocument/2006/relationships" xmlns:p="http://schemas.openxmlformats.org/presentationml/2006/main">
   <p:cSld>
     <p:spTree>
       <p:nvGrpSpPr>
-        <p:cNvPr id="59" name="Shape 59"/>
+        <p:cNvPr id="1" name="Shape 59"/>
         <p:cNvGrpSpPr/>
         <p:nvPr/>
       </p:nvGrpSpPr>
@@ -10051,7 +10290,9 @@
       <p:sp>
         <p:nvSpPr>
           <p:cNvPr id="60" name="Google Shape;60;p14"/>
-          <p:cNvSpPr txBox="1"/>
+          <p:cNvSpPr txBox="1">
+            <a:spLocks noGrp="1"/>
+          </p:cNvSpPr>
           <p:nvPr>
             <p:ph type="title"/>
           </p:nvPr>
@@ -10066,12 +10307,12 @@
           </a:prstGeom>
         </p:spPr>
         <p:txBody>
-          <a:bodyPr anchorCtr="0" anchor="t" bIns="91425" lIns="91425" spcFirstLastPara="1" rIns="91425" wrap="square" tIns="91425">
+          <a:bodyPr spcFirstLastPara="1" wrap="square" lIns="91425" tIns="91425" rIns="91425" bIns="91425" anchor="t" anchorCtr="0">
             <a:noAutofit/>
           </a:bodyPr>
           <a:lstStyle/>
           <a:p>
-            <a:pPr indent="0" lvl="0" marL="0" rtl="0" algn="l">
+            <a:pPr marL="0" lvl="0" indent="0" algn="l" rtl="0">
               <a:spcBef>
                 <a:spcPts val="0"/>
               </a:spcBef>
@@ -10091,9 +10332,11 @@
       <p:sp>
         <p:nvSpPr>
           <p:cNvPr id="61" name="Google Shape;61;p14"/>
-          <p:cNvSpPr txBox="1"/>
+          <p:cNvSpPr txBox="1">
+            <a:spLocks noGrp="1"/>
+          </p:cNvSpPr>
           <p:nvPr>
-            <p:ph idx="1" type="body"/>
+            <p:ph type="body" idx="1"/>
           </p:nvPr>
         </p:nvSpPr>
         <p:spPr>
@@ -10106,12 +10349,12 @@
           </a:prstGeom>
         </p:spPr>
         <p:txBody>
-          <a:bodyPr anchorCtr="0" anchor="t" bIns="91425" lIns="91425" spcFirstLastPara="1" rIns="91425" wrap="square" tIns="91425">
+          <a:bodyPr spcFirstLastPara="1" wrap="square" lIns="91425" tIns="91425" rIns="91425" bIns="91425" anchor="t" anchorCtr="0">
             <a:noAutofit/>
           </a:bodyPr>
           <a:lstStyle/>
           <a:p>
-            <a:pPr indent="0" lvl="0" marL="0" rtl="0" algn="l">
+            <a:pPr marL="0" lvl="0" indent="0" algn="l" rtl="0">
               <a:spcBef>
                 <a:spcPts val="0"/>
               </a:spcBef>
@@ -10121,13 +10364,129 @@
               <a:buNone/>
             </a:pPr>
             <a:r>
-              <a:rPr lang="en"/>
-              <a:t>[Insert loss plot for SimpleNet here]</a:t>
+              <a:rPr lang="en" dirty="0"/>
+              <a:t>[Insert loss plot for </a:t>
             </a:r>
-            <a:endParaRPr/>
+            <a:r>
+              <a:rPr lang="en" dirty="0" err="1"/>
+              <a:t>SimpleNet</a:t>
+            </a:r>
+            <a:r>
+              <a:rPr lang="en" dirty="0"/>
+              <a:t> here]</a:t>
+            </a:r>
+            <a:endParaRPr dirty="0"/>
           </a:p>
           <a:p>
-            <a:pPr indent="0" lvl="0" marL="0" rtl="0" algn="l">
+            <a:pPr marL="0" lvl="0" indent="0" algn="l" rtl="0">
+              <a:spcBef>
+                <a:spcPts val="0"/>
+              </a:spcBef>
+              <a:spcAft>
+                <a:spcPts val="0"/>
+              </a:spcAft>
+              <a:buNone/>
+            </a:pPr>
+            <a:endParaRPr dirty="0"/>
+          </a:p>
+          <a:p>
+            <a:pPr marL="0" lvl="0" indent="0" algn="l" rtl="0">
+              <a:spcBef>
+                <a:spcPts val="0"/>
+              </a:spcBef>
+              <a:spcAft>
+                <a:spcPts val="0"/>
+              </a:spcAft>
+              <a:buNone/>
+            </a:pPr>
+            <a:endParaRPr dirty="0"/>
+          </a:p>
+          <a:p>
+            <a:pPr marL="0" lvl="0" indent="0" algn="l" rtl="0">
+              <a:spcBef>
+                <a:spcPts val="0"/>
+              </a:spcBef>
+              <a:spcAft>
+                <a:spcPts val="0"/>
+              </a:spcAft>
+              <a:buNone/>
+            </a:pPr>
+            <a:endParaRPr dirty="0"/>
+          </a:p>
+          <a:p>
+            <a:pPr marL="0" lvl="0" indent="0" algn="l" rtl="0">
+              <a:spcBef>
+                <a:spcPts val="0"/>
+              </a:spcBef>
+              <a:spcAft>
+                <a:spcPts val="0"/>
+              </a:spcAft>
+              <a:buNone/>
+            </a:pPr>
+            <a:endParaRPr dirty="0"/>
+          </a:p>
+          <a:p>
+            <a:pPr marL="0" lvl="0" indent="0" algn="l" rtl="0">
+              <a:spcBef>
+                <a:spcPts val="0"/>
+              </a:spcBef>
+              <a:spcAft>
+                <a:spcPts val="0"/>
+              </a:spcAft>
+              <a:buNone/>
+            </a:pPr>
+            <a:endParaRPr dirty="0"/>
+          </a:p>
+          <a:p>
+            <a:pPr marL="0" lvl="0" indent="0" algn="l" rtl="0">
+              <a:spcBef>
+                <a:spcPts val="0"/>
+              </a:spcBef>
+              <a:spcAft>
+                <a:spcPts val="0"/>
+              </a:spcAft>
+              <a:buNone/>
+            </a:pPr>
+            <a:endParaRPr dirty="0"/>
+          </a:p>
+          <a:p>
+            <a:pPr marL="0" lvl="0" indent="0" algn="l" rtl="0">
+              <a:spcBef>
+                <a:spcPts val="0"/>
+              </a:spcBef>
+              <a:spcAft>
+                <a:spcPts val="0"/>
+              </a:spcAft>
+              <a:buNone/>
+            </a:pPr>
+            <a:endParaRPr dirty="0"/>
+          </a:p>
+          <a:p>
+            <a:pPr marL="0" lvl="0" indent="0" algn="l" rtl="0">
+              <a:spcBef>
+                <a:spcPts val="0"/>
+              </a:spcBef>
+              <a:spcAft>
+                <a:spcPts val="0"/>
+              </a:spcAft>
+              <a:buNone/>
+            </a:pPr>
+            <a:endParaRPr dirty="0"/>
+          </a:p>
+          <a:p>
+            <a:pPr marL="0" lvl="0" indent="0" algn="l" rtl="0">
+              <a:spcBef>
+                <a:spcPts val="0"/>
+              </a:spcBef>
+              <a:spcAft>
+                <a:spcPts val="0"/>
+              </a:spcAft>
+              <a:buNone/>
+            </a:pPr>
+            <a:endParaRPr dirty="0"/>
+          </a:p>
+          <a:p>
+            <a:pPr marL="0" lvl="0" indent="0" algn="l" rtl="0">
               <a:spcBef>
                 <a:spcPts val="0"/>
               </a:spcBef>
@@ -10137,12 +10496,25 @@
               <a:buNone/>
             </a:pPr>
             <a:r>
-              <a:t/>
+              <a:rPr lang="en" dirty="0"/>
+              <a:t>Final training accuracy: 0.6650</a:t>
             </a:r>
-            <a:endParaRPr/>
+            <a:endParaRPr dirty="0"/>
           </a:p>
           <a:p>
-            <a:pPr indent="0" lvl="0" marL="0" rtl="0" algn="l">
+            <a:pPr marL="0" lvl="0" indent="0" algn="l" rtl="0">
+              <a:spcBef>
+                <a:spcPts val="0"/>
+              </a:spcBef>
+              <a:spcAft>
+                <a:spcPts val="0"/>
+              </a:spcAft>
+              <a:buNone/>
+            </a:pPr>
+            <a:endParaRPr dirty="0"/>
+          </a:p>
+          <a:p>
+            <a:pPr marL="0" lvl="0" indent="0" algn="l" rtl="0">
               <a:spcBef>
                 <a:spcPts val="0"/>
               </a:spcBef>
@@ -10152,170 +10524,21 @@
               <a:buNone/>
             </a:pPr>
             <a:r>
-              <a:t/>
+              <a:rPr lang="en" dirty="0"/>
+              <a:t>Final validation accuracy: 0.4880</a:t>
             </a:r>
-            <a:endParaRPr/>
-          </a:p>
-          <a:p>
-            <a:pPr indent="0" lvl="0" marL="0" rtl="0" algn="l">
-              <a:spcBef>
-                <a:spcPts val="0"/>
-              </a:spcBef>
-              <a:spcAft>
-                <a:spcPts val="0"/>
-              </a:spcAft>
-              <a:buNone/>
-            </a:pPr>
-            <a:r>
-              <a:t/>
-            </a:r>
-            <a:endParaRPr/>
-          </a:p>
-          <a:p>
-            <a:pPr indent="0" lvl="0" marL="0" rtl="0" algn="l">
-              <a:spcBef>
-                <a:spcPts val="0"/>
-              </a:spcBef>
-              <a:spcAft>
-                <a:spcPts val="0"/>
-              </a:spcAft>
-              <a:buNone/>
-            </a:pPr>
-            <a:r>
-              <a:t/>
-            </a:r>
-            <a:endParaRPr/>
-          </a:p>
-          <a:p>
-            <a:pPr indent="0" lvl="0" marL="0" rtl="0" algn="l">
-              <a:spcBef>
-                <a:spcPts val="0"/>
-              </a:spcBef>
-              <a:spcAft>
-                <a:spcPts val="0"/>
-              </a:spcAft>
-              <a:buNone/>
-            </a:pPr>
-            <a:r>
-              <a:t/>
-            </a:r>
-            <a:endParaRPr/>
-          </a:p>
-          <a:p>
-            <a:pPr indent="0" lvl="0" marL="0" rtl="0" algn="l">
-              <a:spcBef>
-                <a:spcPts val="0"/>
-              </a:spcBef>
-              <a:spcAft>
-                <a:spcPts val="0"/>
-              </a:spcAft>
-              <a:buNone/>
-            </a:pPr>
-            <a:r>
-              <a:t/>
-            </a:r>
-            <a:endParaRPr/>
-          </a:p>
-          <a:p>
-            <a:pPr indent="0" lvl="0" marL="0" rtl="0" algn="l">
-              <a:spcBef>
-                <a:spcPts val="0"/>
-              </a:spcBef>
-              <a:spcAft>
-                <a:spcPts val="0"/>
-              </a:spcAft>
-              <a:buNone/>
-            </a:pPr>
-            <a:r>
-              <a:t/>
-            </a:r>
-            <a:endParaRPr/>
-          </a:p>
-          <a:p>
-            <a:pPr indent="0" lvl="0" marL="0" rtl="0" algn="l">
-              <a:spcBef>
-                <a:spcPts val="0"/>
-              </a:spcBef>
-              <a:spcAft>
-                <a:spcPts val="0"/>
-              </a:spcAft>
-              <a:buNone/>
-            </a:pPr>
-            <a:r>
-              <a:t/>
-            </a:r>
-            <a:endParaRPr/>
-          </a:p>
-          <a:p>
-            <a:pPr indent="0" lvl="0" marL="0" rtl="0" algn="l">
-              <a:spcBef>
-                <a:spcPts val="0"/>
-              </a:spcBef>
-              <a:spcAft>
-                <a:spcPts val="0"/>
-              </a:spcAft>
-              <a:buNone/>
-            </a:pPr>
-            <a:r>
-              <a:t/>
-            </a:r>
-            <a:endParaRPr/>
-          </a:p>
-          <a:p>
-            <a:pPr indent="0" lvl="0" marL="0" rtl="0" algn="l">
-              <a:spcBef>
-                <a:spcPts val="0"/>
-              </a:spcBef>
-              <a:spcAft>
-                <a:spcPts val="0"/>
-              </a:spcAft>
-              <a:buNone/>
-            </a:pPr>
-            <a:r>
-              <a:rPr lang="en"/>
-              <a:t>Final training accuracy:</a:t>
-            </a:r>
-            <a:endParaRPr/>
-          </a:p>
-          <a:p>
-            <a:pPr indent="0" lvl="0" marL="0" rtl="0" algn="l">
-              <a:spcBef>
-                <a:spcPts val="0"/>
-              </a:spcBef>
-              <a:spcAft>
-                <a:spcPts val="0"/>
-              </a:spcAft>
-              <a:buNone/>
-            </a:pPr>
-            <a:r>
-              <a:t/>
-            </a:r>
-            <a:endParaRPr/>
-          </a:p>
-          <a:p>
-            <a:pPr indent="0" lvl="0" marL="0" rtl="0" algn="l">
-              <a:spcBef>
-                <a:spcPts val="0"/>
-              </a:spcBef>
-              <a:spcAft>
-                <a:spcPts val="0"/>
-              </a:spcAft>
-              <a:buNone/>
-            </a:pPr>
-            <a:r>
-              <a:rPr lang="en"/>
-              <a:t>Final validation accuracy:</a:t>
-            </a:r>
-            <a:endParaRPr/>
+            <a:endParaRPr dirty="0"/>
           </a:p>
         </p:txBody>
       </p:sp>
       <p:sp>
         <p:nvSpPr>
           <p:cNvPr id="62" name="Google Shape;62;p14"/>
-          <p:cNvSpPr txBox="1"/>
+          <p:cNvSpPr txBox="1">
+            <a:spLocks noGrp="1"/>
+          </p:cNvSpPr>
           <p:nvPr>
-            <p:ph idx="2" type="body"/>
+            <p:ph type="body" idx="2"/>
           </p:nvPr>
         </p:nvSpPr>
         <p:spPr>
@@ -10328,12 +10551,12 @@
           </a:prstGeom>
         </p:spPr>
         <p:txBody>
-          <a:bodyPr anchorCtr="0" anchor="t" bIns="91425" lIns="91425" spcFirstLastPara="1" rIns="91425" wrap="square" tIns="91425">
+          <a:bodyPr spcFirstLastPara="1" wrap="square" lIns="91425" tIns="91425" rIns="91425" bIns="91425" anchor="t" anchorCtr="0">
             <a:noAutofit/>
           </a:bodyPr>
           <a:lstStyle/>
           <a:p>
-            <a:pPr indent="0" lvl="0" marL="0" rtl="0" algn="l">
+            <a:pPr marL="0" lvl="0" indent="0" algn="l" rtl="0">
               <a:spcBef>
                 <a:spcPts val="0"/>
               </a:spcBef>
@@ -10350,6 +10573,66 @@
           </a:p>
         </p:txBody>
       </p:sp>
+      <p:pic>
+        <p:nvPicPr>
+          <p:cNvPr id="2" name="Picture 1">
+            <a:extLst>
+              <a:ext uri="{FF2B5EF4-FFF2-40B4-BE49-F238E27FC236}">
+                <a16:creationId xmlns:a16="http://schemas.microsoft.com/office/drawing/2014/main" id="{926C8D58-212C-E14A-A4DE-6DB84C849B38}"/>
+              </a:ext>
+            </a:extLst>
+          </p:cNvPr>
+          <p:cNvPicPr>
+            <a:picLocks noChangeAspect="1"/>
+          </p:cNvPicPr>
+          <p:nvPr/>
+        </p:nvPicPr>
+        <p:blipFill>
+          <a:blip r:embed="rId3"/>
+          <a:stretch>
+            <a:fillRect/>
+          </a:stretch>
+        </p:blipFill>
+        <p:spPr>
+          <a:xfrm>
+            <a:off x="311700" y="1017725"/>
+            <a:ext cx="3805499" cy="2601899"/>
+          </a:xfrm>
+          <a:prstGeom prst="rect">
+            <a:avLst/>
+          </a:prstGeom>
+        </p:spPr>
+      </p:pic>
+      <p:pic>
+        <p:nvPicPr>
+          <p:cNvPr id="3" name="Picture 2">
+            <a:extLst>
+              <a:ext uri="{FF2B5EF4-FFF2-40B4-BE49-F238E27FC236}">
+                <a16:creationId xmlns:a16="http://schemas.microsoft.com/office/drawing/2014/main" id="{2EFF93B2-4225-F94A-BAB7-9633EEC871EB}"/>
+              </a:ext>
+            </a:extLst>
+          </p:cNvPr>
+          <p:cNvPicPr>
+            <a:picLocks noChangeAspect="1"/>
+          </p:cNvPicPr>
+          <p:nvPr/>
+        </p:nvPicPr>
+        <p:blipFill>
+          <a:blip r:embed="rId4"/>
+          <a:stretch>
+            <a:fillRect/>
+          </a:stretch>
+        </p:blipFill>
+        <p:spPr>
+          <a:xfrm>
+            <a:off x="4485861" y="875081"/>
+            <a:ext cx="3894814" cy="2711095"/>
+          </a:xfrm>
+          <a:prstGeom prst="rect">
+            <a:avLst/>
+          </a:prstGeom>
+        </p:spPr>
+      </p:pic>
     </p:spTree>
   </p:cSld>
   <p:clrMapOvr>
@@ -10359,11 +10642,11 @@
 </file>
 
 <file path=ppt/slides/slide3.xml><?xml version="1.0" encoding="utf-8"?>
-<p:sld xmlns:a="http://schemas.openxmlformats.org/drawingml/2006/main" xmlns:r="http://schemas.openxmlformats.org/officeDocument/2006/relationships" xmlns:mc="http://schemas.openxmlformats.org/markup-compatibility/2006" xmlns:mv="urn:schemas-microsoft-com:mac:vml" xmlns:p="http://schemas.openxmlformats.org/presentationml/2006/main" xmlns:c="http://schemas.openxmlformats.org/drawingml/2006/chart" xmlns:dgm="http://schemas.openxmlformats.org/drawingml/2006/diagram" xmlns:o="urn:schemas-microsoft-com:office:office" xmlns:v="urn:schemas-microsoft-com:vml" xmlns:pvml="urn:schemas-microsoft-com:office:powerpoint" xmlns:com="http://schemas.openxmlformats.org/drawingml/2006/compatibility" xmlns:p14="http://schemas.microsoft.com/office/powerpoint/2010/main" xmlns:p15="http://schemas.microsoft.com/office/powerpoint/2012/main" xmlns:ahyp="http://schemas.microsoft.com/office/drawing/2018/hyperlinkcolor">
+<p:sld xmlns:a="http://schemas.openxmlformats.org/drawingml/2006/main" xmlns:r="http://schemas.openxmlformats.org/officeDocument/2006/relationships" xmlns:p="http://schemas.openxmlformats.org/presentationml/2006/main">
   <p:cSld>
     <p:spTree>
       <p:nvGrpSpPr>
-        <p:cNvPr id="66" name="Shape 66"/>
+        <p:cNvPr id="1" name="Shape 66"/>
         <p:cNvGrpSpPr/>
         <p:nvPr/>
       </p:nvGrpSpPr>
@@ -10378,7 +10661,9 @@
       <p:sp>
         <p:nvSpPr>
           <p:cNvPr id="67" name="Google Shape;67;p15"/>
-          <p:cNvSpPr txBox="1"/>
+          <p:cNvSpPr txBox="1">
+            <a:spLocks noGrp="1"/>
+          </p:cNvSpPr>
           <p:nvPr>
             <p:ph type="title"/>
           </p:nvPr>
@@ -10393,12 +10678,12 @@
           </a:prstGeom>
         </p:spPr>
         <p:txBody>
-          <a:bodyPr anchorCtr="0" anchor="t" bIns="91425" lIns="91425" spcFirstLastPara="1" rIns="91425" wrap="square" tIns="91425">
+          <a:bodyPr spcFirstLastPara="1" wrap="square" lIns="91425" tIns="91425" rIns="91425" bIns="91425" anchor="t" anchorCtr="0">
             <a:noAutofit/>
           </a:bodyPr>
           <a:lstStyle/>
           <a:p>
-            <a:pPr indent="0" lvl="0" marL="0" rtl="0" algn="l">
+            <a:pPr marL="0" lvl="0" indent="0" algn="l" rtl="0">
               <a:spcBef>
                 <a:spcPts val="0"/>
               </a:spcBef>
@@ -10418,9 +10703,11 @@
       <p:sp>
         <p:nvSpPr>
           <p:cNvPr id="68" name="Google Shape;68;p15"/>
-          <p:cNvSpPr txBox="1"/>
+          <p:cNvSpPr txBox="1">
+            <a:spLocks noGrp="1"/>
+          </p:cNvSpPr>
           <p:nvPr>
-            <p:ph idx="1" type="body"/>
+            <p:ph type="body" idx="1"/>
           </p:nvPr>
         </p:nvSpPr>
         <p:spPr>
@@ -10433,12 +10720,12 @@
           </a:prstGeom>
         </p:spPr>
         <p:txBody>
-          <a:bodyPr anchorCtr="0" anchor="t" bIns="91425" lIns="91425" spcFirstLastPara="1" rIns="91425" wrap="square" tIns="91425">
+          <a:bodyPr spcFirstLastPara="1" wrap="square" lIns="91425" tIns="91425" rIns="91425" bIns="91425" anchor="t" anchorCtr="0">
             <a:noAutofit/>
           </a:bodyPr>
           <a:lstStyle/>
           <a:p>
-            <a:pPr indent="0" lvl="0" marL="0" rtl="0" algn="l">
+            <a:pPr marL="0" lvl="0" indent="0" algn="l" rtl="0">
               <a:spcBef>
                 <a:spcPts val="0"/>
               </a:spcBef>
@@ -10459,11 +10746,17 @@
         <p:nvGraphicFramePr>
           <p:cNvPr id="69" name="Google Shape;69;p15"/>
           <p:cNvGraphicFramePr/>
-          <p:nvPr/>
+          <p:nvPr>
+            <p:extLst>
+              <p:ext uri="{D42A27DB-BD31-4B8C-83A1-F6EECF244321}">
+                <p14:modId xmlns:p14="http://schemas.microsoft.com/office/powerpoint/2010/main" val="1400259111"/>
+              </p:ext>
+            </p:extLst>
+          </p:nvPr>
         </p:nvGraphicFramePr>
         <p:xfrm>
           <a:off x="1239488" y="1693450"/>
-          <a:ext cx="3000000" cy="3000000"/>
+          <a:ext cx="6665025" cy="3200200"/>
         </p:xfrm>
         <a:graphic>
           <a:graphicData uri="http://schemas.openxmlformats.org/drawingml/2006/table">
@@ -10473,9 +10766,27 @@
                 <a:tableStyleId>{FCFDA917-BF1D-45A5-B592-F91ACCB8328D}</a:tableStyleId>
               </a:tblPr>
               <a:tblGrid>
-                <a:gridCol w="3908325"/>
-                <a:gridCol w="1401150"/>
-                <a:gridCol w="1355550"/>
+                <a:gridCol w="3908325">
+                  <a:extLst>
+                    <a:ext uri="{9D8B030D-6E8A-4147-A177-3AD203B41FA5}">
+                      <a16:colId xmlns:a16="http://schemas.microsoft.com/office/drawing/2014/main" val="20000"/>
+                    </a:ext>
+                  </a:extLst>
+                </a:gridCol>
+                <a:gridCol w="1401150">
+                  <a:extLst>
+                    <a:ext uri="{9D8B030D-6E8A-4147-A177-3AD203B41FA5}">
+                      <a16:colId xmlns:a16="http://schemas.microsoft.com/office/drawing/2014/main" val="20001"/>
+                    </a:ext>
+                  </a:extLst>
+                </a:gridCol>
+                <a:gridCol w="1355550">
+                  <a:extLst>
+                    <a:ext uri="{9D8B030D-6E8A-4147-A177-3AD203B41FA5}">
+                      <a16:colId xmlns:a16="http://schemas.microsoft.com/office/drawing/2014/main" val="20002"/>
+                    </a:ext>
+                  </a:extLst>
+                </a:gridCol>
               </a:tblGrid>
               <a:tr h="609575">
                 <a:tc>
@@ -10483,7 +10794,7 @@
                     <a:bodyPr/>
                     <a:lstStyle/>
                     <a:p>
-                      <a:pPr indent="0" lvl="0" marL="0" rtl="0" algn="l">
+                      <a:pPr marL="0" lvl="0" indent="0" algn="l" rtl="0">
                         <a:spcBef>
                           <a:spcPts val="0"/>
                         </a:spcBef>
@@ -10492,20 +10803,17 @@
                         </a:spcAft>
                         <a:buNone/>
                       </a:pPr>
-                      <a:r>
-                        <a:t/>
-                      </a:r>
                       <a:endParaRPr/>
                     </a:p>
                   </a:txBody>
-                  <a:tcPr marT="91425" marB="91425" marR="91425" marL="91425"/>
+                  <a:tcPr marL="91425" marR="91425" marT="91425" marB="91425"/>
                 </a:tc>
                 <a:tc>
                   <a:txBody>
                     <a:bodyPr/>
                     <a:lstStyle/>
                     <a:p>
-                      <a:pPr indent="0" lvl="0" marL="0" rtl="0" algn="l">
+                      <a:pPr marL="0" lvl="0" indent="0" algn="l" rtl="0">
                         <a:spcBef>
                           <a:spcPts val="0"/>
                         </a:spcBef>
@@ -10521,14 +10829,14 @@
                       <a:endParaRPr/>
                     </a:p>
                   </a:txBody>
-                  <a:tcPr marT="91425" marB="91425" marR="91425" marL="91425"/>
+                  <a:tcPr marL="91425" marR="91425" marT="91425" marB="91425"/>
                 </a:tc>
                 <a:tc>
                   <a:txBody>
                     <a:bodyPr/>
                     <a:lstStyle/>
                     <a:p>
-                      <a:pPr indent="0" lvl="0" marL="0" rtl="0" algn="l">
+                      <a:pPr marL="0" lvl="0" indent="0" algn="l" rtl="0">
                         <a:spcBef>
                           <a:spcPts val="0"/>
                         </a:spcBef>
@@ -10544,8 +10852,13 @@
                       <a:endParaRPr/>
                     </a:p>
                   </a:txBody>
-                  <a:tcPr marT="91425" marB="91425" marR="91425" marL="91425"/>
+                  <a:tcPr marL="91425" marR="91425" marT="91425" marB="91425"/>
                 </a:tc>
+                <a:extLst>
+                  <a:ext uri="{0D108BD9-81ED-4DB2-BD59-A6C34878D82A}">
+                    <a16:rowId xmlns:a16="http://schemas.microsoft.com/office/drawing/2014/main" val="10000"/>
+                  </a:ext>
+                </a:extLst>
               </a:tr>
               <a:tr h="396200">
                 <a:tc>
@@ -10553,7 +10866,7 @@
                     <a:bodyPr/>
                     <a:lstStyle/>
                     <a:p>
-                      <a:pPr indent="0" lvl="0" marL="228600" rtl="0" algn="l">
+                      <a:pPr marL="228600" lvl="0" indent="0" algn="l" rtl="0">
                         <a:spcBef>
                           <a:spcPts val="0"/>
                         </a:spcBef>
@@ -10569,14 +10882,14 @@
                       <a:endParaRPr/>
                     </a:p>
                   </a:txBody>
-                  <a:tcPr marT="91425" marB="91425" marR="91425" marL="91425"/>
+                  <a:tcPr marL="91425" marR="91425" marT="91425" marB="91425"/>
                 </a:tc>
                 <a:tc>
                   <a:txBody>
                     <a:bodyPr/>
                     <a:lstStyle/>
                     <a:p>
-                      <a:pPr indent="0" lvl="0" marL="0" rtl="0" algn="l">
+                      <a:pPr marL="0" lvl="0" indent="0" algn="l" rtl="0">
                         <a:spcBef>
                           <a:spcPts val="0"/>
                         </a:spcBef>
@@ -10586,19 +10899,20 @@
                         <a:buNone/>
                       </a:pPr>
                       <a:r>
-                        <a:t/>
+                        <a:rPr lang="en" dirty="0"/>
+                        <a:t>0.6650</a:t>
                       </a:r>
-                      <a:endParaRPr/>
+                      <a:endParaRPr dirty="0"/>
                     </a:p>
                   </a:txBody>
-                  <a:tcPr marT="91425" marB="91425" marR="91425" marL="91425"/>
+                  <a:tcPr marL="91425" marR="91425" marT="91425" marB="91425"/>
                 </a:tc>
                 <a:tc>
                   <a:txBody>
                     <a:bodyPr/>
                     <a:lstStyle/>
                     <a:p>
-                      <a:pPr indent="0" lvl="0" marL="0" rtl="0" algn="l">
+                      <a:pPr marL="0" lvl="0" indent="0" algn="l" rtl="0">
                         <a:spcBef>
                           <a:spcPts val="0"/>
                         </a:spcBef>
@@ -10608,13 +10922,19 @@
                         <a:buNone/>
                       </a:pPr>
                       <a:r>
-                        <a:t/>
+                        <a:rPr lang="en" dirty="0"/>
+                        <a:t>0.4880</a:t>
                       </a:r>
-                      <a:endParaRPr/>
+                      <a:endParaRPr dirty="0"/>
                     </a:p>
                   </a:txBody>
-                  <a:tcPr marT="91425" marB="91425" marR="91425" marL="91425"/>
+                  <a:tcPr marL="91425" marR="91425" marT="91425" marB="91425"/>
                 </a:tc>
+                <a:extLst>
+                  <a:ext uri="{0D108BD9-81ED-4DB2-BD59-A6C34878D82A}">
+                    <a16:rowId xmlns:a16="http://schemas.microsoft.com/office/drawing/2014/main" val="10001"/>
+                  </a:ext>
+                </a:extLst>
               </a:tr>
               <a:tr h="396200">
                 <a:tc>
@@ -10622,7 +10942,7 @@
                     <a:bodyPr/>
                     <a:lstStyle/>
                     <a:p>
-                      <a:pPr indent="-317500" lvl="0" marL="457200" rtl="0" algn="l">
+                      <a:pPr marL="457200" lvl="0" indent="-317500" algn="l" rtl="0">
                         <a:spcBef>
                           <a:spcPts val="0"/>
                         </a:spcBef>
@@ -10639,14 +10959,14 @@
                       <a:endParaRPr/>
                     </a:p>
                   </a:txBody>
-                  <a:tcPr marT="91425" marB="91425" marR="91425" marL="91425"/>
+                  <a:tcPr marL="91425" marR="91425" marT="91425" marB="91425"/>
                 </a:tc>
                 <a:tc>
                   <a:txBody>
                     <a:bodyPr/>
                     <a:lstStyle/>
                     <a:p>
-                      <a:pPr indent="0" lvl="0" marL="0" rtl="0" algn="l">
+                      <a:pPr marL="0" lvl="0" indent="0" algn="l" rtl="0">
                         <a:spcBef>
                           <a:spcPts val="0"/>
                         </a:spcBef>
@@ -10656,19 +10976,20 @@
                         <a:buNone/>
                       </a:pPr>
                       <a:r>
-                        <a:t/>
+                        <a:rPr lang="en-US" dirty="0"/>
+                        <a:t>0.5585</a:t>
                       </a:r>
-                      <a:endParaRPr/>
+                      <a:endParaRPr dirty="0"/>
                     </a:p>
                   </a:txBody>
-                  <a:tcPr marT="91425" marB="91425" marR="91425" marL="91425"/>
+                  <a:tcPr marL="91425" marR="91425" marT="91425" marB="91425"/>
                 </a:tc>
                 <a:tc>
                   <a:txBody>
                     <a:bodyPr/>
                     <a:lstStyle/>
                     <a:p>
-                      <a:pPr indent="0" lvl="0" marL="0" rtl="0" algn="l">
+                      <a:pPr marL="0" lvl="0" indent="0" algn="l" rtl="0">
                         <a:spcBef>
                           <a:spcPts val="0"/>
                         </a:spcBef>
@@ -10678,13 +10999,19 @@
                         <a:buNone/>
                       </a:pPr>
                       <a:r>
-                        <a:t/>
+                        <a:rPr lang="en-US" dirty="0"/>
+                        <a:t>0.4773</a:t>
                       </a:r>
-                      <a:endParaRPr/>
+                      <a:endParaRPr dirty="0"/>
                     </a:p>
                   </a:txBody>
-                  <a:tcPr marT="91425" marB="91425" marR="91425" marL="91425"/>
+                  <a:tcPr marL="91425" marR="91425" marT="91425" marB="91425"/>
                 </a:tc>
+                <a:extLst>
+                  <a:ext uri="{0D108BD9-81ED-4DB2-BD59-A6C34878D82A}">
+                    <a16:rowId xmlns:a16="http://schemas.microsoft.com/office/drawing/2014/main" val="10002"/>
+                  </a:ext>
+                </a:extLst>
               </a:tr>
               <a:tr h="609575">
                 <a:tc>
@@ -10692,7 +11019,7 @@
                     <a:bodyPr/>
                     <a:lstStyle/>
                     <a:p>
-                      <a:pPr indent="-317500" lvl="0" marL="457200" rtl="0" algn="l">
+                      <a:pPr marL="457200" lvl="0" indent="-317500" algn="l" rtl="0">
                         <a:spcBef>
                           <a:spcPts val="0"/>
                         </a:spcBef>
@@ -10709,14 +11036,14 @@
                       <a:endParaRPr/>
                     </a:p>
                   </a:txBody>
-                  <a:tcPr marT="91425" marB="91425" marR="91425" marL="91425"/>
+                  <a:tcPr marL="91425" marR="91425" marT="91425" marB="91425"/>
                 </a:tc>
                 <a:tc>
                   <a:txBody>
                     <a:bodyPr/>
                     <a:lstStyle/>
                     <a:p>
-                      <a:pPr indent="0" lvl="0" marL="0" rtl="0" algn="l">
+                      <a:pPr marL="0" lvl="0" indent="0" algn="l" rtl="0">
                         <a:spcBef>
                           <a:spcPts val="0"/>
                         </a:spcBef>
@@ -10726,19 +11053,20 @@
                         <a:buNone/>
                       </a:pPr>
                       <a:r>
-                        <a:t/>
+                        <a:rPr lang="en-US" dirty="0"/>
+                        <a:t>0.7005</a:t>
                       </a:r>
-                      <a:endParaRPr/>
+                      <a:endParaRPr dirty="0"/>
                     </a:p>
                   </a:txBody>
-                  <a:tcPr marT="91425" marB="91425" marR="91425" marL="91425"/>
+                  <a:tcPr marL="91425" marR="91425" marT="91425" marB="91425"/>
                 </a:tc>
                 <a:tc>
                   <a:txBody>
                     <a:bodyPr/>
                     <a:lstStyle/>
                     <a:p>
-                      <a:pPr indent="0" lvl="0" marL="0" rtl="0" algn="l">
+                      <a:pPr marL="0" lvl="0" indent="0" algn="l" rtl="0">
                         <a:spcBef>
                           <a:spcPts val="0"/>
                         </a:spcBef>
@@ -10748,13 +11076,19 @@
                         <a:buNone/>
                       </a:pPr>
                       <a:r>
-                        <a:t/>
+                        <a:rPr lang="en-US" dirty="0"/>
+                        <a:t>0.5560</a:t>
                       </a:r>
-                      <a:endParaRPr/>
+                      <a:endParaRPr dirty="0"/>
                     </a:p>
                   </a:txBody>
-                  <a:tcPr marT="91425" marB="91425" marR="91425" marL="91425"/>
+                  <a:tcPr marL="91425" marR="91425" marT="91425" marB="91425"/>
                 </a:tc>
+                <a:extLst>
+                  <a:ext uri="{0D108BD9-81ED-4DB2-BD59-A6C34878D82A}">
+                    <a16:rowId xmlns:a16="http://schemas.microsoft.com/office/drawing/2014/main" val="10003"/>
+                  </a:ext>
+                </a:extLst>
               </a:tr>
               <a:tr h="396200">
                 <a:tc>
@@ -10762,7 +11096,7 @@
                     <a:bodyPr/>
                     <a:lstStyle/>
                     <a:p>
-                      <a:pPr indent="-317500" lvl="0" marL="457200" rtl="0" algn="l">
+                      <a:pPr marL="457200" lvl="0" indent="-317500" algn="l" rtl="0">
                         <a:spcBef>
                           <a:spcPts val="0"/>
                         </a:spcBef>
@@ -10779,14 +11113,14 @@
                       <a:endParaRPr/>
                     </a:p>
                   </a:txBody>
-                  <a:tcPr marT="91425" marB="91425" marR="91425" marL="91425"/>
+                  <a:tcPr marL="91425" marR="91425" marT="91425" marB="91425"/>
                 </a:tc>
                 <a:tc>
                   <a:txBody>
                     <a:bodyPr/>
                     <a:lstStyle/>
                     <a:p>
-                      <a:pPr indent="0" lvl="0" marL="0" rtl="0" algn="l">
+                      <a:pPr marL="0" lvl="0" indent="0" algn="l" rtl="0">
                         <a:spcBef>
                           <a:spcPts val="0"/>
                         </a:spcBef>
@@ -10796,19 +11130,20 @@
                         <a:buNone/>
                       </a:pPr>
                       <a:r>
-                        <a:t/>
+                        <a:rPr lang="en-US" dirty="0"/>
+                        <a:t>0.6972</a:t>
                       </a:r>
-                      <a:endParaRPr/>
+                      <a:endParaRPr dirty="0"/>
                     </a:p>
                   </a:txBody>
-                  <a:tcPr marT="91425" marB="91425" marR="91425" marL="91425"/>
+                  <a:tcPr marL="91425" marR="91425" marT="91425" marB="91425"/>
                 </a:tc>
                 <a:tc>
                   <a:txBody>
                     <a:bodyPr/>
                     <a:lstStyle/>
                     <a:p>
-                      <a:pPr indent="0" lvl="0" marL="0" rtl="0" algn="l">
+                      <a:pPr marL="0" lvl="0" indent="0" algn="l" rtl="0">
                         <a:spcBef>
                           <a:spcPts val="0"/>
                         </a:spcBef>
@@ -10818,13 +11153,19 @@
                         <a:buNone/>
                       </a:pPr>
                       <a:r>
-                        <a:t/>
+                        <a:rPr lang="en-US" dirty="0"/>
+                        <a:t>0.6082</a:t>
                       </a:r>
-                      <a:endParaRPr/>
+                      <a:endParaRPr dirty="0"/>
                     </a:p>
                   </a:txBody>
-                  <a:tcPr marT="91425" marB="91425" marR="91425" marL="91425"/>
+                  <a:tcPr marL="91425" marR="91425" marT="91425" marB="91425"/>
                 </a:tc>
+                <a:extLst>
+                  <a:ext uri="{0D108BD9-81ED-4DB2-BD59-A6C34878D82A}">
+                    <a16:rowId xmlns:a16="http://schemas.microsoft.com/office/drawing/2014/main" val="10004"/>
+                  </a:ext>
+                </a:extLst>
               </a:tr>
               <a:tr h="381000">
                 <a:tc>
@@ -10832,7 +11173,7 @@
                     <a:bodyPr/>
                     <a:lstStyle/>
                     <a:p>
-                      <a:pPr indent="-317500" lvl="0" marL="457200" rtl="0" algn="l">
+                      <a:pPr marL="457200" lvl="0" indent="-317500" algn="l" rtl="0">
                         <a:spcBef>
                           <a:spcPts val="0"/>
                         </a:spcBef>
@@ -10849,14 +11190,14 @@
                       <a:endParaRPr/>
                     </a:p>
                   </a:txBody>
-                  <a:tcPr marT="91425" marB="91425" marR="91425" marL="91425"/>
+                  <a:tcPr marL="91425" marR="91425" marT="91425" marB="91425"/>
                 </a:tc>
                 <a:tc>
                   <a:txBody>
                     <a:bodyPr/>
                     <a:lstStyle/>
                     <a:p>
-                      <a:pPr indent="0" lvl="0" marL="0" rtl="0" algn="l">
+                      <a:pPr marL="0" lvl="0" indent="0" algn="l" rtl="0">
                         <a:spcBef>
                           <a:spcPts val="0"/>
                         </a:spcBef>
@@ -10866,19 +11207,20 @@
                         <a:buNone/>
                       </a:pPr>
                       <a:r>
-                        <a:t/>
+                        <a:rPr lang="en-US" dirty="0"/>
+                        <a:t>0.7819</a:t>
                       </a:r>
-                      <a:endParaRPr/>
+                      <a:endParaRPr dirty="0"/>
                     </a:p>
                   </a:txBody>
-                  <a:tcPr marT="91425" marB="91425" marR="91425" marL="91425"/>
+                  <a:tcPr marL="91425" marR="91425" marT="91425" marB="91425"/>
                 </a:tc>
                 <a:tc>
                   <a:txBody>
                     <a:bodyPr/>
                     <a:lstStyle/>
                     <a:p>
-                      <a:pPr indent="0" lvl="0" marL="0" rtl="0" algn="l">
+                      <a:pPr marL="0" lvl="0" indent="0" algn="l" rtl="0">
                         <a:spcBef>
                           <a:spcPts val="0"/>
                         </a:spcBef>
@@ -10888,13 +11230,19 @@
                         <a:buNone/>
                       </a:pPr>
                       <a:r>
-                        <a:t/>
+                        <a:rPr lang="en-US" dirty="0"/>
+                        <a:t>0.5907</a:t>
                       </a:r>
-                      <a:endParaRPr/>
+                      <a:endParaRPr dirty="0"/>
                     </a:p>
                   </a:txBody>
-                  <a:tcPr marT="91425" marB="91425" marR="91425" marL="91425"/>
+                  <a:tcPr marL="91425" marR="91425" marT="91425" marB="91425"/>
                 </a:tc>
+                <a:extLst>
+                  <a:ext uri="{0D108BD9-81ED-4DB2-BD59-A6C34878D82A}">
+                    <a16:rowId xmlns:a16="http://schemas.microsoft.com/office/drawing/2014/main" val="10005"/>
+                  </a:ext>
+                </a:extLst>
               </a:tr>
               <a:tr h="381000">
                 <a:tc>
@@ -10902,7 +11250,7 @@
                     <a:bodyPr/>
                     <a:lstStyle/>
                     <a:p>
-                      <a:pPr indent="-317500" lvl="0" marL="457200" rtl="0" algn="l">
+                      <a:pPr marL="457200" lvl="0" indent="-317500" algn="l" rtl="0">
                         <a:spcBef>
                           <a:spcPts val="0"/>
                         </a:spcBef>
@@ -10919,14 +11267,14 @@
                       <a:endParaRPr/>
                     </a:p>
                   </a:txBody>
-                  <a:tcPr marT="91425" marB="91425" marR="91425" marL="91425"/>
+                  <a:tcPr marL="91425" marR="91425" marT="91425" marB="91425"/>
                 </a:tc>
                 <a:tc>
                   <a:txBody>
                     <a:bodyPr/>
                     <a:lstStyle/>
                     <a:p>
-                      <a:pPr indent="0" lvl="0" marL="0" rtl="0" algn="l">
+                      <a:pPr marL="0" lvl="0" indent="0" algn="l" rtl="0">
                         <a:spcBef>
                           <a:spcPts val="0"/>
                         </a:spcBef>
@@ -10936,19 +11284,20 @@
                         <a:buNone/>
                       </a:pPr>
                       <a:r>
-                        <a:t/>
+                        <a:rPr lang="en-US" dirty="0"/>
+                        <a:t>0.8322</a:t>
                       </a:r>
-                      <a:endParaRPr/>
+                      <a:endParaRPr dirty="0"/>
                     </a:p>
                   </a:txBody>
-                  <a:tcPr marT="91425" marB="91425" marR="91425" marL="91425"/>
+                  <a:tcPr marL="91425" marR="91425" marT="91425" marB="91425"/>
                 </a:tc>
                 <a:tc>
                   <a:txBody>
                     <a:bodyPr/>
                     <a:lstStyle/>
                     <a:p>
-                      <a:pPr indent="0" lvl="0" marL="0" rtl="0" algn="l">
+                      <a:pPr marL="0" lvl="0" indent="0" algn="l" rtl="0">
                         <a:spcBef>
                           <a:spcPts val="0"/>
                         </a:spcBef>
@@ -10958,13 +11307,19 @@
                         <a:buNone/>
                       </a:pPr>
                       <a:r>
-                        <a:t/>
+                        <a:rPr lang="en-US" dirty="0"/>
+                        <a:t>0.6313</a:t>
                       </a:r>
-                      <a:endParaRPr/>
+                      <a:endParaRPr dirty="0"/>
                     </a:p>
                   </a:txBody>
-                  <a:tcPr marT="91425" marB="91425" marR="91425" marL="91425"/>
+                  <a:tcPr marL="91425" marR="91425" marT="91425" marB="91425"/>
                 </a:tc>
+                <a:extLst>
+                  <a:ext uri="{0D108BD9-81ED-4DB2-BD59-A6C34878D82A}">
+                    <a16:rowId xmlns:a16="http://schemas.microsoft.com/office/drawing/2014/main" val="10006"/>
+                  </a:ext>
+                </a:extLst>
               </a:tr>
             </a:tbl>
           </a:graphicData>
@@ -10979,11 +11334,11 @@
 </file>
 
 <file path=ppt/slides/slide4.xml><?xml version="1.0" encoding="utf-8"?>
-<p:sld xmlns:a="http://schemas.openxmlformats.org/drawingml/2006/main" xmlns:r="http://schemas.openxmlformats.org/officeDocument/2006/relationships" xmlns:mc="http://schemas.openxmlformats.org/markup-compatibility/2006" xmlns:mv="urn:schemas-microsoft-com:mac:vml" xmlns:p="http://schemas.openxmlformats.org/presentationml/2006/main" xmlns:c="http://schemas.openxmlformats.org/drawingml/2006/chart" xmlns:dgm="http://schemas.openxmlformats.org/drawingml/2006/diagram" xmlns:o="urn:schemas-microsoft-com:office:office" xmlns:v="urn:schemas-microsoft-com:vml" xmlns:pvml="urn:schemas-microsoft-com:office:powerpoint" xmlns:com="http://schemas.openxmlformats.org/drawingml/2006/compatibility" xmlns:p14="http://schemas.microsoft.com/office/powerpoint/2010/main" xmlns:p15="http://schemas.microsoft.com/office/powerpoint/2012/main" xmlns:ahyp="http://schemas.microsoft.com/office/drawing/2018/hyperlinkcolor">
+<p:sld xmlns:a="http://schemas.openxmlformats.org/drawingml/2006/main" xmlns:r="http://schemas.openxmlformats.org/officeDocument/2006/relationships" xmlns:p="http://schemas.openxmlformats.org/presentationml/2006/main">
   <p:cSld>
     <p:spTree>
       <p:nvGrpSpPr>
-        <p:cNvPr id="73" name="Shape 73"/>
+        <p:cNvPr id="1" name="Shape 73"/>
         <p:cNvGrpSpPr/>
         <p:nvPr/>
       </p:nvGrpSpPr>
@@ -10998,7 +11353,9 @@
       <p:sp>
         <p:nvSpPr>
           <p:cNvPr id="74" name="Google Shape;74;p16"/>
-          <p:cNvSpPr txBox="1"/>
+          <p:cNvSpPr txBox="1">
+            <a:spLocks noGrp="1"/>
+          </p:cNvSpPr>
           <p:nvPr>
             <p:ph type="title"/>
           </p:nvPr>
@@ -11013,12 +11370,12 @@
           </a:prstGeom>
         </p:spPr>
         <p:txBody>
-          <a:bodyPr anchorCtr="0" anchor="t" bIns="91425" lIns="91425" spcFirstLastPara="1" rIns="91425" wrap="square" tIns="91425">
+          <a:bodyPr spcFirstLastPara="1" wrap="square" lIns="91425" tIns="91425" rIns="91425" bIns="91425" anchor="t" anchorCtr="0">
             <a:noAutofit/>
           </a:bodyPr>
           <a:lstStyle/>
           <a:p>
-            <a:pPr indent="0" lvl="0" marL="0" rtl="0" algn="l">
+            <a:pPr marL="0" lvl="0" indent="0" algn="l" rtl="0">
               <a:spcBef>
                 <a:spcPts val="0"/>
               </a:spcBef>
@@ -11038,9 +11395,11 @@
       <p:sp>
         <p:nvSpPr>
           <p:cNvPr id="75" name="Google Shape;75;p16"/>
-          <p:cNvSpPr txBox="1"/>
+          <p:cNvSpPr txBox="1">
+            <a:spLocks noGrp="1"/>
+          </p:cNvSpPr>
           <p:nvPr>
-            <p:ph idx="1" type="body"/>
+            <p:ph type="body" idx="1"/>
           </p:nvPr>
         </p:nvSpPr>
         <p:spPr>
@@ -11053,12 +11412,12 @@
           </a:prstGeom>
         </p:spPr>
         <p:txBody>
-          <a:bodyPr anchorCtr="0" anchor="t" bIns="91425" lIns="91425" spcFirstLastPara="1" rIns="91425" wrap="square" tIns="91425">
+          <a:bodyPr spcFirstLastPara="1" wrap="square" lIns="91425" tIns="91425" rIns="91425" bIns="91425" anchor="t" anchorCtr="0">
             <a:noAutofit/>
           </a:bodyPr>
           <a:lstStyle/>
           <a:p>
-            <a:pPr indent="0" lvl="0" marL="0" rtl="0" algn="l">
+            <a:pPr marL="0" lvl="0" indent="0" algn="l" rtl="0">
               <a:spcBef>
                 <a:spcPts val="0"/>
               </a:spcBef>
@@ -11068,13 +11427,129 @@
               <a:buNone/>
             </a:pPr>
             <a:r>
-              <a:rPr lang="en"/>
-              <a:t>[Insert loss plot for SimpleNetFinal here]</a:t>
+              <a:rPr lang="en" dirty="0"/>
+              <a:t>[Insert loss plot for </a:t>
             </a:r>
-            <a:endParaRPr/>
+            <a:r>
+              <a:rPr lang="en" dirty="0" err="1"/>
+              <a:t>SimpleNetFinal</a:t>
+            </a:r>
+            <a:r>
+              <a:rPr lang="en" dirty="0"/>
+              <a:t> here]</a:t>
+            </a:r>
+            <a:endParaRPr dirty="0"/>
           </a:p>
           <a:p>
-            <a:pPr indent="0" lvl="0" marL="0" rtl="0" algn="l">
+            <a:pPr marL="0" lvl="0" indent="0" algn="l" rtl="0">
+              <a:spcBef>
+                <a:spcPts val="0"/>
+              </a:spcBef>
+              <a:spcAft>
+                <a:spcPts val="0"/>
+              </a:spcAft>
+              <a:buNone/>
+            </a:pPr>
+            <a:endParaRPr dirty="0"/>
+          </a:p>
+          <a:p>
+            <a:pPr marL="0" lvl="0" indent="0" algn="l" rtl="0">
+              <a:spcBef>
+                <a:spcPts val="0"/>
+              </a:spcBef>
+              <a:spcAft>
+                <a:spcPts val="0"/>
+              </a:spcAft>
+              <a:buNone/>
+            </a:pPr>
+            <a:endParaRPr dirty="0"/>
+          </a:p>
+          <a:p>
+            <a:pPr marL="0" lvl="0" indent="0" algn="l" rtl="0">
+              <a:spcBef>
+                <a:spcPts val="0"/>
+              </a:spcBef>
+              <a:spcAft>
+                <a:spcPts val="0"/>
+              </a:spcAft>
+              <a:buNone/>
+            </a:pPr>
+            <a:endParaRPr dirty="0"/>
+          </a:p>
+          <a:p>
+            <a:pPr marL="0" lvl="0" indent="0" algn="l" rtl="0">
+              <a:spcBef>
+                <a:spcPts val="0"/>
+              </a:spcBef>
+              <a:spcAft>
+                <a:spcPts val="0"/>
+              </a:spcAft>
+              <a:buNone/>
+            </a:pPr>
+            <a:endParaRPr dirty="0"/>
+          </a:p>
+          <a:p>
+            <a:pPr marL="0" lvl="0" indent="0" algn="l" rtl="0">
+              <a:spcBef>
+                <a:spcPts val="0"/>
+              </a:spcBef>
+              <a:spcAft>
+                <a:spcPts val="0"/>
+              </a:spcAft>
+              <a:buNone/>
+            </a:pPr>
+            <a:endParaRPr dirty="0"/>
+          </a:p>
+          <a:p>
+            <a:pPr marL="0" lvl="0" indent="0" algn="l" rtl="0">
+              <a:spcBef>
+                <a:spcPts val="0"/>
+              </a:spcBef>
+              <a:spcAft>
+                <a:spcPts val="0"/>
+              </a:spcAft>
+              <a:buNone/>
+            </a:pPr>
+            <a:endParaRPr dirty="0"/>
+          </a:p>
+          <a:p>
+            <a:pPr marL="0" lvl="0" indent="0" algn="l" rtl="0">
+              <a:spcBef>
+                <a:spcPts val="0"/>
+              </a:spcBef>
+              <a:spcAft>
+                <a:spcPts val="0"/>
+              </a:spcAft>
+              <a:buNone/>
+            </a:pPr>
+            <a:endParaRPr dirty="0"/>
+          </a:p>
+          <a:p>
+            <a:pPr marL="0" lvl="0" indent="0" algn="l" rtl="0">
+              <a:spcBef>
+                <a:spcPts val="0"/>
+              </a:spcBef>
+              <a:spcAft>
+                <a:spcPts val="0"/>
+              </a:spcAft>
+              <a:buNone/>
+            </a:pPr>
+            <a:endParaRPr dirty="0"/>
+          </a:p>
+          <a:p>
+            <a:pPr marL="0" lvl="0" indent="0" algn="l" rtl="0">
+              <a:spcBef>
+                <a:spcPts val="0"/>
+              </a:spcBef>
+              <a:spcAft>
+                <a:spcPts val="0"/>
+              </a:spcAft>
+              <a:buNone/>
+            </a:pPr>
+            <a:endParaRPr dirty="0"/>
+          </a:p>
+          <a:p>
+            <a:pPr marL="0" lvl="0" indent="0" algn="l" rtl="0">
               <a:spcBef>
                 <a:spcPts val="0"/>
               </a:spcBef>
@@ -11084,12 +11559,25 @@
               <a:buNone/>
             </a:pPr>
             <a:r>
-              <a:t/>
+              <a:rPr lang="en" dirty="0"/>
+              <a:t>Final training accuracy: 0.6764</a:t>
             </a:r>
-            <a:endParaRPr/>
+            <a:endParaRPr dirty="0"/>
           </a:p>
           <a:p>
-            <a:pPr indent="0" lvl="0" marL="0" rtl="0" algn="l">
+            <a:pPr marL="0" lvl="0" indent="0" algn="l" rtl="0">
+              <a:spcBef>
+                <a:spcPts val="0"/>
+              </a:spcBef>
+              <a:spcAft>
+                <a:spcPts val="0"/>
+              </a:spcAft>
+              <a:buNone/>
+            </a:pPr>
+            <a:endParaRPr dirty="0"/>
+          </a:p>
+          <a:p>
+            <a:pPr marL="0" lvl="0" indent="0" algn="l" rtl="0">
               <a:spcBef>
                 <a:spcPts val="0"/>
               </a:spcBef>
@@ -11099,170 +11587,21 @@
               <a:buNone/>
             </a:pPr>
             <a:r>
-              <a:t/>
+              <a:rPr lang="en" dirty="0"/>
+              <a:t>Final validation accuracy: 0.5687</a:t>
             </a:r>
-            <a:endParaRPr/>
-          </a:p>
-          <a:p>
-            <a:pPr indent="0" lvl="0" marL="0" rtl="0" algn="l">
-              <a:spcBef>
-                <a:spcPts val="0"/>
-              </a:spcBef>
-              <a:spcAft>
-                <a:spcPts val="0"/>
-              </a:spcAft>
-              <a:buNone/>
-            </a:pPr>
-            <a:r>
-              <a:t/>
-            </a:r>
-            <a:endParaRPr/>
-          </a:p>
-          <a:p>
-            <a:pPr indent="0" lvl="0" marL="0" rtl="0" algn="l">
-              <a:spcBef>
-                <a:spcPts val="0"/>
-              </a:spcBef>
-              <a:spcAft>
-                <a:spcPts val="0"/>
-              </a:spcAft>
-              <a:buNone/>
-            </a:pPr>
-            <a:r>
-              <a:t/>
-            </a:r>
-            <a:endParaRPr/>
-          </a:p>
-          <a:p>
-            <a:pPr indent="0" lvl="0" marL="0" rtl="0" algn="l">
-              <a:spcBef>
-                <a:spcPts val="0"/>
-              </a:spcBef>
-              <a:spcAft>
-                <a:spcPts val="0"/>
-              </a:spcAft>
-              <a:buNone/>
-            </a:pPr>
-            <a:r>
-              <a:t/>
-            </a:r>
-            <a:endParaRPr/>
-          </a:p>
-          <a:p>
-            <a:pPr indent="0" lvl="0" marL="0" rtl="0" algn="l">
-              <a:spcBef>
-                <a:spcPts val="0"/>
-              </a:spcBef>
-              <a:spcAft>
-                <a:spcPts val="0"/>
-              </a:spcAft>
-              <a:buNone/>
-            </a:pPr>
-            <a:r>
-              <a:t/>
-            </a:r>
-            <a:endParaRPr/>
-          </a:p>
-          <a:p>
-            <a:pPr indent="0" lvl="0" marL="0" rtl="0" algn="l">
-              <a:spcBef>
-                <a:spcPts val="0"/>
-              </a:spcBef>
-              <a:spcAft>
-                <a:spcPts val="0"/>
-              </a:spcAft>
-              <a:buNone/>
-            </a:pPr>
-            <a:r>
-              <a:t/>
-            </a:r>
-            <a:endParaRPr/>
-          </a:p>
-          <a:p>
-            <a:pPr indent="0" lvl="0" marL="0" rtl="0" algn="l">
-              <a:spcBef>
-                <a:spcPts val="0"/>
-              </a:spcBef>
-              <a:spcAft>
-                <a:spcPts val="0"/>
-              </a:spcAft>
-              <a:buNone/>
-            </a:pPr>
-            <a:r>
-              <a:t/>
-            </a:r>
-            <a:endParaRPr/>
-          </a:p>
-          <a:p>
-            <a:pPr indent="0" lvl="0" marL="0" rtl="0" algn="l">
-              <a:spcBef>
-                <a:spcPts val="0"/>
-              </a:spcBef>
-              <a:spcAft>
-                <a:spcPts val="0"/>
-              </a:spcAft>
-              <a:buNone/>
-            </a:pPr>
-            <a:r>
-              <a:t/>
-            </a:r>
-            <a:endParaRPr/>
-          </a:p>
-          <a:p>
-            <a:pPr indent="0" lvl="0" marL="0" rtl="0" algn="l">
-              <a:spcBef>
-                <a:spcPts val="0"/>
-              </a:spcBef>
-              <a:spcAft>
-                <a:spcPts val="0"/>
-              </a:spcAft>
-              <a:buNone/>
-            </a:pPr>
-            <a:r>
-              <a:rPr lang="en"/>
-              <a:t>Final training accuracy:</a:t>
-            </a:r>
-            <a:endParaRPr/>
-          </a:p>
-          <a:p>
-            <a:pPr indent="0" lvl="0" marL="0" rtl="0" algn="l">
-              <a:spcBef>
-                <a:spcPts val="0"/>
-              </a:spcBef>
-              <a:spcAft>
-                <a:spcPts val="0"/>
-              </a:spcAft>
-              <a:buNone/>
-            </a:pPr>
-            <a:r>
-              <a:t/>
-            </a:r>
-            <a:endParaRPr/>
-          </a:p>
-          <a:p>
-            <a:pPr indent="0" lvl="0" marL="0" rtl="0" algn="l">
-              <a:spcBef>
-                <a:spcPts val="0"/>
-              </a:spcBef>
-              <a:spcAft>
-                <a:spcPts val="0"/>
-              </a:spcAft>
-              <a:buNone/>
-            </a:pPr>
-            <a:r>
-              <a:rPr lang="en"/>
-              <a:t>Final validation accuracy:</a:t>
-            </a:r>
-            <a:endParaRPr/>
+            <a:endParaRPr dirty="0"/>
           </a:p>
         </p:txBody>
       </p:sp>
       <p:sp>
         <p:nvSpPr>
           <p:cNvPr id="76" name="Google Shape;76;p16"/>
-          <p:cNvSpPr txBox="1"/>
+          <p:cNvSpPr txBox="1">
+            <a:spLocks noGrp="1"/>
+          </p:cNvSpPr>
           <p:nvPr>
-            <p:ph idx="2" type="body"/>
+            <p:ph type="body" idx="2"/>
           </p:nvPr>
         </p:nvSpPr>
         <p:spPr>
@@ -11275,12 +11614,12 @@
           </a:prstGeom>
         </p:spPr>
         <p:txBody>
-          <a:bodyPr anchorCtr="0" anchor="t" bIns="91425" lIns="91425" spcFirstLastPara="1" rIns="91425" wrap="square" tIns="91425">
+          <a:bodyPr spcFirstLastPara="1" wrap="square" lIns="91425" tIns="91425" rIns="91425" bIns="91425" anchor="t" anchorCtr="0">
             <a:noAutofit/>
           </a:bodyPr>
           <a:lstStyle/>
           <a:p>
-            <a:pPr indent="0" lvl="0" marL="0" rtl="0" algn="l">
+            <a:pPr marL="0" lvl="0" indent="0" algn="l" rtl="0">
               <a:spcBef>
                 <a:spcPts val="0"/>
               </a:spcBef>
@@ -11297,6 +11636,66 @@
           </a:p>
         </p:txBody>
       </p:sp>
+      <p:pic>
+        <p:nvPicPr>
+          <p:cNvPr id="2" name="Picture 1">
+            <a:extLst>
+              <a:ext uri="{FF2B5EF4-FFF2-40B4-BE49-F238E27FC236}">
+                <a16:creationId xmlns:a16="http://schemas.microsoft.com/office/drawing/2014/main" id="{5A984608-51E2-2A4B-97A4-DD6E426D7497}"/>
+              </a:ext>
+            </a:extLst>
+          </p:cNvPr>
+          <p:cNvPicPr>
+            <a:picLocks noChangeAspect="1"/>
+          </p:cNvPicPr>
+          <p:nvPr/>
+        </p:nvPicPr>
+        <p:blipFill>
+          <a:blip r:embed="rId3"/>
+          <a:stretch>
+            <a:fillRect/>
+          </a:stretch>
+        </p:blipFill>
+        <p:spPr>
+          <a:xfrm>
+            <a:off x="62064" y="1073425"/>
+            <a:ext cx="3937442" cy="2664095"/>
+          </a:xfrm>
+          <a:prstGeom prst="rect">
+            <a:avLst/>
+          </a:prstGeom>
+        </p:spPr>
+      </p:pic>
+      <p:pic>
+        <p:nvPicPr>
+          <p:cNvPr id="3" name="Picture 2">
+            <a:extLst>
+              <a:ext uri="{FF2B5EF4-FFF2-40B4-BE49-F238E27FC236}">
+                <a16:creationId xmlns:a16="http://schemas.microsoft.com/office/drawing/2014/main" id="{74A1094A-53CE-3442-9E99-0E8554699287}"/>
+              </a:ext>
+            </a:extLst>
+          </p:cNvPr>
+          <p:cNvPicPr>
+            <a:picLocks noChangeAspect="1"/>
+          </p:cNvPicPr>
+          <p:nvPr/>
+        </p:nvPicPr>
+        <p:blipFill>
+          <a:blip r:embed="rId4"/>
+          <a:stretch>
+            <a:fillRect/>
+          </a:stretch>
+        </p:blipFill>
+        <p:spPr>
+          <a:xfrm>
+            <a:off x="4715013" y="1017725"/>
+            <a:ext cx="3863395" cy="2664095"/>
+          </a:xfrm>
+          <a:prstGeom prst="rect">
+            <a:avLst/>
+          </a:prstGeom>
+        </p:spPr>
+      </p:pic>
     </p:spTree>
   </p:cSld>
   <p:clrMapOvr>
@@ -11306,11 +11705,11 @@
 </file>
 
 <file path=ppt/slides/slide5.xml><?xml version="1.0" encoding="utf-8"?>
-<p:sld xmlns:a="http://schemas.openxmlformats.org/drawingml/2006/main" xmlns:r="http://schemas.openxmlformats.org/officeDocument/2006/relationships" xmlns:mc="http://schemas.openxmlformats.org/markup-compatibility/2006" xmlns:mv="urn:schemas-microsoft-com:mac:vml" xmlns:p="http://schemas.openxmlformats.org/presentationml/2006/main" xmlns:c="http://schemas.openxmlformats.org/drawingml/2006/chart" xmlns:dgm="http://schemas.openxmlformats.org/drawingml/2006/diagram" xmlns:o="urn:schemas-microsoft-com:office:office" xmlns:v="urn:schemas-microsoft-com:vml" xmlns:pvml="urn:schemas-microsoft-com:office:powerpoint" xmlns:com="http://schemas.openxmlformats.org/drawingml/2006/compatibility" xmlns:p14="http://schemas.microsoft.com/office/powerpoint/2010/main" xmlns:p15="http://schemas.microsoft.com/office/powerpoint/2012/main" xmlns:ahyp="http://schemas.microsoft.com/office/drawing/2018/hyperlinkcolor">
+<p:sld xmlns:a="http://schemas.openxmlformats.org/drawingml/2006/main" xmlns:r="http://schemas.openxmlformats.org/officeDocument/2006/relationships" xmlns:p="http://schemas.openxmlformats.org/presentationml/2006/main">
   <p:cSld>
     <p:spTree>
       <p:nvGrpSpPr>
-        <p:cNvPr id="80" name="Shape 80"/>
+        <p:cNvPr id="1" name="Shape 80"/>
         <p:cNvGrpSpPr/>
         <p:nvPr/>
       </p:nvGrpSpPr>
@@ -11325,7 +11724,9 @@
       <p:sp>
         <p:nvSpPr>
           <p:cNvPr id="81" name="Google Shape;81;p17"/>
-          <p:cNvSpPr txBox="1"/>
+          <p:cNvSpPr txBox="1">
+            <a:spLocks noGrp="1"/>
+          </p:cNvSpPr>
           <p:nvPr>
             <p:ph type="title"/>
           </p:nvPr>
@@ -11340,12 +11741,12 @@
           </a:prstGeom>
         </p:spPr>
         <p:txBody>
-          <a:bodyPr anchorCtr="0" anchor="t" bIns="91425" lIns="91425" spcFirstLastPara="1" rIns="91425" wrap="square" tIns="91425">
+          <a:bodyPr spcFirstLastPara="1" wrap="square" lIns="91425" tIns="91425" rIns="91425" bIns="91425" anchor="t" anchorCtr="0">
             <a:noAutofit/>
           </a:bodyPr>
           <a:lstStyle/>
           <a:p>
-            <a:pPr indent="0" lvl="0" marL="0" rtl="0" algn="l">
+            <a:pPr marL="0" lvl="0" indent="0" algn="l" rtl="0">
               <a:spcBef>
                 <a:spcPts val="0"/>
               </a:spcBef>
@@ -11365,9 +11766,11 @@
       <p:sp>
         <p:nvSpPr>
           <p:cNvPr id="82" name="Google Shape;82;p17"/>
-          <p:cNvSpPr txBox="1"/>
+          <p:cNvSpPr txBox="1">
+            <a:spLocks noGrp="1"/>
+          </p:cNvSpPr>
           <p:nvPr>
-            <p:ph idx="1" type="body"/>
+            <p:ph type="body" idx="1"/>
           </p:nvPr>
         </p:nvSpPr>
         <p:spPr>
@@ -11380,12 +11783,12 @@
           </a:prstGeom>
         </p:spPr>
         <p:txBody>
-          <a:bodyPr anchorCtr="0" anchor="t" bIns="91425" lIns="91425" spcFirstLastPara="1" rIns="91425" wrap="square" tIns="91425">
+          <a:bodyPr spcFirstLastPara="1" wrap="square" lIns="91425" tIns="91425" rIns="91425" bIns="91425" anchor="t" anchorCtr="0">
             <a:noAutofit/>
           </a:bodyPr>
           <a:lstStyle/>
           <a:p>
-            <a:pPr indent="0" lvl="0" marL="0" rtl="0" algn="l">
+            <a:pPr marL="0" lvl="0" indent="0" algn="l" rtl="0">
               <a:spcBef>
                 <a:spcPts val="0"/>
               </a:spcBef>
@@ -11395,19 +11798,36 @@
               <a:buNone/>
             </a:pPr>
             <a:r>
-              <a:rPr lang="en"/>
+              <a:rPr lang="en" dirty="0"/>
               <a:t>[Name 10 different possible transformations for data augmentation.]</a:t>
             </a:r>
-            <a:endParaRPr/>
+          </a:p>
+          <a:p>
+            <a:pPr marL="0" lvl="0" indent="0" algn="l" rtl="0">
+              <a:spcBef>
+                <a:spcPts val="0"/>
+              </a:spcBef>
+              <a:spcAft>
+                <a:spcPts val="0"/>
+              </a:spcAft>
+              <a:buNone/>
+            </a:pPr>
+            <a:r>
+              <a:rPr lang="en" dirty="0"/>
+              <a:t>Horizontal flip, vertical flip, scaling, cropping, padding, rotation, translation, increase/decrease brightness, increase/decrease contrast, increase/decrease saturation</a:t>
+            </a:r>
+            <a:endParaRPr dirty="0"/>
           </a:p>
         </p:txBody>
       </p:sp>
       <p:sp>
         <p:nvSpPr>
           <p:cNvPr id="83" name="Google Shape;83;p17"/>
-          <p:cNvSpPr txBox="1"/>
+          <p:cNvSpPr txBox="1">
+            <a:spLocks noGrp="1"/>
+          </p:cNvSpPr>
           <p:nvPr>
-            <p:ph idx="2" type="body"/>
+            <p:ph type="body" idx="2"/>
           </p:nvPr>
         </p:nvSpPr>
         <p:spPr>
@@ -11420,12 +11840,12 @@
           </a:prstGeom>
         </p:spPr>
         <p:txBody>
-          <a:bodyPr anchorCtr="0" anchor="t" bIns="91425" lIns="91425" spcFirstLastPara="1" rIns="91425" wrap="square" tIns="91425">
+          <a:bodyPr spcFirstLastPara="1" wrap="square" lIns="91425" tIns="91425" rIns="91425" bIns="91425" anchor="t" anchorCtr="0">
             <a:noAutofit/>
           </a:bodyPr>
           <a:lstStyle/>
           <a:p>
-            <a:pPr indent="0" lvl="0" marL="0" rtl="0" algn="l">
+            <a:pPr marL="0" lvl="0" indent="0" algn="l" rtl="0">
               <a:spcBef>
                 <a:spcPts val="0"/>
               </a:spcBef>
@@ -11435,10 +11855,29 @@
               <a:buNone/>
             </a:pPr>
             <a:r>
-              <a:rPr lang="en"/>
+              <a:rPr lang="en" dirty="0"/>
               <a:t>[What is the desired variance after each layer? Why would that be helpful?]</a:t>
             </a:r>
-            <a:endParaRPr/>
+          </a:p>
+          <a:p>
+            <a:pPr marL="0" lvl="0" indent="0" algn="l" rtl="0">
+              <a:spcBef>
+                <a:spcPts val="0"/>
+              </a:spcBef>
+              <a:spcAft>
+                <a:spcPts val="0"/>
+              </a:spcAft>
+              <a:buNone/>
+            </a:pPr>
+            <a:r>
+              <a:rPr lang="en" dirty="0"/>
+              <a:t>In general, we want low variance after each layer. The variance of a model is the difference between validation error and training error, so we want that to be small. A big variance means we are overfitting. In theory</a:t>
+            </a:r>
+            <a:r>
+              <a:rPr lang="en-US" dirty="0"/>
+              <a:t>, if we have low variance, we can increase the size of the model to increase the accuracy on the training set, and if variance remains small, that means our accuracy on the validation set will also increase. </a:t>
+            </a:r>
+            <a:endParaRPr dirty="0"/>
           </a:p>
         </p:txBody>
       </p:sp>
@@ -11451,11 +11890,11 @@
 </file>
 
 <file path=ppt/slides/slide6.xml><?xml version="1.0" encoding="utf-8"?>
-<p:sld xmlns:a="http://schemas.openxmlformats.org/drawingml/2006/main" xmlns:r="http://schemas.openxmlformats.org/officeDocument/2006/relationships" xmlns:mc="http://schemas.openxmlformats.org/markup-compatibility/2006" xmlns:mv="urn:schemas-microsoft-com:mac:vml" xmlns:p="http://schemas.openxmlformats.org/presentationml/2006/main" xmlns:c="http://schemas.openxmlformats.org/drawingml/2006/chart" xmlns:dgm="http://schemas.openxmlformats.org/drawingml/2006/diagram" xmlns:o="urn:schemas-microsoft-com:office:office" xmlns:v="urn:schemas-microsoft-com:vml" xmlns:pvml="urn:schemas-microsoft-com:office:powerpoint" xmlns:com="http://schemas.openxmlformats.org/drawingml/2006/compatibility" xmlns:p14="http://schemas.microsoft.com/office/powerpoint/2010/main" xmlns:p15="http://schemas.microsoft.com/office/powerpoint/2012/main" xmlns:ahyp="http://schemas.microsoft.com/office/drawing/2018/hyperlinkcolor">
+<p:sld xmlns:a="http://schemas.openxmlformats.org/drawingml/2006/main" xmlns:r="http://schemas.openxmlformats.org/officeDocument/2006/relationships" xmlns:p="http://schemas.openxmlformats.org/presentationml/2006/main">
   <p:cSld>
     <p:spTree>
       <p:nvGrpSpPr>
-        <p:cNvPr id="87" name="Shape 87"/>
+        <p:cNvPr id="1" name="Shape 87"/>
         <p:cNvGrpSpPr/>
         <p:nvPr/>
       </p:nvGrpSpPr>
@@ -11470,7 +11909,9 @@
       <p:sp>
         <p:nvSpPr>
           <p:cNvPr id="88" name="Google Shape;88;p18"/>
-          <p:cNvSpPr txBox="1"/>
+          <p:cNvSpPr txBox="1">
+            <a:spLocks noGrp="1"/>
+          </p:cNvSpPr>
           <p:nvPr>
             <p:ph type="title"/>
           </p:nvPr>
@@ -11485,12 +11926,12 @@
           </a:prstGeom>
         </p:spPr>
         <p:txBody>
-          <a:bodyPr anchorCtr="0" anchor="t" bIns="91425" lIns="91425" spcFirstLastPara="1" rIns="91425" wrap="square" tIns="91425">
+          <a:bodyPr spcFirstLastPara="1" wrap="square" lIns="91425" tIns="91425" rIns="91425" bIns="91425" anchor="t" anchorCtr="0">
             <a:noAutofit/>
           </a:bodyPr>
           <a:lstStyle/>
           <a:p>
-            <a:pPr indent="0" lvl="0" marL="0" rtl="0" algn="l">
+            <a:pPr marL="0" lvl="0" indent="0" algn="l" rtl="0">
               <a:spcBef>
                 <a:spcPts val="0"/>
               </a:spcBef>
@@ -11510,9 +11951,11 @@
       <p:sp>
         <p:nvSpPr>
           <p:cNvPr id="89" name="Google Shape;89;p18"/>
-          <p:cNvSpPr txBox="1"/>
+          <p:cNvSpPr txBox="1">
+            <a:spLocks noGrp="1"/>
+          </p:cNvSpPr>
           <p:nvPr>
-            <p:ph idx="1" type="body"/>
+            <p:ph type="body" idx="1"/>
           </p:nvPr>
         </p:nvSpPr>
         <p:spPr>
@@ -11525,12 +11968,12 @@
           </a:prstGeom>
         </p:spPr>
         <p:txBody>
-          <a:bodyPr anchorCtr="0" anchor="t" bIns="91425" lIns="91425" spcFirstLastPara="1" rIns="91425" wrap="square" tIns="91425">
+          <a:bodyPr spcFirstLastPara="1" wrap="square" lIns="91425" tIns="91425" rIns="91425" bIns="91425" anchor="t" anchorCtr="0">
             <a:noAutofit/>
           </a:bodyPr>
           <a:lstStyle/>
           <a:p>
-            <a:pPr indent="0" lvl="0" marL="0" rtl="0" algn="l">
+            <a:pPr marL="0" lvl="0" indent="0" algn="l" rtl="0">
               <a:spcBef>
                 <a:spcPts val="0"/>
               </a:spcBef>
@@ -11545,13 +11988,13 @@
               <a:buNone/>
             </a:pPr>
             <a:r>
-              <a:rPr lang="en"/>
+              <a:rPr lang="en" dirty="0"/>
               <a:t>[What distribution is dropout usually sampled from?]</a:t>
             </a:r>
-            <a:endParaRPr/>
+            <a:endParaRPr dirty="0"/>
           </a:p>
           <a:p>
-            <a:pPr indent="0" lvl="0" marL="0" rtl="0" algn="l">
+            <a:pPr marL="0" lvl="0" indent="0" algn="l" rtl="0">
               <a:spcBef>
                 <a:spcPts val="0"/>
               </a:spcBef>
@@ -11566,12 +12009,64 @@
               <a:buNone/>
             </a:pPr>
             <a:r>
-              <a:t/>
+              <a:rPr lang="en-US" dirty="0"/>
+              <a:t>Drop out is usually sampled from the output of a convolutional layer. </a:t>
             </a:r>
-            <a:endParaRPr/>
+            <a:endParaRPr dirty="0"/>
           </a:p>
           <a:p>
-            <a:pPr indent="0" lvl="0" marL="0" rtl="0" algn="l">
+            <a:pPr marL="0" lvl="0" indent="0" algn="l" rtl="0">
+              <a:spcBef>
+                <a:spcPts val="0"/>
+              </a:spcBef>
+              <a:spcAft>
+                <a:spcPts val="0"/>
+              </a:spcAft>
+              <a:buClr>
+                <a:schemeClr val="dk1"/>
+              </a:buClr>
+              <a:buSzPts val="1100"/>
+              <a:buFont typeface="Arial"/>
+              <a:buNone/>
+            </a:pPr>
+            <a:endParaRPr dirty="0"/>
+          </a:p>
+          <a:p>
+            <a:pPr marL="0" lvl="0" indent="0" algn="l" rtl="0">
+              <a:spcBef>
+                <a:spcPts val="0"/>
+              </a:spcBef>
+              <a:spcAft>
+                <a:spcPts val="0"/>
+              </a:spcAft>
+              <a:buClr>
+                <a:schemeClr val="dk1"/>
+              </a:buClr>
+              <a:buSzPts val="1100"/>
+              <a:buFont typeface="Arial"/>
+              <a:buNone/>
+            </a:pPr>
+            <a:endParaRPr dirty="0"/>
+          </a:p>
+          <a:p>
+            <a:pPr marL="0" lvl="0" indent="0" algn="l" rtl="0">
+              <a:spcBef>
+                <a:spcPts val="0"/>
+              </a:spcBef>
+              <a:spcAft>
+                <a:spcPts val="0"/>
+              </a:spcAft>
+              <a:buClr>
+                <a:schemeClr val="dk1"/>
+              </a:buClr>
+              <a:buSzPts val="1100"/>
+              <a:buFont typeface="Arial"/>
+              <a:buNone/>
+            </a:pPr>
+            <a:endParaRPr dirty="0"/>
+          </a:p>
+          <a:p>
+            <a:pPr marL="0" lvl="0" indent="0" algn="l" rtl="0">
               <a:spcBef>
                 <a:spcPts val="0"/>
               </a:spcBef>
@@ -11586,12 +12081,28 @@
               <a:buNone/>
             </a:pPr>
             <a:r>
-              <a:t/>
+              <a:rPr lang="en" dirty="0"/>
+              <a:t>[How many parameters does your base </a:t>
             </a:r>
-            <a:endParaRPr/>
+            <a:r>
+              <a:rPr lang="en" dirty="0" err="1"/>
+              <a:t>SimpleNet</a:t>
+            </a:r>
+            <a:r>
+              <a:rPr lang="en" dirty="0"/>
+              <a:t> model have? How many parameters does your </a:t>
+            </a:r>
+            <a:r>
+              <a:rPr lang="en" dirty="0" err="1"/>
+              <a:t>SimpleNetFinal</a:t>
+            </a:r>
+            <a:r>
+              <a:rPr lang="en" dirty="0"/>
+              <a:t> model have?]</a:t>
+            </a:r>
           </a:p>
           <a:p>
-            <a:pPr indent="0" lvl="0" marL="0" rtl="0" algn="l">
+            <a:pPr marL="0" lvl="0" indent="0" algn="l" rtl="0">
               <a:spcBef>
                 <a:spcPts val="0"/>
               </a:spcBef>
@@ -11606,59 +12117,33 @@
               <a:buNone/>
             </a:pPr>
             <a:r>
-              <a:t/>
+              <a:rPr lang="en" dirty="0" err="1"/>
+              <a:t>SimpleNet</a:t>
             </a:r>
-            <a:endParaRPr/>
-          </a:p>
-          <a:p>
-            <a:pPr indent="0" lvl="0" marL="0" rtl="0" algn="l">
-              <a:spcBef>
-                <a:spcPts val="0"/>
-              </a:spcBef>
-              <a:spcAft>
-                <a:spcPts val="0"/>
-              </a:spcAft>
-              <a:buClr>
-                <a:schemeClr val="dk1"/>
-              </a:buClr>
-              <a:buSzPts val="1100"/>
-              <a:buFont typeface="Arial"/>
-              <a:buNone/>
-            </a:pPr>
             <a:r>
-              <a:t/>
+              <a:rPr lang="en" dirty="0"/>
+              <a:t> has 6 parameters in the conv layers and 2 in the fully connected layers. </a:t>
             </a:r>
-            <a:endParaRPr/>
-          </a:p>
-          <a:p>
-            <a:pPr indent="0" lvl="0" marL="0" rtl="0" algn="l">
-              <a:spcBef>
-                <a:spcPts val="0"/>
-              </a:spcBef>
-              <a:spcAft>
-                <a:spcPts val="0"/>
-              </a:spcAft>
-              <a:buClr>
-                <a:schemeClr val="dk1"/>
-              </a:buClr>
-              <a:buSzPts val="1100"/>
-              <a:buFont typeface="Arial"/>
-              <a:buNone/>
-            </a:pPr>
             <a:r>
-              <a:rPr lang="en"/>
-              <a:t>[How many parameters does your base SimpleNet model have? How many parameters does your SimpleNetFinal model have?]</a:t>
+              <a:rPr lang="en" dirty="0" err="1"/>
+              <a:t>SimpleNetFinal</a:t>
             </a:r>
-            <a:endParaRPr/>
+            <a:r>
+              <a:rPr lang="en" dirty="0"/>
+              <a:t> has 11 in the conv layers and 2 in the fully connected layers. </a:t>
+            </a:r>
+            <a:endParaRPr dirty="0"/>
           </a:p>
         </p:txBody>
       </p:sp>
       <p:sp>
         <p:nvSpPr>
           <p:cNvPr id="90" name="Google Shape;90;p18"/>
-          <p:cNvSpPr txBox="1"/>
+          <p:cNvSpPr txBox="1">
+            <a:spLocks noGrp="1"/>
+          </p:cNvSpPr>
           <p:nvPr>
-            <p:ph idx="2" type="body"/>
+            <p:ph type="body" idx="2"/>
           </p:nvPr>
         </p:nvSpPr>
         <p:spPr>
@@ -11671,12 +12156,12 @@
           </a:prstGeom>
         </p:spPr>
         <p:txBody>
-          <a:bodyPr anchorCtr="0" anchor="t" bIns="91425" lIns="91425" spcFirstLastPara="1" rIns="91425" wrap="square" tIns="91425">
+          <a:bodyPr spcFirstLastPara="1" wrap="square" lIns="91425" tIns="91425" rIns="91425" bIns="91425" anchor="t" anchorCtr="0">
             <a:noAutofit/>
           </a:bodyPr>
           <a:lstStyle/>
           <a:p>
-            <a:pPr indent="0" lvl="0" marL="0" rtl="0" algn="l">
+            <a:pPr marL="0" lvl="0" indent="0" algn="l" rtl="0">
               <a:spcBef>
                 <a:spcPts val="0"/>
               </a:spcBef>
@@ -11691,10 +12176,38 @@
               <a:buNone/>
             </a:pPr>
             <a:r>
-              <a:rPr lang="en"/>
+              <a:rPr lang="en" dirty="0"/>
               <a:t>[What is the effect of batch norm after a conv layer with a bias?]</a:t>
             </a:r>
-            <a:endParaRPr/>
+          </a:p>
+          <a:p>
+            <a:pPr marL="0" lvl="0" indent="0" algn="l" rtl="0">
+              <a:spcBef>
+                <a:spcPts val="0"/>
+              </a:spcBef>
+              <a:spcAft>
+                <a:spcPts val="0"/>
+              </a:spcAft>
+              <a:buClr>
+                <a:schemeClr val="dk1"/>
+              </a:buClr>
+              <a:buSzPts val="1100"/>
+              <a:buFont typeface="Arial"/>
+              <a:buNone/>
+            </a:pPr>
+            <a:r>
+              <a:rPr lang="en-US" dirty="0"/>
+              <a:t>If the distribution in the conv layer with a bias changes rapidly, it will also affect the efficiency of the layer after the conv layer. </a:t>
+            </a:r>
+            <a:r>
+              <a:rPr lang="en-US" dirty="0" err="1"/>
+              <a:t>BatchNorm</a:t>
+            </a:r>
+            <a:r>
+              <a:rPr lang="en-US" dirty="0"/>
+              <a:t> mitigates this by normalizing the hidden unit activation values.</a:t>
+            </a:r>
+            <a:endParaRPr dirty="0"/>
           </a:p>
         </p:txBody>
       </p:sp>
@@ -11707,11 +12220,11 @@
 </file>
 
 <file path=ppt/slides/slide7.xml><?xml version="1.0" encoding="utf-8"?>
-<p:sld xmlns:a="http://schemas.openxmlformats.org/drawingml/2006/main" xmlns:r="http://schemas.openxmlformats.org/officeDocument/2006/relationships" xmlns:mc="http://schemas.openxmlformats.org/markup-compatibility/2006" xmlns:mv="urn:schemas-microsoft-com:mac:vml" xmlns:p="http://schemas.openxmlformats.org/presentationml/2006/main" xmlns:c="http://schemas.openxmlformats.org/drawingml/2006/chart" xmlns:dgm="http://schemas.openxmlformats.org/drawingml/2006/diagram" xmlns:o="urn:schemas-microsoft-com:office:office" xmlns:v="urn:schemas-microsoft-com:vml" xmlns:pvml="urn:schemas-microsoft-com:office:powerpoint" xmlns:com="http://schemas.openxmlformats.org/drawingml/2006/compatibility" xmlns:p14="http://schemas.microsoft.com/office/powerpoint/2010/main" xmlns:p15="http://schemas.microsoft.com/office/powerpoint/2012/main" xmlns:ahyp="http://schemas.microsoft.com/office/drawing/2018/hyperlinkcolor">
+<p:sld xmlns:a="http://schemas.openxmlformats.org/drawingml/2006/main" xmlns:r="http://schemas.openxmlformats.org/officeDocument/2006/relationships" xmlns:p="http://schemas.openxmlformats.org/presentationml/2006/main">
   <p:cSld>
     <p:spTree>
       <p:nvGrpSpPr>
-        <p:cNvPr id="94" name="Shape 94"/>
+        <p:cNvPr id="1" name="Shape 94"/>
         <p:cNvGrpSpPr/>
         <p:nvPr/>
       </p:nvGrpSpPr>
@@ -11726,7 +12239,9 @@
       <p:sp>
         <p:nvSpPr>
           <p:cNvPr id="95" name="Google Shape;95;p19"/>
-          <p:cNvSpPr txBox="1"/>
+          <p:cNvSpPr txBox="1">
+            <a:spLocks noGrp="1"/>
+          </p:cNvSpPr>
           <p:nvPr>
             <p:ph type="title"/>
           </p:nvPr>
@@ -11741,12 +12256,12 @@
           </a:prstGeom>
         </p:spPr>
         <p:txBody>
-          <a:bodyPr anchorCtr="0" anchor="t" bIns="91425" lIns="91425" spcFirstLastPara="1" rIns="91425" wrap="square" tIns="91425">
+          <a:bodyPr spcFirstLastPara="1" wrap="square" lIns="91425" tIns="91425" rIns="91425" bIns="91425" anchor="t" anchorCtr="0">
             <a:noAutofit/>
           </a:bodyPr>
           <a:lstStyle/>
           <a:p>
-            <a:pPr indent="0" lvl="0" marL="0" rtl="0" algn="l">
+            <a:pPr marL="0" lvl="0" indent="0" algn="l" rtl="0">
               <a:spcBef>
                 <a:spcPts val="0"/>
               </a:spcBef>
@@ -11766,9 +12281,11 @@
       <p:sp>
         <p:nvSpPr>
           <p:cNvPr id="96" name="Google Shape;96;p19"/>
-          <p:cNvSpPr txBox="1"/>
+          <p:cNvSpPr txBox="1">
+            <a:spLocks noGrp="1"/>
+          </p:cNvSpPr>
           <p:nvPr>
-            <p:ph idx="1" type="body"/>
+            <p:ph type="body" idx="1"/>
           </p:nvPr>
         </p:nvSpPr>
         <p:spPr>
@@ -11781,12 +12298,12 @@
           </a:prstGeom>
         </p:spPr>
         <p:txBody>
-          <a:bodyPr anchorCtr="0" anchor="t" bIns="91425" lIns="91425" spcFirstLastPara="1" rIns="91425" wrap="square" tIns="91425">
+          <a:bodyPr spcFirstLastPara="1" wrap="square" lIns="91425" tIns="91425" rIns="91425" bIns="91425" anchor="t" anchorCtr="0">
             <a:noAutofit/>
           </a:bodyPr>
           <a:lstStyle/>
           <a:p>
-            <a:pPr indent="0" lvl="0" marL="0" rtl="0" algn="l">
+            <a:pPr marL="0" lvl="0" indent="0" algn="l" rtl="0">
               <a:spcBef>
                 <a:spcPts val="0"/>
               </a:spcBef>
@@ -11796,13 +12313,121 @@
               <a:buNone/>
             </a:pPr>
             <a:r>
-              <a:rPr lang="en"/>
+              <a:rPr lang="en" dirty="0"/>
               <a:t>[Insert loss plot here]</a:t>
             </a:r>
-            <a:endParaRPr/>
+            <a:endParaRPr dirty="0"/>
           </a:p>
           <a:p>
-            <a:pPr indent="0" lvl="0" marL="0" rtl="0" algn="l">
+            <a:pPr marL="0" lvl="0" indent="0" algn="l" rtl="0">
+              <a:spcBef>
+                <a:spcPts val="0"/>
+              </a:spcBef>
+              <a:spcAft>
+                <a:spcPts val="0"/>
+              </a:spcAft>
+              <a:buNone/>
+            </a:pPr>
+            <a:endParaRPr dirty="0"/>
+          </a:p>
+          <a:p>
+            <a:pPr marL="0" lvl="0" indent="0" algn="l" rtl="0">
+              <a:spcBef>
+                <a:spcPts val="0"/>
+              </a:spcBef>
+              <a:spcAft>
+                <a:spcPts val="0"/>
+              </a:spcAft>
+              <a:buNone/>
+            </a:pPr>
+            <a:endParaRPr dirty="0"/>
+          </a:p>
+          <a:p>
+            <a:pPr marL="0" lvl="0" indent="0" algn="l" rtl="0">
+              <a:spcBef>
+                <a:spcPts val="0"/>
+              </a:spcBef>
+              <a:spcAft>
+                <a:spcPts val="0"/>
+              </a:spcAft>
+              <a:buNone/>
+            </a:pPr>
+            <a:endParaRPr dirty="0"/>
+          </a:p>
+          <a:p>
+            <a:pPr marL="0" lvl="0" indent="0" algn="l" rtl="0">
+              <a:spcBef>
+                <a:spcPts val="0"/>
+              </a:spcBef>
+              <a:spcAft>
+                <a:spcPts val="0"/>
+              </a:spcAft>
+              <a:buNone/>
+            </a:pPr>
+            <a:endParaRPr dirty="0"/>
+          </a:p>
+          <a:p>
+            <a:pPr marL="0" lvl="0" indent="0" algn="l" rtl="0">
+              <a:spcBef>
+                <a:spcPts val="0"/>
+              </a:spcBef>
+              <a:spcAft>
+                <a:spcPts val="0"/>
+              </a:spcAft>
+              <a:buNone/>
+            </a:pPr>
+            <a:endParaRPr dirty="0"/>
+          </a:p>
+          <a:p>
+            <a:pPr marL="0" lvl="0" indent="0" algn="l" rtl="0">
+              <a:spcBef>
+                <a:spcPts val="0"/>
+              </a:spcBef>
+              <a:spcAft>
+                <a:spcPts val="0"/>
+              </a:spcAft>
+              <a:buNone/>
+            </a:pPr>
+            <a:endParaRPr dirty="0"/>
+          </a:p>
+          <a:p>
+            <a:pPr marL="0" lvl="0" indent="0" algn="l" rtl="0">
+              <a:spcBef>
+                <a:spcPts val="0"/>
+              </a:spcBef>
+              <a:spcAft>
+                <a:spcPts val="0"/>
+              </a:spcAft>
+              <a:buNone/>
+            </a:pPr>
+            <a:endParaRPr dirty="0"/>
+          </a:p>
+          <a:p>
+            <a:pPr marL="0" lvl="0" indent="0" algn="l" rtl="0">
+              <a:spcBef>
+                <a:spcPts val="0"/>
+              </a:spcBef>
+              <a:spcAft>
+                <a:spcPts val="0"/>
+              </a:spcAft>
+              <a:buNone/>
+            </a:pPr>
+            <a:endParaRPr dirty="0"/>
+          </a:p>
+          <a:p>
+            <a:pPr marL="0" lvl="0" indent="0" algn="l" rtl="0">
+              <a:spcBef>
+                <a:spcPts val="0"/>
+              </a:spcBef>
+              <a:spcAft>
+                <a:spcPts val="0"/>
+              </a:spcAft>
+              <a:buNone/>
+            </a:pPr>
+            <a:endParaRPr dirty="0"/>
+          </a:p>
+          <a:p>
+            <a:pPr marL="0" lvl="0" indent="0" algn="l" rtl="0">
               <a:spcBef>
                 <a:spcPts val="0"/>
               </a:spcBef>
@@ -11812,12 +12437,25 @@
               <a:buNone/>
             </a:pPr>
             <a:r>
-              <a:t/>
+              <a:rPr lang="en" dirty="0"/>
+              <a:t>Final training accuracy: 0.877</a:t>
             </a:r>
-            <a:endParaRPr/>
+            <a:endParaRPr dirty="0"/>
           </a:p>
           <a:p>
-            <a:pPr indent="0" lvl="0" marL="0" rtl="0" algn="l">
+            <a:pPr marL="0" lvl="0" indent="0" algn="l" rtl="0">
+              <a:spcBef>
+                <a:spcPts val="0"/>
+              </a:spcBef>
+              <a:spcAft>
+                <a:spcPts val="0"/>
+              </a:spcAft>
+              <a:buNone/>
+            </a:pPr>
+            <a:endParaRPr dirty="0"/>
+          </a:p>
+          <a:p>
+            <a:pPr marL="0" lvl="0" indent="0" algn="l" rtl="0">
               <a:spcBef>
                 <a:spcPts val="0"/>
               </a:spcBef>
@@ -11827,170 +12465,21 @@
               <a:buNone/>
             </a:pPr>
             <a:r>
-              <a:t/>
+              <a:rPr lang="en" dirty="0"/>
+              <a:t>Final validation accuracy: 0.884</a:t>
             </a:r>
-            <a:endParaRPr/>
-          </a:p>
-          <a:p>
-            <a:pPr indent="0" lvl="0" marL="0" rtl="0" algn="l">
-              <a:spcBef>
-                <a:spcPts val="0"/>
-              </a:spcBef>
-              <a:spcAft>
-                <a:spcPts val="0"/>
-              </a:spcAft>
-              <a:buNone/>
-            </a:pPr>
-            <a:r>
-              <a:t/>
-            </a:r>
-            <a:endParaRPr/>
-          </a:p>
-          <a:p>
-            <a:pPr indent="0" lvl="0" marL="0" rtl="0" algn="l">
-              <a:spcBef>
-                <a:spcPts val="0"/>
-              </a:spcBef>
-              <a:spcAft>
-                <a:spcPts val="0"/>
-              </a:spcAft>
-              <a:buNone/>
-            </a:pPr>
-            <a:r>
-              <a:t/>
-            </a:r>
-            <a:endParaRPr/>
-          </a:p>
-          <a:p>
-            <a:pPr indent="0" lvl="0" marL="0" rtl="0" algn="l">
-              <a:spcBef>
-                <a:spcPts val="0"/>
-              </a:spcBef>
-              <a:spcAft>
-                <a:spcPts val="0"/>
-              </a:spcAft>
-              <a:buNone/>
-            </a:pPr>
-            <a:r>
-              <a:t/>
-            </a:r>
-            <a:endParaRPr/>
-          </a:p>
-          <a:p>
-            <a:pPr indent="0" lvl="0" marL="0" rtl="0" algn="l">
-              <a:spcBef>
-                <a:spcPts val="0"/>
-              </a:spcBef>
-              <a:spcAft>
-                <a:spcPts val="0"/>
-              </a:spcAft>
-              <a:buNone/>
-            </a:pPr>
-            <a:r>
-              <a:t/>
-            </a:r>
-            <a:endParaRPr/>
-          </a:p>
-          <a:p>
-            <a:pPr indent="0" lvl="0" marL="0" rtl="0" algn="l">
-              <a:spcBef>
-                <a:spcPts val="0"/>
-              </a:spcBef>
-              <a:spcAft>
-                <a:spcPts val="0"/>
-              </a:spcAft>
-              <a:buNone/>
-            </a:pPr>
-            <a:r>
-              <a:t/>
-            </a:r>
-            <a:endParaRPr/>
-          </a:p>
-          <a:p>
-            <a:pPr indent="0" lvl="0" marL="0" rtl="0" algn="l">
-              <a:spcBef>
-                <a:spcPts val="0"/>
-              </a:spcBef>
-              <a:spcAft>
-                <a:spcPts val="0"/>
-              </a:spcAft>
-              <a:buNone/>
-            </a:pPr>
-            <a:r>
-              <a:t/>
-            </a:r>
-            <a:endParaRPr/>
-          </a:p>
-          <a:p>
-            <a:pPr indent="0" lvl="0" marL="0" rtl="0" algn="l">
-              <a:spcBef>
-                <a:spcPts val="0"/>
-              </a:spcBef>
-              <a:spcAft>
-                <a:spcPts val="0"/>
-              </a:spcAft>
-              <a:buNone/>
-            </a:pPr>
-            <a:r>
-              <a:t/>
-            </a:r>
-            <a:endParaRPr/>
-          </a:p>
-          <a:p>
-            <a:pPr indent="0" lvl="0" marL="0" rtl="0" algn="l">
-              <a:spcBef>
-                <a:spcPts val="0"/>
-              </a:spcBef>
-              <a:spcAft>
-                <a:spcPts val="0"/>
-              </a:spcAft>
-              <a:buNone/>
-            </a:pPr>
-            <a:r>
-              <a:rPr lang="en"/>
-              <a:t>Final training accuracy:</a:t>
-            </a:r>
-            <a:endParaRPr/>
-          </a:p>
-          <a:p>
-            <a:pPr indent="0" lvl="0" marL="0" rtl="0" algn="l">
-              <a:spcBef>
-                <a:spcPts val="0"/>
-              </a:spcBef>
-              <a:spcAft>
-                <a:spcPts val="0"/>
-              </a:spcAft>
-              <a:buNone/>
-            </a:pPr>
-            <a:r>
-              <a:t/>
-            </a:r>
-            <a:endParaRPr/>
-          </a:p>
-          <a:p>
-            <a:pPr indent="0" lvl="0" marL="0" rtl="0" algn="l">
-              <a:spcBef>
-                <a:spcPts val="0"/>
-              </a:spcBef>
-              <a:spcAft>
-                <a:spcPts val="0"/>
-              </a:spcAft>
-              <a:buNone/>
-            </a:pPr>
-            <a:r>
-              <a:rPr lang="en"/>
-              <a:t>Final validation accuracy:</a:t>
-            </a:r>
-            <a:endParaRPr/>
+            <a:endParaRPr dirty="0"/>
           </a:p>
         </p:txBody>
       </p:sp>
       <p:sp>
         <p:nvSpPr>
           <p:cNvPr id="97" name="Google Shape;97;p19"/>
-          <p:cNvSpPr txBox="1"/>
+          <p:cNvSpPr txBox="1">
+            <a:spLocks noGrp="1"/>
+          </p:cNvSpPr>
           <p:nvPr>
-            <p:ph idx="2" type="body"/>
+            <p:ph type="body" idx="2"/>
           </p:nvPr>
         </p:nvSpPr>
         <p:spPr>
@@ -12003,12 +12492,12 @@
           </a:prstGeom>
         </p:spPr>
         <p:txBody>
-          <a:bodyPr anchorCtr="0" anchor="t" bIns="91425" lIns="91425" spcFirstLastPara="1" rIns="91425" wrap="square" tIns="91425">
+          <a:bodyPr spcFirstLastPara="1" wrap="square" lIns="91425" tIns="91425" rIns="91425" bIns="91425" anchor="t" anchorCtr="0">
             <a:noAutofit/>
           </a:bodyPr>
           <a:lstStyle/>
           <a:p>
-            <a:pPr indent="0" lvl="0" marL="0" rtl="0" algn="l">
+            <a:pPr marL="0" lvl="0" indent="0" algn="l" rtl="0">
               <a:spcBef>
                 <a:spcPts val="0"/>
               </a:spcBef>
@@ -12025,6 +12514,66 @@
           </a:p>
         </p:txBody>
       </p:sp>
+      <p:pic>
+        <p:nvPicPr>
+          <p:cNvPr id="2" name="Picture 1">
+            <a:extLst>
+              <a:ext uri="{FF2B5EF4-FFF2-40B4-BE49-F238E27FC236}">
+                <a16:creationId xmlns:a16="http://schemas.microsoft.com/office/drawing/2014/main" id="{3E0BB587-BFDD-4D4C-B9AC-0620392BEE3E}"/>
+              </a:ext>
+            </a:extLst>
+          </p:cNvPr>
+          <p:cNvPicPr>
+            <a:picLocks noChangeAspect="1"/>
+          </p:cNvPicPr>
+          <p:nvPr/>
+        </p:nvPicPr>
+        <p:blipFill>
+          <a:blip r:embed="rId3"/>
+          <a:stretch>
+            <a:fillRect/>
+          </a:stretch>
+        </p:blipFill>
+        <p:spPr>
+          <a:xfrm>
+            <a:off x="109607" y="1089329"/>
+            <a:ext cx="3605801" cy="2381028"/>
+          </a:xfrm>
+          <a:prstGeom prst="rect">
+            <a:avLst/>
+          </a:prstGeom>
+        </p:spPr>
+      </p:pic>
+      <p:pic>
+        <p:nvPicPr>
+          <p:cNvPr id="3" name="Picture 2">
+            <a:extLst>
+              <a:ext uri="{FF2B5EF4-FFF2-40B4-BE49-F238E27FC236}">
+                <a16:creationId xmlns:a16="http://schemas.microsoft.com/office/drawing/2014/main" id="{280E956A-1CA7-B346-9B01-F77C02423B51}"/>
+              </a:ext>
+            </a:extLst>
+          </p:cNvPr>
+          <p:cNvPicPr>
+            <a:picLocks noChangeAspect="1"/>
+          </p:cNvPicPr>
+          <p:nvPr/>
+        </p:nvPicPr>
+        <p:blipFill>
+          <a:blip r:embed="rId4"/>
+          <a:stretch>
+            <a:fillRect/>
+          </a:stretch>
+        </p:blipFill>
+        <p:spPr>
+          <a:xfrm>
+            <a:off x="4311600" y="1017725"/>
+            <a:ext cx="3695363" cy="2489970"/>
+          </a:xfrm>
+          <a:prstGeom prst="rect">
+            <a:avLst/>
+          </a:prstGeom>
+        </p:spPr>
+      </p:pic>
     </p:spTree>
   </p:cSld>
   <p:clrMapOvr>
@@ -12034,11 +12583,11 @@
 </file>
 
 <file path=ppt/slides/slide8.xml><?xml version="1.0" encoding="utf-8"?>
-<p:sld xmlns:a="http://schemas.openxmlformats.org/drawingml/2006/main" xmlns:r="http://schemas.openxmlformats.org/officeDocument/2006/relationships" xmlns:mc="http://schemas.openxmlformats.org/markup-compatibility/2006" xmlns:mv="urn:schemas-microsoft-com:mac:vml" xmlns:p="http://schemas.openxmlformats.org/presentationml/2006/main" xmlns:c="http://schemas.openxmlformats.org/drawingml/2006/chart" xmlns:dgm="http://schemas.openxmlformats.org/drawingml/2006/diagram" xmlns:o="urn:schemas-microsoft-com:office:office" xmlns:v="urn:schemas-microsoft-com:vml" xmlns:pvml="urn:schemas-microsoft-com:office:powerpoint" xmlns:com="http://schemas.openxmlformats.org/drawingml/2006/compatibility" xmlns:p14="http://schemas.microsoft.com/office/powerpoint/2010/main" xmlns:p15="http://schemas.microsoft.com/office/powerpoint/2012/main" xmlns:ahyp="http://schemas.microsoft.com/office/drawing/2018/hyperlinkcolor">
+<p:sld xmlns:a="http://schemas.openxmlformats.org/drawingml/2006/main" xmlns:r="http://schemas.openxmlformats.org/officeDocument/2006/relationships" xmlns:p="http://schemas.openxmlformats.org/presentationml/2006/main">
   <p:cSld>
     <p:spTree>
       <p:nvGrpSpPr>
-        <p:cNvPr id="101" name="Shape 101"/>
+        <p:cNvPr id="1" name="Shape 101"/>
         <p:cNvGrpSpPr/>
         <p:nvPr/>
       </p:nvGrpSpPr>
@@ -12053,7 +12602,9 @@
       <p:sp>
         <p:nvSpPr>
           <p:cNvPr id="102" name="Google Shape;102;p20"/>
-          <p:cNvSpPr txBox="1"/>
+          <p:cNvSpPr txBox="1">
+            <a:spLocks noGrp="1"/>
+          </p:cNvSpPr>
           <p:nvPr>
             <p:ph type="title"/>
           </p:nvPr>
@@ -12068,12 +12619,12 @@
           </a:prstGeom>
         </p:spPr>
         <p:txBody>
-          <a:bodyPr anchorCtr="0" anchor="t" bIns="91425" lIns="91425" spcFirstLastPara="1" rIns="91425" wrap="square" tIns="91425">
+          <a:bodyPr spcFirstLastPara="1" wrap="square" lIns="91425" tIns="91425" rIns="91425" bIns="91425" anchor="t" anchorCtr="0">
             <a:noAutofit/>
           </a:bodyPr>
           <a:lstStyle/>
           <a:p>
-            <a:pPr indent="0" lvl="0" marL="0" rtl="0" algn="l">
+            <a:pPr marL="0" lvl="0" indent="0" algn="l" rtl="0">
               <a:spcBef>
                 <a:spcPts val="0"/>
               </a:spcBef>
@@ -12093,9 +12644,11 @@
       <p:sp>
         <p:nvSpPr>
           <p:cNvPr id="103" name="Google Shape;103;p20"/>
-          <p:cNvSpPr txBox="1"/>
+          <p:cNvSpPr txBox="1">
+            <a:spLocks noGrp="1"/>
+          </p:cNvSpPr>
           <p:nvPr>
-            <p:ph idx="1" type="body"/>
+            <p:ph type="body" idx="1"/>
           </p:nvPr>
         </p:nvSpPr>
         <p:spPr>
@@ -12108,12 +12661,12 @@
           </a:prstGeom>
         </p:spPr>
         <p:txBody>
-          <a:bodyPr anchorCtr="0" anchor="t" bIns="91425" lIns="91425" spcFirstLastPara="1" rIns="91425" wrap="square" tIns="91425">
+          <a:bodyPr spcFirstLastPara="1" wrap="square" lIns="91425" tIns="91425" rIns="91425" bIns="91425" anchor="t" anchorCtr="0">
             <a:noAutofit/>
           </a:bodyPr>
           <a:lstStyle/>
           <a:p>
-            <a:pPr indent="0" lvl="0" marL="0" rtl="0" algn="l">
+            <a:pPr marL="0" lvl="0" indent="0" algn="l" rtl="0">
               <a:spcBef>
                 <a:spcPts val="0"/>
               </a:spcBef>
@@ -12139,11 +12692,11 @@
 </file>
 
 <file path=ppt/slides/slide9.xml><?xml version="1.0" encoding="utf-8"?>
-<p:sld xmlns:a="http://schemas.openxmlformats.org/drawingml/2006/main" xmlns:r="http://schemas.openxmlformats.org/officeDocument/2006/relationships" xmlns:mc="http://schemas.openxmlformats.org/markup-compatibility/2006" xmlns:mv="urn:schemas-microsoft-com:mac:vml" xmlns:p="http://schemas.openxmlformats.org/presentationml/2006/main" xmlns:c="http://schemas.openxmlformats.org/drawingml/2006/chart" xmlns:dgm="http://schemas.openxmlformats.org/drawingml/2006/diagram" xmlns:o="urn:schemas-microsoft-com:office:office" xmlns:v="urn:schemas-microsoft-com:vml" xmlns:pvml="urn:schemas-microsoft-com:office:powerpoint" xmlns:com="http://schemas.openxmlformats.org/drawingml/2006/compatibility" xmlns:p14="http://schemas.microsoft.com/office/powerpoint/2010/main" xmlns:p15="http://schemas.microsoft.com/office/powerpoint/2012/main" xmlns:ahyp="http://schemas.microsoft.com/office/drawing/2018/hyperlinkcolor">
+<p:sld xmlns:a="http://schemas.openxmlformats.org/drawingml/2006/main" xmlns:r="http://schemas.openxmlformats.org/officeDocument/2006/relationships" xmlns:p="http://schemas.openxmlformats.org/presentationml/2006/main">
   <p:cSld>
     <p:spTree>
       <p:nvGrpSpPr>
-        <p:cNvPr id="107" name="Shape 107"/>
+        <p:cNvPr id="1" name="Shape 107"/>
         <p:cNvGrpSpPr/>
         <p:nvPr/>
       </p:nvGrpSpPr>
@@ -12158,7 +12711,9 @@
       <p:sp>
         <p:nvSpPr>
           <p:cNvPr id="108" name="Google Shape;108;p21"/>
-          <p:cNvSpPr txBox="1"/>
+          <p:cNvSpPr txBox="1">
+            <a:spLocks noGrp="1"/>
+          </p:cNvSpPr>
           <p:nvPr>
             <p:ph type="title"/>
           </p:nvPr>
@@ -12173,12 +12728,12 @@
           </a:prstGeom>
         </p:spPr>
         <p:txBody>
-          <a:bodyPr anchorCtr="0" anchor="t" bIns="91425" lIns="91425" spcFirstLastPara="1" rIns="91425" wrap="square" tIns="91425">
+          <a:bodyPr spcFirstLastPara="1" wrap="square" lIns="91425" tIns="91425" rIns="91425" bIns="91425" anchor="t" anchorCtr="0">
             <a:noAutofit/>
           </a:bodyPr>
           <a:lstStyle/>
           <a:p>
-            <a:pPr indent="0" lvl="0" marL="0" rtl="0" algn="l">
+            <a:pPr marL="0" lvl="0" indent="0" algn="l" rtl="0">
               <a:spcBef>
                 <a:spcPts val="0"/>
               </a:spcBef>
@@ -12198,9 +12753,11 @@
       <p:sp>
         <p:nvSpPr>
           <p:cNvPr id="109" name="Google Shape;109;p21"/>
-          <p:cNvSpPr txBox="1"/>
+          <p:cNvSpPr txBox="1">
+            <a:spLocks noGrp="1"/>
+          </p:cNvSpPr>
           <p:nvPr>
-            <p:ph idx="1" type="body"/>
+            <p:ph type="body" idx="1"/>
           </p:nvPr>
         </p:nvSpPr>
         <p:spPr>
@@ -12213,12 +12770,12 @@
           </a:prstGeom>
         </p:spPr>
         <p:txBody>
-          <a:bodyPr anchorCtr="0" anchor="t" bIns="91425" lIns="91425" spcFirstLastPara="1" rIns="91425" wrap="square" tIns="91425">
+          <a:bodyPr spcFirstLastPara="1" wrap="square" lIns="91425" tIns="91425" rIns="91425" bIns="91425" anchor="t" anchorCtr="0">
             <a:noAutofit/>
           </a:bodyPr>
           <a:lstStyle/>
           <a:p>
-            <a:pPr indent="0" lvl="0" marL="0" rtl="0" algn="l">
+            <a:pPr marL="0" lvl="0" indent="0" algn="l" rtl="0">
               <a:spcBef>
                 <a:spcPts val="0"/>
               </a:spcBef>
@@ -12244,7 +12801,288 @@
 </file>
 
 <file path=ppt/theme/theme1.xml><?xml version="1.0" encoding="utf-8"?>
-<a:theme xmlns:a="http://schemas.openxmlformats.org/drawingml/2006/main" xmlns:r="http://schemas.openxmlformats.org/officeDocument/2006/relationships">
+<a:theme xmlns:a="http://schemas.openxmlformats.org/drawingml/2006/main" name="Simple Light">
+  <a:themeElements>
+    <a:clrScheme name="Simple Light">
+      <a:dk1>
+        <a:srgbClr val="000000"/>
+      </a:dk1>
+      <a:lt1>
+        <a:srgbClr val="FFFFFF"/>
+      </a:lt1>
+      <a:dk2>
+        <a:srgbClr val="595959"/>
+      </a:dk2>
+      <a:lt2>
+        <a:srgbClr val="EEEEEE"/>
+      </a:lt2>
+      <a:accent1>
+        <a:srgbClr val="FFAB40"/>
+      </a:accent1>
+      <a:accent2>
+        <a:srgbClr val="212121"/>
+      </a:accent2>
+      <a:accent3>
+        <a:srgbClr val="78909C"/>
+      </a:accent3>
+      <a:accent4>
+        <a:srgbClr val="FFAB40"/>
+      </a:accent4>
+      <a:accent5>
+        <a:srgbClr val="0097A7"/>
+      </a:accent5>
+      <a:accent6>
+        <a:srgbClr val="EEFF41"/>
+      </a:accent6>
+      <a:hlink>
+        <a:srgbClr val="0097A7"/>
+      </a:hlink>
+      <a:folHlink>
+        <a:srgbClr val="0097A7"/>
+      </a:folHlink>
+    </a:clrScheme>
+    <a:fontScheme name="Office">
+      <a:majorFont>
+        <a:latin typeface="Arial"/>
+        <a:ea typeface=""/>
+        <a:cs typeface=""/>
+        <a:font script="Jpan" typeface="ＭＳ Ｐゴシック"/>
+        <a:font script="Hang" typeface="맑은 고딕"/>
+        <a:font script="Hans" typeface="宋体"/>
+        <a:font script="Hant" typeface="新細明體"/>
+        <a:font script="Arab" typeface="Times New Roman"/>
+        <a:font script="Hebr" typeface="Times New Roman"/>
+        <a:font script="Thai" typeface="Angsana New"/>
+        <a:font script="Ethi" typeface="Nyala"/>
+        <a:font script="Beng" typeface="Vrinda"/>
+        <a:font script="Gujr" typeface="Shruti"/>
+        <a:font script="Khmr" typeface="MoolBoran"/>
+        <a:font script="Knda" typeface="Tunga"/>
+        <a:font script="Guru" typeface="Raavi"/>
+        <a:font script="Cans" typeface="Euphemia"/>
+        <a:font script="Cher" typeface="Plantagenet Cherokee"/>
+        <a:font script="Yiii" typeface="Microsoft Yi Baiti"/>
+        <a:font script="Tibt" typeface="Microsoft Himalaya"/>
+        <a:font script="Thaa" typeface="MV Boli"/>
+        <a:font script="Deva" typeface="Mangal"/>
+        <a:font script="Telu" typeface="Gautami"/>
+        <a:font script="Taml" typeface="Latha"/>
+        <a:font script="Syrc" typeface="Estrangelo Edessa"/>
+        <a:font script="Orya" typeface="Kalinga"/>
+        <a:font script="Mlym" typeface="Kartika"/>
+        <a:font script="Laoo" typeface="DokChampa"/>
+        <a:font script="Sinh" typeface="Iskoola Pota"/>
+        <a:font script="Mong" typeface="Mongolian Baiti"/>
+        <a:font script="Viet" typeface="Times New Roman"/>
+        <a:font script="Uigh" typeface="Microsoft Uighur"/>
+        <a:font script="Geor" typeface="Sylfaen"/>
+      </a:majorFont>
+      <a:minorFont>
+        <a:latin typeface="Arial"/>
+        <a:ea typeface=""/>
+        <a:cs typeface=""/>
+        <a:font script="Jpan" typeface="ＭＳ Ｐゴシック"/>
+        <a:font script="Hang" typeface="맑은 고딕"/>
+        <a:font script="Hans" typeface="宋体"/>
+        <a:font script="Hant" typeface="新細明體"/>
+        <a:font script="Arab" typeface="Arial"/>
+        <a:font script="Hebr" typeface="Arial"/>
+        <a:font script="Thai" typeface="Cordia New"/>
+        <a:font script="Ethi" typeface="Nyala"/>
+        <a:font script="Beng" typeface="Vrinda"/>
+        <a:font script="Gujr" typeface="Shruti"/>
+        <a:font script="Khmr" typeface="DaunPenh"/>
+        <a:font script="Knda" typeface="Tunga"/>
+        <a:font script="Guru" typeface="Raavi"/>
+        <a:font script="Cans" typeface="Euphemia"/>
+        <a:font script="Cher" typeface="Plantagenet Cherokee"/>
+        <a:font script="Yiii" typeface="Microsoft Yi Baiti"/>
+        <a:font script="Tibt" typeface="Microsoft Himalaya"/>
+        <a:font script="Thaa" typeface="MV Boli"/>
+        <a:font script="Deva" typeface="Mangal"/>
+        <a:font script="Telu" typeface="Gautami"/>
+        <a:font script="Taml" typeface="Latha"/>
+        <a:font script="Syrc" typeface="Estrangelo Edessa"/>
+        <a:font script="Orya" typeface="Kalinga"/>
+        <a:font script="Mlym" typeface="Kartika"/>
+        <a:font script="Laoo" typeface="DokChampa"/>
+        <a:font script="Sinh" typeface="Iskoola Pota"/>
+        <a:font script="Mong" typeface="Mongolian Baiti"/>
+        <a:font script="Viet" typeface="Arial"/>
+        <a:font script="Uigh" typeface="Microsoft Uighur"/>
+        <a:font script="Geor" typeface="Sylfaen"/>
+      </a:minorFont>
+    </a:fontScheme>
+    <a:fmtScheme name="Office">
+      <a:fillStyleLst>
+        <a:solidFill>
+          <a:schemeClr val="phClr"/>
+        </a:solidFill>
+        <a:gradFill rotWithShape="1">
+          <a:gsLst>
+            <a:gs pos="0">
+              <a:schemeClr val="phClr">
+                <a:tint val="50000"/>
+                <a:satMod val="300000"/>
+              </a:schemeClr>
+            </a:gs>
+            <a:gs pos="35000">
+              <a:schemeClr val="phClr">
+                <a:tint val="37000"/>
+                <a:satMod val="300000"/>
+              </a:schemeClr>
+            </a:gs>
+            <a:gs pos="100000">
+              <a:schemeClr val="phClr">
+                <a:tint val="15000"/>
+                <a:satMod val="350000"/>
+              </a:schemeClr>
+            </a:gs>
+          </a:gsLst>
+          <a:lin ang="16200000" scaled="1"/>
+        </a:gradFill>
+        <a:gradFill rotWithShape="1">
+          <a:gsLst>
+            <a:gs pos="0">
+              <a:schemeClr val="phClr">
+                <a:tint val="100000"/>
+                <a:shade val="100000"/>
+                <a:satMod val="130000"/>
+              </a:schemeClr>
+            </a:gs>
+            <a:gs pos="100000">
+              <a:schemeClr val="phClr">
+                <a:tint val="50000"/>
+                <a:shade val="100000"/>
+                <a:satMod val="350000"/>
+              </a:schemeClr>
+            </a:gs>
+          </a:gsLst>
+          <a:lin ang="16200000" scaled="0"/>
+        </a:gradFill>
+      </a:fillStyleLst>
+      <a:lnStyleLst>
+        <a:ln w="9525" cap="flat" cmpd="sng" algn="ctr">
+          <a:solidFill>
+            <a:schemeClr val="phClr">
+              <a:shade val="95000"/>
+              <a:satMod val="105000"/>
+            </a:schemeClr>
+          </a:solidFill>
+          <a:prstDash val="solid"/>
+        </a:ln>
+        <a:ln w="25400" cap="flat" cmpd="sng" algn="ctr">
+          <a:solidFill>
+            <a:schemeClr val="phClr"/>
+          </a:solidFill>
+          <a:prstDash val="solid"/>
+        </a:ln>
+        <a:ln w="38100" cap="flat" cmpd="sng" algn="ctr">
+          <a:solidFill>
+            <a:schemeClr val="phClr"/>
+          </a:solidFill>
+          <a:prstDash val="solid"/>
+        </a:ln>
+      </a:lnStyleLst>
+      <a:effectStyleLst>
+        <a:effectStyle>
+          <a:effectLst>
+            <a:outerShdw blurRad="40000" dist="20000" dir="5400000" rotWithShape="0">
+              <a:srgbClr val="000000">
+                <a:alpha val="38000"/>
+              </a:srgbClr>
+            </a:outerShdw>
+          </a:effectLst>
+        </a:effectStyle>
+        <a:effectStyle>
+          <a:effectLst>
+            <a:outerShdw blurRad="40000" dist="23000" dir="5400000" rotWithShape="0">
+              <a:srgbClr val="000000">
+                <a:alpha val="35000"/>
+              </a:srgbClr>
+            </a:outerShdw>
+          </a:effectLst>
+        </a:effectStyle>
+        <a:effectStyle>
+          <a:effectLst>
+            <a:outerShdw blurRad="40000" dist="23000" dir="5400000" rotWithShape="0">
+              <a:srgbClr val="000000">
+                <a:alpha val="35000"/>
+              </a:srgbClr>
+            </a:outerShdw>
+          </a:effectLst>
+          <a:scene3d>
+            <a:camera prst="orthographicFront">
+              <a:rot lat="0" lon="0" rev="0"/>
+            </a:camera>
+            <a:lightRig rig="threePt" dir="t">
+              <a:rot lat="0" lon="0" rev="1200000"/>
+            </a:lightRig>
+          </a:scene3d>
+          <a:sp3d>
+            <a:bevelT w="63500" h="25400"/>
+          </a:sp3d>
+        </a:effectStyle>
+      </a:effectStyleLst>
+      <a:bgFillStyleLst>
+        <a:solidFill>
+          <a:schemeClr val="phClr"/>
+        </a:solidFill>
+        <a:gradFill rotWithShape="1">
+          <a:gsLst>
+            <a:gs pos="0">
+              <a:schemeClr val="phClr">
+                <a:tint val="40000"/>
+                <a:satMod val="350000"/>
+              </a:schemeClr>
+            </a:gs>
+            <a:gs pos="40000">
+              <a:schemeClr val="phClr">
+                <a:tint val="45000"/>
+                <a:shade val="99000"/>
+                <a:satMod val="350000"/>
+              </a:schemeClr>
+            </a:gs>
+            <a:gs pos="100000">
+              <a:schemeClr val="phClr">
+                <a:shade val="20000"/>
+                <a:satMod val="255000"/>
+              </a:schemeClr>
+            </a:gs>
+          </a:gsLst>
+          <a:path path="circle">
+            <a:fillToRect l="50000" t="-80000" r="50000" b="180000"/>
+          </a:path>
+        </a:gradFill>
+        <a:gradFill rotWithShape="1">
+          <a:gsLst>
+            <a:gs pos="0">
+              <a:schemeClr val="phClr">
+                <a:tint val="80000"/>
+                <a:satMod val="300000"/>
+              </a:schemeClr>
+            </a:gs>
+            <a:gs pos="100000">
+              <a:schemeClr val="phClr">
+                <a:shade val="30000"/>
+                <a:satMod val="200000"/>
+              </a:schemeClr>
+            </a:gs>
+          </a:gsLst>
+          <a:path path="circle">
+            <a:fillToRect l="50000" t="50000" r="50000" b="50000"/>
+          </a:path>
+        </a:gradFill>
+      </a:bgFillStyleLst>
+    </a:fmtScheme>
+  </a:themeElements>
+  <a:objectDefaults/>
+  <a:extraClrSchemeLst/>
+</a:theme>
+</file>
+
+<file path=ppt/theme/theme2.xml><?xml version="1.0" encoding="utf-8"?>
+<a:theme xmlns:a="http://schemas.openxmlformats.org/drawingml/2006/main">
   <a:themeElements>
     <a:clrScheme name="Default">
       <a:dk1>
@@ -12519,284 +13357,7 @@
       </a:bgFillStyleLst>
     </a:fmtScheme>
   </a:themeElements>
-</a:theme>
-</file>
-
-<file path=ppt/theme/theme2.xml><?xml version="1.0" encoding="utf-8"?>
-<a:theme xmlns:a="http://schemas.openxmlformats.org/drawingml/2006/main" xmlns:r="http://schemas.openxmlformats.org/officeDocument/2006/relationships" name="Simple Light">
-  <a:themeElements>
-    <a:clrScheme name="Simple Light">
-      <a:dk1>
-        <a:srgbClr val="000000"/>
-      </a:dk1>
-      <a:lt1>
-        <a:srgbClr val="FFFFFF"/>
-      </a:lt1>
-      <a:dk2>
-        <a:srgbClr val="595959"/>
-      </a:dk2>
-      <a:lt2>
-        <a:srgbClr val="EEEEEE"/>
-      </a:lt2>
-      <a:accent1>
-        <a:srgbClr val="FFAB40"/>
-      </a:accent1>
-      <a:accent2>
-        <a:srgbClr val="212121"/>
-      </a:accent2>
-      <a:accent3>
-        <a:srgbClr val="78909C"/>
-      </a:accent3>
-      <a:accent4>
-        <a:srgbClr val="FFAB40"/>
-      </a:accent4>
-      <a:accent5>
-        <a:srgbClr val="0097A7"/>
-      </a:accent5>
-      <a:accent6>
-        <a:srgbClr val="EEFF41"/>
-      </a:accent6>
-      <a:hlink>
-        <a:srgbClr val="0097A7"/>
-      </a:hlink>
-      <a:folHlink>
-        <a:srgbClr val="0097A7"/>
-      </a:folHlink>
-    </a:clrScheme>
-    <a:fontScheme name="Office">
-      <a:majorFont>
-        <a:latin typeface="Arial"/>
-        <a:ea typeface=""/>
-        <a:cs typeface=""/>
-        <a:font script="Jpan" typeface="ＭＳ Ｐゴシック"/>
-        <a:font script="Hang" typeface="맑은 고딕"/>
-        <a:font script="Hans" typeface="宋体"/>
-        <a:font script="Hant" typeface="新細明體"/>
-        <a:font script="Arab" typeface="Times New Roman"/>
-        <a:font script="Hebr" typeface="Times New Roman"/>
-        <a:font script="Thai" typeface="Angsana New"/>
-        <a:font script="Ethi" typeface="Nyala"/>
-        <a:font script="Beng" typeface="Vrinda"/>
-        <a:font script="Gujr" typeface="Shruti"/>
-        <a:font script="Khmr" typeface="MoolBoran"/>
-        <a:font script="Knda" typeface="Tunga"/>
-        <a:font script="Guru" typeface="Raavi"/>
-        <a:font script="Cans" typeface="Euphemia"/>
-        <a:font script="Cher" typeface="Plantagenet Cherokee"/>
-        <a:font script="Yiii" typeface="Microsoft Yi Baiti"/>
-        <a:font script="Tibt" typeface="Microsoft Himalaya"/>
-        <a:font script="Thaa" typeface="MV Boli"/>
-        <a:font script="Deva" typeface="Mangal"/>
-        <a:font script="Telu" typeface="Gautami"/>
-        <a:font script="Taml" typeface="Latha"/>
-        <a:font script="Syrc" typeface="Estrangelo Edessa"/>
-        <a:font script="Orya" typeface="Kalinga"/>
-        <a:font script="Mlym" typeface="Kartika"/>
-        <a:font script="Laoo" typeface="DokChampa"/>
-        <a:font script="Sinh" typeface="Iskoola Pota"/>
-        <a:font script="Mong" typeface="Mongolian Baiti"/>
-        <a:font script="Viet" typeface="Times New Roman"/>
-        <a:font script="Uigh" typeface="Microsoft Uighur"/>
-        <a:font script="Geor" typeface="Sylfaen"/>
-      </a:majorFont>
-      <a:minorFont>
-        <a:latin typeface="Arial"/>
-        <a:ea typeface=""/>
-        <a:cs typeface=""/>
-        <a:font script="Jpan" typeface="ＭＳ Ｐゴシック"/>
-        <a:font script="Hang" typeface="맑은 고딕"/>
-        <a:font script="Hans" typeface="宋体"/>
-        <a:font script="Hant" typeface="新細明體"/>
-        <a:font script="Arab" typeface="Arial"/>
-        <a:font script="Hebr" typeface="Arial"/>
-        <a:font script="Thai" typeface="Cordia New"/>
-        <a:font script="Ethi" typeface="Nyala"/>
-        <a:font script="Beng" typeface="Vrinda"/>
-        <a:font script="Gujr" typeface="Shruti"/>
-        <a:font script="Khmr" typeface="DaunPenh"/>
-        <a:font script="Knda" typeface="Tunga"/>
-        <a:font script="Guru" typeface="Raavi"/>
-        <a:font script="Cans" typeface="Euphemia"/>
-        <a:font script="Cher" typeface="Plantagenet Cherokee"/>
-        <a:font script="Yiii" typeface="Microsoft Yi Baiti"/>
-        <a:font script="Tibt" typeface="Microsoft Himalaya"/>
-        <a:font script="Thaa" typeface="MV Boli"/>
-        <a:font script="Deva" typeface="Mangal"/>
-        <a:font script="Telu" typeface="Gautami"/>
-        <a:font script="Taml" typeface="Latha"/>
-        <a:font script="Syrc" typeface="Estrangelo Edessa"/>
-        <a:font script="Orya" typeface="Kalinga"/>
-        <a:font script="Mlym" typeface="Kartika"/>
-        <a:font script="Laoo" typeface="DokChampa"/>
-        <a:font script="Sinh" typeface="Iskoola Pota"/>
-        <a:font script="Mong" typeface="Mongolian Baiti"/>
-        <a:font script="Viet" typeface="Arial"/>
-        <a:font script="Uigh" typeface="Microsoft Uighur"/>
-        <a:font script="Geor" typeface="Sylfaen"/>
-      </a:minorFont>
-    </a:fontScheme>
-    <a:fmtScheme name="Office">
-      <a:fillStyleLst>
-        <a:solidFill>
-          <a:schemeClr val="phClr"/>
-        </a:solidFill>
-        <a:gradFill rotWithShape="1">
-          <a:gsLst>
-            <a:gs pos="0">
-              <a:schemeClr val="phClr">
-                <a:tint val="50000"/>
-                <a:satMod val="300000"/>
-              </a:schemeClr>
-            </a:gs>
-            <a:gs pos="35000">
-              <a:schemeClr val="phClr">
-                <a:tint val="37000"/>
-                <a:satMod val="300000"/>
-              </a:schemeClr>
-            </a:gs>
-            <a:gs pos="100000">
-              <a:schemeClr val="phClr">
-                <a:tint val="15000"/>
-                <a:satMod val="350000"/>
-              </a:schemeClr>
-            </a:gs>
-          </a:gsLst>
-          <a:lin ang="16200000" scaled="1"/>
-        </a:gradFill>
-        <a:gradFill rotWithShape="1">
-          <a:gsLst>
-            <a:gs pos="0">
-              <a:schemeClr val="phClr">
-                <a:tint val="100000"/>
-                <a:shade val="100000"/>
-                <a:satMod val="130000"/>
-              </a:schemeClr>
-            </a:gs>
-            <a:gs pos="100000">
-              <a:schemeClr val="phClr">
-                <a:tint val="50000"/>
-                <a:shade val="100000"/>
-                <a:satMod val="350000"/>
-              </a:schemeClr>
-            </a:gs>
-          </a:gsLst>
-          <a:lin ang="16200000" scaled="0"/>
-        </a:gradFill>
-      </a:fillStyleLst>
-      <a:lnStyleLst>
-        <a:ln w="9525" cap="flat" cmpd="sng" algn="ctr">
-          <a:solidFill>
-            <a:schemeClr val="phClr">
-              <a:shade val="95000"/>
-              <a:satMod val="105000"/>
-            </a:schemeClr>
-          </a:solidFill>
-          <a:prstDash val="solid"/>
-        </a:ln>
-        <a:ln w="25400" cap="flat" cmpd="sng" algn="ctr">
-          <a:solidFill>
-            <a:schemeClr val="phClr"/>
-          </a:solidFill>
-          <a:prstDash val="solid"/>
-        </a:ln>
-        <a:ln w="38100" cap="flat" cmpd="sng" algn="ctr">
-          <a:solidFill>
-            <a:schemeClr val="phClr"/>
-          </a:solidFill>
-          <a:prstDash val="solid"/>
-        </a:ln>
-      </a:lnStyleLst>
-      <a:effectStyleLst>
-        <a:effectStyle>
-          <a:effectLst>
-            <a:outerShdw blurRad="40000" dist="20000" dir="5400000" rotWithShape="0">
-              <a:srgbClr val="000000">
-                <a:alpha val="38000"/>
-              </a:srgbClr>
-            </a:outerShdw>
-          </a:effectLst>
-        </a:effectStyle>
-        <a:effectStyle>
-          <a:effectLst>
-            <a:outerShdw blurRad="40000" dist="23000" dir="5400000" rotWithShape="0">
-              <a:srgbClr val="000000">
-                <a:alpha val="35000"/>
-              </a:srgbClr>
-            </a:outerShdw>
-          </a:effectLst>
-        </a:effectStyle>
-        <a:effectStyle>
-          <a:effectLst>
-            <a:outerShdw blurRad="40000" dist="23000" dir="5400000" rotWithShape="0">
-              <a:srgbClr val="000000">
-                <a:alpha val="35000"/>
-              </a:srgbClr>
-            </a:outerShdw>
-          </a:effectLst>
-          <a:scene3d>
-            <a:camera prst="orthographicFront">
-              <a:rot lat="0" lon="0" rev="0"/>
-            </a:camera>
-            <a:lightRig rig="threePt" dir="t">
-              <a:rot lat="0" lon="0" rev="1200000"/>
-            </a:lightRig>
-          </a:scene3d>
-          <a:sp3d>
-            <a:bevelT w="63500" h="25400"/>
-          </a:sp3d>
-        </a:effectStyle>
-      </a:effectStyleLst>
-      <a:bgFillStyleLst>
-        <a:solidFill>
-          <a:schemeClr val="phClr"/>
-        </a:solidFill>
-        <a:gradFill rotWithShape="1">
-          <a:gsLst>
-            <a:gs pos="0">
-              <a:schemeClr val="phClr">
-                <a:tint val="40000"/>
-                <a:satMod val="350000"/>
-              </a:schemeClr>
-            </a:gs>
-            <a:gs pos="40000">
-              <a:schemeClr val="phClr">
-                <a:tint val="45000"/>
-                <a:shade val="99000"/>
-                <a:satMod val="350000"/>
-              </a:schemeClr>
-            </a:gs>
-            <a:gs pos="100000">
-              <a:schemeClr val="phClr">
-                <a:shade val="20000"/>
-                <a:satMod val="255000"/>
-              </a:schemeClr>
-            </a:gs>
-          </a:gsLst>
-          <a:path path="circle">
-            <a:fillToRect l="50000" t="-80000" r="50000" b="180000"/>
-          </a:path>
-        </a:gradFill>
-        <a:gradFill rotWithShape="1">
-          <a:gsLst>
-            <a:gs pos="0">
-              <a:schemeClr val="phClr">
-                <a:tint val="80000"/>
-                <a:satMod val="300000"/>
-              </a:schemeClr>
-            </a:gs>
-            <a:gs pos="100000">
-              <a:schemeClr val="phClr">
-                <a:shade val="30000"/>
-                <a:satMod val="200000"/>
-              </a:schemeClr>
-            </a:gs>
-          </a:gsLst>
-          <a:path path="circle">
-            <a:fillToRect l="50000" t="50000" r="50000" b="50000"/>
-          </a:path>
-        </a:gradFill>
-      </a:bgFillStyleLst>
-    </a:fmtScheme>
-  </a:themeElements>
+  <a:objectDefaults/>
+  <a:extraClrSchemeLst/>
 </a:theme>
 </file>